--- a/Team 3 – Final Project Presentation.pptx
+++ b/Team 3 – Final Project Presentation.pptx
@@ -1,24 +1,25 @@
 
 <file path=ppt/presentation.xml><?xml version="1.0" encoding="utf-8"?>
-<p:presentation xmlns:a="http://schemas.openxmlformats.org/drawingml/2006/main" xmlns:r="http://schemas.openxmlformats.org/officeDocument/2006/relationships" xmlns:mc="http://schemas.openxmlformats.org/markup-compatibility/2006" xmlns:mv="urn:schemas-microsoft-com:mac:vml" xmlns:p="http://schemas.openxmlformats.org/presentationml/2006/main" xmlns:c="http://schemas.openxmlformats.org/drawingml/2006/chart" xmlns:dgm="http://schemas.openxmlformats.org/drawingml/2006/diagram" xmlns:o="urn:schemas-microsoft-com:office:office" xmlns:v="urn:schemas-microsoft-com:vml" xmlns:pvml="urn:schemas-microsoft-com:office:powerpoint" xmlns:com="http://schemas.openxmlformats.org/drawingml/2006/compatibility" xmlns:p14="http://schemas.microsoft.com/office/powerpoint/2010/main" xmlns:p15="http://schemas.microsoft.com/office/powerpoint/2012/main" xmlns:ahyp="http://schemas.microsoft.com/office/drawing/2018/hyperlinkcolor" autoCompressPictures="0" strictFirstAndLastChars="0" saveSubsetFonts="1">
+<p:presentation xmlns:a="http://schemas.openxmlformats.org/drawingml/2006/main" xmlns:r="http://schemas.openxmlformats.org/officeDocument/2006/relationships" xmlns:p="http://schemas.openxmlformats.org/presentationml/2006/main" strictFirstAndLastChars="0" saveSubsetFonts="1" autoCompressPictures="0">
   <p:sldMasterIdLst>
-    <p:sldMasterId id="2147483671" r:id="rId4"/>
-    <p:sldMasterId id="2147483672" r:id="rId5"/>
+    <p:sldMasterId id="2147483671" r:id="rId1"/>
+    <p:sldMasterId id="2147483672" r:id="rId2"/>
   </p:sldMasterIdLst>
   <p:notesMasterIdLst>
-    <p:notesMasterId r:id="rId6"/>
+    <p:notesMasterId r:id="rId9"/>
   </p:notesMasterIdLst>
   <p:sldIdLst>
-    <p:sldId id="256" r:id="rId7"/>
-    <p:sldId id="257" r:id="rId8"/>
-    <p:sldId id="258" r:id="rId9"/>
-    <p:sldId id="259" r:id="rId10"/>
-    <p:sldId id="260" r:id="rId11"/>
+    <p:sldId id="256" r:id="rId3"/>
+    <p:sldId id="257" r:id="rId4"/>
+    <p:sldId id="258" r:id="rId5"/>
+    <p:sldId id="261" r:id="rId6"/>
+    <p:sldId id="259" r:id="rId7"/>
+    <p:sldId id="260" r:id="rId8"/>
   </p:sldIdLst>
-  <p:sldSz cy="5143500" cx="9144000"/>
+  <p:sldSz cx="9144000" cy="5143500" type="screen16x9"/>
   <p:notesSz cx="6858000" cy="9144000"/>
   <p:defaultTextStyle>
-    <a:defPPr lvl="0" marR="0" rtl="0" algn="l">
+    <a:defPPr marR="0" lvl="0" algn="l" rtl="0">
       <a:lnSpc>
         <a:spcPct val="100000"/>
       </a:lnSpc>
@@ -29,7 +30,7 @@
         <a:spcPts val="0"/>
       </a:spcAft>
     </a:defPPr>
-    <a:lvl1pPr lvl="0" marR="0" rtl="0" algn="l">
+    <a:lvl1pPr marR="0" lvl="0" algn="l" rtl="0">
       <a:lnSpc>
         <a:spcPct val="100000"/>
       </a:lnSpc>
@@ -43,7 +44,7 @@
         <a:srgbClr val="000000"/>
       </a:buClr>
       <a:buFont typeface="Arial"/>
-      <a:defRPr b="0" i="0" sz="1400" u="none" cap="none" strike="noStrike">
+      <a:defRPr sz="1400" b="0" i="0" u="none" strike="noStrike" cap="none">
         <a:solidFill>
           <a:srgbClr val="000000"/>
         </a:solidFill>
@@ -53,7 +54,7 @@
         <a:sym typeface="Arial"/>
       </a:defRPr>
     </a:lvl1pPr>
-    <a:lvl2pPr lvl="1" marR="0" rtl="0" algn="l">
+    <a:lvl2pPr marR="0" lvl="1" algn="l" rtl="0">
       <a:lnSpc>
         <a:spcPct val="100000"/>
       </a:lnSpc>
@@ -67,7 +68,7 @@
         <a:srgbClr val="000000"/>
       </a:buClr>
       <a:buFont typeface="Arial"/>
-      <a:defRPr b="0" i="0" sz="1400" u="none" cap="none" strike="noStrike">
+      <a:defRPr sz="1400" b="0" i="0" u="none" strike="noStrike" cap="none">
         <a:solidFill>
           <a:srgbClr val="000000"/>
         </a:solidFill>
@@ -77,7 +78,7 @@
         <a:sym typeface="Arial"/>
       </a:defRPr>
     </a:lvl2pPr>
-    <a:lvl3pPr lvl="2" marR="0" rtl="0" algn="l">
+    <a:lvl3pPr marR="0" lvl="2" algn="l" rtl="0">
       <a:lnSpc>
         <a:spcPct val="100000"/>
       </a:lnSpc>
@@ -91,7 +92,7 @@
         <a:srgbClr val="000000"/>
       </a:buClr>
       <a:buFont typeface="Arial"/>
-      <a:defRPr b="0" i="0" sz="1400" u="none" cap="none" strike="noStrike">
+      <a:defRPr sz="1400" b="0" i="0" u="none" strike="noStrike" cap="none">
         <a:solidFill>
           <a:srgbClr val="000000"/>
         </a:solidFill>
@@ -101,7 +102,7 @@
         <a:sym typeface="Arial"/>
       </a:defRPr>
     </a:lvl3pPr>
-    <a:lvl4pPr lvl="3" marR="0" rtl="0" algn="l">
+    <a:lvl4pPr marR="0" lvl="3" algn="l" rtl="0">
       <a:lnSpc>
         <a:spcPct val="100000"/>
       </a:lnSpc>
@@ -115,7 +116,7 @@
         <a:srgbClr val="000000"/>
       </a:buClr>
       <a:buFont typeface="Arial"/>
-      <a:defRPr b="0" i="0" sz="1400" u="none" cap="none" strike="noStrike">
+      <a:defRPr sz="1400" b="0" i="0" u="none" strike="noStrike" cap="none">
         <a:solidFill>
           <a:srgbClr val="000000"/>
         </a:solidFill>
@@ -125,7 +126,7 @@
         <a:sym typeface="Arial"/>
       </a:defRPr>
     </a:lvl4pPr>
-    <a:lvl5pPr lvl="4" marR="0" rtl="0" algn="l">
+    <a:lvl5pPr marR="0" lvl="4" algn="l" rtl="0">
       <a:lnSpc>
         <a:spcPct val="100000"/>
       </a:lnSpc>
@@ -139,7 +140,7 @@
         <a:srgbClr val="000000"/>
       </a:buClr>
       <a:buFont typeface="Arial"/>
-      <a:defRPr b="0" i="0" sz="1400" u="none" cap="none" strike="noStrike">
+      <a:defRPr sz="1400" b="0" i="0" u="none" strike="noStrike" cap="none">
         <a:solidFill>
           <a:srgbClr val="000000"/>
         </a:solidFill>
@@ -149,7 +150,7 @@
         <a:sym typeface="Arial"/>
       </a:defRPr>
     </a:lvl5pPr>
-    <a:lvl6pPr lvl="5" marR="0" rtl="0" algn="l">
+    <a:lvl6pPr marR="0" lvl="5" algn="l" rtl="0">
       <a:lnSpc>
         <a:spcPct val="100000"/>
       </a:lnSpc>
@@ -163,7 +164,7 @@
         <a:srgbClr val="000000"/>
       </a:buClr>
       <a:buFont typeface="Arial"/>
-      <a:defRPr b="0" i="0" sz="1400" u="none" cap="none" strike="noStrike">
+      <a:defRPr sz="1400" b="0" i="0" u="none" strike="noStrike" cap="none">
         <a:solidFill>
           <a:srgbClr val="000000"/>
         </a:solidFill>
@@ -173,7 +174,7 @@
         <a:sym typeface="Arial"/>
       </a:defRPr>
     </a:lvl6pPr>
-    <a:lvl7pPr lvl="6" marR="0" rtl="0" algn="l">
+    <a:lvl7pPr marR="0" lvl="6" algn="l" rtl="0">
       <a:lnSpc>
         <a:spcPct val="100000"/>
       </a:lnSpc>
@@ -187,7 +188,7 @@
         <a:srgbClr val="000000"/>
       </a:buClr>
       <a:buFont typeface="Arial"/>
-      <a:defRPr b="0" i="0" sz="1400" u="none" cap="none" strike="noStrike">
+      <a:defRPr sz="1400" b="0" i="0" u="none" strike="noStrike" cap="none">
         <a:solidFill>
           <a:srgbClr val="000000"/>
         </a:solidFill>
@@ -197,7 +198,7 @@
         <a:sym typeface="Arial"/>
       </a:defRPr>
     </a:lvl7pPr>
-    <a:lvl8pPr lvl="7" marR="0" rtl="0" algn="l">
+    <a:lvl8pPr marR="0" lvl="7" algn="l" rtl="0">
       <a:lnSpc>
         <a:spcPct val="100000"/>
       </a:lnSpc>
@@ -211,7 +212,7 @@
         <a:srgbClr val="000000"/>
       </a:buClr>
       <a:buFont typeface="Arial"/>
-      <a:defRPr b="0" i="0" sz="1400" u="none" cap="none" strike="noStrike">
+      <a:defRPr sz="1400" b="0" i="0" u="none" strike="noStrike" cap="none">
         <a:solidFill>
           <a:srgbClr val="000000"/>
         </a:solidFill>
@@ -221,7 +222,7 @@
         <a:sym typeface="Arial"/>
       </a:defRPr>
     </a:lvl8pPr>
-    <a:lvl9pPr lvl="8" marR="0" rtl="0" algn="l">
+    <a:lvl9pPr marR="0" lvl="8" algn="l" rtl="0">
       <a:lnSpc>
         <a:spcPct val="100000"/>
       </a:lnSpc>
@@ -235,7 +236,7 @@
         <a:srgbClr val="000000"/>
       </a:buClr>
       <a:buFont typeface="Arial"/>
-      <a:defRPr b="0" i="0" sz="1400" u="none" cap="none" strike="noStrike">
+      <a:defRPr sz="1400" b="0" i="0" u="none" strike="noStrike" cap="none">
         <a:solidFill>
           <a:srgbClr val="000000"/>
         </a:solidFill>
@@ -248,7 +249,7 @@
   </p:defaultTextStyle>
   <p:extLst>
     <p:ext uri="{EFAFB233-063F-42B5-8137-9DF3F51BA10A}">
-      <p15:sldGuideLst>
+      <p15:sldGuideLst xmlns:p15="http://schemas.microsoft.com/office/powerpoint/2012/main">
         <p15:guide id="1" orient="horz" pos="1620">
           <p15:clr>
             <a:srgbClr val="A4A3A4"/>
@@ -266,11 +267,16 @@
 </file>
 
 <file path=ppt/notesMasters/notesMaster1.xml><?xml version="1.0" encoding="utf-8"?>
-<p:notesMaster xmlns:a="http://schemas.openxmlformats.org/drawingml/2006/main" xmlns:r="http://schemas.openxmlformats.org/officeDocument/2006/relationships" xmlns:mc="http://schemas.openxmlformats.org/markup-compatibility/2006" xmlns:mv="urn:schemas-microsoft-com:mac:vml" xmlns:p="http://schemas.openxmlformats.org/presentationml/2006/main" xmlns:c="http://schemas.openxmlformats.org/drawingml/2006/chart" xmlns:dgm="http://schemas.openxmlformats.org/drawingml/2006/diagram" xmlns:o="urn:schemas-microsoft-com:office:office" xmlns:v="urn:schemas-microsoft-com:vml" xmlns:pvml="urn:schemas-microsoft-com:office:powerpoint" xmlns:com="http://schemas.openxmlformats.org/drawingml/2006/compatibility" xmlns:p14="http://schemas.microsoft.com/office/powerpoint/2010/main" xmlns:p15="http://schemas.microsoft.com/office/powerpoint/2012/main" xmlns:ahyp="http://schemas.microsoft.com/office/drawing/2018/hyperlinkcolor">
+<p:notesMaster xmlns:a="http://schemas.openxmlformats.org/drawingml/2006/main" xmlns:r="http://schemas.openxmlformats.org/officeDocument/2006/relationships" xmlns:p="http://schemas.openxmlformats.org/presentationml/2006/main">
   <p:cSld>
+    <p:bg>
+      <p:bgRef idx="1001">
+        <a:schemeClr val="bg1"/>
+      </p:bgRef>
+    </p:bg>
     <p:spTree>
       <p:nvGrpSpPr>
-        <p:cNvPr id="2" name="Shape 2"/>
+        <p:cNvPr id="1" name="Shape 2"/>
         <p:cNvGrpSpPr/>
         <p:nvPr/>
       </p:nvGrpSpPr>
@@ -285,9 +291,11 @@
       <p:sp>
         <p:nvSpPr>
           <p:cNvPr id="3" name="Google Shape;3;n"/>
-          <p:cNvSpPr/>
+          <p:cNvSpPr>
+            <a:spLocks noGrp="1" noRot="1" noChangeAspect="1"/>
+          </p:cNvSpPr>
           <p:nvPr>
-            <p:ph idx="2" type="sldImg"/>
+            <p:ph type="sldImg" idx="2"/>
           </p:nvPr>
         </p:nvSpPr>
         <p:spPr>
@@ -296,9 +304,13 @@
             <a:ext cx="6096075" cy="3429000"/>
           </a:xfrm>
           <a:custGeom>
-            <a:rect b="b" l="l" r="r" t="t"/>
+            <a:avLst/>
+            <a:gdLst/>
+            <a:ahLst/>
+            <a:cxnLst/>
+            <a:rect l="l" t="t" r="r" b="b"/>
             <a:pathLst>
-              <a:path extrusionOk="0" h="120000" w="120000">
+              <a:path w="120000" h="120000" extrusionOk="0">
                 <a:moveTo>
                   <a:pt x="0" y="0"/>
                 </a:moveTo>
@@ -316,23 +328,25 @@
             </a:pathLst>
           </a:custGeom>
           <a:noFill/>
-          <a:ln cap="flat" cmpd="sng" w="9525">
+          <a:ln w="9525" cap="flat" cmpd="sng">
             <a:solidFill>
               <a:srgbClr val="000000"/>
             </a:solidFill>
             <a:prstDash val="solid"/>
             <a:round/>
-            <a:headEnd len="sm" w="sm" type="none"/>
-            <a:tailEnd len="sm" w="sm" type="none"/>
+            <a:headEnd type="none" w="sm" len="sm"/>
+            <a:tailEnd type="none" w="sm" len="sm"/>
           </a:ln>
         </p:spPr>
       </p:sp>
       <p:sp>
         <p:nvSpPr>
           <p:cNvPr id="4" name="Google Shape;4;n"/>
-          <p:cNvSpPr txBox="1"/>
+          <p:cNvSpPr txBox="1">
+            <a:spLocks noGrp="1"/>
+          </p:cNvSpPr>
           <p:nvPr>
-            <p:ph idx="1" type="body"/>
+            <p:ph type="body" idx="1"/>
           </p:nvPr>
         </p:nvSpPr>
         <p:spPr>
@@ -349,11 +363,11 @@
           </a:ln>
         </p:spPr>
         <p:txBody>
-          <a:bodyPr anchorCtr="0" anchor="t" bIns="91425" lIns="91425" spcFirstLastPara="1" rIns="91425" wrap="square" tIns="91425">
+          <a:bodyPr spcFirstLastPara="1" wrap="square" lIns="91425" tIns="91425" rIns="91425" bIns="91425" anchor="t" anchorCtr="0">
             <a:noAutofit/>
           </a:bodyPr>
           <a:lstStyle>
-            <a:lvl1pPr indent="-298450" lvl="0" marL="457200">
+            <a:lvl1pPr marL="457200" lvl="0" indent="-298450">
               <a:spcBef>
                 <a:spcPts val="0"/>
               </a:spcBef>
@@ -364,7 +378,7 @@
               <a:buChar char="●"/>
               <a:defRPr sz="1100"/>
             </a:lvl1pPr>
-            <a:lvl2pPr indent="-298450" lvl="1" marL="914400">
+            <a:lvl2pPr marL="914400" lvl="1" indent="-298450">
               <a:spcBef>
                 <a:spcPts val="0"/>
               </a:spcBef>
@@ -375,7 +389,7 @@
               <a:buChar char="○"/>
               <a:defRPr sz="1100"/>
             </a:lvl2pPr>
-            <a:lvl3pPr indent="-298450" lvl="2" marL="1371600">
+            <a:lvl3pPr marL="1371600" lvl="2" indent="-298450">
               <a:spcBef>
                 <a:spcPts val="0"/>
               </a:spcBef>
@@ -386,7 +400,7 @@
               <a:buChar char="■"/>
               <a:defRPr sz="1100"/>
             </a:lvl3pPr>
-            <a:lvl4pPr indent="-298450" lvl="3" marL="1828800">
+            <a:lvl4pPr marL="1828800" lvl="3" indent="-298450">
               <a:spcBef>
                 <a:spcPts val="0"/>
               </a:spcBef>
@@ -397,7 +411,7 @@
               <a:buChar char="●"/>
               <a:defRPr sz="1100"/>
             </a:lvl4pPr>
-            <a:lvl5pPr indent="-298450" lvl="4" marL="2286000">
+            <a:lvl5pPr marL="2286000" lvl="4" indent="-298450">
               <a:spcBef>
                 <a:spcPts val="0"/>
               </a:spcBef>
@@ -408,7 +422,7 @@
               <a:buChar char="○"/>
               <a:defRPr sz="1100"/>
             </a:lvl5pPr>
-            <a:lvl6pPr indent="-298450" lvl="5" marL="2743200">
+            <a:lvl6pPr marL="2743200" lvl="5" indent="-298450">
               <a:spcBef>
                 <a:spcPts val="0"/>
               </a:spcBef>
@@ -419,7 +433,7 @@
               <a:buChar char="■"/>
               <a:defRPr sz="1100"/>
             </a:lvl6pPr>
-            <a:lvl7pPr indent="-298450" lvl="6" marL="3200400">
+            <a:lvl7pPr marL="3200400" lvl="6" indent="-298450">
               <a:spcBef>
                 <a:spcPts val="0"/>
               </a:spcBef>
@@ -430,7 +444,7 @@
               <a:buChar char="●"/>
               <a:defRPr sz="1100"/>
             </a:lvl7pPr>
-            <a:lvl8pPr indent="-298450" lvl="7" marL="3657600">
+            <a:lvl8pPr marL="3657600" lvl="7" indent="-298450">
               <a:spcBef>
                 <a:spcPts val="0"/>
               </a:spcBef>
@@ -441,7 +455,7 @@
               <a:buChar char="○"/>
               <a:defRPr sz="1100"/>
             </a:lvl8pPr>
-            <a:lvl9pPr indent="-298450" lvl="8" marL="4114800">
+            <a:lvl9pPr marL="4114800" lvl="8" indent="-298450">
               <a:spcBef>
                 <a:spcPts val="0"/>
               </a:spcBef>
@@ -453,14 +467,16 @@
               <a:defRPr sz="1100"/>
             </a:lvl9pPr>
           </a:lstStyle>
-          <a:p/>
+          <a:p>
+            <a:endParaRPr/>
+          </a:p>
         </p:txBody>
       </p:sp>
     </p:spTree>
   </p:cSld>
-  <p:clrMap accent1="accent1" accent2="accent2" accent3="accent3" accent4="accent4" accent5="accent5" accent6="accent6" bg1="lt1" bg2="dk2" tx1="dk1" tx2="lt2" folHlink="folHlink" hlink="hlink"/>
+  <p:clrMap bg1="lt1" tx1="dk1" bg2="dk2" tx2="lt2" accent1="accent1" accent2="accent2" accent3="accent3" accent4="accent4" accent5="accent5" accent6="accent6" hlink="hlink" folHlink="folHlink"/>
   <p:notesStyle>
-    <a:defPPr lvl="0" marR="0" rtl="0" algn="l">
+    <a:defPPr marR="0" lvl="0" algn="l" rtl="0">
       <a:lnSpc>
         <a:spcPct val="100000"/>
       </a:lnSpc>
@@ -471,7 +487,7 @@
         <a:spcPts val="0"/>
       </a:spcAft>
     </a:defPPr>
-    <a:lvl1pPr lvl="0" marR="0" rtl="0" algn="l">
+    <a:lvl1pPr marR="0" lvl="0" algn="l" rtl="0">
       <a:lnSpc>
         <a:spcPct val="100000"/>
       </a:lnSpc>
@@ -485,7 +501,7 @@
         <a:srgbClr val="000000"/>
       </a:buClr>
       <a:buFont typeface="Arial"/>
-      <a:defRPr b="0" i="0" sz="1400" u="none" cap="none" strike="noStrike">
+      <a:defRPr sz="1400" b="0" i="0" u="none" strike="noStrike" cap="none">
         <a:solidFill>
           <a:srgbClr val="000000"/>
         </a:solidFill>
@@ -495,7 +511,7 @@
         <a:sym typeface="Arial"/>
       </a:defRPr>
     </a:lvl1pPr>
-    <a:lvl2pPr lvl="1" marR="0" rtl="0" algn="l">
+    <a:lvl2pPr marR="0" lvl="1" algn="l" rtl="0">
       <a:lnSpc>
         <a:spcPct val="100000"/>
       </a:lnSpc>
@@ -509,7 +525,7 @@
         <a:srgbClr val="000000"/>
       </a:buClr>
       <a:buFont typeface="Arial"/>
-      <a:defRPr b="0" i="0" sz="1400" u="none" cap="none" strike="noStrike">
+      <a:defRPr sz="1400" b="0" i="0" u="none" strike="noStrike" cap="none">
         <a:solidFill>
           <a:srgbClr val="000000"/>
         </a:solidFill>
@@ -519,7 +535,7 @@
         <a:sym typeface="Arial"/>
       </a:defRPr>
     </a:lvl2pPr>
-    <a:lvl3pPr lvl="2" marR="0" rtl="0" algn="l">
+    <a:lvl3pPr marR="0" lvl="2" algn="l" rtl="0">
       <a:lnSpc>
         <a:spcPct val="100000"/>
       </a:lnSpc>
@@ -533,7 +549,7 @@
         <a:srgbClr val="000000"/>
       </a:buClr>
       <a:buFont typeface="Arial"/>
-      <a:defRPr b="0" i="0" sz="1400" u="none" cap="none" strike="noStrike">
+      <a:defRPr sz="1400" b="0" i="0" u="none" strike="noStrike" cap="none">
         <a:solidFill>
           <a:srgbClr val="000000"/>
         </a:solidFill>
@@ -543,7 +559,7 @@
         <a:sym typeface="Arial"/>
       </a:defRPr>
     </a:lvl3pPr>
-    <a:lvl4pPr lvl="3" marR="0" rtl="0" algn="l">
+    <a:lvl4pPr marR="0" lvl="3" algn="l" rtl="0">
       <a:lnSpc>
         <a:spcPct val="100000"/>
       </a:lnSpc>
@@ -557,7 +573,7 @@
         <a:srgbClr val="000000"/>
       </a:buClr>
       <a:buFont typeface="Arial"/>
-      <a:defRPr b="0" i="0" sz="1400" u="none" cap="none" strike="noStrike">
+      <a:defRPr sz="1400" b="0" i="0" u="none" strike="noStrike" cap="none">
         <a:solidFill>
           <a:srgbClr val="000000"/>
         </a:solidFill>
@@ -567,7 +583,7 @@
         <a:sym typeface="Arial"/>
       </a:defRPr>
     </a:lvl4pPr>
-    <a:lvl5pPr lvl="4" marR="0" rtl="0" algn="l">
+    <a:lvl5pPr marR="0" lvl="4" algn="l" rtl="0">
       <a:lnSpc>
         <a:spcPct val="100000"/>
       </a:lnSpc>
@@ -581,7 +597,7 @@
         <a:srgbClr val="000000"/>
       </a:buClr>
       <a:buFont typeface="Arial"/>
-      <a:defRPr b="0" i="0" sz="1400" u="none" cap="none" strike="noStrike">
+      <a:defRPr sz="1400" b="0" i="0" u="none" strike="noStrike" cap="none">
         <a:solidFill>
           <a:srgbClr val="000000"/>
         </a:solidFill>
@@ -591,7 +607,7 @@
         <a:sym typeface="Arial"/>
       </a:defRPr>
     </a:lvl5pPr>
-    <a:lvl6pPr lvl="5" marR="0" rtl="0" algn="l">
+    <a:lvl6pPr marR="0" lvl="5" algn="l" rtl="0">
       <a:lnSpc>
         <a:spcPct val="100000"/>
       </a:lnSpc>
@@ -605,7 +621,7 @@
         <a:srgbClr val="000000"/>
       </a:buClr>
       <a:buFont typeface="Arial"/>
-      <a:defRPr b="0" i="0" sz="1400" u="none" cap="none" strike="noStrike">
+      <a:defRPr sz="1400" b="0" i="0" u="none" strike="noStrike" cap="none">
         <a:solidFill>
           <a:srgbClr val="000000"/>
         </a:solidFill>
@@ -615,7 +631,7 @@
         <a:sym typeface="Arial"/>
       </a:defRPr>
     </a:lvl6pPr>
-    <a:lvl7pPr lvl="6" marR="0" rtl="0" algn="l">
+    <a:lvl7pPr marR="0" lvl="6" algn="l" rtl="0">
       <a:lnSpc>
         <a:spcPct val="100000"/>
       </a:lnSpc>
@@ -629,7 +645,7 @@
         <a:srgbClr val="000000"/>
       </a:buClr>
       <a:buFont typeface="Arial"/>
-      <a:defRPr b="0" i="0" sz="1400" u="none" cap="none" strike="noStrike">
+      <a:defRPr sz="1400" b="0" i="0" u="none" strike="noStrike" cap="none">
         <a:solidFill>
           <a:srgbClr val="000000"/>
         </a:solidFill>
@@ -639,7 +655,7 @@
         <a:sym typeface="Arial"/>
       </a:defRPr>
     </a:lvl7pPr>
-    <a:lvl8pPr lvl="7" marR="0" rtl="0" algn="l">
+    <a:lvl8pPr marR="0" lvl="7" algn="l" rtl="0">
       <a:lnSpc>
         <a:spcPct val="100000"/>
       </a:lnSpc>
@@ -653,7 +669,7 @@
         <a:srgbClr val="000000"/>
       </a:buClr>
       <a:buFont typeface="Arial"/>
-      <a:defRPr b="0" i="0" sz="1400" u="none" cap="none" strike="noStrike">
+      <a:defRPr sz="1400" b="0" i="0" u="none" strike="noStrike" cap="none">
         <a:solidFill>
           <a:srgbClr val="000000"/>
         </a:solidFill>
@@ -663,7 +679,7 @@
         <a:sym typeface="Arial"/>
       </a:defRPr>
     </a:lvl8pPr>
-    <a:lvl9pPr lvl="8" marR="0" rtl="0" algn="l">
+    <a:lvl9pPr marR="0" lvl="8" algn="l" rtl="0">
       <a:lnSpc>
         <a:spcPct val="100000"/>
       </a:lnSpc>
@@ -677,7 +693,7 @@
         <a:srgbClr val="000000"/>
       </a:buClr>
       <a:buFont typeface="Arial"/>
-      <a:defRPr b="0" i="0" sz="1400" u="none" cap="none" strike="noStrike">
+      <a:defRPr sz="1400" b="0" i="0" u="none" strike="noStrike" cap="none">
         <a:solidFill>
           <a:srgbClr val="000000"/>
         </a:solidFill>
@@ -692,11 +708,11 @@
 </file>
 
 <file path=ppt/notesSlides/notesSlide1.xml><?xml version="1.0" encoding="utf-8"?>
-<p:notes xmlns:a="http://schemas.openxmlformats.org/drawingml/2006/main" xmlns:r="http://schemas.openxmlformats.org/officeDocument/2006/relationships" xmlns:mc="http://schemas.openxmlformats.org/markup-compatibility/2006" xmlns:mv="urn:schemas-microsoft-com:mac:vml" xmlns:p="http://schemas.openxmlformats.org/presentationml/2006/main" xmlns:c="http://schemas.openxmlformats.org/drawingml/2006/chart" xmlns:dgm="http://schemas.openxmlformats.org/drawingml/2006/diagram" xmlns:o="urn:schemas-microsoft-com:office:office" xmlns:v="urn:schemas-microsoft-com:vml" xmlns:pvml="urn:schemas-microsoft-com:office:powerpoint" xmlns:com="http://schemas.openxmlformats.org/drawingml/2006/compatibility" xmlns:p14="http://schemas.microsoft.com/office/powerpoint/2010/main" xmlns:p15="http://schemas.microsoft.com/office/powerpoint/2012/main" xmlns:ahyp="http://schemas.microsoft.com/office/drawing/2018/hyperlinkcolor" showMasterPhAnim="0" showMasterSp="0">
+<p:notes xmlns:a="http://schemas.openxmlformats.org/drawingml/2006/main" xmlns:r="http://schemas.openxmlformats.org/officeDocument/2006/relationships" xmlns:p="http://schemas.openxmlformats.org/presentationml/2006/main" showMasterSp="0" showMasterPhAnim="0">
   <p:cSld>
     <p:spTree>
       <p:nvGrpSpPr>
-        <p:cNvPr id="119" name="Shape 119"/>
+        <p:cNvPr id="1" name="Shape 119"/>
         <p:cNvGrpSpPr/>
         <p:nvPr/>
       </p:nvGrpSpPr>
@@ -711,9 +727,11 @@
       <p:sp>
         <p:nvSpPr>
           <p:cNvPr id="120" name="Google Shape;120;g1adff10c7b5_2_69:notes"/>
-          <p:cNvSpPr txBox="1"/>
+          <p:cNvSpPr txBox="1">
+            <a:spLocks noGrp="1"/>
+          </p:cNvSpPr>
           <p:nvPr>
-            <p:ph idx="1" type="body"/>
+            <p:ph type="body" idx="1"/>
           </p:nvPr>
         </p:nvSpPr>
         <p:spPr>
@@ -726,12 +744,12 @@
           </a:prstGeom>
         </p:spPr>
         <p:txBody>
-          <a:bodyPr anchorCtr="0" anchor="t" bIns="91425" lIns="91425" spcFirstLastPara="1" rIns="91425" wrap="square" tIns="91425">
+          <a:bodyPr spcFirstLastPara="1" wrap="square" lIns="91425" tIns="91425" rIns="91425" bIns="91425" anchor="t" anchorCtr="0">
             <a:noAutofit/>
           </a:bodyPr>
           <a:lstStyle/>
           <a:p>
-            <a:pPr indent="0" lvl="0" marL="0" rtl="0" algn="l">
+            <a:pPr marL="0" lvl="0" indent="0" algn="l" rtl="0">
               <a:spcBef>
                 <a:spcPts val="0"/>
               </a:spcBef>
@@ -740,9 +758,6 @@
               </a:spcAft>
               <a:buNone/>
             </a:pPr>
-            <a:r>
-              <a:t/>
-            </a:r>
             <a:endParaRPr/>
           </a:p>
         </p:txBody>
@@ -750,9 +765,11 @@
       <p:sp>
         <p:nvSpPr>
           <p:cNvPr id="121" name="Google Shape;121;g1adff10c7b5_2_69:notes"/>
-          <p:cNvSpPr/>
+          <p:cNvSpPr>
+            <a:spLocks noGrp="1" noRot="1" noChangeAspect="1"/>
+          </p:cNvSpPr>
           <p:nvPr>
-            <p:ph idx="2" type="sldImg"/>
+            <p:ph type="sldImg" idx="2"/>
           </p:nvPr>
         </p:nvSpPr>
         <p:spPr>
@@ -761,9 +778,13 @@
             <a:ext cx="4572225" cy="3429000"/>
           </a:xfrm>
           <a:custGeom>
-            <a:rect b="b" l="l" r="r" t="t"/>
+            <a:avLst/>
+            <a:gdLst/>
+            <a:ahLst/>
+            <a:cxnLst/>
+            <a:rect l="l" t="t" r="r" b="b"/>
             <a:pathLst>
-              <a:path extrusionOk="0" h="120000" w="120000">
+              <a:path w="120000" h="120000" extrusionOk="0">
                 <a:moveTo>
                   <a:pt x="0" y="0"/>
                 </a:moveTo>
@@ -791,11 +812,11 @@
 </file>
 
 <file path=ppt/notesSlides/notesSlide2.xml><?xml version="1.0" encoding="utf-8"?>
-<p:notes xmlns:a="http://schemas.openxmlformats.org/drawingml/2006/main" xmlns:r="http://schemas.openxmlformats.org/officeDocument/2006/relationships" xmlns:mc="http://schemas.openxmlformats.org/markup-compatibility/2006" xmlns:mv="urn:schemas-microsoft-com:mac:vml" xmlns:p="http://schemas.openxmlformats.org/presentationml/2006/main" xmlns:c="http://schemas.openxmlformats.org/drawingml/2006/chart" xmlns:dgm="http://schemas.openxmlformats.org/drawingml/2006/diagram" xmlns:o="urn:schemas-microsoft-com:office:office" xmlns:v="urn:schemas-microsoft-com:vml" xmlns:pvml="urn:schemas-microsoft-com:office:powerpoint" xmlns:com="http://schemas.openxmlformats.org/drawingml/2006/compatibility" xmlns:p14="http://schemas.microsoft.com/office/powerpoint/2010/main" xmlns:p15="http://schemas.microsoft.com/office/powerpoint/2012/main" xmlns:ahyp="http://schemas.microsoft.com/office/drawing/2018/hyperlinkcolor" showMasterPhAnim="0" showMasterSp="0">
+<p:notes xmlns:a="http://schemas.openxmlformats.org/drawingml/2006/main" xmlns:r="http://schemas.openxmlformats.org/officeDocument/2006/relationships" xmlns:p="http://schemas.openxmlformats.org/presentationml/2006/main" showMasterSp="0" showMasterPhAnim="0">
   <p:cSld>
     <p:spTree>
       <p:nvGrpSpPr>
-        <p:cNvPr id="126" name="Shape 126"/>
+        <p:cNvPr id="1" name="Shape 126"/>
         <p:cNvGrpSpPr/>
         <p:nvPr/>
       </p:nvGrpSpPr>
@@ -810,9 +831,11 @@
       <p:sp>
         <p:nvSpPr>
           <p:cNvPr id="127" name="Google Shape;127;g1adff10c7b5_2_76:notes"/>
-          <p:cNvSpPr txBox="1"/>
+          <p:cNvSpPr txBox="1">
+            <a:spLocks noGrp="1"/>
+          </p:cNvSpPr>
           <p:nvPr>
-            <p:ph idx="1" type="body"/>
+            <p:ph type="body" idx="1"/>
           </p:nvPr>
         </p:nvSpPr>
         <p:spPr>
@@ -825,12 +848,12 @@
           </a:prstGeom>
         </p:spPr>
         <p:txBody>
-          <a:bodyPr anchorCtr="0" anchor="t" bIns="91425" lIns="91425" spcFirstLastPara="1" rIns="91425" wrap="square" tIns="91425">
+          <a:bodyPr spcFirstLastPara="1" wrap="square" lIns="91425" tIns="91425" rIns="91425" bIns="91425" anchor="t" anchorCtr="0">
             <a:noAutofit/>
           </a:bodyPr>
           <a:lstStyle/>
           <a:p>
-            <a:pPr indent="0" lvl="0" marL="0" rtl="0" algn="l">
+            <a:pPr marL="0" lvl="0" indent="0" algn="l" rtl="0">
               <a:spcBef>
                 <a:spcPts val="0"/>
               </a:spcBef>
@@ -839,9 +862,6 @@
               </a:spcAft>
               <a:buNone/>
             </a:pPr>
-            <a:r>
-              <a:t/>
-            </a:r>
             <a:endParaRPr/>
           </a:p>
         </p:txBody>
@@ -849,9 +869,11 @@
       <p:sp>
         <p:nvSpPr>
           <p:cNvPr id="128" name="Google Shape;128;g1adff10c7b5_2_76:notes"/>
-          <p:cNvSpPr/>
+          <p:cNvSpPr>
+            <a:spLocks noGrp="1" noRot="1" noChangeAspect="1"/>
+          </p:cNvSpPr>
           <p:nvPr>
-            <p:ph idx="2" type="sldImg"/>
+            <p:ph type="sldImg" idx="2"/>
           </p:nvPr>
         </p:nvSpPr>
         <p:spPr>
@@ -860,9 +882,13 @@
             <a:ext cx="4572225" cy="3429000"/>
           </a:xfrm>
           <a:custGeom>
-            <a:rect b="b" l="l" r="r" t="t"/>
+            <a:avLst/>
+            <a:gdLst/>
+            <a:ahLst/>
+            <a:cxnLst/>
+            <a:rect l="l" t="t" r="r" b="b"/>
             <a:pathLst>
-              <a:path extrusionOk="0" h="120000" w="120000">
+              <a:path w="120000" h="120000" extrusionOk="0">
                 <a:moveTo>
                   <a:pt x="0" y="0"/>
                 </a:moveTo>
@@ -890,11 +916,11 @@
 </file>
 
 <file path=ppt/notesSlides/notesSlide3.xml><?xml version="1.0" encoding="utf-8"?>
-<p:notes xmlns:a="http://schemas.openxmlformats.org/drawingml/2006/main" xmlns:r="http://schemas.openxmlformats.org/officeDocument/2006/relationships" xmlns:mc="http://schemas.openxmlformats.org/markup-compatibility/2006" xmlns:mv="urn:schemas-microsoft-com:mac:vml" xmlns:p="http://schemas.openxmlformats.org/presentationml/2006/main" xmlns:c="http://schemas.openxmlformats.org/drawingml/2006/chart" xmlns:dgm="http://schemas.openxmlformats.org/drawingml/2006/diagram" xmlns:o="urn:schemas-microsoft-com:office:office" xmlns:v="urn:schemas-microsoft-com:vml" xmlns:pvml="urn:schemas-microsoft-com:office:powerpoint" xmlns:com="http://schemas.openxmlformats.org/drawingml/2006/compatibility" xmlns:p14="http://schemas.microsoft.com/office/powerpoint/2010/main" xmlns:p15="http://schemas.microsoft.com/office/powerpoint/2012/main" xmlns:ahyp="http://schemas.microsoft.com/office/drawing/2018/hyperlinkcolor" showMasterPhAnim="0" showMasterSp="0">
+<p:notes xmlns:a="http://schemas.openxmlformats.org/drawingml/2006/main" xmlns:r="http://schemas.openxmlformats.org/officeDocument/2006/relationships" xmlns:p="http://schemas.openxmlformats.org/presentationml/2006/main" showMasterSp="0" showMasterPhAnim="0">
   <p:cSld>
     <p:spTree>
       <p:nvGrpSpPr>
-        <p:cNvPr id="132" name="Shape 132"/>
+        <p:cNvPr id="1" name="Shape 132"/>
         <p:cNvGrpSpPr/>
         <p:nvPr/>
       </p:nvGrpSpPr>
@@ -909,9 +935,11 @@
       <p:sp>
         <p:nvSpPr>
           <p:cNvPr id="133" name="Google Shape;133;g1adff10c7b5_2_81:notes"/>
-          <p:cNvSpPr txBox="1"/>
+          <p:cNvSpPr txBox="1">
+            <a:spLocks noGrp="1"/>
+          </p:cNvSpPr>
           <p:nvPr>
-            <p:ph idx="1" type="body"/>
+            <p:ph type="body" idx="1"/>
           </p:nvPr>
         </p:nvSpPr>
         <p:spPr>
@@ -924,12 +952,12 @@
           </a:prstGeom>
         </p:spPr>
         <p:txBody>
-          <a:bodyPr anchorCtr="0" anchor="t" bIns="91425" lIns="91425" spcFirstLastPara="1" rIns="91425" wrap="square" tIns="91425">
+          <a:bodyPr spcFirstLastPara="1" wrap="square" lIns="91425" tIns="91425" rIns="91425" bIns="91425" anchor="t" anchorCtr="0">
             <a:noAutofit/>
           </a:bodyPr>
           <a:lstStyle/>
           <a:p>
-            <a:pPr indent="0" lvl="0" marL="0" rtl="0" algn="l">
+            <a:pPr marL="0" lvl="0" indent="0" algn="l" rtl="0">
               <a:spcBef>
                 <a:spcPts val="0"/>
               </a:spcBef>
@@ -938,9 +966,6 @@
               </a:spcAft>
               <a:buNone/>
             </a:pPr>
-            <a:r>
-              <a:t/>
-            </a:r>
             <a:endParaRPr/>
           </a:p>
         </p:txBody>
@@ -948,9 +973,11 @@
       <p:sp>
         <p:nvSpPr>
           <p:cNvPr id="134" name="Google Shape;134;g1adff10c7b5_2_81:notes"/>
-          <p:cNvSpPr/>
+          <p:cNvSpPr>
+            <a:spLocks noGrp="1" noRot="1" noChangeAspect="1"/>
+          </p:cNvSpPr>
           <p:nvPr>
-            <p:ph idx="2" type="sldImg"/>
+            <p:ph type="sldImg" idx="2"/>
           </p:nvPr>
         </p:nvSpPr>
         <p:spPr>
@@ -959,9 +986,13 @@
             <a:ext cx="4572225" cy="3429000"/>
           </a:xfrm>
           <a:custGeom>
-            <a:rect b="b" l="l" r="r" t="t"/>
+            <a:avLst/>
+            <a:gdLst/>
+            <a:ahLst/>
+            <a:cxnLst/>
+            <a:rect l="l" t="t" r="r" b="b"/>
             <a:pathLst>
-              <a:path extrusionOk="0" h="120000" w="120000">
+              <a:path w="120000" h="120000" extrusionOk="0">
                 <a:moveTo>
                   <a:pt x="0" y="0"/>
                 </a:moveTo>
@@ -989,11 +1020,11 @@
 </file>
 
 <file path=ppt/notesSlides/notesSlide4.xml><?xml version="1.0" encoding="utf-8"?>
-<p:notes xmlns:a="http://schemas.openxmlformats.org/drawingml/2006/main" xmlns:r="http://schemas.openxmlformats.org/officeDocument/2006/relationships" xmlns:mc="http://schemas.openxmlformats.org/markup-compatibility/2006" xmlns:mv="urn:schemas-microsoft-com:mac:vml" xmlns:p="http://schemas.openxmlformats.org/presentationml/2006/main" xmlns:c="http://schemas.openxmlformats.org/drawingml/2006/chart" xmlns:dgm="http://schemas.openxmlformats.org/drawingml/2006/diagram" xmlns:o="urn:schemas-microsoft-com:office:office" xmlns:v="urn:schemas-microsoft-com:vml" xmlns:pvml="urn:schemas-microsoft-com:office:powerpoint" xmlns:com="http://schemas.openxmlformats.org/drawingml/2006/compatibility" xmlns:p14="http://schemas.microsoft.com/office/powerpoint/2010/main" xmlns:p15="http://schemas.microsoft.com/office/powerpoint/2012/main" xmlns:ahyp="http://schemas.microsoft.com/office/drawing/2018/hyperlinkcolor" showMasterPhAnim="0" showMasterSp="0">
+<p:notes xmlns:a="http://schemas.openxmlformats.org/drawingml/2006/main" xmlns:r="http://schemas.openxmlformats.org/officeDocument/2006/relationships" xmlns:p="http://schemas.openxmlformats.org/presentationml/2006/main" showMasterSp="0" showMasterPhAnim="0">
   <p:cSld>
     <p:spTree>
       <p:nvGrpSpPr>
-        <p:cNvPr id="138" name="Shape 138"/>
+        <p:cNvPr id="1" name="Shape 138"/>
         <p:cNvGrpSpPr/>
         <p:nvPr/>
       </p:nvGrpSpPr>
@@ -1008,9 +1039,11 @@
       <p:sp>
         <p:nvSpPr>
           <p:cNvPr id="139" name="Google Shape;139;g1adff10c7b5_2_86:notes"/>
-          <p:cNvSpPr txBox="1"/>
+          <p:cNvSpPr txBox="1">
+            <a:spLocks noGrp="1"/>
+          </p:cNvSpPr>
           <p:nvPr>
-            <p:ph idx="1" type="body"/>
+            <p:ph type="body" idx="1"/>
           </p:nvPr>
         </p:nvSpPr>
         <p:spPr>
@@ -1023,12 +1056,12 @@
           </a:prstGeom>
         </p:spPr>
         <p:txBody>
-          <a:bodyPr anchorCtr="0" anchor="t" bIns="91425" lIns="91425" spcFirstLastPara="1" rIns="91425" wrap="square" tIns="91425">
+          <a:bodyPr spcFirstLastPara="1" wrap="square" lIns="91425" tIns="91425" rIns="91425" bIns="91425" anchor="t" anchorCtr="0">
             <a:noAutofit/>
           </a:bodyPr>
           <a:lstStyle/>
           <a:p>
-            <a:pPr indent="0" lvl="0" marL="0" rtl="0" algn="l">
+            <a:pPr marL="0" lvl="0" indent="0" algn="l" rtl="0">
               <a:spcBef>
                 <a:spcPts val="0"/>
               </a:spcBef>
@@ -1037,9 +1070,6 @@
               </a:spcAft>
               <a:buNone/>
             </a:pPr>
-            <a:r>
-              <a:t/>
-            </a:r>
             <a:endParaRPr/>
           </a:p>
         </p:txBody>
@@ -1047,9 +1077,11 @@
       <p:sp>
         <p:nvSpPr>
           <p:cNvPr id="140" name="Google Shape;140;g1adff10c7b5_2_86:notes"/>
-          <p:cNvSpPr/>
+          <p:cNvSpPr>
+            <a:spLocks noGrp="1" noRot="1" noChangeAspect="1"/>
+          </p:cNvSpPr>
           <p:nvPr>
-            <p:ph idx="2" type="sldImg"/>
+            <p:ph type="sldImg" idx="2"/>
           </p:nvPr>
         </p:nvSpPr>
         <p:spPr>
@@ -1058,9 +1090,13 @@
             <a:ext cx="4572225" cy="3429000"/>
           </a:xfrm>
           <a:custGeom>
-            <a:rect b="b" l="l" r="r" t="t"/>
+            <a:avLst/>
+            <a:gdLst/>
+            <a:ahLst/>
+            <a:cxnLst/>
+            <a:rect l="l" t="t" r="r" b="b"/>
             <a:pathLst>
-              <a:path extrusionOk="0" h="120000" w="120000">
+              <a:path w="120000" h="120000" extrusionOk="0">
                 <a:moveTo>
                   <a:pt x="0" y="0"/>
                 </a:moveTo>
@@ -1088,11 +1124,11 @@
 </file>
 
 <file path=ppt/notesSlides/notesSlide5.xml><?xml version="1.0" encoding="utf-8"?>
-<p:notes xmlns:a="http://schemas.openxmlformats.org/drawingml/2006/main" xmlns:r="http://schemas.openxmlformats.org/officeDocument/2006/relationships" xmlns:mc="http://schemas.openxmlformats.org/markup-compatibility/2006" xmlns:mv="urn:schemas-microsoft-com:mac:vml" xmlns:p="http://schemas.openxmlformats.org/presentationml/2006/main" xmlns:c="http://schemas.openxmlformats.org/drawingml/2006/chart" xmlns:dgm="http://schemas.openxmlformats.org/drawingml/2006/diagram" xmlns:o="urn:schemas-microsoft-com:office:office" xmlns:v="urn:schemas-microsoft-com:vml" xmlns:pvml="urn:schemas-microsoft-com:office:powerpoint" xmlns:com="http://schemas.openxmlformats.org/drawingml/2006/compatibility" xmlns:p14="http://schemas.microsoft.com/office/powerpoint/2010/main" xmlns:p15="http://schemas.microsoft.com/office/powerpoint/2012/main" xmlns:ahyp="http://schemas.microsoft.com/office/drawing/2018/hyperlinkcolor" showMasterPhAnim="0" showMasterSp="0">
+<p:notes xmlns:a="http://schemas.openxmlformats.org/drawingml/2006/main" xmlns:r="http://schemas.openxmlformats.org/officeDocument/2006/relationships" xmlns:p="http://schemas.openxmlformats.org/presentationml/2006/main" showMasterSp="0" showMasterPhAnim="0">
   <p:cSld>
     <p:spTree>
       <p:nvGrpSpPr>
-        <p:cNvPr id="143" name="Shape 143"/>
+        <p:cNvPr id="1" name="Shape 143"/>
         <p:cNvGrpSpPr/>
         <p:nvPr/>
       </p:nvGrpSpPr>
@@ -1107,9 +1143,11 @@
       <p:sp>
         <p:nvSpPr>
           <p:cNvPr id="144" name="Google Shape;144;g1adff10c7b5_2_90:notes"/>
-          <p:cNvSpPr txBox="1"/>
+          <p:cNvSpPr txBox="1">
+            <a:spLocks noGrp="1"/>
+          </p:cNvSpPr>
           <p:nvPr>
-            <p:ph idx="1" type="body"/>
+            <p:ph type="body" idx="1"/>
           </p:nvPr>
         </p:nvSpPr>
         <p:spPr>
@@ -1122,12 +1160,12 @@
           </a:prstGeom>
         </p:spPr>
         <p:txBody>
-          <a:bodyPr anchorCtr="0" anchor="t" bIns="91425" lIns="91425" spcFirstLastPara="1" rIns="91425" wrap="square" tIns="91425">
+          <a:bodyPr spcFirstLastPara="1" wrap="square" lIns="91425" tIns="91425" rIns="91425" bIns="91425" anchor="t" anchorCtr="0">
             <a:noAutofit/>
           </a:bodyPr>
           <a:lstStyle/>
           <a:p>
-            <a:pPr indent="0" lvl="0" marL="0" rtl="0" algn="l">
+            <a:pPr marL="0" lvl="0" indent="0" algn="l" rtl="0">
               <a:spcBef>
                 <a:spcPts val="0"/>
               </a:spcBef>
@@ -1136,9 +1174,6 @@
               </a:spcAft>
               <a:buNone/>
             </a:pPr>
-            <a:r>
-              <a:t/>
-            </a:r>
             <a:endParaRPr/>
           </a:p>
         </p:txBody>
@@ -1146,9 +1181,11 @@
       <p:sp>
         <p:nvSpPr>
           <p:cNvPr id="145" name="Google Shape;145;g1adff10c7b5_2_90:notes"/>
-          <p:cNvSpPr/>
+          <p:cNvSpPr>
+            <a:spLocks noGrp="1" noRot="1" noChangeAspect="1"/>
+          </p:cNvSpPr>
           <p:nvPr>
-            <p:ph idx="2" type="sldImg"/>
+            <p:ph type="sldImg" idx="2"/>
           </p:nvPr>
         </p:nvSpPr>
         <p:spPr>
@@ -1157,9 +1194,13 @@
             <a:ext cx="4572225" cy="3429000"/>
           </a:xfrm>
           <a:custGeom>
-            <a:rect b="b" l="l" r="r" t="t"/>
+            <a:avLst/>
+            <a:gdLst/>
+            <a:ahLst/>
+            <a:cxnLst/>
+            <a:rect l="l" t="t" r="r" b="b"/>
             <a:pathLst>
-              <a:path extrusionOk="0" h="120000" w="120000">
+              <a:path w="120000" h="120000" extrusionOk="0">
                 <a:moveTo>
                   <a:pt x="0" y="0"/>
                 </a:moveTo>
@@ -1187,11 +1228,11 @@
 </file>
 
 <file path=ppt/slideLayouts/slideLayout1.xml><?xml version="1.0" encoding="utf-8"?>
-<p:sldLayout xmlns:a="http://schemas.openxmlformats.org/drawingml/2006/main" xmlns:r="http://schemas.openxmlformats.org/officeDocument/2006/relationships" xmlns:mc="http://schemas.openxmlformats.org/markup-compatibility/2006" xmlns:mv="urn:schemas-microsoft-com:mac:vml" xmlns:p="http://schemas.openxmlformats.org/presentationml/2006/main" xmlns:c="http://schemas.openxmlformats.org/drawingml/2006/chart" xmlns:dgm="http://schemas.openxmlformats.org/drawingml/2006/diagram" xmlns:o="urn:schemas-microsoft-com:office:office" xmlns:v="urn:schemas-microsoft-com:vml" xmlns:pvml="urn:schemas-microsoft-com:office:powerpoint" xmlns:com="http://schemas.openxmlformats.org/drawingml/2006/compatibility" xmlns:p14="http://schemas.microsoft.com/office/powerpoint/2010/main" xmlns:p15="http://schemas.microsoft.com/office/powerpoint/2012/main" xmlns:ahyp="http://schemas.microsoft.com/office/drawing/2018/hyperlinkcolor" matchingName="Title slide" type="title">
+<p:sldLayout xmlns:a="http://schemas.openxmlformats.org/drawingml/2006/main" xmlns:r="http://schemas.openxmlformats.org/officeDocument/2006/relationships" xmlns:p="http://schemas.openxmlformats.org/presentationml/2006/main" matchingName="Title slide" type="title">
   <p:cSld name="TITLE">
     <p:spTree>
       <p:nvGrpSpPr>
-        <p:cNvPr id="9" name="Shape 9"/>
+        <p:cNvPr id="1" name="Shape 9"/>
         <p:cNvGrpSpPr/>
         <p:nvPr/>
       </p:nvGrpSpPr>
@@ -1206,7 +1247,9 @@
       <p:sp>
         <p:nvSpPr>
           <p:cNvPr id="10" name="Google Shape;10;p2"/>
-          <p:cNvSpPr txBox="1"/>
+          <p:cNvSpPr txBox="1">
+            <a:spLocks noGrp="1"/>
+          </p:cNvSpPr>
           <p:nvPr>
             <p:ph type="ctrTitle"/>
           </p:nvPr>
@@ -1221,7 +1264,7 @@
           </a:prstGeom>
         </p:spPr>
         <p:txBody>
-          <a:bodyPr anchorCtr="0" anchor="b" bIns="91425" lIns="91425" spcFirstLastPara="1" rIns="91425" wrap="square" tIns="91425">
+          <a:bodyPr spcFirstLastPara="1" wrap="square" lIns="91425" tIns="91425" rIns="91425" bIns="91425" anchor="b" anchorCtr="0">
             <a:normAutofit/>
           </a:bodyPr>
           <a:lstStyle>
@@ -1325,15 +1368,19 @@
               <a:defRPr sz="5200"/>
             </a:lvl9pPr>
           </a:lstStyle>
-          <a:p/>
+          <a:p>
+            <a:endParaRPr/>
+          </a:p>
         </p:txBody>
       </p:sp>
       <p:sp>
         <p:nvSpPr>
           <p:cNvPr id="11" name="Google Shape;11;p2"/>
-          <p:cNvSpPr txBox="1"/>
+          <p:cNvSpPr txBox="1">
+            <a:spLocks noGrp="1"/>
+          </p:cNvSpPr>
           <p:nvPr>
-            <p:ph idx="1" type="subTitle"/>
+            <p:ph type="subTitle" idx="1"/>
           </p:nvPr>
         </p:nvSpPr>
         <p:spPr>
@@ -1346,7 +1393,7 @@
           </a:prstGeom>
         </p:spPr>
         <p:txBody>
-          <a:bodyPr anchorCtr="0" anchor="t" bIns="91425" lIns="91425" spcFirstLastPara="1" rIns="91425" wrap="square" tIns="91425">
+          <a:bodyPr spcFirstLastPara="1" wrap="square" lIns="91425" tIns="91425" rIns="91425" bIns="91425" anchor="t" anchorCtr="0">
             <a:normAutofit/>
           </a:bodyPr>
           <a:lstStyle>
@@ -1477,15 +1524,19 @@
               <a:defRPr sz="2800"/>
             </a:lvl9pPr>
           </a:lstStyle>
-          <a:p/>
+          <a:p>
+            <a:endParaRPr/>
+          </a:p>
         </p:txBody>
       </p:sp>
       <p:sp>
         <p:nvSpPr>
           <p:cNvPr id="12" name="Google Shape;12;p2"/>
-          <p:cNvSpPr txBox="1"/>
+          <p:cNvSpPr txBox="1">
+            <a:spLocks noGrp="1"/>
+          </p:cNvSpPr>
           <p:nvPr>
-            <p:ph idx="12" type="sldNum"/>
+            <p:ph type="sldNum" idx="12"/>
           </p:nvPr>
         </p:nvSpPr>
         <p:spPr>
@@ -1498,7 +1549,7 @@
           </a:prstGeom>
         </p:spPr>
         <p:txBody>
-          <a:bodyPr anchorCtr="0" anchor="ctr" bIns="91425" lIns="91425" spcFirstLastPara="1" rIns="91425" wrap="square" tIns="91425">
+          <a:bodyPr spcFirstLastPara="1" wrap="square" lIns="91425" tIns="91425" rIns="91425" bIns="91425" anchor="ctr" anchorCtr="0">
             <a:normAutofit/>
           </a:bodyPr>
           <a:lstStyle>
@@ -1540,7 +1591,7 @@
             </a:lvl9pPr>
           </a:lstStyle>
           <a:p>
-            <a:pPr indent="0" lvl="0" marL="0" rtl="0" algn="r">
+            <a:pPr marL="0" lvl="0" indent="0" algn="r" rtl="0">
               <a:spcBef>
                 <a:spcPts val="0"/>
               </a:spcBef>
@@ -1566,11 +1617,11 @@
 </file>
 
 <file path=ppt/slideLayouts/slideLayout10.xml><?xml version="1.0" encoding="utf-8"?>
-<p:sldLayout xmlns:a="http://schemas.openxmlformats.org/drawingml/2006/main" xmlns:r="http://schemas.openxmlformats.org/officeDocument/2006/relationships" xmlns:mc="http://schemas.openxmlformats.org/markup-compatibility/2006" xmlns:mv="urn:schemas-microsoft-com:mac:vml" xmlns:p="http://schemas.openxmlformats.org/presentationml/2006/main" xmlns:c="http://schemas.openxmlformats.org/drawingml/2006/chart" xmlns:dgm="http://schemas.openxmlformats.org/drawingml/2006/diagram" xmlns:o="urn:schemas-microsoft-com:office:office" xmlns:v="urn:schemas-microsoft-com:vml" xmlns:pvml="urn:schemas-microsoft-com:office:powerpoint" xmlns:com="http://schemas.openxmlformats.org/drawingml/2006/compatibility" xmlns:p14="http://schemas.microsoft.com/office/powerpoint/2010/main" xmlns:p15="http://schemas.microsoft.com/office/powerpoint/2012/main" xmlns:ahyp="http://schemas.microsoft.com/office/drawing/2018/hyperlinkcolor" matchingName="Big number">
+<p:sldLayout xmlns:a="http://schemas.openxmlformats.org/drawingml/2006/main" xmlns:r="http://schemas.openxmlformats.org/officeDocument/2006/relationships" xmlns:p="http://schemas.openxmlformats.org/presentationml/2006/main" matchingName="Big number">
   <p:cSld name="BIG_NUMBER">
     <p:spTree>
       <p:nvGrpSpPr>
-        <p:cNvPr id="44" name="Shape 44"/>
+        <p:cNvPr id="1" name="Shape 44"/>
         <p:cNvGrpSpPr/>
         <p:nvPr/>
       </p:nvGrpSpPr>
@@ -1585,9 +1636,11 @@
       <p:sp>
         <p:nvSpPr>
           <p:cNvPr id="45" name="Google Shape;45;p11"/>
-          <p:cNvSpPr txBox="1"/>
+          <p:cNvSpPr txBox="1">
+            <a:spLocks noGrp="1"/>
+          </p:cNvSpPr>
           <p:nvPr>
-            <p:ph hasCustomPrompt="1" type="title"/>
+            <p:ph type="title" hasCustomPrompt="1"/>
           </p:nvPr>
         </p:nvSpPr>
         <p:spPr>
@@ -1600,7 +1653,7 @@
           </a:prstGeom>
         </p:spPr>
         <p:txBody>
-          <a:bodyPr anchorCtr="0" anchor="b" bIns="91425" lIns="91425" spcFirstLastPara="1" rIns="91425" wrap="square" tIns="91425">
+          <a:bodyPr spcFirstLastPara="1" wrap="square" lIns="91425" tIns="91425" rIns="91425" bIns="91425" anchor="b" anchorCtr="0">
             <a:normAutofit/>
           </a:bodyPr>
           <a:lstStyle>
@@ -1714,9 +1767,11 @@
       <p:sp>
         <p:nvSpPr>
           <p:cNvPr id="46" name="Google Shape;46;p11"/>
-          <p:cNvSpPr txBox="1"/>
+          <p:cNvSpPr txBox="1">
+            <a:spLocks noGrp="1"/>
+          </p:cNvSpPr>
           <p:nvPr>
-            <p:ph idx="1" type="body"/>
+            <p:ph type="body" idx="1"/>
           </p:nvPr>
         </p:nvSpPr>
         <p:spPr>
@@ -1729,11 +1784,11 @@
           </a:prstGeom>
         </p:spPr>
         <p:txBody>
-          <a:bodyPr anchorCtr="0" anchor="t" bIns="91425" lIns="91425" spcFirstLastPara="1" rIns="91425" wrap="square" tIns="91425">
+          <a:bodyPr spcFirstLastPara="1" wrap="square" lIns="91425" tIns="91425" rIns="91425" bIns="91425" anchor="t" anchorCtr="0">
             <a:normAutofit/>
           </a:bodyPr>
           <a:lstStyle>
-            <a:lvl1pPr indent="-342900" lvl="0" marL="457200" algn="ctr">
+            <a:lvl1pPr marL="457200" lvl="0" indent="-342900" algn="ctr">
               <a:spcBef>
                 <a:spcPts val="0"/>
               </a:spcBef>
@@ -1744,7 +1799,7 @@
               <a:buChar char="●"/>
               <a:defRPr/>
             </a:lvl1pPr>
-            <a:lvl2pPr indent="-317500" lvl="1" marL="914400" algn="ctr">
+            <a:lvl2pPr marL="914400" lvl="1" indent="-317500" algn="ctr">
               <a:spcBef>
                 <a:spcPts val="0"/>
               </a:spcBef>
@@ -1755,7 +1810,7 @@
               <a:buChar char="○"/>
               <a:defRPr/>
             </a:lvl2pPr>
-            <a:lvl3pPr indent="-317500" lvl="2" marL="1371600" algn="ctr">
+            <a:lvl3pPr marL="1371600" lvl="2" indent="-317500" algn="ctr">
               <a:spcBef>
                 <a:spcPts val="0"/>
               </a:spcBef>
@@ -1766,7 +1821,7 @@
               <a:buChar char="■"/>
               <a:defRPr/>
             </a:lvl3pPr>
-            <a:lvl4pPr indent="-317500" lvl="3" marL="1828800" algn="ctr">
+            <a:lvl4pPr marL="1828800" lvl="3" indent="-317500" algn="ctr">
               <a:spcBef>
                 <a:spcPts val="0"/>
               </a:spcBef>
@@ -1777,7 +1832,7 @@
               <a:buChar char="●"/>
               <a:defRPr/>
             </a:lvl4pPr>
-            <a:lvl5pPr indent="-317500" lvl="4" marL="2286000" algn="ctr">
+            <a:lvl5pPr marL="2286000" lvl="4" indent="-317500" algn="ctr">
               <a:spcBef>
                 <a:spcPts val="0"/>
               </a:spcBef>
@@ -1788,7 +1843,7 @@
               <a:buChar char="○"/>
               <a:defRPr/>
             </a:lvl5pPr>
-            <a:lvl6pPr indent="-317500" lvl="5" marL="2743200" algn="ctr">
+            <a:lvl6pPr marL="2743200" lvl="5" indent="-317500" algn="ctr">
               <a:spcBef>
                 <a:spcPts val="0"/>
               </a:spcBef>
@@ -1799,7 +1854,7 @@
               <a:buChar char="■"/>
               <a:defRPr/>
             </a:lvl6pPr>
-            <a:lvl7pPr indent="-317500" lvl="6" marL="3200400" algn="ctr">
+            <a:lvl7pPr marL="3200400" lvl="6" indent="-317500" algn="ctr">
               <a:spcBef>
                 <a:spcPts val="0"/>
               </a:spcBef>
@@ -1810,7 +1865,7 @@
               <a:buChar char="●"/>
               <a:defRPr/>
             </a:lvl7pPr>
-            <a:lvl8pPr indent="-317500" lvl="7" marL="3657600" algn="ctr">
+            <a:lvl8pPr marL="3657600" lvl="7" indent="-317500" algn="ctr">
               <a:spcBef>
                 <a:spcPts val="0"/>
               </a:spcBef>
@@ -1821,7 +1876,7 @@
               <a:buChar char="○"/>
               <a:defRPr/>
             </a:lvl8pPr>
-            <a:lvl9pPr indent="-317500" lvl="8" marL="4114800" algn="ctr">
+            <a:lvl9pPr marL="4114800" lvl="8" indent="-317500" algn="ctr">
               <a:spcBef>
                 <a:spcPts val="0"/>
               </a:spcBef>
@@ -1833,15 +1888,19 @@
               <a:defRPr/>
             </a:lvl9pPr>
           </a:lstStyle>
-          <a:p/>
+          <a:p>
+            <a:endParaRPr/>
+          </a:p>
         </p:txBody>
       </p:sp>
       <p:sp>
         <p:nvSpPr>
           <p:cNvPr id="47" name="Google Shape;47;p11"/>
-          <p:cNvSpPr txBox="1"/>
+          <p:cNvSpPr txBox="1">
+            <a:spLocks noGrp="1"/>
+          </p:cNvSpPr>
           <p:nvPr>
-            <p:ph idx="12" type="sldNum"/>
+            <p:ph type="sldNum" idx="12"/>
           </p:nvPr>
         </p:nvSpPr>
         <p:spPr>
@@ -1854,7 +1913,7 @@
           </a:prstGeom>
         </p:spPr>
         <p:txBody>
-          <a:bodyPr anchorCtr="0" anchor="ctr" bIns="91425" lIns="91425" spcFirstLastPara="1" rIns="91425" wrap="square" tIns="91425">
+          <a:bodyPr spcFirstLastPara="1" wrap="square" lIns="91425" tIns="91425" rIns="91425" bIns="91425" anchor="ctr" anchorCtr="0">
             <a:normAutofit/>
           </a:bodyPr>
           <a:lstStyle>
@@ -1896,7 +1955,7 @@
             </a:lvl9pPr>
           </a:lstStyle>
           <a:p>
-            <a:pPr indent="0" lvl="0" marL="0" rtl="0" algn="r">
+            <a:pPr marL="0" lvl="0" indent="0" algn="r" rtl="0">
               <a:spcBef>
                 <a:spcPts val="0"/>
               </a:spcBef>
@@ -1922,11 +1981,11 @@
 </file>
 
 <file path=ppt/slideLayouts/slideLayout11.xml><?xml version="1.0" encoding="utf-8"?>
-<p:sldLayout xmlns:a="http://schemas.openxmlformats.org/drawingml/2006/main" xmlns:r="http://schemas.openxmlformats.org/officeDocument/2006/relationships" xmlns:mc="http://schemas.openxmlformats.org/markup-compatibility/2006" xmlns:mv="urn:schemas-microsoft-com:mac:vml" xmlns:p="http://schemas.openxmlformats.org/presentationml/2006/main" xmlns:c="http://schemas.openxmlformats.org/drawingml/2006/chart" xmlns:dgm="http://schemas.openxmlformats.org/drawingml/2006/diagram" xmlns:o="urn:schemas-microsoft-com:office:office" xmlns:v="urn:schemas-microsoft-com:vml" xmlns:pvml="urn:schemas-microsoft-com:office:powerpoint" xmlns:com="http://schemas.openxmlformats.org/drawingml/2006/compatibility" xmlns:p14="http://schemas.microsoft.com/office/powerpoint/2010/main" xmlns:p15="http://schemas.microsoft.com/office/powerpoint/2012/main" xmlns:ahyp="http://schemas.microsoft.com/office/drawing/2018/hyperlinkcolor" matchingName="Blank" type="blank">
+<p:sldLayout xmlns:a="http://schemas.openxmlformats.org/drawingml/2006/main" xmlns:r="http://schemas.openxmlformats.org/officeDocument/2006/relationships" xmlns:p="http://schemas.openxmlformats.org/presentationml/2006/main" matchingName="Blank" type="blank">
   <p:cSld name="BLANK">
     <p:spTree>
       <p:nvGrpSpPr>
-        <p:cNvPr id="48" name="Shape 48"/>
+        <p:cNvPr id="1" name="Shape 48"/>
         <p:cNvGrpSpPr/>
         <p:nvPr/>
       </p:nvGrpSpPr>
@@ -1941,9 +2000,11 @@
       <p:sp>
         <p:nvSpPr>
           <p:cNvPr id="49" name="Google Shape;49;p12"/>
-          <p:cNvSpPr txBox="1"/>
+          <p:cNvSpPr txBox="1">
+            <a:spLocks noGrp="1"/>
+          </p:cNvSpPr>
           <p:nvPr>
-            <p:ph idx="12" type="sldNum"/>
+            <p:ph type="sldNum" idx="12"/>
           </p:nvPr>
         </p:nvSpPr>
         <p:spPr>
@@ -1956,7 +2017,7 @@
           </a:prstGeom>
         </p:spPr>
         <p:txBody>
-          <a:bodyPr anchorCtr="0" anchor="ctr" bIns="91425" lIns="91425" spcFirstLastPara="1" rIns="91425" wrap="square" tIns="91425">
+          <a:bodyPr spcFirstLastPara="1" wrap="square" lIns="91425" tIns="91425" rIns="91425" bIns="91425" anchor="ctr" anchorCtr="0">
             <a:normAutofit/>
           </a:bodyPr>
           <a:lstStyle>
@@ -1998,7 +2059,7 @@
             </a:lvl9pPr>
           </a:lstStyle>
           <a:p>
-            <a:pPr indent="0" lvl="0" marL="0" rtl="0" algn="r">
+            <a:pPr marL="0" lvl="0" indent="0" algn="r" rtl="0">
               <a:spcBef>
                 <a:spcPts val="0"/>
               </a:spcBef>
@@ -2024,11 +2085,11 @@
 </file>
 
 <file path=ppt/slideLayouts/slideLayout12.xml><?xml version="1.0" encoding="utf-8"?>
-<p:sldLayout xmlns:a="http://schemas.openxmlformats.org/drawingml/2006/main" xmlns:r="http://schemas.openxmlformats.org/officeDocument/2006/relationships" xmlns:mc="http://schemas.openxmlformats.org/markup-compatibility/2006" xmlns:mv="urn:schemas-microsoft-com:mac:vml" xmlns:p="http://schemas.openxmlformats.org/presentationml/2006/main" xmlns:c="http://schemas.openxmlformats.org/drawingml/2006/chart" xmlns:dgm="http://schemas.openxmlformats.org/drawingml/2006/diagram" xmlns:o="urn:schemas-microsoft-com:office:office" xmlns:v="urn:schemas-microsoft-com:vml" xmlns:pvml="urn:schemas-microsoft-com:office:powerpoint" xmlns:com="http://schemas.openxmlformats.org/drawingml/2006/compatibility" xmlns:p14="http://schemas.microsoft.com/office/powerpoint/2010/main" xmlns:p15="http://schemas.microsoft.com/office/powerpoint/2012/main" xmlns:ahyp="http://schemas.microsoft.com/office/drawing/2018/hyperlinkcolor" matchingName="Title Slide - FB Campus">
+<p:sldLayout xmlns:a="http://schemas.openxmlformats.org/drawingml/2006/main" xmlns:r="http://schemas.openxmlformats.org/officeDocument/2006/relationships" xmlns:p="http://schemas.openxmlformats.org/presentationml/2006/main" matchingName="Title Slide - FB Campus">
   <p:cSld name="Title Slide - FB Campus">
     <p:spTree>
       <p:nvGrpSpPr>
-        <p:cNvPr id="58" name="Shape 58"/>
+        <p:cNvPr id="1" name="Shape 58"/>
         <p:cNvGrpSpPr/>
         <p:nvPr/>
       </p:nvGrpSpPr>
@@ -2043,9 +2104,11 @@
       <p:sp>
         <p:nvSpPr>
           <p:cNvPr id="59" name="Google Shape;59;p14"/>
-          <p:cNvSpPr txBox="1"/>
+          <p:cNvSpPr txBox="1">
+            <a:spLocks noGrp="1"/>
+          </p:cNvSpPr>
           <p:nvPr>
-            <p:ph idx="10" type="dt"/>
+            <p:ph type="dt" idx="10"/>
           </p:nvPr>
         </p:nvSpPr>
         <p:spPr>
@@ -2062,7 +2125,7 @@
           </a:ln>
         </p:spPr>
         <p:txBody>
-          <a:bodyPr anchorCtr="0" anchor="ctr" bIns="34275" lIns="68575" spcFirstLastPara="1" rIns="68575" wrap="square" tIns="34275">
+          <a:bodyPr spcFirstLastPara="1" wrap="square" lIns="68575" tIns="34275" rIns="68575" bIns="34275" anchor="ctr" anchorCtr="0">
             <a:noAutofit/>
           </a:bodyPr>
           <a:lstStyle>
@@ -2166,15 +2229,19 @@
               <a:defRPr/>
             </a:lvl9pPr>
           </a:lstStyle>
-          <a:p/>
+          <a:p>
+            <a:endParaRPr/>
+          </a:p>
         </p:txBody>
       </p:sp>
       <p:sp>
         <p:nvSpPr>
           <p:cNvPr id="60" name="Google Shape;60;p14"/>
-          <p:cNvSpPr txBox="1"/>
+          <p:cNvSpPr txBox="1">
+            <a:spLocks noGrp="1"/>
+          </p:cNvSpPr>
           <p:nvPr>
-            <p:ph idx="11" type="ftr"/>
+            <p:ph type="ftr" idx="11"/>
           </p:nvPr>
         </p:nvSpPr>
         <p:spPr>
@@ -2191,7 +2258,7 @@
           </a:ln>
         </p:spPr>
         <p:txBody>
-          <a:bodyPr anchorCtr="0" anchor="ctr" bIns="34275" lIns="68575" spcFirstLastPara="1" rIns="68575" wrap="square" tIns="34275">
+          <a:bodyPr spcFirstLastPara="1" wrap="square" lIns="68575" tIns="34275" rIns="68575" bIns="34275" anchor="ctr" anchorCtr="0">
             <a:noAutofit/>
           </a:bodyPr>
           <a:lstStyle>
@@ -2295,15 +2362,19 @@
               <a:defRPr/>
             </a:lvl9pPr>
           </a:lstStyle>
-          <a:p/>
+          <a:p>
+            <a:endParaRPr/>
+          </a:p>
         </p:txBody>
       </p:sp>
       <p:sp>
         <p:nvSpPr>
           <p:cNvPr id="61" name="Google Shape;61;p14"/>
-          <p:cNvSpPr txBox="1"/>
+          <p:cNvSpPr txBox="1">
+            <a:spLocks noGrp="1"/>
+          </p:cNvSpPr>
           <p:nvPr>
-            <p:ph idx="12" type="sldNum"/>
+            <p:ph type="sldNum" idx="12"/>
           </p:nvPr>
         </p:nvSpPr>
         <p:spPr>
@@ -2320,67 +2391,67 @@
           </a:ln>
         </p:spPr>
         <p:txBody>
-          <a:bodyPr anchorCtr="0" anchor="ctr" bIns="34275" lIns="68575" spcFirstLastPara="1" rIns="68575" wrap="square" tIns="34275">
+          <a:bodyPr spcFirstLastPara="1" wrap="square" lIns="68575" tIns="34275" rIns="68575" bIns="34275" anchor="ctr" anchorCtr="0">
             <a:noAutofit/>
           </a:bodyPr>
           <a:lstStyle>
-            <a:lvl1pPr indent="0" lvl="0" marL="0" algn="r">
+            <a:lvl1pPr marL="0" lvl="0" indent="0" algn="r">
               <a:spcBef>
                 <a:spcPts val="0"/>
               </a:spcBef>
               <a:buNone/>
               <a:defRPr/>
             </a:lvl1pPr>
-            <a:lvl2pPr indent="0" lvl="1" marL="0" algn="r">
+            <a:lvl2pPr marL="0" lvl="1" indent="0" algn="r">
               <a:spcBef>
                 <a:spcPts val="0"/>
               </a:spcBef>
               <a:buNone/>
               <a:defRPr/>
             </a:lvl2pPr>
-            <a:lvl3pPr indent="0" lvl="2" marL="0" algn="r">
+            <a:lvl3pPr marL="0" lvl="2" indent="0" algn="r">
               <a:spcBef>
                 <a:spcPts val="0"/>
               </a:spcBef>
               <a:buNone/>
               <a:defRPr/>
             </a:lvl3pPr>
-            <a:lvl4pPr indent="0" lvl="3" marL="0" algn="r">
+            <a:lvl4pPr marL="0" lvl="3" indent="0" algn="r">
               <a:spcBef>
                 <a:spcPts val="0"/>
               </a:spcBef>
               <a:buNone/>
               <a:defRPr/>
             </a:lvl4pPr>
-            <a:lvl5pPr indent="0" lvl="4" marL="0" algn="r">
+            <a:lvl5pPr marL="0" lvl="4" indent="0" algn="r">
               <a:spcBef>
                 <a:spcPts val="0"/>
               </a:spcBef>
               <a:buNone/>
               <a:defRPr/>
             </a:lvl5pPr>
-            <a:lvl6pPr indent="0" lvl="5" marL="0" algn="r">
+            <a:lvl6pPr marL="0" lvl="5" indent="0" algn="r">
               <a:spcBef>
                 <a:spcPts val="0"/>
               </a:spcBef>
               <a:buNone/>
               <a:defRPr/>
             </a:lvl6pPr>
-            <a:lvl7pPr indent="0" lvl="6" marL="0" algn="r">
+            <a:lvl7pPr marL="0" lvl="6" indent="0" algn="r">
               <a:spcBef>
                 <a:spcPts val="0"/>
               </a:spcBef>
               <a:buNone/>
               <a:defRPr/>
             </a:lvl7pPr>
-            <a:lvl8pPr indent="0" lvl="7" marL="0" algn="r">
+            <a:lvl8pPr marL="0" lvl="7" indent="0" algn="r">
               <a:spcBef>
                 <a:spcPts val="0"/>
               </a:spcBef>
               <a:buNone/>
               <a:defRPr/>
             </a:lvl8pPr>
-            <a:lvl9pPr indent="0" lvl="8" marL="0" algn="r">
+            <a:lvl9pPr marL="0" lvl="8" indent="0" algn="r">
               <a:spcBef>
                 <a:spcPts val="0"/>
               </a:spcBef>
@@ -2389,7 +2460,7 @@
             </a:lvl9pPr>
           </a:lstStyle>
           <a:p>
-            <a:pPr indent="0" lvl="0" marL="0" rtl="0" algn="r">
+            <a:pPr marL="0" lvl="0" indent="0" algn="r" rtl="0">
               <a:spcBef>
                 <a:spcPts val="0"/>
               </a:spcBef>
@@ -2408,7 +2479,7 @@
       </p:sp>
       <p:pic>
         <p:nvPicPr>
-          <p:cNvPr descr="A picture containing man, table, blue, holding&#10;&#10;Description automatically generated" id="62" name="Google Shape;62;p14"/>
+          <p:cNvPr id="62" name="Google Shape;62;p14" descr="A picture containing man, table, blue, holding&#10;&#10;Description automatically generated"/>
           <p:cNvPicPr preferRelativeResize="0"/>
           <p:nvPr/>
         </p:nvPicPr>
@@ -2416,7 +2487,7 @@
           <a:blip r:embed="rId2">
             <a:alphaModFix/>
           </a:blip>
-          <a:srcRect b="0" l="0" r="0" t="0"/>
+          <a:srcRect/>
           <a:stretch/>
         </p:blipFill>
         <p:spPr>
@@ -2435,7 +2506,7 @@
       </p:pic>
       <p:pic>
         <p:nvPicPr>
-          <p:cNvPr descr="A picture containing outdoor, holding, person, standing&#10;&#10;Description automatically generated" id="63" name="Google Shape;63;p14"/>
+          <p:cNvPr id="63" name="Google Shape;63;p14" descr="A picture containing outdoor, holding, person, standing&#10;&#10;Description automatically generated"/>
           <p:cNvPicPr preferRelativeResize="0"/>
           <p:nvPr/>
         </p:nvPicPr>
@@ -2443,7 +2514,7 @@
           <a:blip r:embed="rId3">
             <a:alphaModFix/>
           </a:blip>
-          <a:srcRect b="0" l="0" r="0" t="0"/>
+          <a:srcRect/>
           <a:stretch/>
         </p:blipFill>
         <p:spPr>
@@ -2463,7 +2534,9 @@
       <p:sp>
         <p:nvSpPr>
           <p:cNvPr id="64" name="Google Shape;64;p14"/>
-          <p:cNvSpPr txBox="1"/>
+          <p:cNvSpPr txBox="1">
+            <a:spLocks noGrp="1"/>
+          </p:cNvSpPr>
           <p:nvPr>
             <p:ph type="ctrTitle"/>
           </p:nvPr>
@@ -2482,7 +2555,7 @@
           </a:ln>
         </p:spPr>
         <p:txBody>
-          <a:bodyPr anchorCtr="0" anchor="b" bIns="34275" lIns="68575" spcFirstLastPara="1" rIns="68575" wrap="square" tIns="34275">
+          <a:bodyPr spcFirstLastPara="1" wrap="square" lIns="68575" tIns="34275" rIns="68575" bIns="34275" anchor="b" anchorCtr="0">
             <a:normAutofit/>
           </a:bodyPr>
           <a:lstStyle>
@@ -2502,7 +2575,7 @@
               <a:buSzPts val="3000"/>
               <a:buFont typeface="Arial"/>
               <a:buNone/>
-              <a:defRPr b="1" sz="3000" cap="none">
+              <a:defRPr sz="3000" b="1" cap="none">
                 <a:solidFill>
                   <a:srgbClr val="FFFFFF"/>
                 </a:solidFill>
@@ -2601,15 +2674,19 @@
               <a:defRPr/>
             </a:lvl9pPr>
           </a:lstStyle>
-          <a:p/>
+          <a:p>
+            <a:endParaRPr/>
+          </a:p>
         </p:txBody>
       </p:sp>
       <p:sp>
         <p:nvSpPr>
           <p:cNvPr id="65" name="Google Shape;65;p14"/>
-          <p:cNvSpPr txBox="1"/>
+          <p:cNvSpPr txBox="1">
+            <a:spLocks noGrp="1"/>
+          </p:cNvSpPr>
           <p:nvPr>
-            <p:ph idx="1" type="subTitle"/>
+            <p:ph type="subTitle" idx="1"/>
           </p:nvPr>
         </p:nvSpPr>
         <p:spPr>
@@ -2626,7 +2703,7 @@
           </a:ln>
         </p:spPr>
         <p:txBody>
-          <a:bodyPr anchorCtr="0" anchor="t" bIns="34275" lIns="68575" spcFirstLastPara="1" rIns="68575" wrap="square" tIns="34275">
+          <a:bodyPr spcFirstLastPara="1" wrap="square" lIns="68575" tIns="34275" rIns="68575" bIns="34275" anchor="t" anchorCtr="0">
             <a:normAutofit/>
           </a:bodyPr>
           <a:lstStyle>
@@ -2824,7 +2901,9 @@
               </a:defRPr>
             </a:lvl9pPr>
           </a:lstStyle>
-          <a:p/>
+          <a:p>
+            <a:endParaRPr/>
+          </a:p>
         </p:txBody>
       </p:sp>
     </p:spTree>
@@ -2836,11 +2915,11 @@
 </file>
 
 <file path=ppt/slideLayouts/slideLayout13.xml><?xml version="1.0" encoding="utf-8"?>
-<p:sldLayout xmlns:a="http://schemas.openxmlformats.org/drawingml/2006/main" xmlns:r="http://schemas.openxmlformats.org/officeDocument/2006/relationships" xmlns:mc="http://schemas.openxmlformats.org/markup-compatibility/2006" xmlns:mv="urn:schemas-microsoft-com:mac:vml" xmlns:p="http://schemas.openxmlformats.org/presentationml/2006/main" xmlns:c="http://schemas.openxmlformats.org/drawingml/2006/chart" xmlns:dgm="http://schemas.openxmlformats.org/drawingml/2006/diagram" xmlns:o="urn:schemas-microsoft-com:office:office" xmlns:v="urn:schemas-microsoft-com:vml" xmlns:pvml="urn:schemas-microsoft-com:office:powerpoint" xmlns:com="http://schemas.openxmlformats.org/drawingml/2006/compatibility" xmlns:p14="http://schemas.microsoft.com/office/powerpoint/2010/main" xmlns:p15="http://schemas.microsoft.com/office/powerpoint/2012/main" xmlns:ahyp="http://schemas.microsoft.com/office/drawing/2018/hyperlinkcolor" matchingName="Title and Content">
+<p:sldLayout xmlns:a="http://schemas.openxmlformats.org/drawingml/2006/main" xmlns:r="http://schemas.openxmlformats.org/officeDocument/2006/relationships" xmlns:p="http://schemas.openxmlformats.org/presentationml/2006/main" matchingName="Title and Content">
   <p:cSld name="Title and Content">
     <p:spTree>
       <p:nvGrpSpPr>
-        <p:cNvPr id="66" name="Shape 66"/>
+        <p:cNvPr id="1" name="Shape 66"/>
         <p:cNvGrpSpPr/>
         <p:nvPr/>
       </p:nvGrpSpPr>
@@ -2855,9 +2934,11 @@
       <p:sp>
         <p:nvSpPr>
           <p:cNvPr id="67" name="Google Shape;67;p15"/>
-          <p:cNvSpPr txBox="1"/>
+          <p:cNvSpPr txBox="1">
+            <a:spLocks noGrp="1"/>
+          </p:cNvSpPr>
           <p:nvPr>
-            <p:ph idx="1" type="body"/>
+            <p:ph type="body" idx="1"/>
           </p:nvPr>
         </p:nvSpPr>
         <p:spPr>
@@ -2874,11 +2955,11 @@
           </a:ln>
         </p:spPr>
         <p:txBody>
-          <a:bodyPr anchorCtr="0" anchor="t" bIns="34275" lIns="68575" spcFirstLastPara="1" rIns="68575" wrap="square" tIns="34275">
+          <a:bodyPr spcFirstLastPara="1" wrap="square" lIns="68575" tIns="34275" rIns="68575" bIns="34275" anchor="t" anchorCtr="0">
             <a:normAutofit/>
           </a:bodyPr>
           <a:lstStyle>
-            <a:lvl1pPr indent="-228600" lvl="0" marL="457200" algn="l">
+            <a:lvl1pPr marL="457200" lvl="0" indent="-228600" algn="l">
               <a:lnSpc>
                 <a:spcPct val="90000"/>
               </a:lnSpc>
@@ -2903,7 +2984,7 @@
                 <a:sym typeface="Arial"/>
               </a:defRPr>
             </a:lvl1pPr>
-            <a:lvl2pPr indent="-342900" lvl="1" marL="914400" algn="l">
+            <a:lvl2pPr marL="914400" lvl="1" indent="-342900" algn="l">
               <a:lnSpc>
                 <a:spcPct val="90000"/>
               </a:lnSpc>
@@ -2925,7 +3006,7 @@
                 <a:sym typeface="Arial"/>
               </a:defRPr>
             </a:lvl2pPr>
-            <a:lvl3pPr indent="-323850" lvl="2" marL="1371600" algn="l">
+            <a:lvl3pPr marL="1371600" lvl="2" indent="-323850" algn="l">
               <a:lnSpc>
                 <a:spcPct val="90000"/>
               </a:lnSpc>
@@ -2947,7 +3028,7 @@
                 <a:sym typeface="Arial"/>
               </a:defRPr>
             </a:lvl3pPr>
-            <a:lvl4pPr indent="-317500" lvl="3" marL="1828800" algn="l">
+            <a:lvl4pPr marL="1828800" lvl="3" indent="-317500" algn="l">
               <a:lnSpc>
                 <a:spcPct val="90000"/>
               </a:lnSpc>
@@ -2969,7 +3050,7 @@
                 <a:sym typeface="Arial"/>
               </a:defRPr>
             </a:lvl4pPr>
-            <a:lvl5pPr indent="-317500" lvl="4" marL="2286000" algn="l">
+            <a:lvl5pPr marL="2286000" lvl="4" indent="-317500" algn="l">
               <a:lnSpc>
                 <a:spcPct val="90000"/>
               </a:lnSpc>
@@ -2991,7 +3072,7 @@
                 <a:sym typeface="Arial"/>
               </a:defRPr>
             </a:lvl5pPr>
-            <a:lvl6pPr indent="-317500" lvl="5" marL="2743200" algn="l">
+            <a:lvl6pPr marL="2743200" lvl="5" indent="-317500" algn="l">
               <a:lnSpc>
                 <a:spcPct val="90000"/>
               </a:lnSpc>
@@ -3008,7 +3089,7 @@
               <a:buChar char="•"/>
               <a:defRPr/>
             </a:lvl6pPr>
-            <a:lvl7pPr indent="-317500" lvl="6" marL="3200400" algn="l">
+            <a:lvl7pPr marL="3200400" lvl="6" indent="-317500" algn="l">
               <a:lnSpc>
                 <a:spcPct val="90000"/>
               </a:lnSpc>
@@ -3025,7 +3106,7 @@
               <a:buChar char="•"/>
               <a:defRPr/>
             </a:lvl7pPr>
-            <a:lvl8pPr indent="-317500" lvl="7" marL="3657600" algn="l">
+            <a:lvl8pPr marL="3657600" lvl="7" indent="-317500" algn="l">
               <a:lnSpc>
                 <a:spcPct val="90000"/>
               </a:lnSpc>
@@ -3042,7 +3123,7 @@
               <a:buChar char="•"/>
               <a:defRPr/>
             </a:lvl8pPr>
-            <a:lvl9pPr indent="-317500" lvl="8" marL="4114800" algn="l">
+            <a:lvl9pPr marL="4114800" lvl="8" indent="-317500" algn="l">
               <a:lnSpc>
                 <a:spcPct val="90000"/>
               </a:lnSpc>
@@ -3060,13 +3141,17 @@
               <a:defRPr/>
             </a:lvl9pPr>
           </a:lstStyle>
-          <a:p/>
+          <a:p>
+            <a:endParaRPr/>
+          </a:p>
         </p:txBody>
       </p:sp>
       <p:sp>
         <p:nvSpPr>
           <p:cNvPr id="68" name="Google Shape;68;p15"/>
-          <p:cNvSpPr txBox="1"/>
+          <p:cNvSpPr txBox="1">
+            <a:spLocks noGrp="1"/>
+          </p:cNvSpPr>
           <p:nvPr>
             <p:ph type="title"/>
           </p:nvPr>
@@ -3085,7 +3170,7 @@
           </a:ln>
         </p:spPr>
         <p:txBody>
-          <a:bodyPr anchorCtr="0" anchor="ctr" bIns="34275" lIns="68575" spcFirstLastPara="1" rIns="68575" wrap="square" tIns="34275">
+          <a:bodyPr spcFirstLastPara="1" wrap="square" lIns="68575" tIns="34275" rIns="68575" bIns="34275" anchor="ctr" anchorCtr="0">
             <a:normAutofit/>
           </a:bodyPr>
           <a:lstStyle>
@@ -3105,7 +3190,7 @@
               <a:buSzPts val="3000"/>
               <a:buFont typeface="Arial"/>
               <a:buNone/>
-              <a:defRPr b="1" sz="3000">
+              <a:defRPr sz="3000" b="1">
                 <a:solidFill>
                   <a:srgbClr val="3F3F3F"/>
                 </a:solidFill>
@@ -3204,7 +3289,9 @@
               <a:defRPr/>
             </a:lvl9pPr>
           </a:lstStyle>
-          <a:p/>
+          <a:p>
+            <a:endParaRPr/>
+          </a:p>
         </p:txBody>
       </p:sp>
     </p:spTree>
@@ -3216,11 +3303,11 @@
 </file>
 
 <file path=ppt/slideLayouts/slideLayout14.xml><?xml version="1.0" encoding="utf-8"?>
-<p:sldLayout xmlns:a="http://schemas.openxmlformats.org/drawingml/2006/main" xmlns:r="http://schemas.openxmlformats.org/officeDocument/2006/relationships" xmlns:mc="http://schemas.openxmlformats.org/markup-compatibility/2006" xmlns:mv="urn:schemas-microsoft-com:mac:vml" xmlns:p="http://schemas.openxmlformats.org/presentationml/2006/main" xmlns:c="http://schemas.openxmlformats.org/drawingml/2006/chart" xmlns:dgm="http://schemas.openxmlformats.org/drawingml/2006/diagram" xmlns:o="urn:schemas-microsoft-com:office:office" xmlns:v="urn:schemas-microsoft-com:vml" xmlns:pvml="urn:schemas-microsoft-com:office:powerpoint" xmlns:com="http://schemas.openxmlformats.org/drawingml/2006/compatibility" xmlns:p14="http://schemas.microsoft.com/office/powerpoint/2010/main" xmlns:p15="http://schemas.microsoft.com/office/powerpoint/2012/main" xmlns:ahyp="http://schemas.microsoft.com/office/drawing/2018/hyperlinkcolor" matchingName="Section Header">
+<p:sldLayout xmlns:a="http://schemas.openxmlformats.org/drawingml/2006/main" xmlns:r="http://schemas.openxmlformats.org/officeDocument/2006/relationships" xmlns:p="http://schemas.openxmlformats.org/presentationml/2006/main" matchingName="Section Header">
   <p:cSld name="Section Header">
     <p:spTree>
       <p:nvGrpSpPr>
-        <p:cNvPr id="69" name="Shape 69"/>
+        <p:cNvPr id="1" name="Shape 69"/>
         <p:cNvGrpSpPr/>
         <p:nvPr/>
       </p:nvGrpSpPr>
@@ -3235,9 +3322,11 @@
       <p:sp>
         <p:nvSpPr>
           <p:cNvPr id="70" name="Google Shape;70;p16"/>
-          <p:cNvSpPr txBox="1"/>
+          <p:cNvSpPr txBox="1">
+            <a:spLocks noGrp="1"/>
+          </p:cNvSpPr>
           <p:nvPr>
-            <p:ph idx="1" type="body"/>
+            <p:ph type="body" idx="1"/>
           </p:nvPr>
         </p:nvSpPr>
         <p:spPr>
@@ -3254,11 +3343,11 @@
           </a:ln>
         </p:spPr>
         <p:txBody>
-          <a:bodyPr anchorCtr="0" anchor="t" bIns="34275" lIns="68575" spcFirstLastPara="1" rIns="68575" wrap="square" tIns="34275">
+          <a:bodyPr spcFirstLastPara="1" wrap="square" lIns="68575" tIns="34275" rIns="68575" bIns="34275" anchor="t" anchorCtr="0">
             <a:normAutofit/>
           </a:bodyPr>
           <a:lstStyle>
-            <a:lvl1pPr indent="-228600" lvl="0" marL="457200" algn="ctr">
+            <a:lvl1pPr marL="457200" lvl="0" indent="-228600" algn="ctr">
               <a:lnSpc>
                 <a:spcPct val="90000"/>
               </a:lnSpc>
@@ -3283,7 +3372,7 @@
                 <a:sym typeface="Arial"/>
               </a:defRPr>
             </a:lvl1pPr>
-            <a:lvl2pPr indent="-228600" lvl="1" marL="914400" algn="l">
+            <a:lvl2pPr marL="914400" lvl="1" indent="-228600" algn="l">
               <a:lnSpc>
                 <a:spcPct val="90000"/>
               </a:lnSpc>
@@ -3304,7 +3393,7 @@
                 </a:solidFill>
               </a:defRPr>
             </a:lvl2pPr>
-            <a:lvl3pPr indent="-228600" lvl="2" marL="1371600" algn="l">
+            <a:lvl3pPr marL="1371600" lvl="2" indent="-228600" algn="l">
               <a:lnSpc>
                 <a:spcPct val="90000"/>
               </a:lnSpc>
@@ -3325,7 +3414,7 @@
                 </a:solidFill>
               </a:defRPr>
             </a:lvl3pPr>
-            <a:lvl4pPr indent="-228600" lvl="3" marL="1828800" algn="l">
+            <a:lvl4pPr marL="1828800" lvl="3" indent="-228600" algn="l">
               <a:lnSpc>
                 <a:spcPct val="90000"/>
               </a:lnSpc>
@@ -3346,7 +3435,7 @@
                 </a:solidFill>
               </a:defRPr>
             </a:lvl4pPr>
-            <a:lvl5pPr indent="-228600" lvl="4" marL="2286000" algn="l">
+            <a:lvl5pPr marL="2286000" lvl="4" indent="-228600" algn="l">
               <a:lnSpc>
                 <a:spcPct val="90000"/>
               </a:lnSpc>
@@ -3367,7 +3456,7 @@
                 </a:solidFill>
               </a:defRPr>
             </a:lvl5pPr>
-            <a:lvl6pPr indent="-228600" lvl="5" marL="2743200" algn="l">
+            <a:lvl6pPr marL="2743200" lvl="5" indent="-228600" algn="l">
               <a:lnSpc>
                 <a:spcPct val="90000"/>
               </a:lnSpc>
@@ -3388,7 +3477,7 @@
                 </a:solidFill>
               </a:defRPr>
             </a:lvl6pPr>
-            <a:lvl7pPr indent="-228600" lvl="6" marL="3200400" algn="l">
+            <a:lvl7pPr marL="3200400" lvl="6" indent="-228600" algn="l">
               <a:lnSpc>
                 <a:spcPct val="90000"/>
               </a:lnSpc>
@@ -3409,7 +3498,7 @@
                 </a:solidFill>
               </a:defRPr>
             </a:lvl7pPr>
-            <a:lvl8pPr indent="-228600" lvl="7" marL="3657600" algn="l">
+            <a:lvl8pPr marL="3657600" lvl="7" indent="-228600" algn="l">
               <a:lnSpc>
                 <a:spcPct val="90000"/>
               </a:lnSpc>
@@ -3430,7 +3519,7 @@
                 </a:solidFill>
               </a:defRPr>
             </a:lvl8pPr>
-            <a:lvl9pPr indent="-228600" lvl="8" marL="4114800" algn="l">
+            <a:lvl9pPr marL="4114800" lvl="8" indent="-228600" algn="l">
               <a:lnSpc>
                 <a:spcPct val="90000"/>
               </a:lnSpc>
@@ -3452,13 +3541,17 @@
               </a:defRPr>
             </a:lvl9pPr>
           </a:lstStyle>
-          <a:p/>
+          <a:p>
+            <a:endParaRPr/>
+          </a:p>
         </p:txBody>
       </p:sp>
       <p:sp>
         <p:nvSpPr>
           <p:cNvPr id="71" name="Google Shape;71;p16"/>
-          <p:cNvSpPr txBox="1"/>
+          <p:cNvSpPr txBox="1">
+            <a:spLocks noGrp="1"/>
+          </p:cNvSpPr>
           <p:nvPr>
             <p:ph type="title"/>
           </p:nvPr>
@@ -3477,7 +3570,7 @@
           </a:ln>
         </p:spPr>
         <p:txBody>
-          <a:bodyPr anchorCtr="0" anchor="b" bIns="34275" lIns="68575" spcFirstLastPara="1" rIns="68575" wrap="square" tIns="34275">
+          <a:bodyPr spcFirstLastPara="1" wrap="square" lIns="68575" tIns="34275" rIns="68575" bIns="34275" anchor="b" anchorCtr="0">
             <a:normAutofit/>
           </a:bodyPr>
           <a:lstStyle>
@@ -3497,7 +3590,7 @@
               <a:buSzPts val="4100"/>
               <a:buFont typeface="Arial"/>
               <a:buNone/>
-              <a:defRPr b="1" sz="4100" cap="none">
+              <a:defRPr sz="4100" b="1" cap="none">
                 <a:solidFill>
                   <a:srgbClr val="595959"/>
                 </a:solidFill>
@@ -3596,7 +3689,9 @@
               <a:defRPr/>
             </a:lvl9pPr>
           </a:lstStyle>
-          <a:p/>
+          <a:p>
+            <a:endParaRPr/>
+          </a:p>
         </p:txBody>
       </p:sp>
     </p:spTree>
@@ -3608,11 +3703,11 @@
 </file>
 
 <file path=ppt/slideLayouts/slideLayout15.xml><?xml version="1.0" encoding="utf-8"?>
-<p:sldLayout xmlns:a="http://schemas.openxmlformats.org/drawingml/2006/main" xmlns:r="http://schemas.openxmlformats.org/officeDocument/2006/relationships" xmlns:mc="http://schemas.openxmlformats.org/markup-compatibility/2006" xmlns:mv="urn:schemas-microsoft-com:mac:vml" xmlns:p="http://schemas.openxmlformats.org/presentationml/2006/main" xmlns:c="http://schemas.openxmlformats.org/drawingml/2006/chart" xmlns:dgm="http://schemas.openxmlformats.org/drawingml/2006/diagram" xmlns:o="urn:schemas-microsoft-com:office:office" xmlns:v="urn:schemas-microsoft-com:vml" xmlns:pvml="urn:schemas-microsoft-com:office:powerpoint" xmlns:com="http://schemas.openxmlformats.org/drawingml/2006/compatibility" xmlns:p14="http://schemas.microsoft.com/office/powerpoint/2010/main" xmlns:p15="http://schemas.microsoft.com/office/powerpoint/2012/main" xmlns:ahyp="http://schemas.microsoft.com/office/drawing/2018/hyperlinkcolor" matchingName="Two Content Areas">
+<p:sldLayout xmlns:a="http://schemas.openxmlformats.org/drawingml/2006/main" xmlns:r="http://schemas.openxmlformats.org/officeDocument/2006/relationships" xmlns:p="http://schemas.openxmlformats.org/presentationml/2006/main" matchingName="Two Content Areas">
   <p:cSld name="Two Content Areas">
     <p:spTree>
       <p:nvGrpSpPr>
-        <p:cNvPr id="72" name="Shape 72"/>
+        <p:cNvPr id="1" name="Shape 72"/>
         <p:cNvGrpSpPr/>
         <p:nvPr/>
       </p:nvGrpSpPr>
@@ -3627,9 +3722,11 @@
       <p:sp>
         <p:nvSpPr>
           <p:cNvPr id="73" name="Google Shape;73;p17"/>
-          <p:cNvSpPr txBox="1"/>
+          <p:cNvSpPr txBox="1">
+            <a:spLocks noGrp="1"/>
+          </p:cNvSpPr>
           <p:nvPr>
-            <p:ph idx="1" type="body"/>
+            <p:ph type="body" idx="1"/>
           </p:nvPr>
         </p:nvSpPr>
         <p:spPr>
@@ -3646,11 +3743,11 @@
           </a:ln>
         </p:spPr>
         <p:txBody>
-          <a:bodyPr anchorCtr="0" anchor="t" bIns="34275" lIns="68575" spcFirstLastPara="1" rIns="68575" wrap="square" tIns="34275">
+          <a:bodyPr spcFirstLastPara="1" wrap="square" lIns="68575" tIns="34275" rIns="68575" bIns="34275" anchor="t" anchorCtr="0">
             <a:normAutofit/>
           </a:bodyPr>
           <a:lstStyle>
-            <a:lvl1pPr indent="-228600" lvl="0" marL="457200" algn="l">
+            <a:lvl1pPr marL="457200" lvl="0" indent="-228600" algn="l">
               <a:lnSpc>
                 <a:spcPct val="90000"/>
               </a:lnSpc>
@@ -3675,7 +3772,7 @@
                 <a:sym typeface="Arial"/>
               </a:defRPr>
             </a:lvl1pPr>
-            <a:lvl2pPr indent="-317500" lvl="1" marL="914400" algn="l">
+            <a:lvl2pPr marL="914400" lvl="1" indent="-317500" algn="l">
               <a:lnSpc>
                 <a:spcPct val="90000"/>
               </a:lnSpc>
@@ -3692,7 +3789,7 @@
               <a:buChar char="•"/>
               <a:defRPr/>
             </a:lvl2pPr>
-            <a:lvl3pPr indent="-317500" lvl="2" marL="1371600" algn="l">
+            <a:lvl3pPr marL="1371600" lvl="2" indent="-317500" algn="l">
               <a:lnSpc>
                 <a:spcPct val="90000"/>
               </a:lnSpc>
@@ -3709,7 +3806,7 @@
               <a:buChar char="•"/>
               <a:defRPr/>
             </a:lvl3pPr>
-            <a:lvl4pPr indent="-317500" lvl="3" marL="1828800" algn="l">
+            <a:lvl4pPr marL="1828800" lvl="3" indent="-317500" algn="l">
               <a:lnSpc>
                 <a:spcPct val="90000"/>
               </a:lnSpc>
@@ -3726,7 +3823,7 @@
               <a:buChar char="•"/>
               <a:defRPr/>
             </a:lvl4pPr>
-            <a:lvl5pPr indent="-317500" lvl="4" marL="2286000" algn="l">
+            <a:lvl5pPr marL="2286000" lvl="4" indent="-317500" algn="l">
               <a:lnSpc>
                 <a:spcPct val="90000"/>
               </a:lnSpc>
@@ -3743,7 +3840,7 @@
               <a:buChar char="•"/>
               <a:defRPr/>
             </a:lvl5pPr>
-            <a:lvl6pPr indent="-317500" lvl="5" marL="2743200" algn="l">
+            <a:lvl6pPr marL="2743200" lvl="5" indent="-317500" algn="l">
               <a:lnSpc>
                 <a:spcPct val="90000"/>
               </a:lnSpc>
@@ -3760,7 +3857,7 @@
               <a:buChar char="•"/>
               <a:defRPr/>
             </a:lvl6pPr>
-            <a:lvl7pPr indent="-317500" lvl="6" marL="3200400" algn="l">
+            <a:lvl7pPr marL="3200400" lvl="6" indent="-317500" algn="l">
               <a:lnSpc>
                 <a:spcPct val="90000"/>
               </a:lnSpc>
@@ -3777,7 +3874,7 @@
               <a:buChar char="•"/>
               <a:defRPr/>
             </a:lvl7pPr>
-            <a:lvl8pPr indent="-317500" lvl="7" marL="3657600" algn="l">
+            <a:lvl8pPr marL="3657600" lvl="7" indent="-317500" algn="l">
               <a:lnSpc>
                 <a:spcPct val="90000"/>
               </a:lnSpc>
@@ -3794,7 +3891,7 @@
               <a:buChar char="•"/>
               <a:defRPr/>
             </a:lvl8pPr>
-            <a:lvl9pPr indent="-317500" lvl="8" marL="4114800" algn="l">
+            <a:lvl9pPr marL="4114800" lvl="8" indent="-317500" algn="l">
               <a:lnSpc>
                 <a:spcPct val="90000"/>
               </a:lnSpc>
@@ -3812,15 +3909,19 @@
               <a:defRPr/>
             </a:lvl9pPr>
           </a:lstStyle>
-          <a:p/>
+          <a:p>
+            <a:endParaRPr/>
+          </a:p>
         </p:txBody>
       </p:sp>
       <p:sp>
         <p:nvSpPr>
           <p:cNvPr id="74" name="Google Shape;74;p17"/>
-          <p:cNvSpPr txBox="1"/>
+          <p:cNvSpPr txBox="1">
+            <a:spLocks noGrp="1"/>
+          </p:cNvSpPr>
           <p:nvPr>
-            <p:ph idx="2" type="body"/>
+            <p:ph type="body" idx="2"/>
           </p:nvPr>
         </p:nvSpPr>
         <p:spPr>
@@ -3837,11 +3938,11 @@
           </a:ln>
         </p:spPr>
         <p:txBody>
-          <a:bodyPr anchorCtr="0" anchor="t" bIns="34275" lIns="68575" spcFirstLastPara="1" rIns="68575" wrap="square" tIns="34275">
+          <a:bodyPr spcFirstLastPara="1" wrap="square" lIns="68575" tIns="34275" rIns="68575" bIns="34275" anchor="t" anchorCtr="0">
             <a:normAutofit/>
           </a:bodyPr>
           <a:lstStyle>
-            <a:lvl1pPr indent="-228600" lvl="0" marL="457200" algn="l">
+            <a:lvl1pPr marL="457200" lvl="0" indent="-228600" algn="l">
               <a:lnSpc>
                 <a:spcPct val="90000"/>
               </a:lnSpc>
@@ -3866,7 +3967,7 @@
                 <a:sym typeface="Arial"/>
               </a:defRPr>
             </a:lvl1pPr>
-            <a:lvl2pPr indent="-317500" lvl="1" marL="914400" algn="l">
+            <a:lvl2pPr marL="914400" lvl="1" indent="-317500" algn="l">
               <a:lnSpc>
                 <a:spcPct val="90000"/>
               </a:lnSpc>
@@ -3883,7 +3984,7 @@
               <a:buChar char="•"/>
               <a:defRPr/>
             </a:lvl2pPr>
-            <a:lvl3pPr indent="-317500" lvl="2" marL="1371600" algn="l">
+            <a:lvl3pPr marL="1371600" lvl="2" indent="-317500" algn="l">
               <a:lnSpc>
                 <a:spcPct val="90000"/>
               </a:lnSpc>
@@ -3900,7 +4001,7 @@
               <a:buChar char="•"/>
               <a:defRPr/>
             </a:lvl3pPr>
-            <a:lvl4pPr indent="-317500" lvl="3" marL="1828800" algn="l">
+            <a:lvl4pPr marL="1828800" lvl="3" indent="-317500" algn="l">
               <a:lnSpc>
                 <a:spcPct val="90000"/>
               </a:lnSpc>
@@ -3917,7 +4018,7 @@
               <a:buChar char="•"/>
               <a:defRPr/>
             </a:lvl4pPr>
-            <a:lvl5pPr indent="-317500" lvl="4" marL="2286000" algn="l">
+            <a:lvl5pPr marL="2286000" lvl="4" indent="-317500" algn="l">
               <a:lnSpc>
                 <a:spcPct val="90000"/>
               </a:lnSpc>
@@ -3934,7 +4035,7 @@
               <a:buChar char="•"/>
               <a:defRPr/>
             </a:lvl5pPr>
-            <a:lvl6pPr indent="-317500" lvl="5" marL="2743200" algn="l">
+            <a:lvl6pPr marL="2743200" lvl="5" indent="-317500" algn="l">
               <a:lnSpc>
                 <a:spcPct val="90000"/>
               </a:lnSpc>
@@ -3951,7 +4052,7 @@
               <a:buChar char="•"/>
               <a:defRPr/>
             </a:lvl6pPr>
-            <a:lvl7pPr indent="-317500" lvl="6" marL="3200400" algn="l">
+            <a:lvl7pPr marL="3200400" lvl="6" indent="-317500" algn="l">
               <a:lnSpc>
                 <a:spcPct val="90000"/>
               </a:lnSpc>
@@ -3968,7 +4069,7 @@
               <a:buChar char="•"/>
               <a:defRPr/>
             </a:lvl7pPr>
-            <a:lvl8pPr indent="-317500" lvl="7" marL="3657600" algn="l">
+            <a:lvl8pPr marL="3657600" lvl="7" indent="-317500" algn="l">
               <a:lnSpc>
                 <a:spcPct val="90000"/>
               </a:lnSpc>
@@ -3985,7 +4086,7 @@
               <a:buChar char="•"/>
               <a:defRPr/>
             </a:lvl8pPr>
-            <a:lvl9pPr indent="-317500" lvl="8" marL="4114800" algn="l">
+            <a:lvl9pPr marL="4114800" lvl="8" indent="-317500" algn="l">
               <a:lnSpc>
                 <a:spcPct val="90000"/>
               </a:lnSpc>
@@ -4003,13 +4104,17 @@
               <a:defRPr/>
             </a:lvl9pPr>
           </a:lstStyle>
-          <a:p/>
+          <a:p>
+            <a:endParaRPr/>
+          </a:p>
         </p:txBody>
       </p:sp>
       <p:sp>
         <p:nvSpPr>
           <p:cNvPr id="75" name="Google Shape;75;p17"/>
-          <p:cNvSpPr txBox="1"/>
+          <p:cNvSpPr txBox="1">
+            <a:spLocks noGrp="1"/>
+          </p:cNvSpPr>
           <p:nvPr>
             <p:ph type="title"/>
           </p:nvPr>
@@ -4028,7 +4133,7 @@
           </a:ln>
         </p:spPr>
         <p:txBody>
-          <a:bodyPr anchorCtr="0" anchor="ctr" bIns="34275" lIns="68575" spcFirstLastPara="1" rIns="68575" wrap="square" tIns="34275">
+          <a:bodyPr spcFirstLastPara="1" wrap="square" lIns="68575" tIns="34275" rIns="68575" bIns="34275" anchor="ctr" anchorCtr="0">
             <a:normAutofit/>
           </a:bodyPr>
           <a:lstStyle>
@@ -4048,7 +4153,7 @@
               <a:buSzPts val="3200"/>
               <a:buFont typeface="Arial"/>
               <a:buNone/>
-              <a:defRPr b="1" sz="3200">
+              <a:defRPr sz="3200" b="1">
                 <a:solidFill>
                   <a:srgbClr val="595959"/>
                 </a:solidFill>
@@ -4147,7 +4252,9 @@
               <a:defRPr/>
             </a:lvl9pPr>
           </a:lstStyle>
-          <a:p/>
+          <a:p>
+            <a:endParaRPr/>
+          </a:p>
         </p:txBody>
       </p:sp>
     </p:spTree>
@@ -4159,11 +4266,11 @@
 </file>
 
 <file path=ppt/slideLayouts/slideLayout16.xml><?xml version="1.0" encoding="utf-8"?>
-<p:sldLayout xmlns:a="http://schemas.openxmlformats.org/drawingml/2006/main" xmlns:r="http://schemas.openxmlformats.org/officeDocument/2006/relationships" xmlns:mc="http://schemas.openxmlformats.org/markup-compatibility/2006" xmlns:mv="urn:schemas-microsoft-com:mac:vml" xmlns:p="http://schemas.openxmlformats.org/presentationml/2006/main" xmlns:c="http://schemas.openxmlformats.org/drawingml/2006/chart" xmlns:dgm="http://schemas.openxmlformats.org/drawingml/2006/diagram" xmlns:o="urn:schemas-microsoft-com:office:office" xmlns:v="urn:schemas-microsoft-com:vml" xmlns:pvml="urn:schemas-microsoft-com:office:powerpoint" xmlns:com="http://schemas.openxmlformats.org/drawingml/2006/compatibility" xmlns:p14="http://schemas.microsoft.com/office/powerpoint/2010/main" xmlns:p15="http://schemas.microsoft.com/office/powerpoint/2012/main" xmlns:ahyp="http://schemas.microsoft.com/office/drawing/2018/hyperlinkcolor" matchingName="Two Columns with Subtitles">
+<p:sldLayout xmlns:a="http://schemas.openxmlformats.org/drawingml/2006/main" xmlns:r="http://schemas.openxmlformats.org/officeDocument/2006/relationships" xmlns:p="http://schemas.openxmlformats.org/presentationml/2006/main" matchingName="Two Columns with Subtitles">
   <p:cSld name="Two Columns with Subtitles">
     <p:spTree>
       <p:nvGrpSpPr>
-        <p:cNvPr id="76" name="Shape 76"/>
+        <p:cNvPr id="1" name="Shape 76"/>
         <p:cNvGrpSpPr/>
         <p:nvPr/>
       </p:nvGrpSpPr>
@@ -4178,9 +4285,11 @@
       <p:sp>
         <p:nvSpPr>
           <p:cNvPr id="77" name="Google Shape;77;p18"/>
-          <p:cNvSpPr txBox="1"/>
+          <p:cNvSpPr txBox="1">
+            <a:spLocks noGrp="1"/>
+          </p:cNvSpPr>
           <p:nvPr>
-            <p:ph idx="1" type="body"/>
+            <p:ph type="body" idx="1"/>
           </p:nvPr>
         </p:nvSpPr>
         <p:spPr>
@@ -4197,11 +4306,11 @@
           </a:ln>
         </p:spPr>
         <p:txBody>
-          <a:bodyPr anchorCtr="0" anchor="t" bIns="34275" lIns="68575" spcFirstLastPara="1" rIns="68575" wrap="square" tIns="34275">
+          <a:bodyPr spcFirstLastPara="1" wrap="square" lIns="68575" tIns="34275" rIns="68575" bIns="34275" anchor="t" anchorCtr="0">
             <a:normAutofit/>
           </a:bodyPr>
           <a:lstStyle>
-            <a:lvl1pPr indent="-228600" lvl="0" marL="457200" algn="l">
+            <a:lvl1pPr marL="457200" lvl="0" indent="-228600" algn="l">
               <a:lnSpc>
                 <a:spcPct val="90000"/>
               </a:lnSpc>
@@ -4226,7 +4335,7 @@
                 <a:sym typeface="Arial"/>
               </a:defRPr>
             </a:lvl1pPr>
-            <a:lvl2pPr indent="-323850" lvl="1" marL="914400" algn="l">
+            <a:lvl2pPr marL="914400" lvl="1" indent="-323850" algn="l">
               <a:lnSpc>
                 <a:spcPct val="90000"/>
               </a:lnSpc>
@@ -4248,7 +4357,7 @@
                 <a:sym typeface="Arial"/>
               </a:defRPr>
             </a:lvl2pPr>
-            <a:lvl3pPr indent="-323850" lvl="2" marL="1371600" algn="l">
+            <a:lvl3pPr marL="1371600" lvl="2" indent="-323850" algn="l">
               <a:lnSpc>
                 <a:spcPct val="90000"/>
               </a:lnSpc>
@@ -4270,7 +4379,7 @@
                 <a:sym typeface="Arial"/>
               </a:defRPr>
             </a:lvl3pPr>
-            <a:lvl4pPr indent="-323850" lvl="3" marL="1828800" algn="l">
+            <a:lvl4pPr marL="1828800" lvl="3" indent="-323850" algn="l">
               <a:lnSpc>
                 <a:spcPct val="90000"/>
               </a:lnSpc>
@@ -4292,7 +4401,7 @@
                 <a:sym typeface="Arial"/>
               </a:defRPr>
             </a:lvl4pPr>
-            <a:lvl5pPr indent="-323850" lvl="4" marL="2286000" algn="l">
+            <a:lvl5pPr marL="2286000" lvl="4" indent="-323850" algn="l">
               <a:lnSpc>
                 <a:spcPct val="90000"/>
               </a:lnSpc>
@@ -4314,7 +4423,7 @@
                 <a:sym typeface="Arial"/>
               </a:defRPr>
             </a:lvl5pPr>
-            <a:lvl6pPr indent="-304800" lvl="5" marL="2743200" algn="l">
+            <a:lvl6pPr marL="2743200" lvl="5" indent="-304800" algn="l">
               <a:lnSpc>
                 <a:spcPct val="90000"/>
               </a:lnSpc>
@@ -4331,7 +4440,7 @@
               <a:buChar char="•"/>
               <a:defRPr sz="1200"/>
             </a:lvl6pPr>
-            <a:lvl7pPr indent="-304800" lvl="6" marL="3200400" algn="l">
+            <a:lvl7pPr marL="3200400" lvl="6" indent="-304800" algn="l">
               <a:lnSpc>
                 <a:spcPct val="90000"/>
               </a:lnSpc>
@@ -4348,7 +4457,7 @@
               <a:buChar char="•"/>
               <a:defRPr sz="1200"/>
             </a:lvl7pPr>
-            <a:lvl8pPr indent="-304800" lvl="7" marL="3657600" algn="l">
+            <a:lvl8pPr marL="3657600" lvl="7" indent="-304800" algn="l">
               <a:lnSpc>
                 <a:spcPct val="90000"/>
               </a:lnSpc>
@@ -4365,7 +4474,7 @@
               <a:buChar char="•"/>
               <a:defRPr sz="1200"/>
             </a:lvl8pPr>
-            <a:lvl9pPr indent="-304800" lvl="8" marL="4114800" algn="l">
+            <a:lvl9pPr marL="4114800" lvl="8" indent="-304800" algn="l">
               <a:lnSpc>
                 <a:spcPct val="90000"/>
               </a:lnSpc>
@@ -4383,15 +4492,19 @@
               <a:defRPr sz="1200"/>
             </a:lvl9pPr>
           </a:lstStyle>
-          <a:p/>
+          <a:p>
+            <a:endParaRPr/>
+          </a:p>
         </p:txBody>
       </p:sp>
       <p:sp>
         <p:nvSpPr>
           <p:cNvPr id="78" name="Google Shape;78;p18"/>
-          <p:cNvSpPr txBox="1"/>
+          <p:cNvSpPr txBox="1">
+            <a:spLocks noGrp="1"/>
+          </p:cNvSpPr>
           <p:nvPr>
-            <p:ph idx="2" type="body"/>
+            <p:ph type="body" idx="2"/>
           </p:nvPr>
         </p:nvSpPr>
         <p:spPr>
@@ -4408,11 +4521,11 @@
           </a:ln>
         </p:spPr>
         <p:txBody>
-          <a:bodyPr anchorCtr="0" anchor="b" bIns="34275" lIns="68575" spcFirstLastPara="1" rIns="68575" wrap="square" tIns="34275">
+          <a:bodyPr spcFirstLastPara="1" wrap="square" lIns="68575" tIns="34275" rIns="68575" bIns="34275" anchor="b" anchorCtr="0">
             <a:noAutofit/>
           </a:bodyPr>
           <a:lstStyle>
-            <a:lvl1pPr indent="-228600" lvl="0" marL="457200" algn="l">
+            <a:lvl1pPr marL="457200" lvl="0" indent="-228600" algn="l">
               <a:lnSpc>
                 <a:spcPct val="90000"/>
               </a:lnSpc>
@@ -4427,7 +4540,7 @@
               </a:buClr>
               <a:buSzPts val="1900"/>
               <a:buNone/>
-              <a:defRPr b="1" sz="1900">
+              <a:defRPr sz="1900" b="1">
                 <a:solidFill>
                   <a:srgbClr val="595959"/>
                 </a:solidFill>
@@ -4437,7 +4550,7 @@
                 <a:sym typeface="Arial"/>
               </a:defRPr>
             </a:lvl1pPr>
-            <a:lvl2pPr indent="-228600" lvl="1" marL="914400" algn="l">
+            <a:lvl2pPr marL="914400" lvl="1" indent="-228600" algn="l">
               <a:lnSpc>
                 <a:spcPct val="90000"/>
               </a:lnSpc>
@@ -4452,9 +4565,9 @@
               </a:buClr>
               <a:buSzPts val="1500"/>
               <a:buNone/>
-              <a:defRPr b="1" sz="1500"/>
+              <a:defRPr sz="1500" b="1"/>
             </a:lvl2pPr>
-            <a:lvl3pPr indent="-228600" lvl="2" marL="1371600" algn="l">
+            <a:lvl3pPr marL="1371600" lvl="2" indent="-228600" algn="l">
               <a:lnSpc>
                 <a:spcPct val="90000"/>
               </a:lnSpc>
@@ -4469,9 +4582,9 @@
               </a:buClr>
               <a:buSzPts val="1400"/>
               <a:buNone/>
-              <a:defRPr b="1" sz="1400"/>
+              <a:defRPr sz="1400" b="1"/>
             </a:lvl3pPr>
-            <a:lvl4pPr indent="-228600" lvl="3" marL="1828800" algn="l">
+            <a:lvl4pPr marL="1828800" lvl="3" indent="-228600" algn="l">
               <a:lnSpc>
                 <a:spcPct val="90000"/>
               </a:lnSpc>
@@ -4486,9 +4599,9 @@
               </a:buClr>
               <a:buSzPts val="1200"/>
               <a:buNone/>
-              <a:defRPr b="1" sz="1200"/>
+              <a:defRPr sz="1200" b="1"/>
             </a:lvl4pPr>
-            <a:lvl5pPr indent="-228600" lvl="4" marL="2286000" algn="l">
+            <a:lvl5pPr marL="2286000" lvl="4" indent="-228600" algn="l">
               <a:lnSpc>
                 <a:spcPct val="90000"/>
               </a:lnSpc>
@@ -4503,9 +4616,9 @@
               </a:buClr>
               <a:buSzPts val="1200"/>
               <a:buNone/>
-              <a:defRPr b="1" sz="1200"/>
+              <a:defRPr sz="1200" b="1"/>
             </a:lvl5pPr>
-            <a:lvl6pPr indent="-228600" lvl="5" marL="2743200" algn="l">
+            <a:lvl6pPr marL="2743200" lvl="5" indent="-228600" algn="l">
               <a:lnSpc>
                 <a:spcPct val="90000"/>
               </a:lnSpc>
@@ -4520,9 +4633,9 @@
               </a:buClr>
               <a:buSzPts val="1200"/>
               <a:buNone/>
-              <a:defRPr b="1" sz="1200"/>
+              <a:defRPr sz="1200" b="1"/>
             </a:lvl6pPr>
-            <a:lvl7pPr indent="-228600" lvl="6" marL="3200400" algn="l">
+            <a:lvl7pPr marL="3200400" lvl="6" indent="-228600" algn="l">
               <a:lnSpc>
                 <a:spcPct val="90000"/>
               </a:lnSpc>
@@ -4537,9 +4650,9 @@
               </a:buClr>
               <a:buSzPts val="1200"/>
               <a:buNone/>
-              <a:defRPr b="1" sz="1200"/>
+              <a:defRPr sz="1200" b="1"/>
             </a:lvl7pPr>
-            <a:lvl8pPr indent="-228600" lvl="7" marL="3657600" algn="l">
+            <a:lvl8pPr marL="3657600" lvl="7" indent="-228600" algn="l">
               <a:lnSpc>
                 <a:spcPct val="90000"/>
               </a:lnSpc>
@@ -4554,9 +4667,9 @@
               </a:buClr>
               <a:buSzPts val="1200"/>
               <a:buNone/>
-              <a:defRPr b="1" sz="1200"/>
+              <a:defRPr sz="1200" b="1"/>
             </a:lvl8pPr>
-            <a:lvl9pPr indent="-228600" lvl="8" marL="4114800" algn="l">
+            <a:lvl9pPr marL="4114800" lvl="8" indent="-228600" algn="l">
               <a:lnSpc>
                 <a:spcPct val="90000"/>
               </a:lnSpc>
@@ -4571,18 +4684,22 @@
               </a:buClr>
               <a:buSzPts val="1200"/>
               <a:buNone/>
-              <a:defRPr b="1" sz="1200"/>
+              <a:defRPr sz="1200" b="1"/>
             </a:lvl9pPr>
           </a:lstStyle>
-          <a:p/>
+          <a:p>
+            <a:endParaRPr/>
+          </a:p>
         </p:txBody>
       </p:sp>
       <p:sp>
         <p:nvSpPr>
           <p:cNvPr id="79" name="Google Shape;79;p18"/>
-          <p:cNvSpPr txBox="1"/>
+          <p:cNvSpPr txBox="1">
+            <a:spLocks noGrp="1"/>
+          </p:cNvSpPr>
           <p:nvPr>
-            <p:ph idx="3" type="body"/>
+            <p:ph type="body" idx="3"/>
           </p:nvPr>
         </p:nvSpPr>
         <p:spPr>
@@ -4599,11 +4716,11 @@
           </a:ln>
         </p:spPr>
         <p:txBody>
-          <a:bodyPr anchorCtr="0" anchor="t" bIns="34275" lIns="68575" spcFirstLastPara="1" rIns="68575" wrap="square" tIns="34275">
+          <a:bodyPr spcFirstLastPara="1" wrap="square" lIns="68575" tIns="34275" rIns="68575" bIns="34275" anchor="t" anchorCtr="0">
             <a:normAutofit/>
           </a:bodyPr>
           <a:lstStyle>
-            <a:lvl1pPr indent="-228600" lvl="0" marL="457200" algn="l">
+            <a:lvl1pPr marL="457200" lvl="0" indent="-228600" algn="l">
               <a:lnSpc>
                 <a:spcPct val="90000"/>
               </a:lnSpc>
@@ -4628,7 +4745,7 @@
                 <a:sym typeface="Arial"/>
               </a:defRPr>
             </a:lvl1pPr>
-            <a:lvl2pPr indent="-323850" lvl="1" marL="914400" algn="l">
+            <a:lvl2pPr marL="914400" lvl="1" indent="-323850" algn="l">
               <a:lnSpc>
                 <a:spcPct val="90000"/>
               </a:lnSpc>
@@ -4645,7 +4762,7 @@
               <a:buChar char="•"/>
               <a:defRPr sz="1500"/>
             </a:lvl2pPr>
-            <a:lvl3pPr indent="-317500" lvl="2" marL="1371600" algn="l">
+            <a:lvl3pPr marL="1371600" lvl="2" indent="-317500" algn="l">
               <a:lnSpc>
                 <a:spcPct val="90000"/>
               </a:lnSpc>
@@ -4662,7 +4779,7 @@
               <a:buChar char="•"/>
               <a:defRPr sz="1400"/>
             </a:lvl3pPr>
-            <a:lvl4pPr indent="-304800" lvl="3" marL="1828800" algn="l">
+            <a:lvl4pPr marL="1828800" lvl="3" indent="-304800" algn="l">
               <a:lnSpc>
                 <a:spcPct val="90000"/>
               </a:lnSpc>
@@ -4679,7 +4796,7 @@
               <a:buChar char="•"/>
               <a:defRPr sz="1200"/>
             </a:lvl4pPr>
-            <a:lvl5pPr indent="-304800" lvl="4" marL="2286000" algn="l">
+            <a:lvl5pPr marL="2286000" lvl="4" indent="-304800" algn="l">
               <a:lnSpc>
                 <a:spcPct val="90000"/>
               </a:lnSpc>
@@ -4696,7 +4813,7 @@
               <a:buChar char="•"/>
               <a:defRPr sz="1200"/>
             </a:lvl5pPr>
-            <a:lvl6pPr indent="-304800" lvl="5" marL="2743200" algn="l">
+            <a:lvl6pPr marL="2743200" lvl="5" indent="-304800" algn="l">
               <a:lnSpc>
                 <a:spcPct val="90000"/>
               </a:lnSpc>
@@ -4713,7 +4830,7 @@
               <a:buChar char="•"/>
               <a:defRPr sz="1200"/>
             </a:lvl6pPr>
-            <a:lvl7pPr indent="-304800" lvl="6" marL="3200400" algn="l">
+            <a:lvl7pPr marL="3200400" lvl="6" indent="-304800" algn="l">
               <a:lnSpc>
                 <a:spcPct val="90000"/>
               </a:lnSpc>
@@ -4730,7 +4847,7 @@
               <a:buChar char="•"/>
               <a:defRPr sz="1200"/>
             </a:lvl7pPr>
-            <a:lvl8pPr indent="-304800" lvl="7" marL="3657600" algn="l">
+            <a:lvl8pPr marL="3657600" lvl="7" indent="-304800" algn="l">
               <a:lnSpc>
                 <a:spcPct val="90000"/>
               </a:lnSpc>
@@ -4747,7 +4864,7 @@
               <a:buChar char="•"/>
               <a:defRPr sz="1200"/>
             </a:lvl8pPr>
-            <a:lvl9pPr indent="-304800" lvl="8" marL="4114800" algn="l">
+            <a:lvl9pPr marL="4114800" lvl="8" indent="-304800" algn="l">
               <a:lnSpc>
                 <a:spcPct val="90000"/>
               </a:lnSpc>
@@ -4765,15 +4882,19 @@
               <a:defRPr sz="1200"/>
             </a:lvl9pPr>
           </a:lstStyle>
-          <a:p/>
+          <a:p>
+            <a:endParaRPr/>
+          </a:p>
         </p:txBody>
       </p:sp>
       <p:sp>
         <p:nvSpPr>
           <p:cNvPr id="80" name="Google Shape;80;p18"/>
-          <p:cNvSpPr txBox="1"/>
+          <p:cNvSpPr txBox="1">
+            <a:spLocks noGrp="1"/>
+          </p:cNvSpPr>
           <p:nvPr>
-            <p:ph idx="4" type="body"/>
+            <p:ph type="body" idx="4"/>
           </p:nvPr>
         </p:nvSpPr>
         <p:spPr>
@@ -4790,11 +4911,11 @@
           </a:ln>
         </p:spPr>
         <p:txBody>
-          <a:bodyPr anchorCtr="0" anchor="b" bIns="34275" lIns="68575" spcFirstLastPara="1" rIns="68575" wrap="square" tIns="34275">
+          <a:bodyPr spcFirstLastPara="1" wrap="square" lIns="68575" tIns="34275" rIns="68575" bIns="34275" anchor="b" anchorCtr="0">
             <a:noAutofit/>
           </a:bodyPr>
           <a:lstStyle>
-            <a:lvl1pPr indent="-228600" lvl="0" marL="457200" algn="l">
+            <a:lvl1pPr marL="457200" lvl="0" indent="-228600" algn="l">
               <a:lnSpc>
                 <a:spcPct val="90000"/>
               </a:lnSpc>
@@ -4809,7 +4930,7 @@
               </a:buClr>
               <a:buSzPts val="1900"/>
               <a:buNone/>
-              <a:defRPr b="1" sz="1900">
+              <a:defRPr sz="1900" b="1">
                 <a:solidFill>
                   <a:srgbClr val="595959"/>
                 </a:solidFill>
@@ -4819,7 +4940,7 @@
                 <a:sym typeface="Arial"/>
               </a:defRPr>
             </a:lvl1pPr>
-            <a:lvl2pPr indent="-228600" lvl="1" marL="914400" algn="l">
+            <a:lvl2pPr marL="914400" lvl="1" indent="-228600" algn="l">
               <a:lnSpc>
                 <a:spcPct val="90000"/>
               </a:lnSpc>
@@ -4834,9 +4955,9 @@
               </a:buClr>
               <a:buSzPts val="1500"/>
               <a:buNone/>
-              <a:defRPr b="1" sz="1500"/>
+              <a:defRPr sz="1500" b="1"/>
             </a:lvl2pPr>
-            <a:lvl3pPr indent="-228600" lvl="2" marL="1371600" algn="l">
+            <a:lvl3pPr marL="1371600" lvl="2" indent="-228600" algn="l">
               <a:lnSpc>
                 <a:spcPct val="90000"/>
               </a:lnSpc>
@@ -4851,9 +4972,9 @@
               </a:buClr>
               <a:buSzPts val="1400"/>
               <a:buNone/>
-              <a:defRPr b="1" sz="1400"/>
+              <a:defRPr sz="1400" b="1"/>
             </a:lvl3pPr>
-            <a:lvl4pPr indent="-228600" lvl="3" marL="1828800" algn="l">
+            <a:lvl4pPr marL="1828800" lvl="3" indent="-228600" algn="l">
               <a:lnSpc>
                 <a:spcPct val="90000"/>
               </a:lnSpc>
@@ -4868,9 +4989,9 @@
               </a:buClr>
               <a:buSzPts val="1200"/>
               <a:buNone/>
-              <a:defRPr b="1" sz="1200"/>
+              <a:defRPr sz="1200" b="1"/>
             </a:lvl4pPr>
-            <a:lvl5pPr indent="-228600" lvl="4" marL="2286000" algn="l">
+            <a:lvl5pPr marL="2286000" lvl="4" indent="-228600" algn="l">
               <a:lnSpc>
                 <a:spcPct val="90000"/>
               </a:lnSpc>
@@ -4885,9 +5006,9 @@
               </a:buClr>
               <a:buSzPts val="1200"/>
               <a:buNone/>
-              <a:defRPr b="1" sz="1200"/>
+              <a:defRPr sz="1200" b="1"/>
             </a:lvl5pPr>
-            <a:lvl6pPr indent="-228600" lvl="5" marL="2743200" algn="l">
+            <a:lvl6pPr marL="2743200" lvl="5" indent="-228600" algn="l">
               <a:lnSpc>
                 <a:spcPct val="90000"/>
               </a:lnSpc>
@@ -4902,9 +5023,9 @@
               </a:buClr>
               <a:buSzPts val="1200"/>
               <a:buNone/>
-              <a:defRPr b="1" sz="1200"/>
+              <a:defRPr sz="1200" b="1"/>
             </a:lvl6pPr>
-            <a:lvl7pPr indent="-228600" lvl="6" marL="3200400" algn="l">
+            <a:lvl7pPr marL="3200400" lvl="6" indent="-228600" algn="l">
               <a:lnSpc>
                 <a:spcPct val="90000"/>
               </a:lnSpc>
@@ -4919,9 +5040,9 @@
               </a:buClr>
               <a:buSzPts val="1200"/>
               <a:buNone/>
-              <a:defRPr b="1" sz="1200"/>
+              <a:defRPr sz="1200" b="1"/>
             </a:lvl7pPr>
-            <a:lvl8pPr indent="-228600" lvl="7" marL="3657600" algn="l">
+            <a:lvl8pPr marL="3657600" lvl="7" indent="-228600" algn="l">
               <a:lnSpc>
                 <a:spcPct val="90000"/>
               </a:lnSpc>
@@ -4936,9 +5057,9 @@
               </a:buClr>
               <a:buSzPts val="1200"/>
               <a:buNone/>
-              <a:defRPr b="1" sz="1200"/>
+              <a:defRPr sz="1200" b="1"/>
             </a:lvl8pPr>
-            <a:lvl9pPr indent="-228600" lvl="8" marL="4114800" algn="l">
+            <a:lvl9pPr marL="4114800" lvl="8" indent="-228600" algn="l">
               <a:lnSpc>
                 <a:spcPct val="90000"/>
               </a:lnSpc>
@@ -4953,16 +5074,20 @@
               </a:buClr>
               <a:buSzPts val="1200"/>
               <a:buNone/>
-              <a:defRPr b="1" sz="1200"/>
+              <a:defRPr sz="1200" b="1"/>
             </a:lvl9pPr>
           </a:lstStyle>
-          <a:p/>
+          <a:p>
+            <a:endParaRPr/>
+          </a:p>
         </p:txBody>
       </p:sp>
       <p:sp>
         <p:nvSpPr>
           <p:cNvPr id="81" name="Google Shape;81;p18"/>
-          <p:cNvSpPr txBox="1"/>
+          <p:cNvSpPr txBox="1">
+            <a:spLocks noGrp="1"/>
+          </p:cNvSpPr>
           <p:nvPr>
             <p:ph type="title"/>
           </p:nvPr>
@@ -4981,7 +5106,7 @@
           </a:ln>
         </p:spPr>
         <p:txBody>
-          <a:bodyPr anchorCtr="0" anchor="ctr" bIns="34275" lIns="68575" spcFirstLastPara="1" rIns="68575" wrap="square" tIns="34275">
+          <a:bodyPr spcFirstLastPara="1" wrap="square" lIns="68575" tIns="34275" rIns="68575" bIns="34275" anchor="ctr" anchorCtr="0">
             <a:normAutofit/>
           </a:bodyPr>
           <a:lstStyle>
@@ -5001,7 +5126,7 @@
               <a:buSzPts val="3200"/>
               <a:buFont typeface="Arial"/>
               <a:buNone/>
-              <a:defRPr b="1" sz="3200">
+              <a:defRPr sz="3200" b="1">
                 <a:solidFill>
                   <a:srgbClr val="595959"/>
                 </a:solidFill>
@@ -5100,7 +5225,9 @@
               <a:defRPr/>
             </a:lvl9pPr>
           </a:lstStyle>
-          <a:p/>
+          <a:p>
+            <a:endParaRPr/>
+          </a:p>
         </p:txBody>
       </p:sp>
     </p:spTree>
@@ -5112,11 +5239,11 @@
 </file>
 
 <file path=ppt/slideLayouts/slideLayout17.xml><?xml version="1.0" encoding="utf-8"?>
-<p:sldLayout xmlns:a="http://schemas.openxmlformats.org/drawingml/2006/main" xmlns:r="http://schemas.openxmlformats.org/officeDocument/2006/relationships" xmlns:mc="http://schemas.openxmlformats.org/markup-compatibility/2006" xmlns:mv="urn:schemas-microsoft-com:mac:vml" xmlns:p="http://schemas.openxmlformats.org/presentationml/2006/main" xmlns:c="http://schemas.openxmlformats.org/drawingml/2006/chart" xmlns:dgm="http://schemas.openxmlformats.org/drawingml/2006/diagram" xmlns:o="urn:schemas-microsoft-com:office:office" xmlns:v="urn:schemas-microsoft-com:vml" xmlns:pvml="urn:schemas-microsoft-com:office:powerpoint" xmlns:com="http://schemas.openxmlformats.org/drawingml/2006/compatibility" xmlns:p14="http://schemas.microsoft.com/office/powerpoint/2010/main" xmlns:p15="http://schemas.microsoft.com/office/powerpoint/2012/main" xmlns:ahyp="http://schemas.microsoft.com/office/drawing/2018/hyperlinkcolor" matchingName="Content with Caption">
+<p:sldLayout xmlns:a="http://schemas.openxmlformats.org/drawingml/2006/main" xmlns:r="http://schemas.openxmlformats.org/officeDocument/2006/relationships" xmlns:p="http://schemas.openxmlformats.org/presentationml/2006/main" matchingName="Content with Caption">
   <p:cSld name="Content with Caption">
     <p:spTree>
       <p:nvGrpSpPr>
-        <p:cNvPr id="82" name="Shape 82"/>
+        <p:cNvPr id="1" name="Shape 82"/>
         <p:cNvGrpSpPr/>
         <p:nvPr/>
       </p:nvGrpSpPr>
@@ -5131,9 +5258,11 @@
       <p:sp>
         <p:nvSpPr>
           <p:cNvPr id="83" name="Google Shape;83;p19"/>
-          <p:cNvSpPr txBox="1"/>
+          <p:cNvSpPr txBox="1">
+            <a:spLocks noGrp="1"/>
+          </p:cNvSpPr>
           <p:nvPr>
-            <p:ph idx="1" type="body"/>
+            <p:ph type="body" idx="1"/>
           </p:nvPr>
         </p:nvSpPr>
         <p:spPr>
@@ -5150,11 +5279,11 @@
           </a:ln>
         </p:spPr>
         <p:txBody>
-          <a:bodyPr anchorCtr="0" anchor="t" bIns="34275" lIns="68575" spcFirstLastPara="1" rIns="68575" wrap="square" tIns="34275">
+          <a:bodyPr spcFirstLastPara="1" wrap="square" lIns="68575" tIns="34275" rIns="68575" bIns="34275" anchor="t" anchorCtr="0">
             <a:normAutofit/>
           </a:bodyPr>
           <a:lstStyle>
-            <a:lvl1pPr indent="-228600" lvl="0" marL="457200" algn="l">
+            <a:lvl1pPr marL="457200" lvl="0" indent="-228600" algn="l">
               <a:lnSpc>
                 <a:spcPct val="90000"/>
               </a:lnSpc>
@@ -5179,7 +5308,7 @@
                 <a:sym typeface="Arial"/>
               </a:defRPr>
             </a:lvl1pPr>
-            <a:lvl2pPr indent="-323850" lvl="1" marL="914400" algn="l">
+            <a:lvl2pPr marL="914400" lvl="1" indent="-323850" algn="l">
               <a:lnSpc>
                 <a:spcPct val="90000"/>
               </a:lnSpc>
@@ -5201,7 +5330,7 @@
                 <a:sym typeface="Arial"/>
               </a:defRPr>
             </a:lvl2pPr>
-            <a:lvl3pPr indent="-323850" lvl="2" marL="1371600" algn="l">
+            <a:lvl3pPr marL="1371600" lvl="2" indent="-323850" algn="l">
               <a:lnSpc>
                 <a:spcPct val="90000"/>
               </a:lnSpc>
@@ -5223,7 +5352,7 @@
                 <a:sym typeface="Arial"/>
               </a:defRPr>
             </a:lvl3pPr>
-            <a:lvl4pPr indent="-323850" lvl="3" marL="1828800" algn="l">
+            <a:lvl4pPr marL="1828800" lvl="3" indent="-323850" algn="l">
               <a:lnSpc>
                 <a:spcPct val="90000"/>
               </a:lnSpc>
@@ -5245,7 +5374,7 @@
                 <a:sym typeface="Arial"/>
               </a:defRPr>
             </a:lvl4pPr>
-            <a:lvl5pPr indent="-323850" lvl="4" marL="2286000" algn="l">
+            <a:lvl5pPr marL="2286000" lvl="4" indent="-323850" algn="l">
               <a:lnSpc>
                 <a:spcPct val="90000"/>
               </a:lnSpc>
@@ -5267,7 +5396,7 @@
                 <a:sym typeface="Arial"/>
               </a:defRPr>
             </a:lvl5pPr>
-            <a:lvl6pPr indent="-323850" lvl="5" marL="2743200" algn="l">
+            <a:lvl6pPr marL="2743200" lvl="5" indent="-323850" algn="l">
               <a:lnSpc>
                 <a:spcPct val="90000"/>
               </a:lnSpc>
@@ -5284,7 +5413,7 @@
               <a:buChar char="•"/>
               <a:defRPr sz="1500"/>
             </a:lvl6pPr>
-            <a:lvl7pPr indent="-323850" lvl="6" marL="3200400" algn="l">
+            <a:lvl7pPr marL="3200400" lvl="6" indent="-323850" algn="l">
               <a:lnSpc>
                 <a:spcPct val="90000"/>
               </a:lnSpc>
@@ -5301,7 +5430,7 @@
               <a:buChar char="•"/>
               <a:defRPr sz="1500"/>
             </a:lvl7pPr>
-            <a:lvl8pPr indent="-323850" lvl="7" marL="3657600" algn="l">
+            <a:lvl8pPr marL="3657600" lvl="7" indent="-323850" algn="l">
               <a:lnSpc>
                 <a:spcPct val="90000"/>
               </a:lnSpc>
@@ -5318,7 +5447,7 @@
               <a:buChar char="•"/>
               <a:defRPr sz="1500"/>
             </a:lvl8pPr>
-            <a:lvl9pPr indent="-323850" lvl="8" marL="4114800" algn="l">
+            <a:lvl9pPr marL="4114800" lvl="8" indent="-323850" algn="l">
               <a:lnSpc>
                 <a:spcPct val="90000"/>
               </a:lnSpc>
@@ -5336,15 +5465,19 @@
               <a:defRPr sz="1500"/>
             </a:lvl9pPr>
           </a:lstStyle>
-          <a:p/>
+          <a:p>
+            <a:endParaRPr/>
+          </a:p>
         </p:txBody>
       </p:sp>
       <p:sp>
         <p:nvSpPr>
           <p:cNvPr id="84" name="Google Shape;84;p19"/>
-          <p:cNvSpPr txBox="1"/>
+          <p:cNvSpPr txBox="1">
+            <a:spLocks noGrp="1"/>
+          </p:cNvSpPr>
           <p:nvPr>
-            <p:ph idx="2" type="body"/>
+            <p:ph type="body" idx="2"/>
           </p:nvPr>
         </p:nvSpPr>
         <p:spPr>
@@ -5361,11 +5494,11 @@
           </a:ln>
         </p:spPr>
         <p:txBody>
-          <a:bodyPr anchorCtr="0" anchor="t" bIns="34275" lIns="68575" spcFirstLastPara="1" rIns="68575" wrap="square" tIns="34275">
+          <a:bodyPr spcFirstLastPara="1" wrap="square" lIns="68575" tIns="34275" rIns="68575" bIns="34275" anchor="t" anchorCtr="0">
             <a:normAutofit/>
           </a:bodyPr>
           <a:lstStyle>
-            <a:lvl1pPr indent="-228600" lvl="0" marL="457200" algn="l">
+            <a:lvl1pPr marL="457200" lvl="0" indent="-228600" algn="l">
               <a:lnSpc>
                 <a:spcPct val="90000"/>
               </a:lnSpc>
@@ -5390,7 +5523,7 @@
                 <a:sym typeface="Arial"/>
               </a:defRPr>
             </a:lvl1pPr>
-            <a:lvl2pPr indent="-228600" lvl="1" marL="914400" algn="l">
+            <a:lvl2pPr marL="914400" lvl="1" indent="-228600" algn="l">
               <a:lnSpc>
                 <a:spcPct val="90000"/>
               </a:lnSpc>
@@ -5407,7 +5540,7 @@
               <a:buNone/>
               <a:defRPr sz="900"/>
             </a:lvl2pPr>
-            <a:lvl3pPr indent="-228600" lvl="2" marL="1371600" algn="l">
+            <a:lvl3pPr marL="1371600" lvl="2" indent="-228600" algn="l">
               <a:lnSpc>
                 <a:spcPct val="90000"/>
               </a:lnSpc>
@@ -5424,7 +5557,7 @@
               <a:buNone/>
               <a:defRPr sz="800"/>
             </a:lvl3pPr>
-            <a:lvl4pPr indent="-228600" lvl="3" marL="1828800" algn="l">
+            <a:lvl4pPr marL="1828800" lvl="3" indent="-228600" algn="l">
               <a:lnSpc>
                 <a:spcPct val="90000"/>
               </a:lnSpc>
@@ -5441,7 +5574,7 @@
               <a:buNone/>
               <a:defRPr sz="700"/>
             </a:lvl4pPr>
-            <a:lvl5pPr indent="-228600" lvl="4" marL="2286000" algn="l">
+            <a:lvl5pPr marL="2286000" lvl="4" indent="-228600" algn="l">
               <a:lnSpc>
                 <a:spcPct val="90000"/>
               </a:lnSpc>
@@ -5458,7 +5591,7 @@
               <a:buNone/>
               <a:defRPr sz="700"/>
             </a:lvl5pPr>
-            <a:lvl6pPr indent="-228600" lvl="5" marL="2743200" algn="l">
+            <a:lvl6pPr marL="2743200" lvl="5" indent="-228600" algn="l">
               <a:lnSpc>
                 <a:spcPct val="90000"/>
               </a:lnSpc>
@@ -5475,7 +5608,7 @@
               <a:buNone/>
               <a:defRPr sz="700"/>
             </a:lvl6pPr>
-            <a:lvl7pPr indent="-228600" lvl="6" marL="3200400" algn="l">
+            <a:lvl7pPr marL="3200400" lvl="6" indent="-228600" algn="l">
               <a:lnSpc>
                 <a:spcPct val="90000"/>
               </a:lnSpc>
@@ -5492,7 +5625,7 @@
               <a:buNone/>
               <a:defRPr sz="700"/>
             </a:lvl7pPr>
-            <a:lvl8pPr indent="-228600" lvl="7" marL="3657600" algn="l">
+            <a:lvl8pPr marL="3657600" lvl="7" indent="-228600" algn="l">
               <a:lnSpc>
                 <a:spcPct val="90000"/>
               </a:lnSpc>
@@ -5509,7 +5642,7 @@
               <a:buNone/>
               <a:defRPr sz="700"/>
             </a:lvl8pPr>
-            <a:lvl9pPr indent="-228600" lvl="8" marL="4114800" algn="l">
+            <a:lvl9pPr marL="4114800" lvl="8" indent="-228600" algn="l">
               <a:lnSpc>
                 <a:spcPct val="90000"/>
               </a:lnSpc>
@@ -5527,7 +5660,9 @@
               <a:defRPr sz="700"/>
             </a:lvl9pPr>
           </a:lstStyle>
-          <a:p/>
+          <a:p>
+            <a:endParaRPr/>
+          </a:p>
         </p:txBody>
       </p:sp>
     </p:spTree>
@@ -5539,11 +5674,11 @@
 </file>
 
 <file path=ppt/slideLayouts/slideLayout18.xml><?xml version="1.0" encoding="utf-8"?>
-<p:sldLayout xmlns:a="http://schemas.openxmlformats.org/drawingml/2006/main" xmlns:r="http://schemas.openxmlformats.org/officeDocument/2006/relationships" xmlns:mc="http://schemas.openxmlformats.org/markup-compatibility/2006" xmlns:mv="urn:schemas-microsoft-com:mac:vml" xmlns:p="http://schemas.openxmlformats.org/presentationml/2006/main" xmlns:c="http://schemas.openxmlformats.org/drawingml/2006/chart" xmlns:dgm="http://schemas.openxmlformats.org/drawingml/2006/diagram" xmlns:o="urn:schemas-microsoft-com:office:office" xmlns:v="urn:schemas-microsoft-com:vml" xmlns:pvml="urn:schemas-microsoft-com:office:powerpoint" xmlns:com="http://schemas.openxmlformats.org/drawingml/2006/compatibility" xmlns:p14="http://schemas.microsoft.com/office/powerpoint/2010/main" xmlns:p15="http://schemas.microsoft.com/office/powerpoint/2012/main" xmlns:ahyp="http://schemas.microsoft.com/office/drawing/2018/hyperlinkcolor" matchingName="Photo with Caption">
+<p:sldLayout xmlns:a="http://schemas.openxmlformats.org/drawingml/2006/main" xmlns:r="http://schemas.openxmlformats.org/officeDocument/2006/relationships" xmlns:p="http://schemas.openxmlformats.org/presentationml/2006/main" matchingName="Photo with Caption">
   <p:cSld name="Photo with Caption">
     <p:spTree>
       <p:nvGrpSpPr>
-        <p:cNvPr id="85" name="Shape 85"/>
+        <p:cNvPr id="1" name="Shape 85"/>
         <p:cNvGrpSpPr/>
         <p:nvPr/>
       </p:nvGrpSpPr>
@@ -5558,9 +5693,11 @@
       <p:sp>
         <p:nvSpPr>
           <p:cNvPr id="86" name="Google Shape;86;p20"/>
-          <p:cNvSpPr/>
+          <p:cNvSpPr>
+            <a:spLocks noGrp="1"/>
+          </p:cNvSpPr>
           <p:nvPr>
-            <p:ph idx="2" type="pic"/>
+            <p:ph type="pic" idx="2"/>
           </p:nvPr>
         </p:nvSpPr>
         <p:spPr>
@@ -5574,23 +5711,25 @@
           <a:solidFill>
             <a:srgbClr val="ECECEC"/>
           </a:solidFill>
-          <a:ln cap="sq" cmpd="sng" w="190500">
+          <a:ln w="190500" cap="sq" cmpd="sng">
             <a:solidFill>
               <a:srgbClr val="FFFFFF"/>
             </a:solidFill>
             <a:prstDash val="solid"/>
             <a:miter lim="800000"/>
-            <a:headEnd len="sm" w="sm" type="none"/>
-            <a:tailEnd len="sm" w="sm" type="none"/>
+            <a:headEnd type="none" w="sm" len="sm"/>
+            <a:tailEnd type="none" w="sm" len="sm"/>
           </a:ln>
         </p:spPr>
       </p:sp>
       <p:sp>
         <p:nvSpPr>
           <p:cNvPr id="87" name="Google Shape;87;p20"/>
-          <p:cNvSpPr txBox="1"/>
+          <p:cNvSpPr txBox="1">
+            <a:spLocks noGrp="1"/>
+          </p:cNvSpPr>
           <p:nvPr>
-            <p:ph idx="1" type="body"/>
+            <p:ph type="body" idx="1"/>
           </p:nvPr>
         </p:nvSpPr>
         <p:spPr>
@@ -5607,11 +5746,11 @@
           </a:ln>
         </p:spPr>
         <p:txBody>
-          <a:bodyPr anchorCtr="0" anchor="t" bIns="34275" lIns="68575" spcFirstLastPara="1" rIns="68575" wrap="square" tIns="34275">
+          <a:bodyPr spcFirstLastPara="1" wrap="square" lIns="68575" tIns="34275" rIns="68575" bIns="34275" anchor="t" anchorCtr="0">
             <a:normAutofit/>
           </a:bodyPr>
           <a:lstStyle>
-            <a:lvl1pPr indent="-228600" lvl="0" marL="457200" algn="ctr">
+            <a:lvl1pPr marL="457200" lvl="0" indent="-228600" algn="ctr">
               <a:lnSpc>
                 <a:spcPct val="90000"/>
               </a:lnSpc>
@@ -5626,7 +5765,7 @@
               </a:buClr>
               <a:buSzPts val="1200"/>
               <a:buNone/>
-              <a:defRPr b="0" sz="1200">
+              <a:defRPr sz="1200" b="0">
                 <a:solidFill>
                   <a:srgbClr val="595959"/>
                 </a:solidFill>
@@ -5636,7 +5775,7 @@
                 <a:sym typeface="Arial"/>
               </a:defRPr>
             </a:lvl1pPr>
-            <a:lvl2pPr indent="-228600" lvl="1" marL="914400" algn="l">
+            <a:lvl2pPr marL="914400" lvl="1" indent="-228600" algn="l">
               <a:lnSpc>
                 <a:spcPct val="90000"/>
               </a:lnSpc>
@@ -5653,7 +5792,7 @@
               <a:buNone/>
               <a:defRPr sz="900"/>
             </a:lvl2pPr>
-            <a:lvl3pPr indent="-228600" lvl="2" marL="1371600" algn="l">
+            <a:lvl3pPr marL="1371600" lvl="2" indent="-228600" algn="l">
               <a:lnSpc>
                 <a:spcPct val="90000"/>
               </a:lnSpc>
@@ -5670,7 +5809,7 @@
               <a:buNone/>
               <a:defRPr sz="800"/>
             </a:lvl3pPr>
-            <a:lvl4pPr indent="-228600" lvl="3" marL="1828800" algn="l">
+            <a:lvl4pPr marL="1828800" lvl="3" indent="-228600" algn="l">
               <a:lnSpc>
                 <a:spcPct val="90000"/>
               </a:lnSpc>
@@ -5687,7 +5826,7 @@
               <a:buNone/>
               <a:defRPr sz="700"/>
             </a:lvl4pPr>
-            <a:lvl5pPr indent="-228600" lvl="4" marL="2286000" algn="l">
+            <a:lvl5pPr marL="2286000" lvl="4" indent="-228600" algn="l">
               <a:lnSpc>
                 <a:spcPct val="90000"/>
               </a:lnSpc>
@@ -5704,7 +5843,7 @@
               <a:buNone/>
               <a:defRPr sz="700"/>
             </a:lvl5pPr>
-            <a:lvl6pPr indent="-228600" lvl="5" marL="2743200" algn="l">
+            <a:lvl6pPr marL="2743200" lvl="5" indent="-228600" algn="l">
               <a:lnSpc>
                 <a:spcPct val="90000"/>
               </a:lnSpc>
@@ -5721,7 +5860,7 @@
               <a:buNone/>
               <a:defRPr sz="700"/>
             </a:lvl6pPr>
-            <a:lvl7pPr indent="-228600" lvl="6" marL="3200400" algn="l">
+            <a:lvl7pPr marL="3200400" lvl="6" indent="-228600" algn="l">
               <a:lnSpc>
                 <a:spcPct val="90000"/>
               </a:lnSpc>
@@ -5738,7 +5877,7 @@
               <a:buNone/>
               <a:defRPr sz="700"/>
             </a:lvl7pPr>
-            <a:lvl8pPr indent="-228600" lvl="7" marL="3657600" algn="l">
+            <a:lvl8pPr marL="3657600" lvl="7" indent="-228600" algn="l">
               <a:lnSpc>
                 <a:spcPct val="90000"/>
               </a:lnSpc>
@@ -5755,7 +5894,7 @@
               <a:buNone/>
               <a:defRPr sz="700"/>
             </a:lvl8pPr>
-            <a:lvl9pPr indent="-228600" lvl="8" marL="4114800" algn="l">
+            <a:lvl9pPr marL="4114800" lvl="8" indent="-228600" algn="l">
               <a:lnSpc>
                 <a:spcPct val="90000"/>
               </a:lnSpc>
@@ -5773,7 +5912,9 @@
               <a:defRPr sz="700"/>
             </a:lvl9pPr>
           </a:lstStyle>
-          <a:p/>
+          <a:p>
+            <a:endParaRPr/>
+          </a:p>
         </p:txBody>
       </p:sp>
     </p:spTree>
@@ -5785,11 +5926,11 @@
 </file>
 
 <file path=ppt/slideLayouts/slideLayout19.xml><?xml version="1.0" encoding="utf-8"?>
-<p:sldLayout xmlns:a="http://schemas.openxmlformats.org/drawingml/2006/main" xmlns:r="http://schemas.openxmlformats.org/officeDocument/2006/relationships" xmlns:mc="http://schemas.openxmlformats.org/markup-compatibility/2006" xmlns:mv="urn:schemas-microsoft-com:mac:vml" xmlns:p="http://schemas.openxmlformats.org/presentationml/2006/main" xmlns:c="http://schemas.openxmlformats.org/drawingml/2006/chart" xmlns:dgm="http://schemas.openxmlformats.org/drawingml/2006/diagram" xmlns:o="urn:schemas-microsoft-com:office:office" xmlns:v="urn:schemas-microsoft-com:vml" xmlns:pvml="urn:schemas-microsoft-com:office:powerpoint" xmlns:com="http://schemas.openxmlformats.org/drawingml/2006/compatibility" xmlns:p14="http://schemas.microsoft.com/office/powerpoint/2010/main" xmlns:p15="http://schemas.microsoft.com/office/powerpoint/2012/main" xmlns:ahyp="http://schemas.microsoft.com/office/drawing/2018/hyperlinkcolor" matchingName="Closing Slide">
+<p:sldLayout xmlns:a="http://schemas.openxmlformats.org/drawingml/2006/main" xmlns:r="http://schemas.openxmlformats.org/officeDocument/2006/relationships" xmlns:p="http://schemas.openxmlformats.org/presentationml/2006/main" matchingName="Closing Slide">
   <p:cSld name="Closing Slide">
     <p:spTree>
       <p:nvGrpSpPr>
-        <p:cNvPr id="88" name="Shape 88"/>
+        <p:cNvPr id="1" name="Shape 88"/>
         <p:cNvGrpSpPr/>
         <p:nvPr/>
       </p:nvGrpSpPr>
@@ -5803,7 +5944,7 @@
       </p:grpSpPr>
       <p:pic>
         <p:nvPicPr>
-          <p:cNvPr descr="A close up of a logo&#10;&#10;Description automatically generated" id="89" name="Google Shape;89;p21"/>
+          <p:cNvPr id="89" name="Google Shape;89;p21" descr="A close up of a logo&#10;&#10;Description automatically generated"/>
           <p:cNvPicPr preferRelativeResize="0"/>
           <p:nvPr/>
         </p:nvPicPr>
@@ -5811,7 +5952,7 @@
           <a:blip r:embed="rId2">
             <a:alphaModFix/>
           </a:blip>
-          <a:srcRect b="0" l="0" r="0" t="0"/>
+          <a:srcRect/>
           <a:stretch/>
         </p:blipFill>
         <p:spPr>
@@ -5830,7 +5971,7 @@
       </p:pic>
       <p:pic>
         <p:nvPicPr>
-          <p:cNvPr descr="A picture containing brick&#10;&#10;Description automatically generated" id="90" name="Google Shape;90;p21"/>
+          <p:cNvPr id="90" name="Google Shape;90;p21" descr="A picture containing brick&#10;&#10;Description automatically generated"/>
           <p:cNvPicPr preferRelativeResize="0"/>
           <p:nvPr/>
         </p:nvPicPr>
@@ -5838,7 +5979,7 @@
           <a:blip r:embed="rId3">
             <a:alphaModFix/>
           </a:blip>
-          <a:srcRect b="0" l="0" r="0" t="0"/>
+          <a:srcRect/>
           <a:stretch/>
         </p:blipFill>
         <p:spPr>
@@ -5864,11 +6005,11 @@
 </file>
 
 <file path=ppt/slideLayouts/slideLayout2.xml><?xml version="1.0" encoding="utf-8"?>
-<p:sldLayout xmlns:a="http://schemas.openxmlformats.org/drawingml/2006/main" xmlns:r="http://schemas.openxmlformats.org/officeDocument/2006/relationships" xmlns:mc="http://schemas.openxmlformats.org/markup-compatibility/2006" xmlns:mv="urn:schemas-microsoft-com:mac:vml" xmlns:p="http://schemas.openxmlformats.org/presentationml/2006/main" xmlns:c="http://schemas.openxmlformats.org/drawingml/2006/chart" xmlns:dgm="http://schemas.openxmlformats.org/drawingml/2006/diagram" xmlns:o="urn:schemas-microsoft-com:office:office" xmlns:v="urn:schemas-microsoft-com:vml" xmlns:pvml="urn:schemas-microsoft-com:office:powerpoint" xmlns:com="http://schemas.openxmlformats.org/drawingml/2006/compatibility" xmlns:p14="http://schemas.microsoft.com/office/powerpoint/2010/main" xmlns:p15="http://schemas.microsoft.com/office/powerpoint/2012/main" xmlns:ahyp="http://schemas.microsoft.com/office/drawing/2018/hyperlinkcolor" matchingName="Section header" type="secHead">
+<p:sldLayout xmlns:a="http://schemas.openxmlformats.org/drawingml/2006/main" xmlns:r="http://schemas.openxmlformats.org/officeDocument/2006/relationships" xmlns:p="http://schemas.openxmlformats.org/presentationml/2006/main" matchingName="Section header" type="secHead">
   <p:cSld name="SECTION_HEADER">
     <p:spTree>
       <p:nvGrpSpPr>
-        <p:cNvPr id="13" name="Shape 13"/>
+        <p:cNvPr id="1" name="Shape 13"/>
         <p:cNvGrpSpPr/>
         <p:nvPr/>
       </p:nvGrpSpPr>
@@ -5883,7 +6024,9 @@
       <p:sp>
         <p:nvSpPr>
           <p:cNvPr id="14" name="Google Shape;14;p3"/>
-          <p:cNvSpPr txBox="1"/>
+          <p:cNvSpPr txBox="1">
+            <a:spLocks noGrp="1"/>
+          </p:cNvSpPr>
           <p:nvPr>
             <p:ph type="title"/>
           </p:nvPr>
@@ -5898,7 +6041,7 @@
           </a:prstGeom>
         </p:spPr>
         <p:txBody>
-          <a:bodyPr anchorCtr="0" anchor="ctr" bIns="91425" lIns="91425" spcFirstLastPara="1" rIns="91425" wrap="square" tIns="91425">
+          <a:bodyPr spcFirstLastPara="1" wrap="square" lIns="91425" tIns="91425" rIns="91425" bIns="91425" anchor="ctr" anchorCtr="0">
             <a:normAutofit/>
           </a:bodyPr>
           <a:lstStyle>
@@ -6002,15 +6145,19 @@
               <a:defRPr sz="3600"/>
             </a:lvl9pPr>
           </a:lstStyle>
-          <a:p/>
+          <a:p>
+            <a:endParaRPr/>
+          </a:p>
         </p:txBody>
       </p:sp>
       <p:sp>
         <p:nvSpPr>
           <p:cNvPr id="15" name="Google Shape;15;p3"/>
-          <p:cNvSpPr txBox="1"/>
+          <p:cNvSpPr txBox="1">
+            <a:spLocks noGrp="1"/>
+          </p:cNvSpPr>
           <p:nvPr>
-            <p:ph idx="12" type="sldNum"/>
+            <p:ph type="sldNum" idx="12"/>
           </p:nvPr>
         </p:nvSpPr>
         <p:spPr>
@@ -6023,7 +6170,7 @@
           </a:prstGeom>
         </p:spPr>
         <p:txBody>
-          <a:bodyPr anchorCtr="0" anchor="ctr" bIns="91425" lIns="91425" spcFirstLastPara="1" rIns="91425" wrap="square" tIns="91425">
+          <a:bodyPr spcFirstLastPara="1" wrap="square" lIns="91425" tIns="91425" rIns="91425" bIns="91425" anchor="ctr" anchorCtr="0">
             <a:normAutofit/>
           </a:bodyPr>
           <a:lstStyle>
@@ -6065,7 +6212,7 @@
             </a:lvl9pPr>
           </a:lstStyle>
           <a:p>
-            <a:pPr indent="0" lvl="0" marL="0" rtl="0" algn="r">
+            <a:pPr marL="0" lvl="0" indent="0" algn="r" rtl="0">
               <a:spcBef>
                 <a:spcPts val="0"/>
               </a:spcBef>
@@ -6091,11 +6238,11 @@
 </file>
 
 <file path=ppt/slideLayouts/slideLayout20.xml><?xml version="1.0" encoding="utf-8"?>
-<p:sldLayout xmlns:a="http://schemas.openxmlformats.org/drawingml/2006/main" xmlns:r="http://schemas.openxmlformats.org/officeDocument/2006/relationships" xmlns:mc="http://schemas.openxmlformats.org/markup-compatibility/2006" xmlns:mv="urn:schemas-microsoft-com:mac:vml" xmlns:p="http://schemas.openxmlformats.org/presentationml/2006/main" xmlns:c="http://schemas.openxmlformats.org/drawingml/2006/chart" xmlns:dgm="http://schemas.openxmlformats.org/drawingml/2006/diagram" xmlns:o="urn:schemas-microsoft-com:office:office" xmlns:v="urn:schemas-microsoft-com:vml" xmlns:pvml="urn:schemas-microsoft-com:office:powerpoint" xmlns:com="http://schemas.openxmlformats.org/drawingml/2006/compatibility" xmlns:p14="http://schemas.microsoft.com/office/powerpoint/2010/main" xmlns:p15="http://schemas.microsoft.com/office/powerpoint/2012/main" xmlns:ahyp="http://schemas.microsoft.com/office/drawing/2018/hyperlinkcolor" matchingName="Title Slide - MVC">
+<p:sldLayout xmlns:a="http://schemas.openxmlformats.org/drawingml/2006/main" xmlns:r="http://schemas.openxmlformats.org/officeDocument/2006/relationships" xmlns:p="http://schemas.openxmlformats.org/presentationml/2006/main" matchingName="Title Slide - MVC">
   <p:cSld name="Title Slide - MVC">
     <p:spTree>
       <p:nvGrpSpPr>
-        <p:cNvPr id="91" name="Shape 91"/>
+        <p:cNvPr id="1" name="Shape 91"/>
         <p:cNvGrpSpPr/>
         <p:nvPr/>
       </p:nvGrpSpPr>
@@ -6110,9 +6257,11 @@
       <p:sp>
         <p:nvSpPr>
           <p:cNvPr id="92" name="Google Shape;92;p22"/>
-          <p:cNvSpPr txBox="1"/>
+          <p:cNvSpPr txBox="1">
+            <a:spLocks noGrp="1"/>
+          </p:cNvSpPr>
           <p:nvPr>
-            <p:ph idx="10" type="dt"/>
+            <p:ph type="dt" idx="10"/>
           </p:nvPr>
         </p:nvSpPr>
         <p:spPr>
@@ -6129,7 +6278,7 @@
           </a:ln>
         </p:spPr>
         <p:txBody>
-          <a:bodyPr anchorCtr="0" anchor="ctr" bIns="34275" lIns="68575" spcFirstLastPara="1" rIns="68575" wrap="square" tIns="34275">
+          <a:bodyPr spcFirstLastPara="1" wrap="square" lIns="68575" tIns="34275" rIns="68575" bIns="34275" anchor="ctr" anchorCtr="0">
             <a:noAutofit/>
           </a:bodyPr>
           <a:lstStyle>
@@ -6233,15 +6382,19 @@
               <a:defRPr/>
             </a:lvl9pPr>
           </a:lstStyle>
-          <a:p/>
+          <a:p>
+            <a:endParaRPr/>
+          </a:p>
         </p:txBody>
       </p:sp>
       <p:sp>
         <p:nvSpPr>
           <p:cNvPr id="93" name="Google Shape;93;p22"/>
-          <p:cNvSpPr txBox="1"/>
+          <p:cNvSpPr txBox="1">
+            <a:spLocks noGrp="1"/>
+          </p:cNvSpPr>
           <p:nvPr>
-            <p:ph idx="11" type="ftr"/>
+            <p:ph type="ftr" idx="11"/>
           </p:nvPr>
         </p:nvSpPr>
         <p:spPr>
@@ -6258,7 +6411,7 @@
           </a:ln>
         </p:spPr>
         <p:txBody>
-          <a:bodyPr anchorCtr="0" anchor="ctr" bIns="34275" lIns="68575" spcFirstLastPara="1" rIns="68575" wrap="square" tIns="34275">
+          <a:bodyPr spcFirstLastPara="1" wrap="square" lIns="68575" tIns="34275" rIns="68575" bIns="34275" anchor="ctr" anchorCtr="0">
             <a:noAutofit/>
           </a:bodyPr>
           <a:lstStyle>
@@ -6362,15 +6515,19 @@
               <a:defRPr/>
             </a:lvl9pPr>
           </a:lstStyle>
-          <a:p/>
+          <a:p>
+            <a:endParaRPr/>
+          </a:p>
         </p:txBody>
       </p:sp>
       <p:sp>
         <p:nvSpPr>
           <p:cNvPr id="94" name="Google Shape;94;p22"/>
-          <p:cNvSpPr txBox="1"/>
+          <p:cNvSpPr txBox="1">
+            <a:spLocks noGrp="1"/>
+          </p:cNvSpPr>
           <p:nvPr>
-            <p:ph idx="12" type="sldNum"/>
+            <p:ph type="sldNum" idx="12"/>
           </p:nvPr>
         </p:nvSpPr>
         <p:spPr>
@@ -6387,67 +6544,67 @@
           </a:ln>
         </p:spPr>
         <p:txBody>
-          <a:bodyPr anchorCtr="0" anchor="ctr" bIns="34275" lIns="68575" spcFirstLastPara="1" rIns="68575" wrap="square" tIns="34275">
+          <a:bodyPr spcFirstLastPara="1" wrap="square" lIns="68575" tIns="34275" rIns="68575" bIns="34275" anchor="ctr" anchorCtr="0">
             <a:noAutofit/>
           </a:bodyPr>
           <a:lstStyle>
-            <a:lvl1pPr indent="0" lvl="0" marL="0" algn="r">
+            <a:lvl1pPr marL="0" lvl="0" indent="0" algn="r">
               <a:spcBef>
                 <a:spcPts val="0"/>
               </a:spcBef>
               <a:buNone/>
               <a:defRPr/>
             </a:lvl1pPr>
-            <a:lvl2pPr indent="0" lvl="1" marL="0" algn="r">
+            <a:lvl2pPr marL="0" lvl="1" indent="0" algn="r">
               <a:spcBef>
                 <a:spcPts val="0"/>
               </a:spcBef>
               <a:buNone/>
               <a:defRPr/>
             </a:lvl2pPr>
-            <a:lvl3pPr indent="0" lvl="2" marL="0" algn="r">
+            <a:lvl3pPr marL="0" lvl="2" indent="0" algn="r">
               <a:spcBef>
                 <a:spcPts val="0"/>
               </a:spcBef>
               <a:buNone/>
               <a:defRPr/>
             </a:lvl3pPr>
-            <a:lvl4pPr indent="0" lvl="3" marL="0" algn="r">
+            <a:lvl4pPr marL="0" lvl="3" indent="0" algn="r">
               <a:spcBef>
                 <a:spcPts val="0"/>
               </a:spcBef>
               <a:buNone/>
               <a:defRPr/>
             </a:lvl4pPr>
-            <a:lvl5pPr indent="0" lvl="4" marL="0" algn="r">
+            <a:lvl5pPr marL="0" lvl="4" indent="0" algn="r">
               <a:spcBef>
                 <a:spcPts val="0"/>
               </a:spcBef>
               <a:buNone/>
               <a:defRPr/>
             </a:lvl5pPr>
-            <a:lvl6pPr indent="0" lvl="5" marL="0" algn="r">
+            <a:lvl6pPr marL="0" lvl="5" indent="0" algn="r">
               <a:spcBef>
                 <a:spcPts val="0"/>
               </a:spcBef>
               <a:buNone/>
               <a:defRPr/>
             </a:lvl6pPr>
-            <a:lvl7pPr indent="0" lvl="6" marL="0" algn="r">
+            <a:lvl7pPr marL="0" lvl="6" indent="0" algn="r">
               <a:spcBef>
                 <a:spcPts val="0"/>
               </a:spcBef>
               <a:buNone/>
               <a:defRPr/>
             </a:lvl7pPr>
-            <a:lvl8pPr indent="0" lvl="7" marL="0" algn="r">
+            <a:lvl8pPr marL="0" lvl="7" indent="0" algn="r">
               <a:spcBef>
                 <a:spcPts val="0"/>
               </a:spcBef>
               <a:buNone/>
               <a:defRPr/>
             </a:lvl8pPr>
-            <a:lvl9pPr indent="0" lvl="8" marL="0" algn="r">
+            <a:lvl9pPr marL="0" lvl="8" indent="0" algn="r">
               <a:spcBef>
                 <a:spcPts val="0"/>
               </a:spcBef>
@@ -6456,7 +6613,7 @@
             </a:lvl9pPr>
           </a:lstStyle>
           <a:p>
-            <a:pPr indent="0" lvl="0" marL="0" rtl="0" algn="r">
+            <a:pPr marL="0" lvl="0" indent="0" algn="r" rtl="0">
               <a:spcBef>
                 <a:spcPts val="0"/>
               </a:spcBef>
@@ -6475,7 +6632,7 @@
       </p:sp>
       <p:pic>
         <p:nvPicPr>
-          <p:cNvPr descr="A picture containing man, table, blue, holding&#10;&#10;Description automatically generated" id="95" name="Google Shape;95;p22"/>
+          <p:cNvPr id="95" name="Google Shape;95;p22" descr="A picture containing man, table, blue, holding&#10;&#10;Description automatically generated"/>
           <p:cNvPicPr preferRelativeResize="0"/>
           <p:nvPr/>
         </p:nvPicPr>
@@ -6483,7 +6640,7 @@
           <a:blip r:embed="rId2">
             <a:alphaModFix/>
           </a:blip>
-          <a:srcRect b="0" l="0" r="0" t="0"/>
+          <a:srcRect/>
           <a:stretch/>
         </p:blipFill>
         <p:spPr>
@@ -6502,7 +6659,7 @@
       </p:pic>
       <p:pic>
         <p:nvPicPr>
-          <p:cNvPr descr="A picture containing water, table, court, swimming&#10;&#10;Description automatically generated" id="96" name="Google Shape;96;p22"/>
+          <p:cNvPr id="96" name="Google Shape;96;p22" descr="A picture containing water, table, court, swimming&#10;&#10;Description automatically generated"/>
           <p:cNvPicPr preferRelativeResize="0"/>
           <p:nvPr/>
         </p:nvPicPr>
@@ -6510,7 +6667,7 @@
           <a:blip r:embed="rId3">
             <a:alphaModFix/>
           </a:blip>
-          <a:srcRect b="0" l="0" r="0" t="0"/>
+          <a:srcRect/>
           <a:stretch/>
         </p:blipFill>
         <p:spPr>
@@ -6529,7 +6686,7 @@
       </p:pic>
       <p:pic>
         <p:nvPicPr>
-          <p:cNvPr descr="A picture containing water, ball, person, holding&#10;&#10;Description automatically generated" id="97" name="Google Shape;97;p22"/>
+          <p:cNvPr id="97" name="Google Shape;97;p22" descr="A picture containing water, ball, person, holding&#10;&#10;Description automatically generated"/>
           <p:cNvPicPr preferRelativeResize="0"/>
           <p:nvPr/>
         </p:nvPicPr>
@@ -6537,7 +6694,7 @@
           <a:blip r:embed="rId4">
             <a:alphaModFix/>
           </a:blip>
-          <a:srcRect b="0" l="0" r="0" t="0"/>
+          <a:srcRect/>
           <a:stretch/>
         </p:blipFill>
         <p:spPr>
@@ -6557,7 +6714,9 @@
       <p:sp>
         <p:nvSpPr>
           <p:cNvPr id="98" name="Google Shape;98;p22"/>
-          <p:cNvSpPr txBox="1"/>
+          <p:cNvSpPr txBox="1">
+            <a:spLocks noGrp="1"/>
+          </p:cNvSpPr>
           <p:nvPr>
             <p:ph type="ctrTitle"/>
           </p:nvPr>
@@ -6576,7 +6735,7 @@
           </a:ln>
         </p:spPr>
         <p:txBody>
-          <a:bodyPr anchorCtr="0" anchor="b" bIns="34275" lIns="68575" spcFirstLastPara="1" rIns="68575" wrap="square" tIns="34275">
+          <a:bodyPr spcFirstLastPara="1" wrap="square" lIns="68575" tIns="34275" rIns="68575" bIns="34275" anchor="b" anchorCtr="0">
             <a:normAutofit/>
           </a:bodyPr>
           <a:lstStyle>
@@ -6596,7 +6755,7 @@
               <a:buSzPts val="3000"/>
               <a:buFont typeface="Arial"/>
               <a:buNone/>
-              <a:defRPr b="1" sz="3000" cap="none">
+              <a:defRPr sz="3000" b="1" cap="none">
                 <a:solidFill>
                   <a:srgbClr val="FFFFFF"/>
                 </a:solidFill>
@@ -6695,15 +6854,19 @@
               <a:defRPr/>
             </a:lvl9pPr>
           </a:lstStyle>
-          <a:p/>
+          <a:p>
+            <a:endParaRPr/>
+          </a:p>
         </p:txBody>
       </p:sp>
       <p:sp>
         <p:nvSpPr>
           <p:cNvPr id="99" name="Google Shape;99;p22"/>
-          <p:cNvSpPr txBox="1"/>
+          <p:cNvSpPr txBox="1">
+            <a:spLocks noGrp="1"/>
+          </p:cNvSpPr>
           <p:nvPr>
-            <p:ph idx="1" type="subTitle"/>
+            <p:ph type="subTitle" idx="1"/>
           </p:nvPr>
         </p:nvSpPr>
         <p:spPr>
@@ -6720,7 +6883,7 @@
           </a:ln>
         </p:spPr>
         <p:txBody>
-          <a:bodyPr anchorCtr="0" anchor="t" bIns="34275" lIns="68575" spcFirstLastPara="1" rIns="68575" wrap="square" tIns="34275">
+          <a:bodyPr spcFirstLastPara="1" wrap="square" lIns="68575" tIns="34275" rIns="68575" bIns="34275" anchor="t" anchorCtr="0">
             <a:normAutofit/>
           </a:bodyPr>
           <a:lstStyle>
@@ -6918,7 +7081,9 @@
               </a:defRPr>
             </a:lvl9pPr>
           </a:lstStyle>
-          <a:p/>
+          <a:p>
+            <a:endParaRPr/>
+          </a:p>
         </p:txBody>
       </p:sp>
     </p:spTree>
@@ -6930,11 +7095,11 @@
 </file>
 
 <file path=ppt/slideLayouts/slideLayout21.xml><?xml version="1.0" encoding="utf-8"?>
-<p:sldLayout xmlns:a="http://schemas.openxmlformats.org/drawingml/2006/main" xmlns:r="http://schemas.openxmlformats.org/officeDocument/2006/relationships" xmlns:mc="http://schemas.openxmlformats.org/markup-compatibility/2006" xmlns:mv="urn:schemas-microsoft-com:mac:vml" xmlns:p="http://schemas.openxmlformats.org/presentationml/2006/main" xmlns:c="http://schemas.openxmlformats.org/drawingml/2006/chart" xmlns:dgm="http://schemas.openxmlformats.org/drawingml/2006/diagram" xmlns:o="urn:schemas-microsoft-com:office:office" xmlns:v="urn:schemas-microsoft-com:vml" xmlns:pvml="urn:schemas-microsoft-com:office:powerpoint" xmlns:com="http://schemas.openxmlformats.org/drawingml/2006/compatibility" xmlns:p14="http://schemas.microsoft.com/office/powerpoint/2010/main" xmlns:p15="http://schemas.microsoft.com/office/powerpoint/2012/main" xmlns:ahyp="http://schemas.microsoft.com/office/drawing/2018/hyperlinkcolor" matchingName="Title Slide - VSTC">
+<p:sldLayout xmlns:a="http://schemas.openxmlformats.org/drawingml/2006/main" xmlns:r="http://schemas.openxmlformats.org/officeDocument/2006/relationships" xmlns:p="http://schemas.openxmlformats.org/presentationml/2006/main" matchingName="Title Slide - VSTC">
   <p:cSld name="Title Slide - VSTC">
     <p:spTree>
       <p:nvGrpSpPr>
-        <p:cNvPr id="100" name="Shape 100"/>
+        <p:cNvPr id="1" name="Shape 100"/>
         <p:cNvGrpSpPr/>
         <p:nvPr/>
       </p:nvGrpSpPr>
@@ -6948,7 +7113,7 @@
       </p:grpSpPr>
       <p:pic>
         <p:nvPicPr>
-          <p:cNvPr descr="A crowd of people&#10;&#10;Description automatically generated" id="101" name="Google Shape;101;p23"/>
+          <p:cNvPr id="101" name="Google Shape;101;p23" descr="A crowd of people&#10;&#10;Description automatically generated"/>
           <p:cNvPicPr preferRelativeResize="0"/>
           <p:nvPr/>
         </p:nvPicPr>
@@ -6956,7 +7121,7 @@
           <a:blip r:embed="rId2">
             <a:alphaModFix/>
           </a:blip>
-          <a:srcRect b="0" l="0" r="0" t="0"/>
+          <a:srcRect/>
           <a:stretch/>
         </p:blipFill>
         <p:spPr>
@@ -6975,7 +7140,7 @@
       </p:pic>
       <p:pic>
         <p:nvPicPr>
-          <p:cNvPr descr="A crowd of people&#10;&#10;Description automatically generated" id="102" name="Google Shape;102;p23"/>
+          <p:cNvPr id="102" name="Google Shape;102;p23" descr="A crowd of people&#10;&#10;Description automatically generated"/>
           <p:cNvPicPr preferRelativeResize="0"/>
           <p:nvPr/>
         </p:nvPicPr>
@@ -6983,7 +7148,7 @@
           <a:blip r:embed="rId3">
             <a:alphaModFix/>
           </a:blip>
-          <a:srcRect b="0" l="0" r="0" t="0"/>
+          <a:srcRect/>
           <a:stretch/>
         </p:blipFill>
         <p:spPr>
@@ -7003,7 +7168,9 @@
       <p:sp>
         <p:nvSpPr>
           <p:cNvPr id="103" name="Google Shape;103;p23"/>
-          <p:cNvSpPr txBox="1"/>
+          <p:cNvSpPr txBox="1">
+            <a:spLocks noGrp="1"/>
+          </p:cNvSpPr>
           <p:nvPr>
             <p:ph type="ctrTitle"/>
           </p:nvPr>
@@ -7022,7 +7189,7 @@
           </a:ln>
         </p:spPr>
         <p:txBody>
-          <a:bodyPr anchorCtr="0" anchor="b" bIns="34275" lIns="68575" spcFirstLastPara="1" rIns="68575" wrap="square" tIns="34275">
+          <a:bodyPr spcFirstLastPara="1" wrap="square" lIns="68575" tIns="34275" rIns="68575" bIns="34275" anchor="b" anchorCtr="0">
             <a:normAutofit/>
           </a:bodyPr>
           <a:lstStyle>
@@ -7042,7 +7209,7 @@
               <a:buSzPts val="3000"/>
               <a:buFont typeface="Arial"/>
               <a:buNone/>
-              <a:defRPr b="1" sz="3000" cap="none">
+              <a:defRPr sz="3000" b="1" cap="none">
                 <a:solidFill>
                   <a:srgbClr val="FFFFFF"/>
                 </a:solidFill>
@@ -7141,15 +7308,19 @@
               <a:defRPr/>
             </a:lvl9pPr>
           </a:lstStyle>
-          <a:p/>
+          <a:p>
+            <a:endParaRPr/>
+          </a:p>
         </p:txBody>
       </p:sp>
       <p:sp>
         <p:nvSpPr>
           <p:cNvPr id="104" name="Google Shape;104;p23"/>
-          <p:cNvSpPr txBox="1"/>
+          <p:cNvSpPr txBox="1">
+            <a:spLocks noGrp="1"/>
+          </p:cNvSpPr>
           <p:nvPr>
-            <p:ph idx="1" type="subTitle"/>
+            <p:ph type="subTitle" idx="1"/>
           </p:nvPr>
         </p:nvSpPr>
         <p:spPr>
@@ -7166,7 +7337,7 @@
           </a:ln>
         </p:spPr>
         <p:txBody>
-          <a:bodyPr anchorCtr="0" anchor="t" bIns="34275" lIns="68575" spcFirstLastPara="1" rIns="68575" wrap="square" tIns="34275">
+          <a:bodyPr spcFirstLastPara="1" wrap="square" lIns="68575" tIns="34275" rIns="68575" bIns="34275" anchor="t" anchorCtr="0">
             <a:normAutofit/>
           </a:bodyPr>
           <a:lstStyle>
@@ -7364,7 +7535,9 @@
               </a:defRPr>
             </a:lvl9pPr>
           </a:lstStyle>
-          <a:p/>
+          <a:p>
+            <a:endParaRPr/>
+          </a:p>
         </p:txBody>
       </p:sp>
     </p:spTree>
@@ -7376,11 +7549,11 @@
 </file>
 
 <file path=ppt/slideLayouts/slideLayout22.xml><?xml version="1.0" encoding="utf-8"?>
-<p:sldLayout xmlns:a="http://schemas.openxmlformats.org/drawingml/2006/main" xmlns:r="http://schemas.openxmlformats.org/officeDocument/2006/relationships" xmlns:mc="http://schemas.openxmlformats.org/markup-compatibility/2006" xmlns:mv="urn:schemas-microsoft-com:mac:vml" xmlns:p="http://schemas.openxmlformats.org/presentationml/2006/main" xmlns:c="http://schemas.openxmlformats.org/drawingml/2006/chart" xmlns:dgm="http://schemas.openxmlformats.org/drawingml/2006/diagram" xmlns:o="urn:schemas-microsoft-com:office:office" xmlns:v="urn:schemas-microsoft-com:vml" xmlns:pvml="urn:schemas-microsoft-com:office:powerpoint" xmlns:com="http://schemas.openxmlformats.org/drawingml/2006/compatibility" xmlns:p14="http://schemas.microsoft.com/office/powerpoint/2010/main" xmlns:p15="http://schemas.microsoft.com/office/powerpoint/2012/main" xmlns:ahyp="http://schemas.microsoft.com/office/drawing/2018/hyperlinkcolor" matchingName="Title Slide - Students">
+<p:sldLayout xmlns:a="http://schemas.openxmlformats.org/drawingml/2006/main" xmlns:r="http://schemas.openxmlformats.org/officeDocument/2006/relationships" xmlns:p="http://schemas.openxmlformats.org/presentationml/2006/main" matchingName="Title Slide - Students">
   <p:cSld name="Title Slide - Students">
     <p:spTree>
       <p:nvGrpSpPr>
-        <p:cNvPr id="105" name="Shape 105"/>
+        <p:cNvPr id="1" name="Shape 105"/>
         <p:cNvGrpSpPr/>
         <p:nvPr/>
       </p:nvGrpSpPr>
@@ -7394,7 +7567,7 @@
       </p:grpSpPr>
       <p:pic>
         <p:nvPicPr>
-          <p:cNvPr descr="A picture containing outdoor, person, man, water&#10;&#10;Description automatically generated" id="106" name="Google Shape;106;p24"/>
+          <p:cNvPr id="106" name="Google Shape;106;p24" descr="A picture containing outdoor, person, man, water&#10;&#10;Description automatically generated"/>
           <p:cNvPicPr preferRelativeResize="0"/>
           <p:nvPr/>
         </p:nvPicPr>
@@ -7402,7 +7575,7 @@
           <a:blip r:embed="rId2">
             <a:alphaModFix/>
           </a:blip>
-          <a:srcRect b="0" l="0" r="0" t="0"/>
+          <a:srcRect/>
           <a:stretch/>
         </p:blipFill>
         <p:spPr>
@@ -7421,7 +7594,7 @@
       </p:pic>
       <p:pic>
         <p:nvPicPr>
-          <p:cNvPr descr="A picture containing person, riding, board, water&#10;&#10;Description automatically generated" id="107" name="Google Shape;107;p24"/>
+          <p:cNvPr id="107" name="Google Shape;107;p24" descr="A picture containing person, riding, board, water&#10;&#10;Description automatically generated"/>
           <p:cNvPicPr preferRelativeResize="0"/>
           <p:nvPr/>
         </p:nvPicPr>
@@ -7429,7 +7602,7 @@
           <a:blip r:embed="rId3">
             <a:alphaModFix/>
           </a:blip>
-          <a:srcRect b="0" l="0" r="0" t="0"/>
+          <a:srcRect/>
           <a:stretch/>
         </p:blipFill>
         <p:spPr>
@@ -7449,7 +7622,9 @@
       <p:sp>
         <p:nvSpPr>
           <p:cNvPr id="108" name="Google Shape;108;p24"/>
-          <p:cNvSpPr txBox="1"/>
+          <p:cNvSpPr txBox="1">
+            <a:spLocks noGrp="1"/>
+          </p:cNvSpPr>
           <p:nvPr>
             <p:ph type="ctrTitle"/>
           </p:nvPr>
@@ -7468,7 +7643,7 @@
           </a:ln>
         </p:spPr>
         <p:txBody>
-          <a:bodyPr anchorCtr="0" anchor="b" bIns="34275" lIns="68575" spcFirstLastPara="1" rIns="68575" wrap="square" tIns="34275">
+          <a:bodyPr spcFirstLastPara="1" wrap="square" lIns="68575" tIns="34275" rIns="68575" bIns="34275" anchor="b" anchorCtr="0">
             <a:normAutofit/>
           </a:bodyPr>
           <a:lstStyle>
@@ -7488,7 +7663,7 @@
               <a:buSzPts val="3000"/>
               <a:buFont typeface="Arial"/>
               <a:buNone/>
-              <a:defRPr b="1" sz="3000" cap="none">
+              <a:defRPr sz="3000" b="1" cap="none">
                 <a:solidFill>
                   <a:srgbClr val="FFFFFF"/>
                 </a:solidFill>
@@ -7587,15 +7762,19 @@
               <a:defRPr/>
             </a:lvl9pPr>
           </a:lstStyle>
-          <a:p/>
+          <a:p>
+            <a:endParaRPr/>
+          </a:p>
         </p:txBody>
       </p:sp>
       <p:sp>
         <p:nvSpPr>
           <p:cNvPr id="109" name="Google Shape;109;p24"/>
-          <p:cNvSpPr txBox="1"/>
+          <p:cNvSpPr txBox="1">
+            <a:spLocks noGrp="1"/>
+          </p:cNvSpPr>
           <p:nvPr>
-            <p:ph idx="1" type="subTitle"/>
+            <p:ph type="subTitle" idx="1"/>
           </p:nvPr>
         </p:nvSpPr>
         <p:spPr>
@@ -7612,7 +7791,7 @@
           </a:ln>
         </p:spPr>
         <p:txBody>
-          <a:bodyPr anchorCtr="0" anchor="t" bIns="34275" lIns="68575" spcFirstLastPara="1" rIns="68575" wrap="square" tIns="34275">
+          <a:bodyPr spcFirstLastPara="1" wrap="square" lIns="68575" tIns="34275" rIns="68575" bIns="34275" anchor="t" anchorCtr="0">
             <a:normAutofit/>
           </a:bodyPr>
           <a:lstStyle>
@@ -7810,7 +7989,9 @@
               </a:defRPr>
             </a:lvl9pPr>
           </a:lstStyle>
-          <a:p/>
+          <a:p>
+            <a:endParaRPr/>
+          </a:p>
         </p:txBody>
       </p:sp>
     </p:spTree>
@@ -7822,11 +8003,11 @@
 </file>
 
 <file path=ppt/slideLayouts/slideLayout23.xml><?xml version="1.0" encoding="utf-8"?>
-<p:sldLayout xmlns:a="http://schemas.openxmlformats.org/drawingml/2006/main" xmlns:r="http://schemas.openxmlformats.org/officeDocument/2006/relationships" xmlns:mc="http://schemas.openxmlformats.org/markup-compatibility/2006" xmlns:mv="urn:schemas-microsoft-com:mac:vml" xmlns:p="http://schemas.openxmlformats.org/presentationml/2006/main" xmlns:c="http://schemas.openxmlformats.org/drawingml/2006/chart" xmlns:dgm="http://schemas.openxmlformats.org/drawingml/2006/diagram" xmlns:o="urn:schemas-microsoft-com:office:office" xmlns:v="urn:schemas-microsoft-com:vml" xmlns:pvml="urn:schemas-microsoft-com:office:powerpoint" xmlns:com="http://schemas.openxmlformats.org/drawingml/2006/compatibility" xmlns:p14="http://schemas.microsoft.com/office/powerpoint/2010/main" xmlns:p15="http://schemas.microsoft.com/office/powerpoint/2012/main" xmlns:ahyp="http://schemas.microsoft.com/office/drawing/2018/hyperlinkcolor" matchingName="Title with Custom Photos">
+<p:sldLayout xmlns:a="http://schemas.openxmlformats.org/drawingml/2006/main" xmlns:r="http://schemas.openxmlformats.org/officeDocument/2006/relationships" xmlns:p="http://schemas.openxmlformats.org/presentationml/2006/main" matchingName="Title with Custom Photos">
   <p:cSld name="Title with Custom Photos">
     <p:spTree>
       <p:nvGrpSpPr>
-        <p:cNvPr id="110" name="Shape 110"/>
+        <p:cNvPr id="1" name="Shape 110"/>
         <p:cNvGrpSpPr/>
         <p:nvPr/>
       </p:nvGrpSpPr>
@@ -7840,7 +8021,7 @@
       </p:grpSpPr>
       <p:pic>
         <p:nvPicPr>
-          <p:cNvPr descr="A picture containing table&#10;&#10;Description automatically generated" id="111" name="Google Shape;111;p25"/>
+          <p:cNvPr id="111" name="Google Shape;111;p25" descr="A picture containing table&#10;&#10;Description automatically generated"/>
           <p:cNvPicPr preferRelativeResize="0"/>
           <p:nvPr/>
         </p:nvPicPr>
@@ -7848,7 +8029,7 @@
           <a:blip r:embed="rId2">
             <a:alphaModFix/>
           </a:blip>
-          <a:srcRect b="0" l="0" r="0" t="0"/>
+          <a:srcRect/>
           <a:stretch/>
         </p:blipFill>
         <p:spPr>
@@ -7867,7 +8048,7 @@
       </p:pic>
       <p:pic>
         <p:nvPicPr>
-          <p:cNvPr descr="A close up of a logo&#10;&#10;Description automatically generated" id="112" name="Google Shape;112;p25"/>
+          <p:cNvPr id="112" name="Google Shape;112;p25" descr="A close up of a logo&#10;&#10;Description automatically generated"/>
           <p:cNvPicPr preferRelativeResize="0"/>
           <p:nvPr/>
         </p:nvPicPr>
@@ -7875,7 +8056,7 @@
           <a:blip r:embed="rId3">
             <a:alphaModFix/>
           </a:blip>
-          <a:srcRect b="0" l="0" r="0" t="0"/>
+          <a:srcRect/>
           <a:stretch/>
         </p:blipFill>
         <p:spPr>
@@ -7895,9 +8076,11 @@
       <p:sp>
         <p:nvSpPr>
           <p:cNvPr id="113" name="Google Shape;113;p25"/>
-          <p:cNvSpPr/>
+          <p:cNvSpPr>
+            <a:spLocks noGrp="1"/>
+          </p:cNvSpPr>
           <p:nvPr>
-            <p:ph idx="2" type="pic"/>
+            <p:ph type="pic" idx="2"/>
           </p:nvPr>
         </p:nvSpPr>
         <p:spPr>
@@ -7917,9 +8100,11 @@
       <p:sp>
         <p:nvSpPr>
           <p:cNvPr id="114" name="Google Shape;114;p25"/>
-          <p:cNvSpPr/>
+          <p:cNvSpPr>
+            <a:spLocks noGrp="1"/>
+          </p:cNvSpPr>
           <p:nvPr>
-            <p:ph idx="3" type="pic"/>
+            <p:ph type="pic" idx="3"/>
           </p:nvPr>
         </p:nvSpPr>
         <p:spPr>
@@ -7939,9 +8124,11 @@
       <p:sp>
         <p:nvSpPr>
           <p:cNvPr id="115" name="Google Shape;115;p25"/>
-          <p:cNvSpPr/>
+          <p:cNvSpPr>
+            <a:spLocks noGrp="1"/>
+          </p:cNvSpPr>
           <p:nvPr>
-            <p:ph idx="4" type="pic"/>
+            <p:ph type="pic" idx="4"/>
           </p:nvPr>
         </p:nvSpPr>
         <p:spPr>
@@ -7961,9 +8148,11 @@
       <p:sp>
         <p:nvSpPr>
           <p:cNvPr id="116" name="Google Shape;116;p25"/>
-          <p:cNvSpPr/>
+          <p:cNvSpPr>
+            <a:spLocks noGrp="1"/>
+          </p:cNvSpPr>
           <p:nvPr>
-            <p:ph idx="5" type="pic"/>
+            <p:ph type="pic" idx="5"/>
           </p:nvPr>
         </p:nvSpPr>
         <p:spPr>
@@ -7983,7 +8172,9 @@
       <p:sp>
         <p:nvSpPr>
           <p:cNvPr id="117" name="Google Shape;117;p25"/>
-          <p:cNvSpPr txBox="1"/>
+          <p:cNvSpPr txBox="1">
+            <a:spLocks noGrp="1"/>
+          </p:cNvSpPr>
           <p:nvPr>
             <p:ph type="ctrTitle"/>
           </p:nvPr>
@@ -8002,7 +8193,7 @@
           </a:ln>
         </p:spPr>
         <p:txBody>
-          <a:bodyPr anchorCtr="0" anchor="b" bIns="34275" lIns="68575" spcFirstLastPara="1" rIns="68575" wrap="square" tIns="34275">
+          <a:bodyPr spcFirstLastPara="1" wrap="square" lIns="68575" tIns="34275" rIns="68575" bIns="34275" anchor="b" anchorCtr="0">
             <a:normAutofit/>
           </a:bodyPr>
           <a:lstStyle>
@@ -8022,7 +8213,7 @@
               <a:buSzPts val="3000"/>
               <a:buFont typeface="Arial"/>
               <a:buNone/>
-              <a:defRPr b="1" sz="3000" cap="none">
+              <a:defRPr sz="3000" b="1" cap="none">
                 <a:solidFill>
                   <a:srgbClr val="FFFFFF"/>
                 </a:solidFill>
@@ -8121,15 +8312,19 @@
               <a:defRPr/>
             </a:lvl9pPr>
           </a:lstStyle>
-          <a:p/>
+          <a:p>
+            <a:endParaRPr/>
+          </a:p>
         </p:txBody>
       </p:sp>
       <p:sp>
         <p:nvSpPr>
           <p:cNvPr id="118" name="Google Shape;118;p25"/>
-          <p:cNvSpPr txBox="1"/>
+          <p:cNvSpPr txBox="1">
+            <a:spLocks noGrp="1"/>
+          </p:cNvSpPr>
           <p:nvPr>
-            <p:ph idx="1" type="subTitle"/>
+            <p:ph type="subTitle" idx="1"/>
           </p:nvPr>
         </p:nvSpPr>
         <p:spPr>
@@ -8146,7 +8341,7 @@
           </a:ln>
         </p:spPr>
         <p:txBody>
-          <a:bodyPr anchorCtr="0" anchor="t" bIns="34275" lIns="68575" spcFirstLastPara="1" rIns="68575" wrap="square" tIns="34275">
+          <a:bodyPr spcFirstLastPara="1" wrap="square" lIns="68575" tIns="34275" rIns="68575" bIns="34275" anchor="t" anchorCtr="0">
             <a:normAutofit/>
           </a:bodyPr>
           <a:lstStyle>
@@ -8344,7 +8539,9 @@
               </a:defRPr>
             </a:lvl9pPr>
           </a:lstStyle>
-          <a:p/>
+          <a:p>
+            <a:endParaRPr/>
+          </a:p>
         </p:txBody>
       </p:sp>
     </p:spTree>
@@ -8356,11 +8553,11 @@
 </file>
 
 <file path=ppt/slideLayouts/slideLayout3.xml><?xml version="1.0" encoding="utf-8"?>
-<p:sldLayout xmlns:a="http://schemas.openxmlformats.org/drawingml/2006/main" xmlns:r="http://schemas.openxmlformats.org/officeDocument/2006/relationships" xmlns:mc="http://schemas.openxmlformats.org/markup-compatibility/2006" xmlns:mv="urn:schemas-microsoft-com:mac:vml" xmlns:p="http://schemas.openxmlformats.org/presentationml/2006/main" xmlns:c="http://schemas.openxmlformats.org/drawingml/2006/chart" xmlns:dgm="http://schemas.openxmlformats.org/drawingml/2006/diagram" xmlns:o="urn:schemas-microsoft-com:office:office" xmlns:v="urn:schemas-microsoft-com:vml" xmlns:pvml="urn:schemas-microsoft-com:office:powerpoint" xmlns:com="http://schemas.openxmlformats.org/drawingml/2006/compatibility" xmlns:p14="http://schemas.microsoft.com/office/powerpoint/2010/main" xmlns:p15="http://schemas.microsoft.com/office/powerpoint/2012/main" xmlns:ahyp="http://schemas.microsoft.com/office/drawing/2018/hyperlinkcolor" matchingName="Title and body" type="tx">
+<p:sldLayout xmlns:a="http://schemas.openxmlformats.org/drawingml/2006/main" xmlns:r="http://schemas.openxmlformats.org/officeDocument/2006/relationships" xmlns:p="http://schemas.openxmlformats.org/presentationml/2006/main" matchingName="Title and body" type="tx">
   <p:cSld name="TITLE_AND_BODY">
     <p:spTree>
       <p:nvGrpSpPr>
-        <p:cNvPr id="16" name="Shape 16"/>
+        <p:cNvPr id="1" name="Shape 16"/>
         <p:cNvGrpSpPr/>
         <p:nvPr/>
       </p:nvGrpSpPr>
@@ -8375,7 +8572,9 @@
       <p:sp>
         <p:nvSpPr>
           <p:cNvPr id="17" name="Google Shape;17;p4"/>
-          <p:cNvSpPr txBox="1"/>
+          <p:cNvSpPr txBox="1">
+            <a:spLocks noGrp="1"/>
+          </p:cNvSpPr>
           <p:nvPr>
             <p:ph type="title"/>
           </p:nvPr>
@@ -8390,7 +8589,7 @@
           </a:prstGeom>
         </p:spPr>
         <p:txBody>
-          <a:bodyPr anchorCtr="0" anchor="t" bIns="91425" lIns="91425" spcFirstLastPara="1" rIns="91425" wrap="square" tIns="91425">
+          <a:bodyPr spcFirstLastPara="1" wrap="square" lIns="91425" tIns="91425" rIns="91425" bIns="91425" anchor="t" anchorCtr="0">
             <a:normAutofit/>
           </a:bodyPr>
           <a:lstStyle>
@@ -8494,15 +8693,19 @@
               <a:defRPr/>
             </a:lvl9pPr>
           </a:lstStyle>
-          <a:p/>
+          <a:p>
+            <a:endParaRPr/>
+          </a:p>
         </p:txBody>
       </p:sp>
       <p:sp>
         <p:nvSpPr>
           <p:cNvPr id="18" name="Google Shape;18;p4"/>
-          <p:cNvSpPr txBox="1"/>
+          <p:cNvSpPr txBox="1">
+            <a:spLocks noGrp="1"/>
+          </p:cNvSpPr>
           <p:nvPr>
-            <p:ph idx="1" type="body"/>
+            <p:ph type="body" idx="1"/>
           </p:nvPr>
         </p:nvSpPr>
         <p:spPr>
@@ -8515,11 +8718,11 @@
           </a:prstGeom>
         </p:spPr>
         <p:txBody>
-          <a:bodyPr anchorCtr="0" anchor="t" bIns="91425" lIns="91425" spcFirstLastPara="1" rIns="91425" wrap="square" tIns="91425">
+          <a:bodyPr spcFirstLastPara="1" wrap="square" lIns="91425" tIns="91425" rIns="91425" bIns="91425" anchor="t" anchorCtr="0">
             <a:normAutofit/>
           </a:bodyPr>
           <a:lstStyle>
-            <a:lvl1pPr indent="-342900" lvl="0" marL="457200">
+            <a:lvl1pPr marL="457200" lvl="0" indent="-342900">
               <a:spcBef>
                 <a:spcPts val="0"/>
               </a:spcBef>
@@ -8530,7 +8733,7 @@
               <a:buChar char="●"/>
               <a:defRPr/>
             </a:lvl1pPr>
-            <a:lvl2pPr indent="-317500" lvl="1" marL="914400">
+            <a:lvl2pPr marL="914400" lvl="1" indent="-317500">
               <a:spcBef>
                 <a:spcPts val="0"/>
               </a:spcBef>
@@ -8541,7 +8744,7 @@
               <a:buChar char="○"/>
               <a:defRPr/>
             </a:lvl2pPr>
-            <a:lvl3pPr indent="-317500" lvl="2" marL="1371600">
+            <a:lvl3pPr marL="1371600" lvl="2" indent="-317500">
               <a:spcBef>
                 <a:spcPts val="0"/>
               </a:spcBef>
@@ -8552,7 +8755,7 @@
               <a:buChar char="■"/>
               <a:defRPr/>
             </a:lvl3pPr>
-            <a:lvl4pPr indent="-317500" lvl="3" marL="1828800">
+            <a:lvl4pPr marL="1828800" lvl="3" indent="-317500">
               <a:spcBef>
                 <a:spcPts val="0"/>
               </a:spcBef>
@@ -8563,7 +8766,7 @@
               <a:buChar char="●"/>
               <a:defRPr/>
             </a:lvl4pPr>
-            <a:lvl5pPr indent="-317500" lvl="4" marL="2286000">
+            <a:lvl5pPr marL="2286000" lvl="4" indent="-317500">
               <a:spcBef>
                 <a:spcPts val="0"/>
               </a:spcBef>
@@ -8574,7 +8777,7 @@
               <a:buChar char="○"/>
               <a:defRPr/>
             </a:lvl5pPr>
-            <a:lvl6pPr indent="-317500" lvl="5" marL="2743200">
+            <a:lvl6pPr marL="2743200" lvl="5" indent="-317500">
               <a:spcBef>
                 <a:spcPts val="0"/>
               </a:spcBef>
@@ -8585,7 +8788,7 @@
               <a:buChar char="■"/>
               <a:defRPr/>
             </a:lvl6pPr>
-            <a:lvl7pPr indent="-317500" lvl="6" marL="3200400">
+            <a:lvl7pPr marL="3200400" lvl="6" indent="-317500">
               <a:spcBef>
                 <a:spcPts val="0"/>
               </a:spcBef>
@@ -8596,7 +8799,7 @@
               <a:buChar char="●"/>
               <a:defRPr/>
             </a:lvl7pPr>
-            <a:lvl8pPr indent="-317500" lvl="7" marL="3657600">
+            <a:lvl8pPr marL="3657600" lvl="7" indent="-317500">
               <a:spcBef>
                 <a:spcPts val="0"/>
               </a:spcBef>
@@ -8607,7 +8810,7 @@
               <a:buChar char="○"/>
               <a:defRPr/>
             </a:lvl8pPr>
-            <a:lvl9pPr indent="-317500" lvl="8" marL="4114800">
+            <a:lvl9pPr marL="4114800" lvl="8" indent="-317500">
               <a:spcBef>
                 <a:spcPts val="0"/>
               </a:spcBef>
@@ -8619,15 +8822,19 @@
               <a:defRPr/>
             </a:lvl9pPr>
           </a:lstStyle>
-          <a:p/>
+          <a:p>
+            <a:endParaRPr/>
+          </a:p>
         </p:txBody>
       </p:sp>
       <p:sp>
         <p:nvSpPr>
           <p:cNvPr id="19" name="Google Shape;19;p4"/>
-          <p:cNvSpPr txBox="1"/>
+          <p:cNvSpPr txBox="1">
+            <a:spLocks noGrp="1"/>
+          </p:cNvSpPr>
           <p:nvPr>
-            <p:ph idx="12" type="sldNum"/>
+            <p:ph type="sldNum" idx="12"/>
           </p:nvPr>
         </p:nvSpPr>
         <p:spPr>
@@ -8640,7 +8847,7 @@
           </a:prstGeom>
         </p:spPr>
         <p:txBody>
-          <a:bodyPr anchorCtr="0" anchor="ctr" bIns="91425" lIns="91425" spcFirstLastPara="1" rIns="91425" wrap="square" tIns="91425">
+          <a:bodyPr spcFirstLastPara="1" wrap="square" lIns="91425" tIns="91425" rIns="91425" bIns="91425" anchor="ctr" anchorCtr="0">
             <a:normAutofit/>
           </a:bodyPr>
           <a:lstStyle>
@@ -8682,7 +8889,7 @@
             </a:lvl9pPr>
           </a:lstStyle>
           <a:p>
-            <a:pPr indent="0" lvl="0" marL="0" rtl="0" algn="r">
+            <a:pPr marL="0" lvl="0" indent="0" algn="r" rtl="0">
               <a:spcBef>
                 <a:spcPts val="0"/>
               </a:spcBef>
@@ -8708,11 +8915,11 @@
 </file>
 
 <file path=ppt/slideLayouts/slideLayout4.xml><?xml version="1.0" encoding="utf-8"?>
-<p:sldLayout xmlns:a="http://schemas.openxmlformats.org/drawingml/2006/main" xmlns:r="http://schemas.openxmlformats.org/officeDocument/2006/relationships" xmlns:mc="http://schemas.openxmlformats.org/markup-compatibility/2006" xmlns:mv="urn:schemas-microsoft-com:mac:vml" xmlns:p="http://schemas.openxmlformats.org/presentationml/2006/main" xmlns:c="http://schemas.openxmlformats.org/drawingml/2006/chart" xmlns:dgm="http://schemas.openxmlformats.org/drawingml/2006/diagram" xmlns:o="urn:schemas-microsoft-com:office:office" xmlns:v="urn:schemas-microsoft-com:vml" xmlns:pvml="urn:schemas-microsoft-com:office:powerpoint" xmlns:com="http://schemas.openxmlformats.org/drawingml/2006/compatibility" xmlns:p14="http://schemas.microsoft.com/office/powerpoint/2010/main" xmlns:p15="http://schemas.microsoft.com/office/powerpoint/2012/main" xmlns:ahyp="http://schemas.microsoft.com/office/drawing/2018/hyperlinkcolor" matchingName="Title and two columns" type="twoColTx">
+<p:sldLayout xmlns:a="http://schemas.openxmlformats.org/drawingml/2006/main" xmlns:r="http://schemas.openxmlformats.org/officeDocument/2006/relationships" xmlns:p="http://schemas.openxmlformats.org/presentationml/2006/main" matchingName="Title and two columns" type="twoColTx">
   <p:cSld name="TITLE_AND_TWO_COLUMNS">
     <p:spTree>
       <p:nvGrpSpPr>
-        <p:cNvPr id="20" name="Shape 20"/>
+        <p:cNvPr id="1" name="Shape 20"/>
         <p:cNvGrpSpPr/>
         <p:nvPr/>
       </p:nvGrpSpPr>
@@ -8727,7 +8934,9 @@
       <p:sp>
         <p:nvSpPr>
           <p:cNvPr id="21" name="Google Shape;21;p5"/>
-          <p:cNvSpPr txBox="1"/>
+          <p:cNvSpPr txBox="1">
+            <a:spLocks noGrp="1"/>
+          </p:cNvSpPr>
           <p:nvPr>
             <p:ph type="title"/>
           </p:nvPr>
@@ -8742,7 +8951,7 @@
           </a:prstGeom>
         </p:spPr>
         <p:txBody>
-          <a:bodyPr anchorCtr="0" anchor="t" bIns="91425" lIns="91425" spcFirstLastPara="1" rIns="91425" wrap="square" tIns="91425">
+          <a:bodyPr spcFirstLastPara="1" wrap="square" lIns="91425" tIns="91425" rIns="91425" bIns="91425" anchor="t" anchorCtr="0">
             <a:normAutofit/>
           </a:bodyPr>
           <a:lstStyle>
@@ -8846,15 +9055,19 @@
               <a:defRPr/>
             </a:lvl9pPr>
           </a:lstStyle>
-          <a:p/>
+          <a:p>
+            <a:endParaRPr/>
+          </a:p>
         </p:txBody>
       </p:sp>
       <p:sp>
         <p:nvSpPr>
           <p:cNvPr id="22" name="Google Shape;22;p5"/>
-          <p:cNvSpPr txBox="1"/>
+          <p:cNvSpPr txBox="1">
+            <a:spLocks noGrp="1"/>
+          </p:cNvSpPr>
           <p:nvPr>
-            <p:ph idx="1" type="body"/>
+            <p:ph type="body" idx="1"/>
           </p:nvPr>
         </p:nvSpPr>
         <p:spPr>
@@ -8867,11 +9080,11 @@
           </a:prstGeom>
         </p:spPr>
         <p:txBody>
-          <a:bodyPr anchorCtr="0" anchor="t" bIns="91425" lIns="91425" spcFirstLastPara="1" rIns="91425" wrap="square" tIns="91425">
+          <a:bodyPr spcFirstLastPara="1" wrap="square" lIns="91425" tIns="91425" rIns="91425" bIns="91425" anchor="t" anchorCtr="0">
             <a:normAutofit/>
           </a:bodyPr>
           <a:lstStyle>
-            <a:lvl1pPr indent="-317500" lvl="0" marL="457200">
+            <a:lvl1pPr marL="457200" lvl="0" indent="-317500">
               <a:spcBef>
                 <a:spcPts val="0"/>
               </a:spcBef>
@@ -8882,7 +9095,7 @@
               <a:buChar char="●"/>
               <a:defRPr sz="1400"/>
             </a:lvl1pPr>
-            <a:lvl2pPr indent="-304800" lvl="1" marL="914400">
+            <a:lvl2pPr marL="914400" lvl="1" indent="-304800">
               <a:spcBef>
                 <a:spcPts val="0"/>
               </a:spcBef>
@@ -8893,7 +9106,7 @@
               <a:buChar char="○"/>
               <a:defRPr sz="1200"/>
             </a:lvl2pPr>
-            <a:lvl3pPr indent="-304800" lvl="2" marL="1371600">
+            <a:lvl3pPr marL="1371600" lvl="2" indent="-304800">
               <a:spcBef>
                 <a:spcPts val="0"/>
               </a:spcBef>
@@ -8904,7 +9117,7 @@
               <a:buChar char="■"/>
               <a:defRPr sz="1200"/>
             </a:lvl3pPr>
-            <a:lvl4pPr indent="-304800" lvl="3" marL="1828800">
+            <a:lvl4pPr marL="1828800" lvl="3" indent="-304800">
               <a:spcBef>
                 <a:spcPts val="0"/>
               </a:spcBef>
@@ -8915,7 +9128,7 @@
               <a:buChar char="●"/>
               <a:defRPr sz="1200"/>
             </a:lvl4pPr>
-            <a:lvl5pPr indent="-304800" lvl="4" marL="2286000">
+            <a:lvl5pPr marL="2286000" lvl="4" indent="-304800">
               <a:spcBef>
                 <a:spcPts val="0"/>
               </a:spcBef>
@@ -8926,7 +9139,7 @@
               <a:buChar char="○"/>
               <a:defRPr sz="1200"/>
             </a:lvl5pPr>
-            <a:lvl6pPr indent="-304800" lvl="5" marL="2743200">
+            <a:lvl6pPr marL="2743200" lvl="5" indent="-304800">
               <a:spcBef>
                 <a:spcPts val="0"/>
               </a:spcBef>
@@ -8937,7 +9150,7 @@
               <a:buChar char="■"/>
               <a:defRPr sz="1200"/>
             </a:lvl6pPr>
-            <a:lvl7pPr indent="-304800" lvl="6" marL="3200400">
+            <a:lvl7pPr marL="3200400" lvl="6" indent="-304800">
               <a:spcBef>
                 <a:spcPts val="0"/>
               </a:spcBef>
@@ -8948,7 +9161,7 @@
               <a:buChar char="●"/>
               <a:defRPr sz="1200"/>
             </a:lvl7pPr>
-            <a:lvl8pPr indent="-304800" lvl="7" marL="3657600">
+            <a:lvl8pPr marL="3657600" lvl="7" indent="-304800">
               <a:spcBef>
                 <a:spcPts val="0"/>
               </a:spcBef>
@@ -8959,7 +9172,7 @@
               <a:buChar char="○"/>
               <a:defRPr sz="1200"/>
             </a:lvl8pPr>
-            <a:lvl9pPr indent="-304800" lvl="8" marL="4114800">
+            <a:lvl9pPr marL="4114800" lvl="8" indent="-304800">
               <a:spcBef>
                 <a:spcPts val="0"/>
               </a:spcBef>
@@ -8971,15 +9184,19 @@
               <a:defRPr sz="1200"/>
             </a:lvl9pPr>
           </a:lstStyle>
-          <a:p/>
+          <a:p>
+            <a:endParaRPr/>
+          </a:p>
         </p:txBody>
       </p:sp>
       <p:sp>
         <p:nvSpPr>
           <p:cNvPr id="23" name="Google Shape;23;p5"/>
-          <p:cNvSpPr txBox="1"/>
+          <p:cNvSpPr txBox="1">
+            <a:spLocks noGrp="1"/>
+          </p:cNvSpPr>
           <p:nvPr>
-            <p:ph idx="2" type="body"/>
+            <p:ph type="body" idx="2"/>
           </p:nvPr>
         </p:nvSpPr>
         <p:spPr>
@@ -8992,11 +9209,11 @@
           </a:prstGeom>
         </p:spPr>
         <p:txBody>
-          <a:bodyPr anchorCtr="0" anchor="t" bIns="91425" lIns="91425" spcFirstLastPara="1" rIns="91425" wrap="square" tIns="91425">
+          <a:bodyPr spcFirstLastPara="1" wrap="square" lIns="91425" tIns="91425" rIns="91425" bIns="91425" anchor="t" anchorCtr="0">
             <a:normAutofit/>
           </a:bodyPr>
           <a:lstStyle>
-            <a:lvl1pPr indent="-317500" lvl="0" marL="457200">
+            <a:lvl1pPr marL="457200" lvl="0" indent="-317500">
               <a:spcBef>
                 <a:spcPts val="0"/>
               </a:spcBef>
@@ -9007,7 +9224,7 @@
               <a:buChar char="●"/>
               <a:defRPr sz="1400"/>
             </a:lvl1pPr>
-            <a:lvl2pPr indent="-304800" lvl="1" marL="914400">
+            <a:lvl2pPr marL="914400" lvl="1" indent="-304800">
               <a:spcBef>
                 <a:spcPts val="0"/>
               </a:spcBef>
@@ -9018,7 +9235,7 @@
               <a:buChar char="○"/>
               <a:defRPr sz="1200"/>
             </a:lvl2pPr>
-            <a:lvl3pPr indent="-304800" lvl="2" marL="1371600">
+            <a:lvl3pPr marL="1371600" lvl="2" indent="-304800">
               <a:spcBef>
                 <a:spcPts val="0"/>
               </a:spcBef>
@@ -9029,7 +9246,7 @@
               <a:buChar char="■"/>
               <a:defRPr sz="1200"/>
             </a:lvl3pPr>
-            <a:lvl4pPr indent="-304800" lvl="3" marL="1828800">
+            <a:lvl4pPr marL="1828800" lvl="3" indent="-304800">
               <a:spcBef>
                 <a:spcPts val="0"/>
               </a:spcBef>
@@ -9040,7 +9257,7 @@
               <a:buChar char="●"/>
               <a:defRPr sz="1200"/>
             </a:lvl4pPr>
-            <a:lvl5pPr indent="-304800" lvl="4" marL="2286000">
+            <a:lvl5pPr marL="2286000" lvl="4" indent="-304800">
               <a:spcBef>
                 <a:spcPts val="0"/>
               </a:spcBef>
@@ -9051,7 +9268,7 @@
               <a:buChar char="○"/>
               <a:defRPr sz="1200"/>
             </a:lvl5pPr>
-            <a:lvl6pPr indent="-304800" lvl="5" marL="2743200">
+            <a:lvl6pPr marL="2743200" lvl="5" indent="-304800">
               <a:spcBef>
                 <a:spcPts val="0"/>
               </a:spcBef>
@@ -9062,7 +9279,7 @@
               <a:buChar char="■"/>
               <a:defRPr sz="1200"/>
             </a:lvl6pPr>
-            <a:lvl7pPr indent="-304800" lvl="6" marL="3200400">
+            <a:lvl7pPr marL="3200400" lvl="6" indent="-304800">
               <a:spcBef>
                 <a:spcPts val="0"/>
               </a:spcBef>
@@ -9073,7 +9290,7 @@
               <a:buChar char="●"/>
               <a:defRPr sz="1200"/>
             </a:lvl7pPr>
-            <a:lvl8pPr indent="-304800" lvl="7" marL="3657600">
+            <a:lvl8pPr marL="3657600" lvl="7" indent="-304800">
               <a:spcBef>
                 <a:spcPts val="0"/>
               </a:spcBef>
@@ -9084,7 +9301,7 @@
               <a:buChar char="○"/>
               <a:defRPr sz="1200"/>
             </a:lvl8pPr>
-            <a:lvl9pPr indent="-304800" lvl="8" marL="4114800">
+            <a:lvl9pPr marL="4114800" lvl="8" indent="-304800">
               <a:spcBef>
                 <a:spcPts val="0"/>
               </a:spcBef>
@@ -9096,15 +9313,19 @@
               <a:defRPr sz="1200"/>
             </a:lvl9pPr>
           </a:lstStyle>
-          <a:p/>
+          <a:p>
+            <a:endParaRPr/>
+          </a:p>
         </p:txBody>
       </p:sp>
       <p:sp>
         <p:nvSpPr>
           <p:cNvPr id="24" name="Google Shape;24;p5"/>
-          <p:cNvSpPr txBox="1"/>
+          <p:cNvSpPr txBox="1">
+            <a:spLocks noGrp="1"/>
+          </p:cNvSpPr>
           <p:nvPr>
-            <p:ph idx="12" type="sldNum"/>
+            <p:ph type="sldNum" idx="12"/>
           </p:nvPr>
         </p:nvSpPr>
         <p:spPr>
@@ -9117,7 +9338,7 @@
           </a:prstGeom>
         </p:spPr>
         <p:txBody>
-          <a:bodyPr anchorCtr="0" anchor="ctr" bIns="91425" lIns="91425" spcFirstLastPara="1" rIns="91425" wrap="square" tIns="91425">
+          <a:bodyPr spcFirstLastPara="1" wrap="square" lIns="91425" tIns="91425" rIns="91425" bIns="91425" anchor="ctr" anchorCtr="0">
             <a:normAutofit/>
           </a:bodyPr>
           <a:lstStyle>
@@ -9159,7 +9380,7 @@
             </a:lvl9pPr>
           </a:lstStyle>
           <a:p>
-            <a:pPr indent="0" lvl="0" marL="0" rtl="0" algn="r">
+            <a:pPr marL="0" lvl="0" indent="0" algn="r" rtl="0">
               <a:spcBef>
                 <a:spcPts val="0"/>
               </a:spcBef>
@@ -9185,11 +9406,11 @@
 </file>
 
 <file path=ppt/slideLayouts/slideLayout5.xml><?xml version="1.0" encoding="utf-8"?>
-<p:sldLayout xmlns:a="http://schemas.openxmlformats.org/drawingml/2006/main" xmlns:r="http://schemas.openxmlformats.org/officeDocument/2006/relationships" xmlns:mc="http://schemas.openxmlformats.org/markup-compatibility/2006" xmlns:mv="urn:schemas-microsoft-com:mac:vml" xmlns:p="http://schemas.openxmlformats.org/presentationml/2006/main" xmlns:c="http://schemas.openxmlformats.org/drawingml/2006/chart" xmlns:dgm="http://schemas.openxmlformats.org/drawingml/2006/diagram" xmlns:o="urn:schemas-microsoft-com:office:office" xmlns:v="urn:schemas-microsoft-com:vml" xmlns:pvml="urn:schemas-microsoft-com:office:powerpoint" xmlns:com="http://schemas.openxmlformats.org/drawingml/2006/compatibility" xmlns:p14="http://schemas.microsoft.com/office/powerpoint/2010/main" xmlns:p15="http://schemas.microsoft.com/office/powerpoint/2012/main" xmlns:ahyp="http://schemas.microsoft.com/office/drawing/2018/hyperlinkcolor" matchingName="Title only" type="titleOnly">
+<p:sldLayout xmlns:a="http://schemas.openxmlformats.org/drawingml/2006/main" xmlns:r="http://schemas.openxmlformats.org/officeDocument/2006/relationships" xmlns:p="http://schemas.openxmlformats.org/presentationml/2006/main" matchingName="Title only" type="titleOnly">
   <p:cSld name="TITLE_ONLY">
     <p:spTree>
       <p:nvGrpSpPr>
-        <p:cNvPr id="25" name="Shape 25"/>
+        <p:cNvPr id="1" name="Shape 25"/>
         <p:cNvGrpSpPr/>
         <p:nvPr/>
       </p:nvGrpSpPr>
@@ -9204,7 +9425,9 @@
       <p:sp>
         <p:nvSpPr>
           <p:cNvPr id="26" name="Google Shape;26;p6"/>
-          <p:cNvSpPr txBox="1"/>
+          <p:cNvSpPr txBox="1">
+            <a:spLocks noGrp="1"/>
+          </p:cNvSpPr>
           <p:nvPr>
             <p:ph type="title"/>
           </p:nvPr>
@@ -9219,7 +9442,7 @@
           </a:prstGeom>
         </p:spPr>
         <p:txBody>
-          <a:bodyPr anchorCtr="0" anchor="t" bIns="91425" lIns="91425" spcFirstLastPara="1" rIns="91425" wrap="square" tIns="91425">
+          <a:bodyPr spcFirstLastPara="1" wrap="square" lIns="91425" tIns="91425" rIns="91425" bIns="91425" anchor="t" anchorCtr="0">
             <a:normAutofit/>
           </a:bodyPr>
           <a:lstStyle>
@@ -9323,15 +9546,19 @@
               <a:defRPr/>
             </a:lvl9pPr>
           </a:lstStyle>
-          <a:p/>
+          <a:p>
+            <a:endParaRPr/>
+          </a:p>
         </p:txBody>
       </p:sp>
       <p:sp>
         <p:nvSpPr>
           <p:cNvPr id="27" name="Google Shape;27;p6"/>
-          <p:cNvSpPr txBox="1"/>
+          <p:cNvSpPr txBox="1">
+            <a:spLocks noGrp="1"/>
+          </p:cNvSpPr>
           <p:nvPr>
-            <p:ph idx="12" type="sldNum"/>
+            <p:ph type="sldNum" idx="12"/>
           </p:nvPr>
         </p:nvSpPr>
         <p:spPr>
@@ -9344,7 +9571,7 @@
           </a:prstGeom>
         </p:spPr>
         <p:txBody>
-          <a:bodyPr anchorCtr="0" anchor="ctr" bIns="91425" lIns="91425" spcFirstLastPara="1" rIns="91425" wrap="square" tIns="91425">
+          <a:bodyPr spcFirstLastPara="1" wrap="square" lIns="91425" tIns="91425" rIns="91425" bIns="91425" anchor="ctr" anchorCtr="0">
             <a:normAutofit/>
           </a:bodyPr>
           <a:lstStyle>
@@ -9386,7 +9613,7 @@
             </a:lvl9pPr>
           </a:lstStyle>
           <a:p>
-            <a:pPr indent="0" lvl="0" marL="0" rtl="0" algn="r">
+            <a:pPr marL="0" lvl="0" indent="0" algn="r" rtl="0">
               <a:spcBef>
                 <a:spcPts val="0"/>
               </a:spcBef>
@@ -9412,11 +9639,11 @@
 </file>
 
 <file path=ppt/slideLayouts/slideLayout6.xml><?xml version="1.0" encoding="utf-8"?>
-<p:sldLayout xmlns:a="http://schemas.openxmlformats.org/drawingml/2006/main" xmlns:r="http://schemas.openxmlformats.org/officeDocument/2006/relationships" xmlns:mc="http://schemas.openxmlformats.org/markup-compatibility/2006" xmlns:mv="urn:schemas-microsoft-com:mac:vml" xmlns:p="http://schemas.openxmlformats.org/presentationml/2006/main" xmlns:c="http://schemas.openxmlformats.org/drawingml/2006/chart" xmlns:dgm="http://schemas.openxmlformats.org/drawingml/2006/diagram" xmlns:o="urn:schemas-microsoft-com:office:office" xmlns:v="urn:schemas-microsoft-com:vml" xmlns:pvml="urn:schemas-microsoft-com:office:powerpoint" xmlns:com="http://schemas.openxmlformats.org/drawingml/2006/compatibility" xmlns:p14="http://schemas.microsoft.com/office/powerpoint/2010/main" xmlns:p15="http://schemas.microsoft.com/office/powerpoint/2012/main" xmlns:ahyp="http://schemas.microsoft.com/office/drawing/2018/hyperlinkcolor" matchingName="One column text">
+<p:sldLayout xmlns:a="http://schemas.openxmlformats.org/drawingml/2006/main" xmlns:r="http://schemas.openxmlformats.org/officeDocument/2006/relationships" xmlns:p="http://schemas.openxmlformats.org/presentationml/2006/main" matchingName="One column text">
   <p:cSld name="ONE_COLUMN_TEXT">
     <p:spTree>
       <p:nvGrpSpPr>
-        <p:cNvPr id="28" name="Shape 28"/>
+        <p:cNvPr id="1" name="Shape 28"/>
         <p:cNvGrpSpPr/>
         <p:nvPr/>
       </p:nvGrpSpPr>
@@ -9431,7 +9658,9 @@
       <p:sp>
         <p:nvSpPr>
           <p:cNvPr id="29" name="Google Shape;29;p7"/>
-          <p:cNvSpPr txBox="1"/>
+          <p:cNvSpPr txBox="1">
+            <a:spLocks noGrp="1"/>
+          </p:cNvSpPr>
           <p:nvPr>
             <p:ph type="title"/>
           </p:nvPr>
@@ -9446,7 +9675,7 @@
           </a:prstGeom>
         </p:spPr>
         <p:txBody>
-          <a:bodyPr anchorCtr="0" anchor="b" bIns="91425" lIns="91425" spcFirstLastPara="1" rIns="91425" wrap="square" tIns="91425">
+          <a:bodyPr spcFirstLastPara="1" wrap="square" lIns="91425" tIns="91425" rIns="91425" bIns="91425" anchor="b" anchorCtr="0">
             <a:normAutofit/>
           </a:bodyPr>
           <a:lstStyle>
@@ -9550,15 +9779,19 @@
               <a:defRPr sz="2400"/>
             </a:lvl9pPr>
           </a:lstStyle>
-          <a:p/>
+          <a:p>
+            <a:endParaRPr/>
+          </a:p>
         </p:txBody>
       </p:sp>
       <p:sp>
         <p:nvSpPr>
           <p:cNvPr id="30" name="Google Shape;30;p7"/>
-          <p:cNvSpPr txBox="1"/>
+          <p:cNvSpPr txBox="1">
+            <a:spLocks noGrp="1"/>
+          </p:cNvSpPr>
           <p:nvPr>
-            <p:ph idx="1" type="body"/>
+            <p:ph type="body" idx="1"/>
           </p:nvPr>
         </p:nvSpPr>
         <p:spPr>
@@ -9571,11 +9804,11 @@
           </a:prstGeom>
         </p:spPr>
         <p:txBody>
-          <a:bodyPr anchorCtr="0" anchor="t" bIns="91425" lIns="91425" spcFirstLastPara="1" rIns="91425" wrap="square" tIns="91425">
+          <a:bodyPr spcFirstLastPara="1" wrap="square" lIns="91425" tIns="91425" rIns="91425" bIns="91425" anchor="t" anchorCtr="0">
             <a:normAutofit/>
           </a:bodyPr>
           <a:lstStyle>
-            <a:lvl1pPr indent="-304800" lvl="0" marL="457200">
+            <a:lvl1pPr marL="457200" lvl="0" indent="-304800">
               <a:spcBef>
                 <a:spcPts val="0"/>
               </a:spcBef>
@@ -9586,7 +9819,7 @@
               <a:buChar char="●"/>
               <a:defRPr sz="1200"/>
             </a:lvl1pPr>
-            <a:lvl2pPr indent="-304800" lvl="1" marL="914400">
+            <a:lvl2pPr marL="914400" lvl="1" indent="-304800">
               <a:spcBef>
                 <a:spcPts val="0"/>
               </a:spcBef>
@@ -9597,7 +9830,7 @@
               <a:buChar char="○"/>
               <a:defRPr sz="1200"/>
             </a:lvl2pPr>
-            <a:lvl3pPr indent="-304800" lvl="2" marL="1371600">
+            <a:lvl3pPr marL="1371600" lvl="2" indent="-304800">
               <a:spcBef>
                 <a:spcPts val="0"/>
               </a:spcBef>
@@ -9608,7 +9841,7 @@
               <a:buChar char="■"/>
               <a:defRPr sz="1200"/>
             </a:lvl3pPr>
-            <a:lvl4pPr indent="-304800" lvl="3" marL="1828800">
+            <a:lvl4pPr marL="1828800" lvl="3" indent="-304800">
               <a:spcBef>
                 <a:spcPts val="0"/>
               </a:spcBef>
@@ -9619,7 +9852,7 @@
               <a:buChar char="●"/>
               <a:defRPr sz="1200"/>
             </a:lvl4pPr>
-            <a:lvl5pPr indent="-304800" lvl="4" marL="2286000">
+            <a:lvl5pPr marL="2286000" lvl="4" indent="-304800">
               <a:spcBef>
                 <a:spcPts val="0"/>
               </a:spcBef>
@@ -9630,7 +9863,7 @@
               <a:buChar char="○"/>
               <a:defRPr sz="1200"/>
             </a:lvl5pPr>
-            <a:lvl6pPr indent="-304800" lvl="5" marL="2743200">
+            <a:lvl6pPr marL="2743200" lvl="5" indent="-304800">
               <a:spcBef>
                 <a:spcPts val="0"/>
               </a:spcBef>
@@ -9641,7 +9874,7 @@
               <a:buChar char="■"/>
               <a:defRPr sz="1200"/>
             </a:lvl6pPr>
-            <a:lvl7pPr indent="-304800" lvl="6" marL="3200400">
+            <a:lvl7pPr marL="3200400" lvl="6" indent="-304800">
               <a:spcBef>
                 <a:spcPts val="0"/>
               </a:spcBef>
@@ -9652,7 +9885,7 @@
               <a:buChar char="●"/>
               <a:defRPr sz="1200"/>
             </a:lvl7pPr>
-            <a:lvl8pPr indent="-304800" lvl="7" marL="3657600">
+            <a:lvl8pPr marL="3657600" lvl="7" indent="-304800">
               <a:spcBef>
                 <a:spcPts val="0"/>
               </a:spcBef>
@@ -9663,7 +9896,7 @@
               <a:buChar char="○"/>
               <a:defRPr sz="1200"/>
             </a:lvl8pPr>
-            <a:lvl9pPr indent="-304800" lvl="8" marL="4114800">
+            <a:lvl9pPr marL="4114800" lvl="8" indent="-304800">
               <a:spcBef>
                 <a:spcPts val="0"/>
               </a:spcBef>
@@ -9675,15 +9908,19 @@
               <a:defRPr sz="1200"/>
             </a:lvl9pPr>
           </a:lstStyle>
-          <a:p/>
+          <a:p>
+            <a:endParaRPr/>
+          </a:p>
         </p:txBody>
       </p:sp>
       <p:sp>
         <p:nvSpPr>
           <p:cNvPr id="31" name="Google Shape;31;p7"/>
-          <p:cNvSpPr txBox="1"/>
+          <p:cNvSpPr txBox="1">
+            <a:spLocks noGrp="1"/>
+          </p:cNvSpPr>
           <p:nvPr>
-            <p:ph idx="12" type="sldNum"/>
+            <p:ph type="sldNum" idx="12"/>
           </p:nvPr>
         </p:nvSpPr>
         <p:spPr>
@@ -9696,7 +9933,7 @@
           </a:prstGeom>
         </p:spPr>
         <p:txBody>
-          <a:bodyPr anchorCtr="0" anchor="ctr" bIns="91425" lIns="91425" spcFirstLastPara="1" rIns="91425" wrap="square" tIns="91425">
+          <a:bodyPr spcFirstLastPara="1" wrap="square" lIns="91425" tIns="91425" rIns="91425" bIns="91425" anchor="ctr" anchorCtr="0">
             <a:normAutofit/>
           </a:bodyPr>
           <a:lstStyle>
@@ -9738,7 +9975,7 @@
             </a:lvl9pPr>
           </a:lstStyle>
           <a:p>
-            <a:pPr indent="0" lvl="0" marL="0" rtl="0" algn="r">
+            <a:pPr marL="0" lvl="0" indent="0" algn="r" rtl="0">
               <a:spcBef>
                 <a:spcPts val="0"/>
               </a:spcBef>
@@ -9764,11 +10001,11 @@
 </file>
 
 <file path=ppt/slideLayouts/slideLayout7.xml><?xml version="1.0" encoding="utf-8"?>
-<p:sldLayout xmlns:a="http://schemas.openxmlformats.org/drawingml/2006/main" xmlns:r="http://schemas.openxmlformats.org/officeDocument/2006/relationships" xmlns:mc="http://schemas.openxmlformats.org/markup-compatibility/2006" xmlns:mv="urn:schemas-microsoft-com:mac:vml" xmlns:p="http://schemas.openxmlformats.org/presentationml/2006/main" xmlns:c="http://schemas.openxmlformats.org/drawingml/2006/chart" xmlns:dgm="http://schemas.openxmlformats.org/drawingml/2006/diagram" xmlns:o="urn:schemas-microsoft-com:office:office" xmlns:v="urn:schemas-microsoft-com:vml" xmlns:pvml="urn:schemas-microsoft-com:office:powerpoint" xmlns:com="http://schemas.openxmlformats.org/drawingml/2006/compatibility" xmlns:p14="http://schemas.microsoft.com/office/powerpoint/2010/main" xmlns:p15="http://schemas.microsoft.com/office/powerpoint/2012/main" xmlns:ahyp="http://schemas.microsoft.com/office/drawing/2018/hyperlinkcolor" matchingName="Main point">
+<p:sldLayout xmlns:a="http://schemas.openxmlformats.org/drawingml/2006/main" xmlns:r="http://schemas.openxmlformats.org/officeDocument/2006/relationships" xmlns:p="http://schemas.openxmlformats.org/presentationml/2006/main" matchingName="Main point">
   <p:cSld name="MAIN_POINT">
     <p:spTree>
       <p:nvGrpSpPr>
-        <p:cNvPr id="32" name="Shape 32"/>
+        <p:cNvPr id="1" name="Shape 32"/>
         <p:cNvGrpSpPr/>
         <p:nvPr/>
       </p:nvGrpSpPr>
@@ -9783,7 +10020,9 @@
       <p:sp>
         <p:nvSpPr>
           <p:cNvPr id="33" name="Google Shape;33;p8"/>
-          <p:cNvSpPr txBox="1"/>
+          <p:cNvSpPr txBox="1">
+            <a:spLocks noGrp="1"/>
+          </p:cNvSpPr>
           <p:nvPr>
             <p:ph type="title"/>
           </p:nvPr>
@@ -9798,7 +10037,7 @@
           </a:prstGeom>
         </p:spPr>
         <p:txBody>
-          <a:bodyPr anchorCtr="0" anchor="ctr" bIns="91425" lIns="91425" spcFirstLastPara="1" rIns="91425" wrap="square" tIns="91425">
+          <a:bodyPr spcFirstLastPara="1" wrap="square" lIns="91425" tIns="91425" rIns="91425" bIns="91425" anchor="ctr" anchorCtr="0">
             <a:normAutofit/>
           </a:bodyPr>
           <a:lstStyle>
@@ -9902,15 +10141,19 @@
               <a:defRPr sz="4800"/>
             </a:lvl9pPr>
           </a:lstStyle>
-          <a:p/>
+          <a:p>
+            <a:endParaRPr/>
+          </a:p>
         </p:txBody>
       </p:sp>
       <p:sp>
         <p:nvSpPr>
           <p:cNvPr id="34" name="Google Shape;34;p8"/>
-          <p:cNvSpPr txBox="1"/>
+          <p:cNvSpPr txBox="1">
+            <a:spLocks noGrp="1"/>
+          </p:cNvSpPr>
           <p:nvPr>
-            <p:ph idx="12" type="sldNum"/>
+            <p:ph type="sldNum" idx="12"/>
           </p:nvPr>
         </p:nvSpPr>
         <p:spPr>
@@ -9923,7 +10166,7 @@
           </a:prstGeom>
         </p:spPr>
         <p:txBody>
-          <a:bodyPr anchorCtr="0" anchor="ctr" bIns="91425" lIns="91425" spcFirstLastPara="1" rIns="91425" wrap="square" tIns="91425">
+          <a:bodyPr spcFirstLastPara="1" wrap="square" lIns="91425" tIns="91425" rIns="91425" bIns="91425" anchor="ctr" anchorCtr="0">
             <a:normAutofit/>
           </a:bodyPr>
           <a:lstStyle>
@@ -9965,7 +10208,7 @@
             </a:lvl9pPr>
           </a:lstStyle>
           <a:p>
-            <a:pPr indent="0" lvl="0" marL="0" rtl="0" algn="r">
+            <a:pPr marL="0" lvl="0" indent="0" algn="r" rtl="0">
               <a:spcBef>
                 <a:spcPts val="0"/>
               </a:spcBef>
@@ -9991,11 +10234,11 @@
 </file>
 
 <file path=ppt/slideLayouts/slideLayout8.xml><?xml version="1.0" encoding="utf-8"?>
-<p:sldLayout xmlns:a="http://schemas.openxmlformats.org/drawingml/2006/main" xmlns:r="http://schemas.openxmlformats.org/officeDocument/2006/relationships" xmlns:mc="http://schemas.openxmlformats.org/markup-compatibility/2006" xmlns:mv="urn:schemas-microsoft-com:mac:vml" xmlns:p="http://schemas.openxmlformats.org/presentationml/2006/main" xmlns:c="http://schemas.openxmlformats.org/drawingml/2006/chart" xmlns:dgm="http://schemas.openxmlformats.org/drawingml/2006/diagram" xmlns:o="urn:schemas-microsoft-com:office:office" xmlns:v="urn:schemas-microsoft-com:vml" xmlns:pvml="urn:schemas-microsoft-com:office:powerpoint" xmlns:com="http://schemas.openxmlformats.org/drawingml/2006/compatibility" xmlns:p14="http://schemas.microsoft.com/office/powerpoint/2010/main" xmlns:p15="http://schemas.microsoft.com/office/powerpoint/2012/main" xmlns:ahyp="http://schemas.microsoft.com/office/drawing/2018/hyperlinkcolor" matchingName="Section title and description">
+<p:sldLayout xmlns:a="http://schemas.openxmlformats.org/drawingml/2006/main" xmlns:r="http://schemas.openxmlformats.org/officeDocument/2006/relationships" xmlns:p="http://schemas.openxmlformats.org/presentationml/2006/main" matchingName="Section title and description">
   <p:cSld name="SECTION_TITLE_AND_DESCRIPTION">
     <p:spTree>
       <p:nvGrpSpPr>
-        <p:cNvPr id="35" name="Shape 35"/>
+        <p:cNvPr id="1" name="Shape 35"/>
         <p:cNvGrpSpPr/>
         <p:nvPr/>
       </p:nvGrpSpPr>
@@ -10029,12 +10272,12 @@
           </a:ln>
         </p:spPr>
         <p:txBody>
-          <a:bodyPr anchorCtr="0" anchor="ctr" bIns="91425" lIns="91425" spcFirstLastPara="1" rIns="91425" wrap="square" tIns="91425">
+          <a:bodyPr spcFirstLastPara="1" wrap="square" lIns="91425" tIns="91425" rIns="91425" bIns="91425" anchor="ctr" anchorCtr="0">
             <a:noAutofit/>
           </a:bodyPr>
           <a:lstStyle/>
           <a:p>
-            <a:pPr indent="0" lvl="0" marL="0" rtl="0" algn="l">
+            <a:pPr marL="0" lvl="0" indent="0" algn="l" rtl="0">
               <a:spcBef>
                 <a:spcPts val="0"/>
               </a:spcBef>
@@ -10043,9 +10286,6 @@
               </a:spcAft>
               <a:buNone/>
             </a:pPr>
-            <a:r>
-              <a:t/>
-            </a:r>
             <a:endParaRPr/>
           </a:p>
         </p:txBody>
@@ -10053,7 +10293,9 @@
       <p:sp>
         <p:nvSpPr>
           <p:cNvPr id="37" name="Google Shape;37;p9"/>
-          <p:cNvSpPr txBox="1"/>
+          <p:cNvSpPr txBox="1">
+            <a:spLocks noGrp="1"/>
+          </p:cNvSpPr>
           <p:nvPr>
             <p:ph type="title"/>
           </p:nvPr>
@@ -10068,7 +10310,7 @@
           </a:prstGeom>
         </p:spPr>
         <p:txBody>
-          <a:bodyPr anchorCtr="0" anchor="b" bIns="91425" lIns="91425" spcFirstLastPara="1" rIns="91425" wrap="square" tIns="91425">
+          <a:bodyPr spcFirstLastPara="1" wrap="square" lIns="91425" tIns="91425" rIns="91425" bIns="91425" anchor="b" anchorCtr="0">
             <a:normAutofit/>
           </a:bodyPr>
           <a:lstStyle>
@@ -10172,15 +10414,19 @@
               <a:defRPr sz="4200"/>
             </a:lvl9pPr>
           </a:lstStyle>
-          <a:p/>
+          <a:p>
+            <a:endParaRPr/>
+          </a:p>
         </p:txBody>
       </p:sp>
       <p:sp>
         <p:nvSpPr>
           <p:cNvPr id="38" name="Google Shape;38;p9"/>
-          <p:cNvSpPr txBox="1"/>
+          <p:cNvSpPr txBox="1">
+            <a:spLocks noGrp="1"/>
+          </p:cNvSpPr>
           <p:nvPr>
-            <p:ph idx="1" type="subTitle"/>
+            <p:ph type="subTitle" idx="1"/>
           </p:nvPr>
         </p:nvSpPr>
         <p:spPr>
@@ -10193,7 +10439,7 @@
           </a:prstGeom>
         </p:spPr>
         <p:txBody>
-          <a:bodyPr anchorCtr="0" anchor="t" bIns="91425" lIns="91425" spcFirstLastPara="1" rIns="91425" wrap="square" tIns="91425">
+          <a:bodyPr spcFirstLastPara="1" wrap="square" lIns="91425" tIns="91425" rIns="91425" bIns="91425" anchor="t" anchorCtr="0">
             <a:normAutofit/>
           </a:bodyPr>
           <a:lstStyle>
@@ -10324,15 +10570,19 @@
               <a:defRPr sz="2100"/>
             </a:lvl9pPr>
           </a:lstStyle>
-          <a:p/>
+          <a:p>
+            <a:endParaRPr/>
+          </a:p>
         </p:txBody>
       </p:sp>
       <p:sp>
         <p:nvSpPr>
           <p:cNvPr id="39" name="Google Shape;39;p9"/>
-          <p:cNvSpPr txBox="1"/>
+          <p:cNvSpPr txBox="1">
+            <a:spLocks noGrp="1"/>
+          </p:cNvSpPr>
           <p:nvPr>
-            <p:ph idx="2" type="body"/>
+            <p:ph type="body" idx="2"/>
           </p:nvPr>
         </p:nvSpPr>
         <p:spPr>
@@ -10345,11 +10595,11 @@
           </a:prstGeom>
         </p:spPr>
         <p:txBody>
-          <a:bodyPr anchorCtr="0" anchor="ctr" bIns="91425" lIns="91425" spcFirstLastPara="1" rIns="91425" wrap="square" tIns="91425">
+          <a:bodyPr spcFirstLastPara="1" wrap="square" lIns="91425" tIns="91425" rIns="91425" bIns="91425" anchor="ctr" anchorCtr="0">
             <a:normAutofit/>
           </a:bodyPr>
           <a:lstStyle>
-            <a:lvl1pPr indent="-342900" lvl="0" marL="457200">
+            <a:lvl1pPr marL="457200" lvl="0" indent="-342900">
               <a:spcBef>
                 <a:spcPts val="0"/>
               </a:spcBef>
@@ -10360,7 +10610,7 @@
               <a:buChar char="●"/>
               <a:defRPr/>
             </a:lvl1pPr>
-            <a:lvl2pPr indent="-317500" lvl="1" marL="914400">
+            <a:lvl2pPr marL="914400" lvl="1" indent="-317500">
               <a:spcBef>
                 <a:spcPts val="0"/>
               </a:spcBef>
@@ -10371,7 +10621,7 @@
               <a:buChar char="○"/>
               <a:defRPr/>
             </a:lvl2pPr>
-            <a:lvl3pPr indent="-317500" lvl="2" marL="1371600">
+            <a:lvl3pPr marL="1371600" lvl="2" indent="-317500">
               <a:spcBef>
                 <a:spcPts val="0"/>
               </a:spcBef>
@@ -10382,7 +10632,7 @@
               <a:buChar char="■"/>
               <a:defRPr/>
             </a:lvl3pPr>
-            <a:lvl4pPr indent="-317500" lvl="3" marL="1828800">
+            <a:lvl4pPr marL="1828800" lvl="3" indent="-317500">
               <a:spcBef>
                 <a:spcPts val="0"/>
               </a:spcBef>
@@ -10393,7 +10643,7 @@
               <a:buChar char="●"/>
               <a:defRPr/>
             </a:lvl4pPr>
-            <a:lvl5pPr indent="-317500" lvl="4" marL="2286000">
+            <a:lvl5pPr marL="2286000" lvl="4" indent="-317500">
               <a:spcBef>
                 <a:spcPts val="0"/>
               </a:spcBef>
@@ -10404,7 +10654,7 @@
               <a:buChar char="○"/>
               <a:defRPr/>
             </a:lvl5pPr>
-            <a:lvl6pPr indent="-317500" lvl="5" marL="2743200">
+            <a:lvl6pPr marL="2743200" lvl="5" indent="-317500">
               <a:spcBef>
                 <a:spcPts val="0"/>
               </a:spcBef>
@@ -10415,7 +10665,7 @@
               <a:buChar char="■"/>
               <a:defRPr/>
             </a:lvl6pPr>
-            <a:lvl7pPr indent="-317500" lvl="6" marL="3200400">
+            <a:lvl7pPr marL="3200400" lvl="6" indent="-317500">
               <a:spcBef>
                 <a:spcPts val="0"/>
               </a:spcBef>
@@ -10426,7 +10676,7 @@
               <a:buChar char="●"/>
               <a:defRPr/>
             </a:lvl7pPr>
-            <a:lvl8pPr indent="-317500" lvl="7" marL="3657600">
+            <a:lvl8pPr marL="3657600" lvl="7" indent="-317500">
               <a:spcBef>
                 <a:spcPts val="0"/>
               </a:spcBef>
@@ -10437,7 +10687,7 @@
               <a:buChar char="○"/>
               <a:defRPr/>
             </a:lvl8pPr>
-            <a:lvl9pPr indent="-317500" lvl="8" marL="4114800">
+            <a:lvl9pPr marL="4114800" lvl="8" indent="-317500">
               <a:spcBef>
                 <a:spcPts val="0"/>
               </a:spcBef>
@@ -10449,15 +10699,19 @@
               <a:defRPr/>
             </a:lvl9pPr>
           </a:lstStyle>
-          <a:p/>
+          <a:p>
+            <a:endParaRPr/>
+          </a:p>
         </p:txBody>
       </p:sp>
       <p:sp>
         <p:nvSpPr>
           <p:cNvPr id="40" name="Google Shape;40;p9"/>
-          <p:cNvSpPr txBox="1"/>
+          <p:cNvSpPr txBox="1">
+            <a:spLocks noGrp="1"/>
+          </p:cNvSpPr>
           <p:nvPr>
-            <p:ph idx="12" type="sldNum"/>
+            <p:ph type="sldNum" idx="12"/>
           </p:nvPr>
         </p:nvSpPr>
         <p:spPr>
@@ -10470,7 +10724,7 @@
           </a:prstGeom>
         </p:spPr>
         <p:txBody>
-          <a:bodyPr anchorCtr="0" anchor="ctr" bIns="91425" lIns="91425" spcFirstLastPara="1" rIns="91425" wrap="square" tIns="91425">
+          <a:bodyPr spcFirstLastPara="1" wrap="square" lIns="91425" tIns="91425" rIns="91425" bIns="91425" anchor="ctr" anchorCtr="0">
             <a:normAutofit/>
           </a:bodyPr>
           <a:lstStyle>
@@ -10512,7 +10766,7 @@
             </a:lvl9pPr>
           </a:lstStyle>
           <a:p>
-            <a:pPr indent="0" lvl="0" marL="0" rtl="0" algn="r">
+            <a:pPr marL="0" lvl="0" indent="0" algn="r" rtl="0">
               <a:spcBef>
                 <a:spcPts val="0"/>
               </a:spcBef>
@@ -10538,11 +10792,11 @@
 </file>
 
 <file path=ppt/slideLayouts/slideLayout9.xml><?xml version="1.0" encoding="utf-8"?>
-<p:sldLayout xmlns:a="http://schemas.openxmlformats.org/drawingml/2006/main" xmlns:r="http://schemas.openxmlformats.org/officeDocument/2006/relationships" xmlns:mc="http://schemas.openxmlformats.org/markup-compatibility/2006" xmlns:mv="urn:schemas-microsoft-com:mac:vml" xmlns:p="http://schemas.openxmlformats.org/presentationml/2006/main" xmlns:c="http://schemas.openxmlformats.org/drawingml/2006/chart" xmlns:dgm="http://schemas.openxmlformats.org/drawingml/2006/diagram" xmlns:o="urn:schemas-microsoft-com:office:office" xmlns:v="urn:schemas-microsoft-com:vml" xmlns:pvml="urn:schemas-microsoft-com:office:powerpoint" xmlns:com="http://schemas.openxmlformats.org/drawingml/2006/compatibility" xmlns:p14="http://schemas.microsoft.com/office/powerpoint/2010/main" xmlns:p15="http://schemas.microsoft.com/office/powerpoint/2012/main" xmlns:ahyp="http://schemas.microsoft.com/office/drawing/2018/hyperlinkcolor" matchingName="Caption">
+<p:sldLayout xmlns:a="http://schemas.openxmlformats.org/drawingml/2006/main" xmlns:r="http://schemas.openxmlformats.org/officeDocument/2006/relationships" xmlns:p="http://schemas.openxmlformats.org/presentationml/2006/main" matchingName="Caption">
   <p:cSld name="CAPTION_ONLY">
     <p:spTree>
       <p:nvGrpSpPr>
-        <p:cNvPr id="41" name="Shape 41"/>
+        <p:cNvPr id="1" name="Shape 41"/>
         <p:cNvGrpSpPr/>
         <p:nvPr/>
       </p:nvGrpSpPr>
@@ -10557,9 +10811,11 @@
       <p:sp>
         <p:nvSpPr>
           <p:cNvPr id="42" name="Google Shape;42;p10"/>
-          <p:cNvSpPr txBox="1"/>
+          <p:cNvSpPr txBox="1">
+            <a:spLocks noGrp="1"/>
+          </p:cNvSpPr>
           <p:nvPr>
-            <p:ph idx="1" type="body"/>
+            <p:ph type="body" idx="1"/>
           </p:nvPr>
         </p:nvSpPr>
         <p:spPr>
@@ -10572,11 +10828,11 @@
           </a:prstGeom>
         </p:spPr>
         <p:txBody>
-          <a:bodyPr anchorCtr="0" anchor="ctr" bIns="91425" lIns="91425" spcFirstLastPara="1" rIns="91425" wrap="square" tIns="91425">
+          <a:bodyPr spcFirstLastPara="1" wrap="square" lIns="91425" tIns="91425" rIns="91425" bIns="91425" anchor="ctr" anchorCtr="0">
             <a:normAutofit/>
           </a:bodyPr>
           <a:lstStyle>
-            <a:lvl1pPr indent="-228600" lvl="0" marL="457200">
+            <a:lvl1pPr marL="457200" lvl="0" indent="-228600">
               <a:lnSpc>
                 <a:spcPct val="100000"/>
               </a:lnSpc>
@@ -10591,15 +10847,19 @@
               <a:defRPr/>
             </a:lvl1pPr>
           </a:lstStyle>
-          <a:p/>
+          <a:p>
+            <a:endParaRPr/>
+          </a:p>
         </p:txBody>
       </p:sp>
       <p:sp>
         <p:nvSpPr>
           <p:cNvPr id="43" name="Google Shape;43;p10"/>
-          <p:cNvSpPr txBox="1"/>
+          <p:cNvSpPr txBox="1">
+            <a:spLocks noGrp="1"/>
+          </p:cNvSpPr>
           <p:nvPr>
-            <p:ph idx="12" type="sldNum"/>
+            <p:ph type="sldNum" idx="12"/>
           </p:nvPr>
         </p:nvSpPr>
         <p:spPr>
@@ -10612,7 +10872,7 @@
           </a:prstGeom>
         </p:spPr>
         <p:txBody>
-          <a:bodyPr anchorCtr="0" anchor="ctr" bIns="91425" lIns="91425" spcFirstLastPara="1" rIns="91425" wrap="square" tIns="91425">
+          <a:bodyPr spcFirstLastPara="1" wrap="square" lIns="91425" tIns="91425" rIns="91425" bIns="91425" anchor="ctr" anchorCtr="0">
             <a:normAutofit/>
           </a:bodyPr>
           <a:lstStyle>
@@ -10654,7 +10914,7 @@
             </a:lvl9pPr>
           </a:lstStyle>
           <a:p>
-            <a:pPr indent="0" lvl="0" marL="0" rtl="0" algn="r">
+            <a:pPr marL="0" lvl="0" indent="0" algn="r" rtl="0">
               <a:spcBef>
                 <a:spcPts val="0"/>
               </a:spcBef>
@@ -10680,18 +10940,19 @@
 </file>
 
 <file path=ppt/slideMasters/slideMaster1.xml><?xml version="1.0" encoding="utf-8"?>
-<p:sldMaster xmlns:a="http://schemas.openxmlformats.org/drawingml/2006/main" xmlns:r="http://schemas.openxmlformats.org/officeDocument/2006/relationships" xmlns:mc="http://schemas.openxmlformats.org/markup-compatibility/2006" xmlns:mv="urn:schemas-microsoft-com:mac:vml" xmlns:p="http://schemas.openxmlformats.org/presentationml/2006/main" xmlns:c="http://schemas.openxmlformats.org/drawingml/2006/chart" xmlns:dgm="http://schemas.openxmlformats.org/drawingml/2006/diagram" xmlns:o="urn:schemas-microsoft-com:office:office" xmlns:v="urn:schemas-microsoft-com:vml" xmlns:pvml="urn:schemas-microsoft-com:office:powerpoint" xmlns:com="http://schemas.openxmlformats.org/drawingml/2006/compatibility" xmlns:p14="http://schemas.microsoft.com/office/powerpoint/2010/main" xmlns:p15="http://schemas.microsoft.com/office/powerpoint/2012/main" xmlns:ahyp="http://schemas.microsoft.com/office/drawing/2018/hyperlinkcolor">
+<p:sldMaster xmlns:a="http://schemas.openxmlformats.org/drawingml/2006/main" xmlns:r="http://schemas.openxmlformats.org/officeDocument/2006/relationships" xmlns:p="http://schemas.openxmlformats.org/presentationml/2006/main">
   <p:cSld name="simple-light-2">
     <p:bg>
       <p:bgPr>
         <a:solidFill>
           <a:schemeClr val="lt1"/>
         </a:solidFill>
+        <a:effectLst/>
       </p:bgPr>
     </p:bg>
     <p:spTree>
       <p:nvGrpSpPr>
-        <p:cNvPr id="5" name="Shape 5"/>
+        <p:cNvPr id="1" name="Shape 5"/>
         <p:cNvGrpSpPr/>
         <p:nvPr/>
       </p:nvGrpSpPr>
@@ -10706,7 +10967,9 @@
       <p:sp>
         <p:nvSpPr>
           <p:cNvPr id="6" name="Google Shape;6;p1"/>
-          <p:cNvSpPr txBox="1"/>
+          <p:cNvSpPr txBox="1">
+            <a:spLocks noGrp="1"/>
+          </p:cNvSpPr>
           <p:nvPr>
             <p:ph type="title"/>
           </p:nvPr>
@@ -10725,7 +10988,7 @@
           </a:ln>
         </p:spPr>
         <p:txBody>
-          <a:bodyPr anchorCtr="0" anchor="t" bIns="91425" lIns="91425" spcFirstLastPara="1" rIns="91425" wrap="square" tIns="91425">
+          <a:bodyPr spcFirstLastPara="1" wrap="square" lIns="91425" tIns="91425" rIns="91425" bIns="91425" anchor="t" anchorCtr="0">
             <a:normAutofit/>
           </a:bodyPr>
           <a:lstStyle>
@@ -10892,15 +11155,19 @@
               </a:defRPr>
             </a:lvl9pPr>
           </a:lstStyle>
-          <a:p/>
+          <a:p>
+            <a:endParaRPr/>
+          </a:p>
         </p:txBody>
       </p:sp>
       <p:sp>
         <p:nvSpPr>
           <p:cNvPr id="7" name="Google Shape;7;p1"/>
-          <p:cNvSpPr txBox="1"/>
+          <p:cNvSpPr txBox="1">
+            <a:spLocks noGrp="1"/>
+          </p:cNvSpPr>
           <p:nvPr>
-            <p:ph idx="1" type="body"/>
+            <p:ph type="body" idx="1"/>
           </p:nvPr>
         </p:nvSpPr>
         <p:spPr>
@@ -10917,11 +11184,11 @@
           </a:ln>
         </p:spPr>
         <p:txBody>
-          <a:bodyPr anchorCtr="0" anchor="t" bIns="91425" lIns="91425" spcFirstLastPara="1" rIns="91425" wrap="square" tIns="91425">
+          <a:bodyPr spcFirstLastPara="1" wrap="square" lIns="91425" tIns="91425" rIns="91425" bIns="91425" anchor="t" anchorCtr="0">
             <a:normAutofit/>
           </a:bodyPr>
           <a:lstStyle>
-            <a:lvl1pPr indent="-342900" lvl="0" marL="457200">
+            <a:lvl1pPr marL="457200" lvl="0" indent="-342900">
               <a:lnSpc>
                 <a:spcPct val="115000"/>
               </a:lnSpc>
@@ -10942,7 +11209,7 @@
                 </a:solidFill>
               </a:defRPr>
             </a:lvl1pPr>
-            <a:lvl2pPr indent="-317500" lvl="1" marL="914400">
+            <a:lvl2pPr marL="914400" lvl="1" indent="-317500">
               <a:lnSpc>
                 <a:spcPct val="115000"/>
               </a:lnSpc>
@@ -10963,7 +11230,7 @@
                 </a:solidFill>
               </a:defRPr>
             </a:lvl2pPr>
-            <a:lvl3pPr indent="-317500" lvl="2" marL="1371600">
+            <a:lvl3pPr marL="1371600" lvl="2" indent="-317500">
               <a:lnSpc>
                 <a:spcPct val="115000"/>
               </a:lnSpc>
@@ -10984,7 +11251,7 @@
                 </a:solidFill>
               </a:defRPr>
             </a:lvl3pPr>
-            <a:lvl4pPr indent="-317500" lvl="3" marL="1828800">
+            <a:lvl4pPr marL="1828800" lvl="3" indent="-317500">
               <a:lnSpc>
                 <a:spcPct val="115000"/>
               </a:lnSpc>
@@ -11005,7 +11272,7 @@
                 </a:solidFill>
               </a:defRPr>
             </a:lvl4pPr>
-            <a:lvl5pPr indent="-317500" lvl="4" marL="2286000">
+            <a:lvl5pPr marL="2286000" lvl="4" indent="-317500">
               <a:lnSpc>
                 <a:spcPct val="115000"/>
               </a:lnSpc>
@@ -11026,7 +11293,7 @@
                 </a:solidFill>
               </a:defRPr>
             </a:lvl5pPr>
-            <a:lvl6pPr indent="-317500" lvl="5" marL="2743200">
+            <a:lvl6pPr marL="2743200" lvl="5" indent="-317500">
               <a:lnSpc>
                 <a:spcPct val="115000"/>
               </a:lnSpc>
@@ -11047,7 +11314,7 @@
                 </a:solidFill>
               </a:defRPr>
             </a:lvl6pPr>
-            <a:lvl7pPr indent="-317500" lvl="6" marL="3200400">
+            <a:lvl7pPr marL="3200400" lvl="6" indent="-317500">
               <a:lnSpc>
                 <a:spcPct val="115000"/>
               </a:lnSpc>
@@ -11068,7 +11335,7 @@
                 </a:solidFill>
               </a:defRPr>
             </a:lvl7pPr>
-            <a:lvl8pPr indent="-317500" lvl="7" marL="3657600">
+            <a:lvl8pPr marL="3657600" lvl="7" indent="-317500">
               <a:lnSpc>
                 <a:spcPct val="115000"/>
               </a:lnSpc>
@@ -11089,7 +11356,7 @@
                 </a:solidFill>
               </a:defRPr>
             </a:lvl8pPr>
-            <a:lvl9pPr indent="-317500" lvl="8" marL="4114800">
+            <a:lvl9pPr marL="4114800" lvl="8" indent="-317500">
               <a:lnSpc>
                 <a:spcPct val="115000"/>
               </a:lnSpc>
@@ -11111,15 +11378,19 @@
               </a:defRPr>
             </a:lvl9pPr>
           </a:lstStyle>
-          <a:p/>
+          <a:p>
+            <a:endParaRPr/>
+          </a:p>
         </p:txBody>
       </p:sp>
       <p:sp>
         <p:nvSpPr>
           <p:cNvPr id="8" name="Google Shape;8;p1"/>
-          <p:cNvSpPr txBox="1"/>
+          <p:cNvSpPr txBox="1">
+            <a:spLocks noGrp="1"/>
+          </p:cNvSpPr>
           <p:nvPr>
-            <p:ph idx="12" type="sldNum"/>
+            <p:ph type="sldNum" idx="12"/>
           </p:nvPr>
         </p:nvSpPr>
         <p:spPr>
@@ -11136,7 +11407,7 @@
           </a:ln>
         </p:spPr>
         <p:txBody>
-          <a:bodyPr anchorCtr="0" anchor="ctr" bIns="91425" lIns="91425" spcFirstLastPara="1" rIns="91425" wrap="square" tIns="91425">
+          <a:bodyPr spcFirstLastPara="1" wrap="square" lIns="91425" tIns="91425" rIns="91425" bIns="91425" anchor="ctr" anchorCtr="0">
             <a:normAutofit/>
           </a:bodyPr>
           <a:lstStyle>
@@ -11214,7 +11485,7 @@
             </a:lvl9pPr>
           </a:lstStyle>
           <a:p>
-            <a:pPr indent="0" lvl="0" marL="0" rtl="0" algn="r">
+            <a:pPr marL="0" lvl="0" indent="0" algn="r" rtl="0">
               <a:spcBef>
                 <a:spcPts val="0"/>
               </a:spcBef>
@@ -11233,7 +11504,7 @@
       </p:sp>
     </p:spTree>
   </p:cSld>
-  <p:clrMap accent1="accent1" accent2="accent2" accent3="accent3" accent4="accent4" accent5="accent5" accent6="accent6" bg1="lt1" bg2="dk2" tx1="dk1" tx2="lt2" folHlink="folHlink" hlink="hlink"/>
+  <p:clrMap bg1="lt1" tx1="dk1" bg2="dk2" tx2="lt2" accent1="accent1" accent2="accent2" accent3="accent3" accent4="accent4" accent5="accent5" accent6="accent6" hlink="hlink" folHlink="folHlink"/>
   <p:sldLayoutIdLst>
     <p:sldLayoutId id="2147483648" r:id="rId1"/>
     <p:sldLayoutId id="2147483649" r:id="rId2"/>
@@ -11247,10 +11518,10 @@
     <p:sldLayoutId id="2147483657" r:id="rId10"/>
     <p:sldLayoutId id="2147483658" r:id="rId11"/>
   </p:sldLayoutIdLst>
-  <p:hf dt="0" ftr="0" hdr="0" sldNum="0"/>
+  <p:hf sldNum="0" hdr="0" ftr="0" dt="0"/>
   <p:txStyles>
     <p:titleStyle>
-      <a:defPPr lvl="0" marR="0" rtl="0" algn="l">
+      <a:defPPr marR="0" lvl="0" algn="l" rtl="0">
         <a:lnSpc>
           <a:spcPct val="100000"/>
         </a:lnSpc>
@@ -11261,7 +11532,7 @@
           <a:spcPts val="0"/>
         </a:spcAft>
       </a:defPPr>
-      <a:lvl1pPr lvl="0" marR="0" rtl="0" algn="l">
+      <a:lvl1pPr marR="0" lvl="0" algn="l" rtl="0">
         <a:lnSpc>
           <a:spcPct val="100000"/>
         </a:lnSpc>
@@ -11275,7 +11546,7 @@
           <a:srgbClr val="000000"/>
         </a:buClr>
         <a:buFont typeface="Arial"/>
-        <a:defRPr b="0" i="0" sz="1400" u="none" cap="none" strike="noStrike">
+        <a:defRPr sz="1400" b="0" i="0" u="none" strike="noStrike" cap="none">
           <a:solidFill>
             <a:srgbClr val="000000"/>
           </a:solidFill>
@@ -11285,7 +11556,7 @@
           <a:sym typeface="Arial"/>
         </a:defRPr>
       </a:lvl1pPr>
-      <a:lvl2pPr lvl="1" marR="0" rtl="0" algn="l">
+      <a:lvl2pPr marR="0" lvl="1" algn="l" rtl="0">
         <a:lnSpc>
           <a:spcPct val="100000"/>
         </a:lnSpc>
@@ -11299,7 +11570,7 @@
           <a:srgbClr val="000000"/>
         </a:buClr>
         <a:buFont typeface="Arial"/>
-        <a:defRPr b="0" i="0" sz="1400" u="none" cap="none" strike="noStrike">
+        <a:defRPr sz="1400" b="0" i="0" u="none" strike="noStrike" cap="none">
           <a:solidFill>
             <a:srgbClr val="000000"/>
           </a:solidFill>
@@ -11309,7 +11580,7 @@
           <a:sym typeface="Arial"/>
         </a:defRPr>
       </a:lvl2pPr>
-      <a:lvl3pPr lvl="2" marR="0" rtl="0" algn="l">
+      <a:lvl3pPr marR="0" lvl="2" algn="l" rtl="0">
         <a:lnSpc>
           <a:spcPct val="100000"/>
         </a:lnSpc>
@@ -11323,7 +11594,7 @@
           <a:srgbClr val="000000"/>
         </a:buClr>
         <a:buFont typeface="Arial"/>
-        <a:defRPr b="0" i="0" sz="1400" u="none" cap="none" strike="noStrike">
+        <a:defRPr sz="1400" b="0" i="0" u="none" strike="noStrike" cap="none">
           <a:solidFill>
             <a:srgbClr val="000000"/>
           </a:solidFill>
@@ -11333,7 +11604,7 @@
           <a:sym typeface="Arial"/>
         </a:defRPr>
       </a:lvl3pPr>
-      <a:lvl4pPr lvl="3" marR="0" rtl="0" algn="l">
+      <a:lvl4pPr marR="0" lvl="3" algn="l" rtl="0">
         <a:lnSpc>
           <a:spcPct val="100000"/>
         </a:lnSpc>
@@ -11347,7 +11618,7 @@
           <a:srgbClr val="000000"/>
         </a:buClr>
         <a:buFont typeface="Arial"/>
-        <a:defRPr b="0" i="0" sz="1400" u="none" cap="none" strike="noStrike">
+        <a:defRPr sz="1400" b="0" i="0" u="none" strike="noStrike" cap="none">
           <a:solidFill>
             <a:srgbClr val="000000"/>
           </a:solidFill>
@@ -11357,7 +11628,7 @@
           <a:sym typeface="Arial"/>
         </a:defRPr>
       </a:lvl4pPr>
-      <a:lvl5pPr lvl="4" marR="0" rtl="0" algn="l">
+      <a:lvl5pPr marR="0" lvl="4" algn="l" rtl="0">
         <a:lnSpc>
           <a:spcPct val="100000"/>
         </a:lnSpc>
@@ -11371,7 +11642,7 @@
           <a:srgbClr val="000000"/>
         </a:buClr>
         <a:buFont typeface="Arial"/>
-        <a:defRPr b="0" i="0" sz="1400" u="none" cap="none" strike="noStrike">
+        <a:defRPr sz="1400" b="0" i="0" u="none" strike="noStrike" cap="none">
           <a:solidFill>
             <a:srgbClr val="000000"/>
           </a:solidFill>
@@ -11381,7 +11652,7 @@
           <a:sym typeface="Arial"/>
         </a:defRPr>
       </a:lvl5pPr>
-      <a:lvl6pPr lvl="5" marR="0" rtl="0" algn="l">
+      <a:lvl6pPr marR="0" lvl="5" algn="l" rtl="0">
         <a:lnSpc>
           <a:spcPct val="100000"/>
         </a:lnSpc>
@@ -11395,7 +11666,7 @@
           <a:srgbClr val="000000"/>
         </a:buClr>
         <a:buFont typeface="Arial"/>
-        <a:defRPr b="0" i="0" sz="1400" u="none" cap="none" strike="noStrike">
+        <a:defRPr sz="1400" b="0" i="0" u="none" strike="noStrike" cap="none">
           <a:solidFill>
             <a:srgbClr val="000000"/>
           </a:solidFill>
@@ -11405,7 +11676,7 @@
           <a:sym typeface="Arial"/>
         </a:defRPr>
       </a:lvl6pPr>
-      <a:lvl7pPr lvl="6" marR="0" rtl="0" algn="l">
+      <a:lvl7pPr marR="0" lvl="6" algn="l" rtl="0">
         <a:lnSpc>
           <a:spcPct val="100000"/>
         </a:lnSpc>
@@ -11419,7 +11690,7 @@
           <a:srgbClr val="000000"/>
         </a:buClr>
         <a:buFont typeface="Arial"/>
-        <a:defRPr b="0" i="0" sz="1400" u="none" cap="none" strike="noStrike">
+        <a:defRPr sz="1400" b="0" i="0" u="none" strike="noStrike" cap="none">
           <a:solidFill>
             <a:srgbClr val="000000"/>
           </a:solidFill>
@@ -11429,7 +11700,7 @@
           <a:sym typeface="Arial"/>
         </a:defRPr>
       </a:lvl7pPr>
-      <a:lvl8pPr lvl="7" marR="0" rtl="0" algn="l">
+      <a:lvl8pPr marR="0" lvl="7" algn="l" rtl="0">
         <a:lnSpc>
           <a:spcPct val="100000"/>
         </a:lnSpc>
@@ -11443,7 +11714,7 @@
           <a:srgbClr val="000000"/>
         </a:buClr>
         <a:buFont typeface="Arial"/>
-        <a:defRPr b="0" i="0" sz="1400" u="none" cap="none" strike="noStrike">
+        <a:defRPr sz="1400" b="0" i="0" u="none" strike="noStrike" cap="none">
           <a:solidFill>
             <a:srgbClr val="000000"/>
           </a:solidFill>
@@ -11453,7 +11724,7 @@
           <a:sym typeface="Arial"/>
         </a:defRPr>
       </a:lvl8pPr>
-      <a:lvl9pPr lvl="8" marR="0" rtl="0" algn="l">
+      <a:lvl9pPr marR="0" lvl="8" algn="l" rtl="0">
         <a:lnSpc>
           <a:spcPct val="100000"/>
         </a:lnSpc>
@@ -11467,7 +11738,7 @@
           <a:srgbClr val="000000"/>
         </a:buClr>
         <a:buFont typeface="Arial"/>
-        <a:defRPr b="0" i="0" sz="1400" u="none" cap="none" strike="noStrike">
+        <a:defRPr sz="1400" b="0" i="0" u="none" strike="noStrike" cap="none">
           <a:solidFill>
             <a:srgbClr val="000000"/>
           </a:solidFill>
@@ -11479,7 +11750,7 @@
       </a:lvl9pPr>
     </p:titleStyle>
     <p:bodyStyle>
-      <a:defPPr lvl="0" marR="0" rtl="0" algn="l">
+      <a:defPPr marR="0" lvl="0" algn="l" rtl="0">
         <a:lnSpc>
           <a:spcPct val="100000"/>
         </a:lnSpc>
@@ -11490,7 +11761,7 @@
           <a:spcPts val="0"/>
         </a:spcAft>
       </a:defPPr>
-      <a:lvl1pPr lvl="0" marR="0" rtl="0" algn="l">
+      <a:lvl1pPr marR="0" lvl="0" algn="l" rtl="0">
         <a:lnSpc>
           <a:spcPct val="100000"/>
         </a:lnSpc>
@@ -11504,7 +11775,7 @@
           <a:srgbClr val="000000"/>
         </a:buClr>
         <a:buFont typeface="Arial"/>
-        <a:defRPr b="0" i="0" sz="1400" u="none" cap="none" strike="noStrike">
+        <a:defRPr sz="1400" b="0" i="0" u="none" strike="noStrike" cap="none">
           <a:solidFill>
             <a:srgbClr val="000000"/>
           </a:solidFill>
@@ -11514,7 +11785,7 @@
           <a:sym typeface="Arial"/>
         </a:defRPr>
       </a:lvl1pPr>
-      <a:lvl2pPr lvl="1" marR="0" rtl="0" algn="l">
+      <a:lvl2pPr marR="0" lvl="1" algn="l" rtl="0">
         <a:lnSpc>
           <a:spcPct val="100000"/>
         </a:lnSpc>
@@ -11528,7 +11799,7 @@
           <a:srgbClr val="000000"/>
         </a:buClr>
         <a:buFont typeface="Arial"/>
-        <a:defRPr b="0" i="0" sz="1400" u="none" cap="none" strike="noStrike">
+        <a:defRPr sz="1400" b="0" i="0" u="none" strike="noStrike" cap="none">
           <a:solidFill>
             <a:srgbClr val="000000"/>
           </a:solidFill>
@@ -11538,7 +11809,7 @@
           <a:sym typeface="Arial"/>
         </a:defRPr>
       </a:lvl2pPr>
-      <a:lvl3pPr lvl="2" marR="0" rtl="0" algn="l">
+      <a:lvl3pPr marR="0" lvl="2" algn="l" rtl="0">
         <a:lnSpc>
           <a:spcPct val="100000"/>
         </a:lnSpc>
@@ -11552,7 +11823,7 @@
           <a:srgbClr val="000000"/>
         </a:buClr>
         <a:buFont typeface="Arial"/>
-        <a:defRPr b="0" i="0" sz="1400" u="none" cap="none" strike="noStrike">
+        <a:defRPr sz="1400" b="0" i="0" u="none" strike="noStrike" cap="none">
           <a:solidFill>
             <a:srgbClr val="000000"/>
           </a:solidFill>
@@ -11562,7 +11833,7 @@
           <a:sym typeface="Arial"/>
         </a:defRPr>
       </a:lvl3pPr>
-      <a:lvl4pPr lvl="3" marR="0" rtl="0" algn="l">
+      <a:lvl4pPr marR="0" lvl="3" algn="l" rtl="0">
         <a:lnSpc>
           <a:spcPct val="100000"/>
         </a:lnSpc>
@@ -11576,7 +11847,7 @@
           <a:srgbClr val="000000"/>
         </a:buClr>
         <a:buFont typeface="Arial"/>
-        <a:defRPr b="0" i="0" sz="1400" u="none" cap="none" strike="noStrike">
+        <a:defRPr sz="1400" b="0" i="0" u="none" strike="noStrike" cap="none">
           <a:solidFill>
             <a:srgbClr val="000000"/>
           </a:solidFill>
@@ -11586,7 +11857,7 @@
           <a:sym typeface="Arial"/>
         </a:defRPr>
       </a:lvl4pPr>
-      <a:lvl5pPr lvl="4" marR="0" rtl="0" algn="l">
+      <a:lvl5pPr marR="0" lvl="4" algn="l" rtl="0">
         <a:lnSpc>
           <a:spcPct val="100000"/>
         </a:lnSpc>
@@ -11600,7 +11871,7 @@
           <a:srgbClr val="000000"/>
         </a:buClr>
         <a:buFont typeface="Arial"/>
-        <a:defRPr b="0" i="0" sz="1400" u="none" cap="none" strike="noStrike">
+        <a:defRPr sz="1400" b="0" i="0" u="none" strike="noStrike" cap="none">
           <a:solidFill>
             <a:srgbClr val="000000"/>
           </a:solidFill>
@@ -11610,7 +11881,7 @@
           <a:sym typeface="Arial"/>
         </a:defRPr>
       </a:lvl5pPr>
-      <a:lvl6pPr lvl="5" marR="0" rtl="0" algn="l">
+      <a:lvl6pPr marR="0" lvl="5" algn="l" rtl="0">
         <a:lnSpc>
           <a:spcPct val="100000"/>
         </a:lnSpc>
@@ -11624,7 +11895,7 @@
           <a:srgbClr val="000000"/>
         </a:buClr>
         <a:buFont typeface="Arial"/>
-        <a:defRPr b="0" i="0" sz="1400" u="none" cap="none" strike="noStrike">
+        <a:defRPr sz="1400" b="0" i="0" u="none" strike="noStrike" cap="none">
           <a:solidFill>
             <a:srgbClr val="000000"/>
           </a:solidFill>
@@ -11634,7 +11905,7 @@
           <a:sym typeface="Arial"/>
         </a:defRPr>
       </a:lvl6pPr>
-      <a:lvl7pPr lvl="6" marR="0" rtl="0" algn="l">
+      <a:lvl7pPr marR="0" lvl="6" algn="l" rtl="0">
         <a:lnSpc>
           <a:spcPct val="100000"/>
         </a:lnSpc>
@@ -11648,7 +11919,7 @@
           <a:srgbClr val="000000"/>
         </a:buClr>
         <a:buFont typeface="Arial"/>
-        <a:defRPr b="0" i="0" sz="1400" u="none" cap="none" strike="noStrike">
+        <a:defRPr sz="1400" b="0" i="0" u="none" strike="noStrike" cap="none">
           <a:solidFill>
             <a:srgbClr val="000000"/>
           </a:solidFill>
@@ -11658,7 +11929,7 @@
           <a:sym typeface="Arial"/>
         </a:defRPr>
       </a:lvl7pPr>
-      <a:lvl8pPr lvl="7" marR="0" rtl="0" algn="l">
+      <a:lvl8pPr marR="0" lvl="7" algn="l" rtl="0">
         <a:lnSpc>
           <a:spcPct val="100000"/>
         </a:lnSpc>
@@ -11672,7 +11943,7 @@
           <a:srgbClr val="000000"/>
         </a:buClr>
         <a:buFont typeface="Arial"/>
-        <a:defRPr b="0" i="0" sz="1400" u="none" cap="none" strike="noStrike">
+        <a:defRPr sz="1400" b="0" i="0" u="none" strike="noStrike" cap="none">
           <a:solidFill>
             <a:srgbClr val="000000"/>
           </a:solidFill>
@@ -11682,7 +11953,7 @@
           <a:sym typeface="Arial"/>
         </a:defRPr>
       </a:lvl8pPr>
-      <a:lvl9pPr lvl="8" marR="0" rtl="0" algn="l">
+      <a:lvl9pPr marR="0" lvl="8" algn="l" rtl="0">
         <a:lnSpc>
           <a:spcPct val="100000"/>
         </a:lnSpc>
@@ -11696,7 +11967,7 @@
           <a:srgbClr val="000000"/>
         </a:buClr>
         <a:buFont typeface="Arial"/>
-        <a:defRPr b="0" i="0" sz="1400" u="none" cap="none" strike="noStrike">
+        <a:defRPr sz="1400" b="0" i="0" u="none" strike="noStrike" cap="none">
           <a:solidFill>
             <a:srgbClr val="000000"/>
           </a:solidFill>
@@ -11708,7 +11979,7 @@
       </a:lvl9pPr>
     </p:bodyStyle>
     <p:otherStyle>
-      <a:defPPr lvl="0" marR="0" rtl="0" algn="l">
+      <a:defPPr marR="0" lvl="0" algn="l" rtl="0">
         <a:lnSpc>
           <a:spcPct val="100000"/>
         </a:lnSpc>
@@ -11719,7 +11990,7 @@
           <a:spcPts val="0"/>
         </a:spcAft>
       </a:defPPr>
-      <a:lvl1pPr lvl="0" marR="0" rtl="0" algn="l">
+      <a:lvl1pPr marR="0" lvl="0" algn="l" rtl="0">
         <a:lnSpc>
           <a:spcPct val="100000"/>
         </a:lnSpc>
@@ -11733,7 +12004,7 @@
           <a:srgbClr val="000000"/>
         </a:buClr>
         <a:buFont typeface="Arial"/>
-        <a:defRPr b="0" i="0" sz="1400" u="none" cap="none" strike="noStrike">
+        <a:defRPr sz="1400" b="0" i="0" u="none" strike="noStrike" cap="none">
           <a:solidFill>
             <a:srgbClr val="000000"/>
           </a:solidFill>
@@ -11743,7 +12014,7 @@
           <a:sym typeface="Arial"/>
         </a:defRPr>
       </a:lvl1pPr>
-      <a:lvl2pPr lvl="1" marR="0" rtl="0" algn="l">
+      <a:lvl2pPr marR="0" lvl="1" algn="l" rtl="0">
         <a:lnSpc>
           <a:spcPct val="100000"/>
         </a:lnSpc>
@@ -11757,7 +12028,7 @@
           <a:srgbClr val="000000"/>
         </a:buClr>
         <a:buFont typeface="Arial"/>
-        <a:defRPr b="0" i="0" sz="1400" u="none" cap="none" strike="noStrike">
+        <a:defRPr sz="1400" b="0" i="0" u="none" strike="noStrike" cap="none">
           <a:solidFill>
             <a:srgbClr val="000000"/>
           </a:solidFill>
@@ -11767,7 +12038,7 @@
           <a:sym typeface="Arial"/>
         </a:defRPr>
       </a:lvl2pPr>
-      <a:lvl3pPr lvl="2" marR="0" rtl="0" algn="l">
+      <a:lvl3pPr marR="0" lvl="2" algn="l" rtl="0">
         <a:lnSpc>
           <a:spcPct val="100000"/>
         </a:lnSpc>
@@ -11781,7 +12052,7 @@
           <a:srgbClr val="000000"/>
         </a:buClr>
         <a:buFont typeface="Arial"/>
-        <a:defRPr b="0" i="0" sz="1400" u="none" cap="none" strike="noStrike">
+        <a:defRPr sz="1400" b="0" i="0" u="none" strike="noStrike" cap="none">
           <a:solidFill>
             <a:srgbClr val="000000"/>
           </a:solidFill>
@@ -11791,7 +12062,7 @@
           <a:sym typeface="Arial"/>
         </a:defRPr>
       </a:lvl3pPr>
-      <a:lvl4pPr lvl="3" marR="0" rtl="0" algn="l">
+      <a:lvl4pPr marR="0" lvl="3" algn="l" rtl="0">
         <a:lnSpc>
           <a:spcPct val="100000"/>
         </a:lnSpc>
@@ -11805,7 +12076,7 @@
           <a:srgbClr val="000000"/>
         </a:buClr>
         <a:buFont typeface="Arial"/>
-        <a:defRPr b="0" i="0" sz="1400" u="none" cap="none" strike="noStrike">
+        <a:defRPr sz="1400" b="0" i="0" u="none" strike="noStrike" cap="none">
           <a:solidFill>
             <a:srgbClr val="000000"/>
           </a:solidFill>
@@ -11815,7 +12086,7 @@
           <a:sym typeface="Arial"/>
         </a:defRPr>
       </a:lvl4pPr>
-      <a:lvl5pPr lvl="4" marR="0" rtl="0" algn="l">
+      <a:lvl5pPr marR="0" lvl="4" algn="l" rtl="0">
         <a:lnSpc>
           <a:spcPct val="100000"/>
         </a:lnSpc>
@@ -11829,7 +12100,7 @@
           <a:srgbClr val="000000"/>
         </a:buClr>
         <a:buFont typeface="Arial"/>
-        <a:defRPr b="0" i="0" sz="1400" u="none" cap="none" strike="noStrike">
+        <a:defRPr sz="1400" b="0" i="0" u="none" strike="noStrike" cap="none">
           <a:solidFill>
             <a:srgbClr val="000000"/>
           </a:solidFill>
@@ -11839,7 +12110,7 @@
           <a:sym typeface="Arial"/>
         </a:defRPr>
       </a:lvl5pPr>
-      <a:lvl6pPr lvl="5" marR="0" rtl="0" algn="l">
+      <a:lvl6pPr marR="0" lvl="5" algn="l" rtl="0">
         <a:lnSpc>
           <a:spcPct val="100000"/>
         </a:lnSpc>
@@ -11853,7 +12124,7 @@
           <a:srgbClr val="000000"/>
         </a:buClr>
         <a:buFont typeface="Arial"/>
-        <a:defRPr b="0" i="0" sz="1400" u="none" cap="none" strike="noStrike">
+        <a:defRPr sz="1400" b="0" i="0" u="none" strike="noStrike" cap="none">
           <a:solidFill>
             <a:srgbClr val="000000"/>
           </a:solidFill>
@@ -11863,7 +12134,7 @@
           <a:sym typeface="Arial"/>
         </a:defRPr>
       </a:lvl6pPr>
-      <a:lvl7pPr lvl="6" marR="0" rtl="0" algn="l">
+      <a:lvl7pPr marR="0" lvl="6" algn="l" rtl="0">
         <a:lnSpc>
           <a:spcPct val="100000"/>
         </a:lnSpc>
@@ -11877,7 +12148,7 @@
           <a:srgbClr val="000000"/>
         </a:buClr>
         <a:buFont typeface="Arial"/>
-        <a:defRPr b="0" i="0" sz="1400" u="none" cap="none" strike="noStrike">
+        <a:defRPr sz="1400" b="0" i="0" u="none" strike="noStrike" cap="none">
           <a:solidFill>
             <a:srgbClr val="000000"/>
           </a:solidFill>
@@ -11887,7 +12158,7 @@
           <a:sym typeface="Arial"/>
         </a:defRPr>
       </a:lvl7pPr>
-      <a:lvl8pPr lvl="7" marR="0" rtl="0" algn="l">
+      <a:lvl8pPr marR="0" lvl="7" algn="l" rtl="0">
         <a:lnSpc>
           <a:spcPct val="100000"/>
         </a:lnSpc>
@@ -11901,7 +12172,7 @@
           <a:srgbClr val="000000"/>
         </a:buClr>
         <a:buFont typeface="Arial"/>
-        <a:defRPr b="0" i="0" sz="1400" u="none" cap="none" strike="noStrike">
+        <a:defRPr sz="1400" b="0" i="0" u="none" strike="noStrike" cap="none">
           <a:solidFill>
             <a:srgbClr val="000000"/>
           </a:solidFill>
@@ -11911,7 +12182,7 @@
           <a:sym typeface="Arial"/>
         </a:defRPr>
       </a:lvl8pPr>
-      <a:lvl9pPr lvl="8" marR="0" rtl="0" algn="l">
+      <a:lvl9pPr marR="0" lvl="8" algn="l" rtl="0">
         <a:lnSpc>
           <a:spcPct val="100000"/>
         </a:lnSpc>
@@ -11925,7 +12196,7 @@
           <a:srgbClr val="000000"/>
         </a:buClr>
         <a:buFont typeface="Arial"/>
-        <a:defRPr b="0" i="0" sz="1400" u="none" cap="none" strike="noStrike">
+        <a:defRPr sz="1400" b="0" i="0" u="none" strike="noStrike" cap="none">
           <a:solidFill>
             <a:srgbClr val="000000"/>
           </a:solidFill>
@@ -11941,18 +12212,19 @@
 </file>
 
 <file path=ppt/slideMasters/slideMaster2.xml><?xml version="1.0" encoding="utf-8"?>
-<p:sldMaster xmlns:a="http://schemas.openxmlformats.org/drawingml/2006/main" xmlns:r="http://schemas.openxmlformats.org/officeDocument/2006/relationships" xmlns:mc="http://schemas.openxmlformats.org/markup-compatibility/2006" xmlns:mv="urn:schemas-microsoft-com:mac:vml" xmlns:p="http://schemas.openxmlformats.org/presentationml/2006/main" xmlns:c="http://schemas.openxmlformats.org/drawingml/2006/chart" xmlns:dgm="http://schemas.openxmlformats.org/drawingml/2006/diagram" xmlns:o="urn:schemas-microsoft-com:office:office" xmlns:v="urn:schemas-microsoft-com:vml" xmlns:pvml="urn:schemas-microsoft-com:office:powerpoint" xmlns:com="http://schemas.openxmlformats.org/drawingml/2006/compatibility" xmlns:p14="http://schemas.microsoft.com/office/powerpoint/2010/main" xmlns:p15="http://schemas.microsoft.com/office/powerpoint/2012/main" xmlns:ahyp="http://schemas.microsoft.com/office/drawing/2018/hyperlinkcolor">
+<p:sldMaster xmlns:a="http://schemas.openxmlformats.org/drawingml/2006/main" xmlns:r="http://schemas.openxmlformats.org/officeDocument/2006/relationships" xmlns:p="http://schemas.openxmlformats.org/presentationml/2006/main">
   <p:cSld>
     <p:bg>
       <p:bgPr>
         <a:solidFill>
           <a:schemeClr val="lt1"/>
         </a:solidFill>
+        <a:effectLst/>
       </p:bgPr>
     </p:bg>
     <p:spTree>
       <p:nvGrpSpPr>
-        <p:cNvPr id="50" name="Shape 50"/>
+        <p:cNvPr id="1" name="Shape 50"/>
         <p:cNvGrpSpPr/>
         <p:nvPr/>
       </p:nvGrpSpPr>
@@ -11967,7 +12239,9 @@
       <p:sp>
         <p:nvSpPr>
           <p:cNvPr id="51" name="Google Shape;51;p13"/>
-          <p:cNvSpPr txBox="1"/>
+          <p:cNvSpPr txBox="1">
+            <a:spLocks noGrp="1"/>
+          </p:cNvSpPr>
           <p:nvPr>
             <p:ph type="title"/>
           </p:nvPr>
@@ -11986,11 +12260,11 @@
           </a:ln>
         </p:spPr>
         <p:txBody>
-          <a:bodyPr anchorCtr="0" anchor="ctr" bIns="34275" lIns="68575" spcFirstLastPara="1" rIns="68575" wrap="square" tIns="34275">
+          <a:bodyPr spcFirstLastPara="1" wrap="square" lIns="68575" tIns="34275" rIns="68575" bIns="34275" anchor="ctr" anchorCtr="0">
             <a:normAutofit/>
           </a:bodyPr>
           <a:lstStyle>
-            <a:lvl1pPr lvl="0" marR="0" rtl="0" algn="l">
+            <a:lvl1pPr marR="0" lvl="0" algn="l" rtl="0">
               <a:lnSpc>
                 <a:spcPct val="90000"/>
               </a:lnSpc>
@@ -12006,7 +12280,7 @@
               <a:buSzPts val="3300"/>
               <a:buFont typeface="Calibri"/>
               <a:buNone/>
-              <a:defRPr b="0" i="0" sz="3300" u="none" cap="none" strike="noStrike">
+              <a:defRPr sz="3300" b="0" i="0" u="none" strike="noStrike" cap="none">
                 <a:solidFill>
                   <a:schemeClr val="dk1"/>
                 </a:solidFill>
@@ -12105,15 +12379,19 @@
               <a:defRPr sz="1400"/>
             </a:lvl9pPr>
           </a:lstStyle>
-          <a:p/>
+          <a:p>
+            <a:endParaRPr/>
+          </a:p>
         </p:txBody>
       </p:sp>
       <p:sp>
         <p:nvSpPr>
           <p:cNvPr id="52" name="Google Shape;52;p13"/>
-          <p:cNvSpPr txBox="1"/>
+          <p:cNvSpPr txBox="1">
+            <a:spLocks noGrp="1"/>
+          </p:cNvSpPr>
           <p:nvPr>
-            <p:ph idx="1" type="body"/>
+            <p:ph type="body" idx="1"/>
           </p:nvPr>
         </p:nvSpPr>
         <p:spPr>
@@ -12130,11 +12408,11 @@
           </a:ln>
         </p:spPr>
         <p:txBody>
-          <a:bodyPr anchorCtr="0" anchor="t" bIns="34275" lIns="68575" spcFirstLastPara="1" rIns="68575" wrap="square" tIns="34275">
+          <a:bodyPr spcFirstLastPara="1" wrap="square" lIns="68575" tIns="34275" rIns="68575" bIns="34275" anchor="t" anchorCtr="0">
             <a:normAutofit/>
           </a:bodyPr>
           <a:lstStyle>
-            <a:lvl1pPr indent="-361950" lvl="0" marL="457200" marR="0" rtl="0" algn="l">
+            <a:lvl1pPr marL="457200" marR="0" lvl="0" indent="-361950" algn="l" rtl="0">
               <a:lnSpc>
                 <a:spcPct val="90000"/>
               </a:lnSpc>
@@ -12150,7 +12428,7 @@
               <a:buSzPts val="2100"/>
               <a:buFont typeface="Arial"/>
               <a:buChar char="•"/>
-              <a:defRPr b="0" i="0" sz="2100" u="none" cap="none" strike="noStrike">
+              <a:defRPr sz="2100" b="0" i="0" u="none" strike="noStrike" cap="none">
                 <a:solidFill>
                   <a:schemeClr val="dk1"/>
                 </a:solidFill>
@@ -12160,7 +12438,7 @@
                 <a:sym typeface="Calibri"/>
               </a:defRPr>
             </a:lvl1pPr>
-            <a:lvl2pPr indent="-342900" lvl="1" marL="914400" marR="0" rtl="0" algn="l">
+            <a:lvl2pPr marL="914400" marR="0" lvl="1" indent="-342900" algn="l" rtl="0">
               <a:lnSpc>
                 <a:spcPct val="90000"/>
               </a:lnSpc>
@@ -12176,7 +12454,7 @@
               <a:buSzPts val="1800"/>
               <a:buFont typeface="Arial"/>
               <a:buChar char="•"/>
-              <a:defRPr b="0" i="0" sz="1800" u="none" cap="none" strike="noStrike">
+              <a:defRPr sz="1800" b="0" i="0" u="none" strike="noStrike" cap="none">
                 <a:solidFill>
                   <a:schemeClr val="dk1"/>
                 </a:solidFill>
@@ -12186,7 +12464,7 @@
                 <a:sym typeface="Calibri"/>
               </a:defRPr>
             </a:lvl2pPr>
-            <a:lvl3pPr indent="-323850" lvl="2" marL="1371600" marR="0" rtl="0" algn="l">
+            <a:lvl3pPr marL="1371600" marR="0" lvl="2" indent="-323850" algn="l" rtl="0">
               <a:lnSpc>
                 <a:spcPct val="90000"/>
               </a:lnSpc>
@@ -12202,7 +12480,7 @@
               <a:buSzPts val="1500"/>
               <a:buFont typeface="Arial"/>
               <a:buChar char="•"/>
-              <a:defRPr b="0" i="0" sz="1500" u="none" cap="none" strike="noStrike">
+              <a:defRPr sz="1500" b="0" i="0" u="none" strike="noStrike" cap="none">
                 <a:solidFill>
                   <a:schemeClr val="dk1"/>
                 </a:solidFill>
@@ -12212,7 +12490,7 @@
                 <a:sym typeface="Calibri"/>
               </a:defRPr>
             </a:lvl3pPr>
-            <a:lvl4pPr indent="-317500" lvl="3" marL="1828800" marR="0" rtl="0" algn="l">
+            <a:lvl4pPr marL="1828800" marR="0" lvl="3" indent="-317500" algn="l" rtl="0">
               <a:lnSpc>
                 <a:spcPct val="90000"/>
               </a:lnSpc>
@@ -12228,7 +12506,7 @@
               <a:buSzPts val="1400"/>
               <a:buFont typeface="Arial"/>
               <a:buChar char="•"/>
-              <a:defRPr b="0" i="0" sz="1400" u="none" cap="none" strike="noStrike">
+              <a:defRPr sz="1400" b="0" i="0" u="none" strike="noStrike" cap="none">
                 <a:solidFill>
                   <a:schemeClr val="dk1"/>
                 </a:solidFill>
@@ -12238,7 +12516,7 @@
                 <a:sym typeface="Calibri"/>
               </a:defRPr>
             </a:lvl4pPr>
-            <a:lvl5pPr indent="-317500" lvl="4" marL="2286000" marR="0" rtl="0" algn="l">
+            <a:lvl5pPr marL="2286000" marR="0" lvl="4" indent="-317500" algn="l" rtl="0">
               <a:lnSpc>
                 <a:spcPct val="90000"/>
               </a:lnSpc>
@@ -12254,7 +12532,7 @@
               <a:buSzPts val="1400"/>
               <a:buFont typeface="Arial"/>
               <a:buChar char="•"/>
-              <a:defRPr b="0" i="0" sz="1400" u="none" cap="none" strike="noStrike">
+              <a:defRPr sz="1400" b="0" i="0" u="none" strike="noStrike" cap="none">
                 <a:solidFill>
                   <a:schemeClr val="dk1"/>
                 </a:solidFill>
@@ -12264,7 +12542,7 @@
                 <a:sym typeface="Calibri"/>
               </a:defRPr>
             </a:lvl5pPr>
-            <a:lvl6pPr indent="-317500" lvl="5" marL="2743200" marR="0" rtl="0" algn="l">
+            <a:lvl6pPr marL="2743200" marR="0" lvl="5" indent="-317500" algn="l" rtl="0">
               <a:lnSpc>
                 <a:spcPct val="90000"/>
               </a:lnSpc>
@@ -12280,7 +12558,7 @@
               <a:buSzPts val="1400"/>
               <a:buFont typeface="Arial"/>
               <a:buChar char="•"/>
-              <a:defRPr b="0" i="0" sz="1400" u="none" cap="none" strike="noStrike">
+              <a:defRPr sz="1400" b="0" i="0" u="none" strike="noStrike" cap="none">
                 <a:solidFill>
                   <a:schemeClr val="dk1"/>
                 </a:solidFill>
@@ -12290,7 +12568,7 @@
                 <a:sym typeface="Calibri"/>
               </a:defRPr>
             </a:lvl6pPr>
-            <a:lvl7pPr indent="-317500" lvl="6" marL="3200400" marR="0" rtl="0" algn="l">
+            <a:lvl7pPr marL="3200400" marR="0" lvl="6" indent="-317500" algn="l" rtl="0">
               <a:lnSpc>
                 <a:spcPct val="90000"/>
               </a:lnSpc>
@@ -12306,7 +12584,7 @@
               <a:buSzPts val="1400"/>
               <a:buFont typeface="Arial"/>
               <a:buChar char="•"/>
-              <a:defRPr b="0" i="0" sz="1400" u="none" cap="none" strike="noStrike">
+              <a:defRPr sz="1400" b="0" i="0" u="none" strike="noStrike" cap="none">
                 <a:solidFill>
                   <a:schemeClr val="dk1"/>
                 </a:solidFill>
@@ -12316,7 +12594,7 @@
                 <a:sym typeface="Calibri"/>
               </a:defRPr>
             </a:lvl7pPr>
-            <a:lvl8pPr indent="-317500" lvl="7" marL="3657600" marR="0" rtl="0" algn="l">
+            <a:lvl8pPr marL="3657600" marR="0" lvl="7" indent="-317500" algn="l" rtl="0">
               <a:lnSpc>
                 <a:spcPct val="90000"/>
               </a:lnSpc>
@@ -12332,7 +12610,7 @@
               <a:buSzPts val="1400"/>
               <a:buFont typeface="Arial"/>
               <a:buChar char="•"/>
-              <a:defRPr b="0" i="0" sz="1400" u="none" cap="none" strike="noStrike">
+              <a:defRPr sz="1400" b="0" i="0" u="none" strike="noStrike" cap="none">
                 <a:solidFill>
                   <a:schemeClr val="dk1"/>
                 </a:solidFill>
@@ -12342,7 +12620,7 @@
                 <a:sym typeface="Calibri"/>
               </a:defRPr>
             </a:lvl8pPr>
-            <a:lvl9pPr indent="-317500" lvl="8" marL="4114800" marR="0" rtl="0" algn="l">
+            <a:lvl9pPr marL="4114800" marR="0" lvl="8" indent="-317500" algn="l" rtl="0">
               <a:lnSpc>
                 <a:spcPct val="90000"/>
               </a:lnSpc>
@@ -12358,7 +12636,7 @@
               <a:buSzPts val="1400"/>
               <a:buFont typeface="Arial"/>
               <a:buChar char="•"/>
-              <a:defRPr b="0" i="0" sz="1400" u="none" cap="none" strike="noStrike">
+              <a:defRPr sz="1400" b="0" i="0" u="none" strike="noStrike" cap="none">
                 <a:solidFill>
                   <a:schemeClr val="dk1"/>
                 </a:solidFill>
@@ -12369,15 +12647,19 @@
               </a:defRPr>
             </a:lvl9pPr>
           </a:lstStyle>
-          <a:p/>
+          <a:p>
+            <a:endParaRPr/>
+          </a:p>
         </p:txBody>
       </p:sp>
       <p:sp>
         <p:nvSpPr>
           <p:cNvPr id="53" name="Google Shape;53;p13"/>
-          <p:cNvSpPr txBox="1"/>
+          <p:cNvSpPr txBox="1">
+            <a:spLocks noGrp="1"/>
+          </p:cNvSpPr>
           <p:nvPr>
-            <p:ph idx="10" type="dt"/>
+            <p:ph type="dt" idx="10"/>
           </p:nvPr>
         </p:nvSpPr>
         <p:spPr>
@@ -12394,11 +12676,11 @@
           </a:ln>
         </p:spPr>
         <p:txBody>
-          <a:bodyPr anchorCtr="0" anchor="ctr" bIns="34275" lIns="68575" spcFirstLastPara="1" rIns="68575" wrap="square" tIns="34275">
+          <a:bodyPr spcFirstLastPara="1" wrap="square" lIns="68575" tIns="34275" rIns="68575" bIns="34275" anchor="ctr" anchorCtr="0">
             <a:noAutofit/>
           </a:bodyPr>
           <a:lstStyle>
-            <a:lvl1pPr lvl="0" marR="0" rtl="0" algn="l">
+            <a:lvl1pPr marR="0" lvl="0" algn="l" rtl="0">
               <a:spcBef>
                 <a:spcPts val="0"/>
               </a:spcBef>
@@ -12407,7 +12689,7 @@
               </a:spcAft>
               <a:buSzPts val="1100"/>
               <a:buNone/>
-              <a:defRPr b="0" i="0" sz="900" u="none" cap="none" strike="noStrike">
+              <a:defRPr sz="900" b="0" i="0" u="none" strike="noStrike" cap="none">
                 <a:solidFill>
                   <a:srgbClr val="888888"/>
                 </a:solidFill>
@@ -12417,7 +12699,7 @@
                 <a:sym typeface="Calibri"/>
               </a:defRPr>
             </a:lvl1pPr>
-            <a:lvl2pPr lvl="1" marR="0" rtl="0" algn="l">
+            <a:lvl2pPr marR="0" lvl="1" algn="l" rtl="0">
               <a:spcBef>
                 <a:spcPts val="0"/>
               </a:spcBef>
@@ -12426,7 +12708,7 @@
               </a:spcAft>
               <a:buSzPts val="1100"/>
               <a:buNone/>
-              <a:defRPr b="0" i="0" sz="1400" u="none" cap="none" strike="noStrike">
+              <a:defRPr sz="1400" b="0" i="0" u="none" strike="noStrike" cap="none">
                 <a:solidFill>
                   <a:schemeClr val="dk1"/>
                 </a:solidFill>
@@ -12436,7 +12718,7 @@
                 <a:sym typeface="Calibri"/>
               </a:defRPr>
             </a:lvl2pPr>
-            <a:lvl3pPr lvl="2" marR="0" rtl="0" algn="l">
+            <a:lvl3pPr marR="0" lvl="2" algn="l" rtl="0">
               <a:spcBef>
                 <a:spcPts val="0"/>
               </a:spcBef>
@@ -12445,7 +12727,7 @@
               </a:spcAft>
               <a:buSzPts val="1100"/>
               <a:buNone/>
-              <a:defRPr b="0" i="0" sz="1400" u="none" cap="none" strike="noStrike">
+              <a:defRPr sz="1400" b="0" i="0" u="none" strike="noStrike" cap="none">
                 <a:solidFill>
                   <a:schemeClr val="dk1"/>
                 </a:solidFill>
@@ -12455,7 +12737,7 @@
                 <a:sym typeface="Calibri"/>
               </a:defRPr>
             </a:lvl3pPr>
-            <a:lvl4pPr lvl="3" marR="0" rtl="0" algn="l">
+            <a:lvl4pPr marR="0" lvl="3" algn="l" rtl="0">
               <a:spcBef>
                 <a:spcPts val="0"/>
               </a:spcBef>
@@ -12464,7 +12746,7 @@
               </a:spcAft>
               <a:buSzPts val="1100"/>
               <a:buNone/>
-              <a:defRPr b="0" i="0" sz="1400" u="none" cap="none" strike="noStrike">
+              <a:defRPr sz="1400" b="0" i="0" u="none" strike="noStrike" cap="none">
                 <a:solidFill>
                   <a:schemeClr val="dk1"/>
                 </a:solidFill>
@@ -12474,7 +12756,7 @@
                 <a:sym typeface="Calibri"/>
               </a:defRPr>
             </a:lvl4pPr>
-            <a:lvl5pPr lvl="4" marR="0" rtl="0" algn="l">
+            <a:lvl5pPr marR="0" lvl="4" algn="l" rtl="0">
               <a:spcBef>
                 <a:spcPts val="0"/>
               </a:spcBef>
@@ -12483,7 +12765,7 @@
               </a:spcAft>
               <a:buSzPts val="1100"/>
               <a:buNone/>
-              <a:defRPr b="0" i="0" sz="1400" u="none" cap="none" strike="noStrike">
+              <a:defRPr sz="1400" b="0" i="0" u="none" strike="noStrike" cap="none">
                 <a:solidFill>
                   <a:schemeClr val="dk1"/>
                 </a:solidFill>
@@ -12493,7 +12775,7 @@
                 <a:sym typeface="Calibri"/>
               </a:defRPr>
             </a:lvl5pPr>
-            <a:lvl6pPr lvl="5" marR="0" rtl="0" algn="l">
+            <a:lvl6pPr marR="0" lvl="5" algn="l" rtl="0">
               <a:spcBef>
                 <a:spcPts val="0"/>
               </a:spcBef>
@@ -12502,7 +12784,7 @@
               </a:spcAft>
               <a:buSzPts val="1100"/>
               <a:buNone/>
-              <a:defRPr b="0" i="0" sz="1400" u="none" cap="none" strike="noStrike">
+              <a:defRPr sz="1400" b="0" i="0" u="none" strike="noStrike" cap="none">
                 <a:solidFill>
                   <a:schemeClr val="dk1"/>
                 </a:solidFill>
@@ -12512,7 +12794,7 @@
                 <a:sym typeface="Calibri"/>
               </a:defRPr>
             </a:lvl6pPr>
-            <a:lvl7pPr lvl="6" marR="0" rtl="0" algn="l">
+            <a:lvl7pPr marR="0" lvl="6" algn="l" rtl="0">
               <a:spcBef>
                 <a:spcPts val="0"/>
               </a:spcBef>
@@ -12521,7 +12803,7 @@
               </a:spcAft>
               <a:buSzPts val="1100"/>
               <a:buNone/>
-              <a:defRPr b="0" i="0" sz="1400" u="none" cap="none" strike="noStrike">
+              <a:defRPr sz="1400" b="0" i="0" u="none" strike="noStrike" cap="none">
                 <a:solidFill>
                   <a:schemeClr val="dk1"/>
                 </a:solidFill>
@@ -12531,7 +12813,7 @@
                 <a:sym typeface="Calibri"/>
               </a:defRPr>
             </a:lvl7pPr>
-            <a:lvl8pPr lvl="7" marR="0" rtl="0" algn="l">
+            <a:lvl8pPr marR="0" lvl="7" algn="l" rtl="0">
               <a:spcBef>
                 <a:spcPts val="0"/>
               </a:spcBef>
@@ -12540,7 +12822,7 @@
               </a:spcAft>
               <a:buSzPts val="1100"/>
               <a:buNone/>
-              <a:defRPr b="0" i="0" sz="1400" u="none" cap="none" strike="noStrike">
+              <a:defRPr sz="1400" b="0" i="0" u="none" strike="noStrike" cap="none">
                 <a:solidFill>
                   <a:schemeClr val="dk1"/>
                 </a:solidFill>
@@ -12550,7 +12832,7 @@
                 <a:sym typeface="Calibri"/>
               </a:defRPr>
             </a:lvl8pPr>
-            <a:lvl9pPr lvl="8" marR="0" rtl="0" algn="l">
+            <a:lvl9pPr marR="0" lvl="8" algn="l" rtl="0">
               <a:spcBef>
                 <a:spcPts val="0"/>
               </a:spcBef>
@@ -12559,7 +12841,7 @@
               </a:spcAft>
               <a:buSzPts val="1100"/>
               <a:buNone/>
-              <a:defRPr b="0" i="0" sz="1400" u="none" cap="none" strike="noStrike">
+              <a:defRPr sz="1400" b="0" i="0" u="none" strike="noStrike" cap="none">
                 <a:solidFill>
                   <a:schemeClr val="dk1"/>
                 </a:solidFill>
@@ -12570,15 +12852,19 @@
               </a:defRPr>
             </a:lvl9pPr>
           </a:lstStyle>
-          <a:p/>
+          <a:p>
+            <a:endParaRPr/>
+          </a:p>
         </p:txBody>
       </p:sp>
       <p:sp>
         <p:nvSpPr>
           <p:cNvPr id="54" name="Google Shape;54;p13"/>
-          <p:cNvSpPr txBox="1"/>
+          <p:cNvSpPr txBox="1">
+            <a:spLocks noGrp="1"/>
+          </p:cNvSpPr>
           <p:nvPr>
-            <p:ph idx="11" type="ftr"/>
+            <p:ph type="ftr" idx="11"/>
           </p:nvPr>
         </p:nvSpPr>
         <p:spPr>
@@ -12595,11 +12881,11 @@
           </a:ln>
         </p:spPr>
         <p:txBody>
-          <a:bodyPr anchorCtr="0" anchor="ctr" bIns="34275" lIns="68575" spcFirstLastPara="1" rIns="68575" wrap="square" tIns="34275">
+          <a:bodyPr spcFirstLastPara="1" wrap="square" lIns="68575" tIns="34275" rIns="68575" bIns="34275" anchor="ctr" anchorCtr="0">
             <a:noAutofit/>
           </a:bodyPr>
           <a:lstStyle>
-            <a:lvl1pPr lvl="0" marR="0" rtl="0" algn="ctr">
+            <a:lvl1pPr marR="0" lvl="0" algn="ctr" rtl="0">
               <a:spcBef>
                 <a:spcPts val="0"/>
               </a:spcBef>
@@ -12608,7 +12894,7 @@
               </a:spcAft>
               <a:buSzPts val="1100"/>
               <a:buNone/>
-              <a:defRPr b="0" i="0" sz="900" u="none" cap="none" strike="noStrike">
+              <a:defRPr sz="900" b="0" i="0" u="none" strike="noStrike" cap="none">
                 <a:solidFill>
                   <a:srgbClr val="888888"/>
                 </a:solidFill>
@@ -12618,7 +12904,7 @@
                 <a:sym typeface="Calibri"/>
               </a:defRPr>
             </a:lvl1pPr>
-            <a:lvl2pPr lvl="1" marR="0" rtl="0" algn="l">
+            <a:lvl2pPr marR="0" lvl="1" algn="l" rtl="0">
               <a:spcBef>
                 <a:spcPts val="0"/>
               </a:spcBef>
@@ -12627,7 +12913,7 @@
               </a:spcAft>
               <a:buSzPts val="1100"/>
               <a:buNone/>
-              <a:defRPr b="0" i="0" sz="1400" u="none" cap="none" strike="noStrike">
+              <a:defRPr sz="1400" b="0" i="0" u="none" strike="noStrike" cap="none">
                 <a:solidFill>
                   <a:schemeClr val="dk1"/>
                 </a:solidFill>
@@ -12637,7 +12923,7 @@
                 <a:sym typeface="Calibri"/>
               </a:defRPr>
             </a:lvl2pPr>
-            <a:lvl3pPr lvl="2" marR="0" rtl="0" algn="l">
+            <a:lvl3pPr marR="0" lvl="2" algn="l" rtl="0">
               <a:spcBef>
                 <a:spcPts val="0"/>
               </a:spcBef>
@@ -12646,7 +12932,7 @@
               </a:spcAft>
               <a:buSzPts val="1100"/>
               <a:buNone/>
-              <a:defRPr b="0" i="0" sz="1400" u="none" cap="none" strike="noStrike">
+              <a:defRPr sz="1400" b="0" i="0" u="none" strike="noStrike" cap="none">
                 <a:solidFill>
                   <a:schemeClr val="dk1"/>
                 </a:solidFill>
@@ -12656,7 +12942,7 @@
                 <a:sym typeface="Calibri"/>
               </a:defRPr>
             </a:lvl3pPr>
-            <a:lvl4pPr lvl="3" marR="0" rtl="0" algn="l">
+            <a:lvl4pPr marR="0" lvl="3" algn="l" rtl="0">
               <a:spcBef>
                 <a:spcPts val="0"/>
               </a:spcBef>
@@ -12665,7 +12951,7 @@
               </a:spcAft>
               <a:buSzPts val="1100"/>
               <a:buNone/>
-              <a:defRPr b="0" i="0" sz="1400" u="none" cap="none" strike="noStrike">
+              <a:defRPr sz="1400" b="0" i="0" u="none" strike="noStrike" cap="none">
                 <a:solidFill>
                   <a:schemeClr val="dk1"/>
                 </a:solidFill>
@@ -12675,7 +12961,7 @@
                 <a:sym typeface="Calibri"/>
               </a:defRPr>
             </a:lvl4pPr>
-            <a:lvl5pPr lvl="4" marR="0" rtl="0" algn="l">
+            <a:lvl5pPr marR="0" lvl="4" algn="l" rtl="0">
               <a:spcBef>
                 <a:spcPts val="0"/>
               </a:spcBef>
@@ -12684,7 +12970,7 @@
               </a:spcAft>
               <a:buSzPts val="1100"/>
               <a:buNone/>
-              <a:defRPr b="0" i="0" sz="1400" u="none" cap="none" strike="noStrike">
+              <a:defRPr sz="1400" b="0" i="0" u="none" strike="noStrike" cap="none">
                 <a:solidFill>
                   <a:schemeClr val="dk1"/>
                 </a:solidFill>
@@ -12694,7 +12980,7 @@
                 <a:sym typeface="Calibri"/>
               </a:defRPr>
             </a:lvl5pPr>
-            <a:lvl6pPr lvl="5" marR="0" rtl="0" algn="l">
+            <a:lvl6pPr marR="0" lvl="5" algn="l" rtl="0">
               <a:spcBef>
                 <a:spcPts val="0"/>
               </a:spcBef>
@@ -12703,7 +12989,7 @@
               </a:spcAft>
               <a:buSzPts val="1100"/>
               <a:buNone/>
-              <a:defRPr b="0" i="0" sz="1400" u="none" cap="none" strike="noStrike">
+              <a:defRPr sz="1400" b="0" i="0" u="none" strike="noStrike" cap="none">
                 <a:solidFill>
                   <a:schemeClr val="dk1"/>
                 </a:solidFill>
@@ -12713,7 +12999,7 @@
                 <a:sym typeface="Calibri"/>
               </a:defRPr>
             </a:lvl6pPr>
-            <a:lvl7pPr lvl="6" marR="0" rtl="0" algn="l">
+            <a:lvl7pPr marR="0" lvl="6" algn="l" rtl="0">
               <a:spcBef>
                 <a:spcPts val="0"/>
               </a:spcBef>
@@ -12722,7 +13008,7 @@
               </a:spcAft>
               <a:buSzPts val="1100"/>
               <a:buNone/>
-              <a:defRPr b="0" i="0" sz="1400" u="none" cap="none" strike="noStrike">
+              <a:defRPr sz="1400" b="0" i="0" u="none" strike="noStrike" cap="none">
                 <a:solidFill>
                   <a:schemeClr val="dk1"/>
                 </a:solidFill>
@@ -12732,7 +13018,7 @@
                 <a:sym typeface="Calibri"/>
               </a:defRPr>
             </a:lvl7pPr>
-            <a:lvl8pPr lvl="7" marR="0" rtl="0" algn="l">
+            <a:lvl8pPr marR="0" lvl="7" algn="l" rtl="0">
               <a:spcBef>
                 <a:spcPts val="0"/>
               </a:spcBef>
@@ -12741,7 +13027,7 @@
               </a:spcAft>
               <a:buSzPts val="1100"/>
               <a:buNone/>
-              <a:defRPr b="0" i="0" sz="1400" u="none" cap="none" strike="noStrike">
+              <a:defRPr sz="1400" b="0" i="0" u="none" strike="noStrike" cap="none">
                 <a:solidFill>
                   <a:schemeClr val="dk1"/>
                 </a:solidFill>
@@ -12751,7 +13037,7 @@
                 <a:sym typeface="Calibri"/>
               </a:defRPr>
             </a:lvl8pPr>
-            <a:lvl9pPr lvl="8" marR="0" rtl="0" algn="l">
+            <a:lvl9pPr marR="0" lvl="8" algn="l" rtl="0">
               <a:spcBef>
                 <a:spcPts val="0"/>
               </a:spcBef>
@@ -12760,7 +13046,7 @@
               </a:spcAft>
               <a:buSzPts val="1100"/>
               <a:buNone/>
-              <a:defRPr b="0" i="0" sz="1400" u="none" cap="none" strike="noStrike">
+              <a:defRPr sz="1400" b="0" i="0" u="none" strike="noStrike" cap="none">
                 <a:solidFill>
                   <a:schemeClr val="dk1"/>
                 </a:solidFill>
@@ -12771,15 +13057,19 @@
               </a:defRPr>
             </a:lvl9pPr>
           </a:lstStyle>
-          <a:p/>
+          <a:p>
+            <a:endParaRPr/>
+          </a:p>
         </p:txBody>
       </p:sp>
       <p:sp>
         <p:nvSpPr>
           <p:cNvPr id="55" name="Google Shape;55;p13"/>
-          <p:cNvSpPr txBox="1"/>
+          <p:cNvSpPr txBox="1">
+            <a:spLocks noGrp="1"/>
+          </p:cNvSpPr>
           <p:nvPr>
-            <p:ph idx="12" type="sldNum"/>
+            <p:ph type="sldNum" idx="12"/>
           </p:nvPr>
         </p:nvSpPr>
         <p:spPr>
@@ -12796,16 +13086,16 @@
           </a:ln>
         </p:spPr>
         <p:txBody>
-          <a:bodyPr anchorCtr="0" anchor="ctr" bIns="34275" lIns="68575" spcFirstLastPara="1" rIns="68575" wrap="square" tIns="34275">
+          <a:bodyPr spcFirstLastPara="1" wrap="square" lIns="68575" tIns="34275" rIns="68575" bIns="34275" anchor="ctr" anchorCtr="0">
             <a:noAutofit/>
           </a:bodyPr>
           <a:lstStyle>
-            <a:lvl1pPr indent="0" lvl="0" marL="0" marR="0" rtl="0" algn="r">
-              <a:spcBef>
-                <a:spcPts val="0"/>
-              </a:spcBef>
-              <a:buNone/>
-              <a:defRPr b="0" i="0" sz="900" u="none" cap="none" strike="noStrike">
+            <a:lvl1pPr marL="0" marR="0" lvl="0" indent="0" algn="r" rtl="0">
+              <a:spcBef>
+                <a:spcPts val="0"/>
+              </a:spcBef>
+              <a:buNone/>
+              <a:defRPr sz="900" b="0" i="0" u="none" strike="noStrike" cap="none">
                 <a:solidFill>
                   <a:srgbClr val="888888"/>
                 </a:solidFill>
@@ -12815,12 +13105,12 @@
                 <a:sym typeface="Calibri"/>
               </a:defRPr>
             </a:lvl1pPr>
-            <a:lvl2pPr indent="0" lvl="1" marL="0" marR="0" rtl="0" algn="r">
-              <a:spcBef>
-                <a:spcPts val="0"/>
-              </a:spcBef>
-              <a:buNone/>
-              <a:defRPr b="0" i="0" sz="900" u="none" cap="none" strike="noStrike">
+            <a:lvl2pPr marL="0" marR="0" lvl="1" indent="0" algn="r" rtl="0">
+              <a:spcBef>
+                <a:spcPts val="0"/>
+              </a:spcBef>
+              <a:buNone/>
+              <a:defRPr sz="900" b="0" i="0" u="none" strike="noStrike" cap="none">
                 <a:solidFill>
                   <a:srgbClr val="888888"/>
                 </a:solidFill>
@@ -12830,12 +13120,12 @@
                 <a:sym typeface="Calibri"/>
               </a:defRPr>
             </a:lvl2pPr>
-            <a:lvl3pPr indent="0" lvl="2" marL="0" marR="0" rtl="0" algn="r">
-              <a:spcBef>
-                <a:spcPts val="0"/>
-              </a:spcBef>
-              <a:buNone/>
-              <a:defRPr b="0" i="0" sz="900" u="none" cap="none" strike="noStrike">
+            <a:lvl3pPr marL="0" marR="0" lvl="2" indent="0" algn="r" rtl="0">
+              <a:spcBef>
+                <a:spcPts val="0"/>
+              </a:spcBef>
+              <a:buNone/>
+              <a:defRPr sz="900" b="0" i="0" u="none" strike="noStrike" cap="none">
                 <a:solidFill>
                   <a:srgbClr val="888888"/>
                 </a:solidFill>
@@ -12845,12 +13135,12 @@
                 <a:sym typeface="Calibri"/>
               </a:defRPr>
             </a:lvl3pPr>
-            <a:lvl4pPr indent="0" lvl="3" marL="0" marR="0" rtl="0" algn="r">
-              <a:spcBef>
-                <a:spcPts val="0"/>
-              </a:spcBef>
-              <a:buNone/>
-              <a:defRPr b="0" i="0" sz="900" u="none" cap="none" strike="noStrike">
+            <a:lvl4pPr marL="0" marR="0" lvl="3" indent="0" algn="r" rtl="0">
+              <a:spcBef>
+                <a:spcPts val="0"/>
+              </a:spcBef>
+              <a:buNone/>
+              <a:defRPr sz="900" b="0" i="0" u="none" strike="noStrike" cap="none">
                 <a:solidFill>
                   <a:srgbClr val="888888"/>
                 </a:solidFill>
@@ -12860,12 +13150,12 @@
                 <a:sym typeface="Calibri"/>
               </a:defRPr>
             </a:lvl4pPr>
-            <a:lvl5pPr indent="0" lvl="4" marL="0" marR="0" rtl="0" algn="r">
-              <a:spcBef>
-                <a:spcPts val="0"/>
-              </a:spcBef>
-              <a:buNone/>
-              <a:defRPr b="0" i="0" sz="900" u="none" cap="none" strike="noStrike">
+            <a:lvl5pPr marL="0" marR="0" lvl="4" indent="0" algn="r" rtl="0">
+              <a:spcBef>
+                <a:spcPts val="0"/>
+              </a:spcBef>
+              <a:buNone/>
+              <a:defRPr sz="900" b="0" i="0" u="none" strike="noStrike" cap="none">
                 <a:solidFill>
                   <a:srgbClr val="888888"/>
                 </a:solidFill>
@@ -12875,12 +13165,12 @@
                 <a:sym typeface="Calibri"/>
               </a:defRPr>
             </a:lvl5pPr>
-            <a:lvl6pPr indent="0" lvl="5" marL="0" marR="0" rtl="0" algn="r">
-              <a:spcBef>
-                <a:spcPts val="0"/>
-              </a:spcBef>
-              <a:buNone/>
-              <a:defRPr b="0" i="0" sz="900" u="none" cap="none" strike="noStrike">
+            <a:lvl6pPr marL="0" marR="0" lvl="5" indent="0" algn="r" rtl="0">
+              <a:spcBef>
+                <a:spcPts val="0"/>
+              </a:spcBef>
+              <a:buNone/>
+              <a:defRPr sz="900" b="0" i="0" u="none" strike="noStrike" cap="none">
                 <a:solidFill>
                   <a:srgbClr val="888888"/>
                 </a:solidFill>
@@ -12890,12 +13180,12 @@
                 <a:sym typeface="Calibri"/>
               </a:defRPr>
             </a:lvl6pPr>
-            <a:lvl7pPr indent="0" lvl="6" marL="0" marR="0" rtl="0" algn="r">
-              <a:spcBef>
-                <a:spcPts val="0"/>
-              </a:spcBef>
-              <a:buNone/>
-              <a:defRPr b="0" i="0" sz="900" u="none" cap="none" strike="noStrike">
+            <a:lvl7pPr marL="0" marR="0" lvl="6" indent="0" algn="r" rtl="0">
+              <a:spcBef>
+                <a:spcPts val="0"/>
+              </a:spcBef>
+              <a:buNone/>
+              <a:defRPr sz="900" b="0" i="0" u="none" strike="noStrike" cap="none">
                 <a:solidFill>
                   <a:srgbClr val="888888"/>
                 </a:solidFill>
@@ -12905,12 +13195,12 @@
                 <a:sym typeface="Calibri"/>
               </a:defRPr>
             </a:lvl7pPr>
-            <a:lvl8pPr indent="0" lvl="7" marL="0" marR="0" rtl="0" algn="r">
-              <a:spcBef>
-                <a:spcPts val="0"/>
-              </a:spcBef>
-              <a:buNone/>
-              <a:defRPr b="0" i="0" sz="900" u="none" cap="none" strike="noStrike">
+            <a:lvl8pPr marL="0" marR="0" lvl="7" indent="0" algn="r" rtl="0">
+              <a:spcBef>
+                <a:spcPts val="0"/>
+              </a:spcBef>
+              <a:buNone/>
+              <a:defRPr sz="900" b="0" i="0" u="none" strike="noStrike" cap="none">
                 <a:solidFill>
                   <a:srgbClr val="888888"/>
                 </a:solidFill>
@@ -12920,12 +13210,12 @@
                 <a:sym typeface="Calibri"/>
               </a:defRPr>
             </a:lvl8pPr>
-            <a:lvl9pPr indent="0" lvl="8" marL="0" marR="0" rtl="0" algn="r">
-              <a:spcBef>
-                <a:spcPts val="0"/>
-              </a:spcBef>
-              <a:buNone/>
-              <a:defRPr b="0" i="0" sz="900" u="none" cap="none" strike="noStrike">
+            <a:lvl9pPr marL="0" marR="0" lvl="8" indent="0" algn="r" rtl="0">
+              <a:spcBef>
+                <a:spcPts val="0"/>
+              </a:spcBef>
+              <a:buNone/>
+              <a:defRPr sz="900" b="0" i="0" u="none" strike="noStrike" cap="none">
                 <a:solidFill>
                   <a:srgbClr val="888888"/>
                 </a:solidFill>
@@ -12937,7 +13227,7 @@
             </a:lvl9pPr>
           </a:lstStyle>
           <a:p>
-            <a:pPr indent="0" lvl="0" marL="0" rtl="0" algn="r">
+            <a:pPr marL="0" lvl="0" indent="0" algn="r" rtl="0">
               <a:spcBef>
                 <a:spcPts val="0"/>
               </a:spcBef>
@@ -12956,15 +13246,15 @@
       </p:sp>
       <p:pic>
         <p:nvPicPr>
-          <p:cNvPr descr="A picture containing screenshot&#10;&#10;Description automatically generated" id="56" name="Google Shape;56;p13"/>
+          <p:cNvPr id="56" name="Google Shape;56;p13" descr="A picture containing screenshot&#10;&#10;Description automatically generated"/>
           <p:cNvPicPr preferRelativeResize="0"/>
           <p:nvPr/>
         </p:nvPicPr>
         <p:blipFill rotWithShape="1">
-          <a:blip r:embed="rId1">
+          <a:blip r:embed="rId14">
             <a:alphaModFix/>
           </a:blip>
-          <a:srcRect b="0" l="0" r="0" t="0"/>
+          <a:srcRect/>
           <a:stretch/>
         </p:blipFill>
         <p:spPr>
@@ -12983,15 +13273,15 @@
       </p:pic>
       <p:pic>
         <p:nvPicPr>
-          <p:cNvPr descr="A close up of a logo&#10;&#10;Description automatically generated" id="57" name="Google Shape;57;p13"/>
+          <p:cNvPr id="57" name="Google Shape;57;p13" descr="A close up of a logo&#10;&#10;Description automatically generated"/>
           <p:cNvPicPr preferRelativeResize="0"/>
           <p:nvPr/>
         </p:nvPicPr>
         <p:blipFill rotWithShape="1">
-          <a:blip r:embed="rId2">
+          <a:blip r:embed="rId15">
             <a:alphaModFix/>
           </a:blip>
-          <a:srcRect b="0" l="0" r="0" t="0"/>
+          <a:srcRect/>
           <a:stretch/>
         </p:blipFill>
         <p:spPr>
@@ -13010,25 +13300,25 @@
       </p:pic>
     </p:spTree>
   </p:cSld>
-  <p:clrMap accent1="accent1" accent2="accent2" accent3="accent3" accent4="accent4" accent5="accent5" accent6="accent6" bg1="lt1" bg2="dk2" tx1="dk1" tx2="lt2" folHlink="folHlink" hlink="hlink"/>
+  <p:clrMap bg1="lt1" tx1="dk1" bg2="dk2" tx2="lt2" accent1="accent1" accent2="accent2" accent3="accent3" accent4="accent4" accent5="accent5" accent6="accent6" hlink="hlink" folHlink="folHlink"/>
   <p:sldLayoutIdLst>
-    <p:sldLayoutId id="2147483659" r:id="rId3"/>
-    <p:sldLayoutId id="2147483660" r:id="rId4"/>
-    <p:sldLayoutId id="2147483661" r:id="rId5"/>
-    <p:sldLayoutId id="2147483662" r:id="rId6"/>
-    <p:sldLayoutId id="2147483663" r:id="rId7"/>
-    <p:sldLayoutId id="2147483664" r:id="rId8"/>
-    <p:sldLayoutId id="2147483665" r:id="rId9"/>
-    <p:sldLayoutId id="2147483666" r:id="rId10"/>
-    <p:sldLayoutId id="2147483667" r:id="rId11"/>
-    <p:sldLayoutId id="2147483668" r:id="rId12"/>
-    <p:sldLayoutId id="2147483669" r:id="rId13"/>
-    <p:sldLayoutId id="2147483670" r:id="rId14"/>
+    <p:sldLayoutId id="2147483659" r:id="rId1"/>
+    <p:sldLayoutId id="2147483660" r:id="rId2"/>
+    <p:sldLayoutId id="2147483661" r:id="rId3"/>
+    <p:sldLayoutId id="2147483662" r:id="rId4"/>
+    <p:sldLayoutId id="2147483663" r:id="rId5"/>
+    <p:sldLayoutId id="2147483664" r:id="rId6"/>
+    <p:sldLayoutId id="2147483665" r:id="rId7"/>
+    <p:sldLayoutId id="2147483666" r:id="rId8"/>
+    <p:sldLayoutId id="2147483667" r:id="rId9"/>
+    <p:sldLayoutId id="2147483668" r:id="rId10"/>
+    <p:sldLayoutId id="2147483669" r:id="rId11"/>
+    <p:sldLayoutId id="2147483670" r:id="rId12"/>
   </p:sldLayoutIdLst>
-  <p:hf dt="0" ftr="0" hdr="0" sldNum="0"/>
+  <p:hf sldNum="0" hdr="0" ftr="0" dt="0"/>
   <p:txStyles>
     <p:titleStyle>
-      <a:defPPr lvl="0" marR="0" rtl="0" algn="l">
+      <a:defPPr marR="0" lvl="0" algn="l" rtl="0">
         <a:lnSpc>
           <a:spcPct val="100000"/>
         </a:lnSpc>
@@ -13039,7 +13329,7 @@
           <a:spcPts val="0"/>
         </a:spcAft>
       </a:defPPr>
-      <a:lvl1pPr lvl="0" marR="0" rtl="0" algn="l">
+      <a:lvl1pPr marR="0" lvl="0" algn="l" rtl="0">
         <a:lnSpc>
           <a:spcPct val="100000"/>
         </a:lnSpc>
@@ -13053,7 +13343,7 @@
           <a:srgbClr val="000000"/>
         </a:buClr>
         <a:buFont typeface="Arial"/>
-        <a:defRPr b="0" i="0" sz="1400" u="none" cap="none" strike="noStrike">
+        <a:defRPr sz="1400" b="0" i="0" u="none" strike="noStrike" cap="none">
           <a:solidFill>
             <a:srgbClr val="000000"/>
           </a:solidFill>
@@ -13063,7 +13353,7 @@
           <a:sym typeface="Arial"/>
         </a:defRPr>
       </a:lvl1pPr>
-      <a:lvl2pPr lvl="1" marR="0" rtl="0" algn="l">
+      <a:lvl2pPr marR="0" lvl="1" algn="l" rtl="0">
         <a:lnSpc>
           <a:spcPct val="100000"/>
         </a:lnSpc>
@@ -13077,7 +13367,7 @@
           <a:srgbClr val="000000"/>
         </a:buClr>
         <a:buFont typeface="Arial"/>
-        <a:defRPr b="0" i="0" sz="1400" u="none" cap="none" strike="noStrike">
+        <a:defRPr sz="1400" b="0" i="0" u="none" strike="noStrike" cap="none">
           <a:solidFill>
             <a:srgbClr val="000000"/>
           </a:solidFill>
@@ -13087,7 +13377,7 @@
           <a:sym typeface="Arial"/>
         </a:defRPr>
       </a:lvl2pPr>
-      <a:lvl3pPr lvl="2" marR="0" rtl="0" algn="l">
+      <a:lvl3pPr marR="0" lvl="2" algn="l" rtl="0">
         <a:lnSpc>
           <a:spcPct val="100000"/>
         </a:lnSpc>
@@ -13101,7 +13391,7 @@
           <a:srgbClr val="000000"/>
         </a:buClr>
         <a:buFont typeface="Arial"/>
-        <a:defRPr b="0" i="0" sz="1400" u="none" cap="none" strike="noStrike">
+        <a:defRPr sz="1400" b="0" i="0" u="none" strike="noStrike" cap="none">
           <a:solidFill>
             <a:srgbClr val="000000"/>
           </a:solidFill>
@@ -13111,7 +13401,7 @@
           <a:sym typeface="Arial"/>
         </a:defRPr>
       </a:lvl3pPr>
-      <a:lvl4pPr lvl="3" marR="0" rtl="0" algn="l">
+      <a:lvl4pPr marR="0" lvl="3" algn="l" rtl="0">
         <a:lnSpc>
           <a:spcPct val="100000"/>
         </a:lnSpc>
@@ -13125,7 +13415,7 @@
           <a:srgbClr val="000000"/>
         </a:buClr>
         <a:buFont typeface="Arial"/>
-        <a:defRPr b="0" i="0" sz="1400" u="none" cap="none" strike="noStrike">
+        <a:defRPr sz="1400" b="0" i="0" u="none" strike="noStrike" cap="none">
           <a:solidFill>
             <a:srgbClr val="000000"/>
           </a:solidFill>
@@ -13135,7 +13425,7 @@
           <a:sym typeface="Arial"/>
         </a:defRPr>
       </a:lvl4pPr>
-      <a:lvl5pPr lvl="4" marR="0" rtl="0" algn="l">
+      <a:lvl5pPr marR="0" lvl="4" algn="l" rtl="0">
         <a:lnSpc>
           <a:spcPct val="100000"/>
         </a:lnSpc>
@@ -13149,7 +13439,7 @@
           <a:srgbClr val="000000"/>
         </a:buClr>
         <a:buFont typeface="Arial"/>
-        <a:defRPr b="0" i="0" sz="1400" u="none" cap="none" strike="noStrike">
+        <a:defRPr sz="1400" b="0" i="0" u="none" strike="noStrike" cap="none">
           <a:solidFill>
             <a:srgbClr val="000000"/>
           </a:solidFill>
@@ -13159,7 +13449,7 @@
           <a:sym typeface="Arial"/>
         </a:defRPr>
       </a:lvl5pPr>
-      <a:lvl6pPr lvl="5" marR="0" rtl="0" algn="l">
+      <a:lvl6pPr marR="0" lvl="5" algn="l" rtl="0">
         <a:lnSpc>
           <a:spcPct val="100000"/>
         </a:lnSpc>
@@ -13173,7 +13463,7 @@
           <a:srgbClr val="000000"/>
         </a:buClr>
         <a:buFont typeface="Arial"/>
-        <a:defRPr b="0" i="0" sz="1400" u="none" cap="none" strike="noStrike">
+        <a:defRPr sz="1400" b="0" i="0" u="none" strike="noStrike" cap="none">
           <a:solidFill>
             <a:srgbClr val="000000"/>
           </a:solidFill>
@@ -13183,7 +13473,7 @@
           <a:sym typeface="Arial"/>
         </a:defRPr>
       </a:lvl6pPr>
-      <a:lvl7pPr lvl="6" marR="0" rtl="0" algn="l">
+      <a:lvl7pPr marR="0" lvl="6" algn="l" rtl="0">
         <a:lnSpc>
           <a:spcPct val="100000"/>
         </a:lnSpc>
@@ -13197,7 +13487,7 @@
           <a:srgbClr val="000000"/>
         </a:buClr>
         <a:buFont typeface="Arial"/>
-        <a:defRPr b="0" i="0" sz="1400" u="none" cap="none" strike="noStrike">
+        <a:defRPr sz="1400" b="0" i="0" u="none" strike="noStrike" cap="none">
           <a:solidFill>
             <a:srgbClr val="000000"/>
           </a:solidFill>
@@ -13207,7 +13497,7 @@
           <a:sym typeface="Arial"/>
         </a:defRPr>
       </a:lvl7pPr>
-      <a:lvl8pPr lvl="7" marR="0" rtl="0" algn="l">
+      <a:lvl8pPr marR="0" lvl="7" algn="l" rtl="0">
         <a:lnSpc>
           <a:spcPct val="100000"/>
         </a:lnSpc>
@@ -13221,7 +13511,7 @@
           <a:srgbClr val="000000"/>
         </a:buClr>
         <a:buFont typeface="Arial"/>
-        <a:defRPr b="0" i="0" sz="1400" u="none" cap="none" strike="noStrike">
+        <a:defRPr sz="1400" b="0" i="0" u="none" strike="noStrike" cap="none">
           <a:solidFill>
             <a:srgbClr val="000000"/>
           </a:solidFill>
@@ -13231,7 +13521,7 @@
           <a:sym typeface="Arial"/>
         </a:defRPr>
       </a:lvl8pPr>
-      <a:lvl9pPr lvl="8" marR="0" rtl="0" algn="l">
+      <a:lvl9pPr marR="0" lvl="8" algn="l" rtl="0">
         <a:lnSpc>
           <a:spcPct val="100000"/>
         </a:lnSpc>
@@ -13245,7 +13535,7 @@
           <a:srgbClr val="000000"/>
         </a:buClr>
         <a:buFont typeface="Arial"/>
-        <a:defRPr b="0" i="0" sz="1400" u="none" cap="none" strike="noStrike">
+        <a:defRPr sz="1400" b="0" i="0" u="none" strike="noStrike" cap="none">
           <a:solidFill>
             <a:srgbClr val="000000"/>
           </a:solidFill>
@@ -13257,7 +13547,7 @@
       </a:lvl9pPr>
     </p:titleStyle>
     <p:bodyStyle>
-      <a:defPPr lvl="0" marR="0" rtl="0" algn="l">
+      <a:defPPr marR="0" lvl="0" algn="l" rtl="0">
         <a:lnSpc>
           <a:spcPct val="100000"/>
         </a:lnSpc>
@@ -13268,7 +13558,7 @@
           <a:spcPts val="0"/>
         </a:spcAft>
       </a:defPPr>
-      <a:lvl1pPr lvl="0" marR="0" rtl="0" algn="l">
+      <a:lvl1pPr marR="0" lvl="0" algn="l" rtl="0">
         <a:lnSpc>
           <a:spcPct val="100000"/>
         </a:lnSpc>
@@ -13282,7 +13572,7 @@
           <a:srgbClr val="000000"/>
         </a:buClr>
         <a:buFont typeface="Arial"/>
-        <a:defRPr b="0" i="0" sz="1400" u="none" cap="none" strike="noStrike">
+        <a:defRPr sz="1400" b="0" i="0" u="none" strike="noStrike" cap="none">
           <a:solidFill>
             <a:srgbClr val="000000"/>
           </a:solidFill>
@@ -13292,7 +13582,7 @@
           <a:sym typeface="Arial"/>
         </a:defRPr>
       </a:lvl1pPr>
-      <a:lvl2pPr lvl="1" marR="0" rtl="0" algn="l">
+      <a:lvl2pPr marR="0" lvl="1" algn="l" rtl="0">
         <a:lnSpc>
           <a:spcPct val="100000"/>
         </a:lnSpc>
@@ -13306,7 +13596,7 @@
           <a:srgbClr val="000000"/>
         </a:buClr>
         <a:buFont typeface="Arial"/>
-        <a:defRPr b="0" i="0" sz="1400" u="none" cap="none" strike="noStrike">
+        <a:defRPr sz="1400" b="0" i="0" u="none" strike="noStrike" cap="none">
           <a:solidFill>
             <a:srgbClr val="000000"/>
           </a:solidFill>
@@ -13316,7 +13606,7 @@
           <a:sym typeface="Arial"/>
         </a:defRPr>
       </a:lvl2pPr>
-      <a:lvl3pPr lvl="2" marR="0" rtl="0" algn="l">
+      <a:lvl3pPr marR="0" lvl="2" algn="l" rtl="0">
         <a:lnSpc>
           <a:spcPct val="100000"/>
         </a:lnSpc>
@@ -13330,7 +13620,7 @@
           <a:srgbClr val="000000"/>
         </a:buClr>
         <a:buFont typeface="Arial"/>
-        <a:defRPr b="0" i="0" sz="1400" u="none" cap="none" strike="noStrike">
+        <a:defRPr sz="1400" b="0" i="0" u="none" strike="noStrike" cap="none">
           <a:solidFill>
             <a:srgbClr val="000000"/>
           </a:solidFill>
@@ -13340,7 +13630,7 @@
           <a:sym typeface="Arial"/>
         </a:defRPr>
       </a:lvl3pPr>
-      <a:lvl4pPr lvl="3" marR="0" rtl="0" algn="l">
+      <a:lvl4pPr marR="0" lvl="3" algn="l" rtl="0">
         <a:lnSpc>
           <a:spcPct val="100000"/>
         </a:lnSpc>
@@ -13354,7 +13644,7 @@
           <a:srgbClr val="000000"/>
         </a:buClr>
         <a:buFont typeface="Arial"/>
-        <a:defRPr b="0" i="0" sz="1400" u="none" cap="none" strike="noStrike">
+        <a:defRPr sz="1400" b="0" i="0" u="none" strike="noStrike" cap="none">
           <a:solidFill>
             <a:srgbClr val="000000"/>
           </a:solidFill>
@@ -13364,7 +13654,7 @@
           <a:sym typeface="Arial"/>
         </a:defRPr>
       </a:lvl4pPr>
-      <a:lvl5pPr lvl="4" marR="0" rtl="0" algn="l">
+      <a:lvl5pPr marR="0" lvl="4" algn="l" rtl="0">
         <a:lnSpc>
           <a:spcPct val="100000"/>
         </a:lnSpc>
@@ -13378,7 +13668,7 @@
           <a:srgbClr val="000000"/>
         </a:buClr>
         <a:buFont typeface="Arial"/>
-        <a:defRPr b="0" i="0" sz="1400" u="none" cap="none" strike="noStrike">
+        <a:defRPr sz="1400" b="0" i="0" u="none" strike="noStrike" cap="none">
           <a:solidFill>
             <a:srgbClr val="000000"/>
           </a:solidFill>
@@ -13388,7 +13678,7 @@
           <a:sym typeface="Arial"/>
         </a:defRPr>
       </a:lvl5pPr>
-      <a:lvl6pPr lvl="5" marR="0" rtl="0" algn="l">
+      <a:lvl6pPr marR="0" lvl="5" algn="l" rtl="0">
         <a:lnSpc>
           <a:spcPct val="100000"/>
         </a:lnSpc>
@@ -13402,7 +13692,7 @@
           <a:srgbClr val="000000"/>
         </a:buClr>
         <a:buFont typeface="Arial"/>
-        <a:defRPr b="0" i="0" sz="1400" u="none" cap="none" strike="noStrike">
+        <a:defRPr sz="1400" b="0" i="0" u="none" strike="noStrike" cap="none">
           <a:solidFill>
             <a:srgbClr val="000000"/>
           </a:solidFill>
@@ -13412,7 +13702,7 @@
           <a:sym typeface="Arial"/>
         </a:defRPr>
       </a:lvl6pPr>
-      <a:lvl7pPr lvl="6" marR="0" rtl="0" algn="l">
+      <a:lvl7pPr marR="0" lvl="6" algn="l" rtl="0">
         <a:lnSpc>
           <a:spcPct val="100000"/>
         </a:lnSpc>
@@ -13426,7 +13716,7 @@
           <a:srgbClr val="000000"/>
         </a:buClr>
         <a:buFont typeface="Arial"/>
-        <a:defRPr b="0" i="0" sz="1400" u="none" cap="none" strike="noStrike">
+        <a:defRPr sz="1400" b="0" i="0" u="none" strike="noStrike" cap="none">
           <a:solidFill>
             <a:srgbClr val="000000"/>
           </a:solidFill>
@@ -13436,7 +13726,7 @@
           <a:sym typeface="Arial"/>
         </a:defRPr>
       </a:lvl7pPr>
-      <a:lvl8pPr lvl="7" marR="0" rtl="0" algn="l">
+      <a:lvl8pPr marR="0" lvl="7" algn="l" rtl="0">
         <a:lnSpc>
           <a:spcPct val="100000"/>
         </a:lnSpc>
@@ -13450,7 +13740,7 @@
           <a:srgbClr val="000000"/>
         </a:buClr>
         <a:buFont typeface="Arial"/>
-        <a:defRPr b="0" i="0" sz="1400" u="none" cap="none" strike="noStrike">
+        <a:defRPr sz="1400" b="0" i="0" u="none" strike="noStrike" cap="none">
           <a:solidFill>
             <a:srgbClr val="000000"/>
           </a:solidFill>
@@ -13460,7 +13750,7 @@
           <a:sym typeface="Arial"/>
         </a:defRPr>
       </a:lvl8pPr>
-      <a:lvl9pPr lvl="8" marR="0" rtl="0" algn="l">
+      <a:lvl9pPr marR="0" lvl="8" algn="l" rtl="0">
         <a:lnSpc>
           <a:spcPct val="100000"/>
         </a:lnSpc>
@@ -13474,7 +13764,7 @@
           <a:srgbClr val="000000"/>
         </a:buClr>
         <a:buFont typeface="Arial"/>
-        <a:defRPr b="0" i="0" sz="1400" u="none" cap="none" strike="noStrike">
+        <a:defRPr sz="1400" b="0" i="0" u="none" strike="noStrike" cap="none">
           <a:solidFill>
             <a:srgbClr val="000000"/>
           </a:solidFill>
@@ -13486,7 +13776,7 @@
       </a:lvl9pPr>
     </p:bodyStyle>
     <p:otherStyle>
-      <a:defPPr lvl="0" marR="0" rtl="0" algn="l">
+      <a:defPPr marR="0" lvl="0" algn="l" rtl="0">
         <a:lnSpc>
           <a:spcPct val="100000"/>
         </a:lnSpc>
@@ -13497,7 +13787,7 @@
           <a:spcPts val="0"/>
         </a:spcAft>
       </a:defPPr>
-      <a:lvl1pPr lvl="0" marR="0" rtl="0" algn="l">
+      <a:lvl1pPr marR="0" lvl="0" algn="l" rtl="0">
         <a:lnSpc>
           <a:spcPct val="100000"/>
         </a:lnSpc>
@@ -13511,7 +13801,7 @@
           <a:srgbClr val="000000"/>
         </a:buClr>
         <a:buFont typeface="Arial"/>
-        <a:defRPr b="0" i="0" sz="1400" u="none" cap="none" strike="noStrike">
+        <a:defRPr sz="1400" b="0" i="0" u="none" strike="noStrike" cap="none">
           <a:solidFill>
             <a:srgbClr val="000000"/>
           </a:solidFill>
@@ -13521,7 +13811,7 @@
           <a:sym typeface="Arial"/>
         </a:defRPr>
       </a:lvl1pPr>
-      <a:lvl2pPr lvl="1" marR="0" rtl="0" algn="l">
+      <a:lvl2pPr marR="0" lvl="1" algn="l" rtl="0">
         <a:lnSpc>
           <a:spcPct val="100000"/>
         </a:lnSpc>
@@ -13535,7 +13825,7 @@
           <a:srgbClr val="000000"/>
         </a:buClr>
         <a:buFont typeface="Arial"/>
-        <a:defRPr b="0" i="0" sz="1400" u="none" cap="none" strike="noStrike">
+        <a:defRPr sz="1400" b="0" i="0" u="none" strike="noStrike" cap="none">
           <a:solidFill>
             <a:srgbClr val="000000"/>
           </a:solidFill>
@@ -13545,7 +13835,7 @@
           <a:sym typeface="Arial"/>
         </a:defRPr>
       </a:lvl2pPr>
-      <a:lvl3pPr lvl="2" marR="0" rtl="0" algn="l">
+      <a:lvl3pPr marR="0" lvl="2" algn="l" rtl="0">
         <a:lnSpc>
           <a:spcPct val="100000"/>
         </a:lnSpc>
@@ -13559,7 +13849,7 @@
           <a:srgbClr val="000000"/>
         </a:buClr>
         <a:buFont typeface="Arial"/>
-        <a:defRPr b="0" i="0" sz="1400" u="none" cap="none" strike="noStrike">
+        <a:defRPr sz="1400" b="0" i="0" u="none" strike="noStrike" cap="none">
           <a:solidFill>
             <a:srgbClr val="000000"/>
           </a:solidFill>
@@ -13569,7 +13859,7 @@
           <a:sym typeface="Arial"/>
         </a:defRPr>
       </a:lvl3pPr>
-      <a:lvl4pPr lvl="3" marR="0" rtl="0" algn="l">
+      <a:lvl4pPr marR="0" lvl="3" algn="l" rtl="0">
         <a:lnSpc>
           <a:spcPct val="100000"/>
         </a:lnSpc>
@@ -13583,7 +13873,7 @@
           <a:srgbClr val="000000"/>
         </a:buClr>
         <a:buFont typeface="Arial"/>
-        <a:defRPr b="0" i="0" sz="1400" u="none" cap="none" strike="noStrike">
+        <a:defRPr sz="1400" b="0" i="0" u="none" strike="noStrike" cap="none">
           <a:solidFill>
             <a:srgbClr val="000000"/>
           </a:solidFill>
@@ -13593,7 +13883,7 @@
           <a:sym typeface="Arial"/>
         </a:defRPr>
       </a:lvl4pPr>
-      <a:lvl5pPr lvl="4" marR="0" rtl="0" algn="l">
+      <a:lvl5pPr marR="0" lvl="4" algn="l" rtl="0">
         <a:lnSpc>
           <a:spcPct val="100000"/>
         </a:lnSpc>
@@ -13607,7 +13897,7 @@
           <a:srgbClr val="000000"/>
         </a:buClr>
         <a:buFont typeface="Arial"/>
-        <a:defRPr b="0" i="0" sz="1400" u="none" cap="none" strike="noStrike">
+        <a:defRPr sz="1400" b="0" i="0" u="none" strike="noStrike" cap="none">
           <a:solidFill>
             <a:srgbClr val="000000"/>
           </a:solidFill>
@@ -13617,7 +13907,7 @@
           <a:sym typeface="Arial"/>
         </a:defRPr>
       </a:lvl5pPr>
-      <a:lvl6pPr lvl="5" marR="0" rtl="0" algn="l">
+      <a:lvl6pPr marR="0" lvl="5" algn="l" rtl="0">
         <a:lnSpc>
           <a:spcPct val="100000"/>
         </a:lnSpc>
@@ -13631,7 +13921,7 @@
           <a:srgbClr val="000000"/>
         </a:buClr>
         <a:buFont typeface="Arial"/>
-        <a:defRPr b="0" i="0" sz="1400" u="none" cap="none" strike="noStrike">
+        <a:defRPr sz="1400" b="0" i="0" u="none" strike="noStrike" cap="none">
           <a:solidFill>
             <a:srgbClr val="000000"/>
           </a:solidFill>
@@ -13641,7 +13931,7 @@
           <a:sym typeface="Arial"/>
         </a:defRPr>
       </a:lvl6pPr>
-      <a:lvl7pPr lvl="6" marR="0" rtl="0" algn="l">
+      <a:lvl7pPr marR="0" lvl="6" algn="l" rtl="0">
         <a:lnSpc>
           <a:spcPct val="100000"/>
         </a:lnSpc>
@@ -13655,7 +13945,7 @@
           <a:srgbClr val="000000"/>
         </a:buClr>
         <a:buFont typeface="Arial"/>
-        <a:defRPr b="0" i="0" sz="1400" u="none" cap="none" strike="noStrike">
+        <a:defRPr sz="1400" b="0" i="0" u="none" strike="noStrike" cap="none">
           <a:solidFill>
             <a:srgbClr val="000000"/>
           </a:solidFill>
@@ -13665,7 +13955,7 @@
           <a:sym typeface="Arial"/>
         </a:defRPr>
       </a:lvl7pPr>
-      <a:lvl8pPr lvl="7" marR="0" rtl="0" algn="l">
+      <a:lvl8pPr marR="0" lvl="7" algn="l" rtl="0">
         <a:lnSpc>
           <a:spcPct val="100000"/>
         </a:lnSpc>
@@ -13679,7 +13969,7 @@
           <a:srgbClr val="000000"/>
         </a:buClr>
         <a:buFont typeface="Arial"/>
-        <a:defRPr b="0" i="0" sz="1400" u="none" cap="none" strike="noStrike">
+        <a:defRPr sz="1400" b="0" i="0" u="none" strike="noStrike" cap="none">
           <a:solidFill>
             <a:srgbClr val="000000"/>
           </a:solidFill>
@@ -13689,7 +13979,7 @@
           <a:sym typeface="Arial"/>
         </a:defRPr>
       </a:lvl8pPr>
-      <a:lvl9pPr lvl="8" marR="0" rtl="0" algn="l">
+      <a:lvl9pPr marR="0" lvl="8" algn="l" rtl="0">
         <a:lnSpc>
           <a:spcPct val="100000"/>
         </a:lnSpc>
@@ -13703,7 +13993,7 @@
           <a:srgbClr val="000000"/>
         </a:buClr>
         <a:buFont typeface="Arial"/>
-        <a:defRPr b="0" i="0" sz="1400" u="none" cap="none" strike="noStrike">
+        <a:defRPr sz="1400" b="0" i="0" u="none" strike="noStrike" cap="none">
           <a:solidFill>
             <a:srgbClr val="000000"/>
           </a:solidFill>
@@ -13719,11 +14009,11 @@
 </file>
 
 <file path=ppt/slides/slide1.xml><?xml version="1.0" encoding="utf-8"?>
-<p:sld xmlns:a="http://schemas.openxmlformats.org/drawingml/2006/main" xmlns:r="http://schemas.openxmlformats.org/officeDocument/2006/relationships" xmlns:mc="http://schemas.openxmlformats.org/markup-compatibility/2006" xmlns:mv="urn:schemas-microsoft-com:mac:vml" xmlns:p="http://schemas.openxmlformats.org/presentationml/2006/main" xmlns:c="http://schemas.openxmlformats.org/drawingml/2006/chart" xmlns:dgm="http://schemas.openxmlformats.org/drawingml/2006/diagram" xmlns:o="urn:schemas-microsoft-com:office:office" xmlns:v="urn:schemas-microsoft-com:vml" xmlns:pvml="urn:schemas-microsoft-com:office:powerpoint" xmlns:com="http://schemas.openxmlformats.org/drawingml/2006/compatibility" xmlns:p14="http://schemas.microsoft.com/office/powerpoint/2010/main" xmlns:p15="http://schemas.microsoft.com/office/powerpoint/2012/main" xmlns:ahyp="http://schemas.microsoft.com/office/drawing/2018/hyperlinkcolor">
+<p:sld xmlns:a="http://schemas.openxmlformats.org/drawingml/2006/main" xmlns:r="http://schemas.openxmlformats.org/officeDocument/2006/relationships" xmlns:p="http://schemas.openxmlformats.org/presentationml/2006/main">
   <p:cSld>
     <p:spTree>
       <p:nvGrpSpPr>
-        <p:cNvPr id="122" name="Shape 122"/>
+        <p:cNvPr id="1" name="Shape 122"/>
         <p:cNvGrpSpPr/>
         <p:nvPr/>
       </p:nvGrpSpPr>
@@ -13738,7 +14028,9 @@
       <p:sp>
         <p:nvSpPr>
           <p:cNvPr id="123" name="Google Shape;123;p26"/>
-          <p:cNvSpPr txBox="1"/>
+          <p:cNvSpPr txBox="1">
+            <a:spLocks noGrp="1"/>
+          </p:cNvSpPr>
           <p:nvPr>
             <p:ph type="ctrTitle"/>
           </p:nvPr>
@@ -13757,12 +14049,12 @@
           </a:ln>
         </p:spPr>
         <p:txBody>
-          <a:bodyPr anchorCtr="0" anchor="b" bIns="34275" lIns="68575" spcFirstLastPara="1" rIns="68575" wrap="square" tIns="34275">
+          <a:bodyPr spcFirstLastPara="1" wrap="square" lIns="68575" tIns="34275" rIns="68575" bIns="34275" anchor="b" anchorCtr="0">
             <a:normAutofit/>
           </a:bodyPr>
           <a:lstStyle/>
           <a:p>
-            <a:pPr indent="0" lvl="0" marL="0" rtl="0" algn="l">
+            <a:pPr marL="0" lvl="0" indent="0" algn="l" rtl="0">
               <a:lnSpc>
                 <a:spcPct val="90000"/>
               </a:lnSpc>
@@ -13780,7 +14072,7 @@
               <a:buNone/>
             </a:pPr>
             <a:r>
-              <a:rPr b="0" lang="en" sz="1500">
+              <a:rPr lang="en" sz="1500" b="0">
                 <a:solidFill>
                   <a:schemeClr val="lt2"/>
                 </a:solidFill>
@@ -13794,9 +14086,11 @@
       <p:sp>
         <p:nvSpPr>
           <p:cNvPr id="124" name="Google Shape;124;p26"/>
-          <p:cNvSpPr txBox="1"/>
+          <p:cNvSpPr txBox="1">
+            <a:spLocks noGrp="1"/>
+          </p:cNvSpPr>
           <p:nvPr>
-            <p:ph idx="1" type="subTitle"/>
+            <p:ph type="subTitle" idx="1"/>
           </p:nvPr>
         </p:nvSpPr>
         <p:spPr>
@@ -13813,12 +14107,12 @@
           </a:ln>
         </p:spPr>
         <p:txBody>
-          <a:bodyPr anchorCtr="0" anchor="t" bIns="34275" lIns="68575" spcFirstLastPara="1" rIns="68575" wrap="square" tIns="34275">
+          <a:bodyPr spcFirstLastPara="1" wrap="square" lIns="68575" tIns="34275" rIns="68575" bIns="34275" anchor="t" anchorCtr="0">
             <a:normAutofit/>
           </a:bodyPr>
           <a:lstStyle/>
           <a:p>
-            <a:pPr indent="0" lvl="0" marL="0" rtl="0" algn="l">
+            <a:pPr marL="0" lvl="0" indent="0" algn="l" rtl="0">
               <a:lnSpc>
                 <a:spcPct val="90000"/>
               </a:lnSpc>
@@ -13835,7 +14129,7 @@
               <a:buNone/>
             </a:pPr>
             <a:r>
-              <a:rPr b="1" lang="en" sz="2400">
+              <a:rPr lang="en" sz="2400" b="1">
                 <a:solidFill>
                   <a:schemeClr val="lt1"/>
                 </a:solidFill>
@@ -13866,12 +14160,12 @@
           </a:ln>
         </p:spPr>
         <p:txBody>
-          <a:bodyPr anchorCtr="0" anchor="t" bIns="34275" lIns="68575" spcFirstLastPara="1" rIns="68575" wrap="square" tIns="34275">
+          <a:bodyPr spcFirstLastPara="1" wrap="square" lIns="68575" tIns="34275" rIns="68575" bIns="34275" anchor="t" anchorCtr="0">
             <a:spAutoFit/>
           </a:bodyPr>
           <a:lstStyle/>
           <a:p>
-            <a:pPr indent="-215900" lvl="0" marL="215900" marR="0" rtl="0" algn="l">
+            <a:pPr marL="215900" marR="0" lvl="0" indent="-215900" algn="l" rtl="0">
               <a:spcBef>
                 <a:spcPts val="0"/>
               </a:spcBef>
@@ -13886,7 +14180,7 @@
               <a:buChar char="•"/>
             </a:pPr>
             <a:r>
-              <a:rPr b="1" i="0" lang="en" sz="1200" u="none" cap="none" strike="noStrike">
+              <a:rPr lang="en" sz="1200" b="1" i="0" u="none" strike="noStrike" cap="none">
                 <a:solidFill>
                   <a:schemeClr val="lt1"/>
                 </a:solidFill>
@@ -13897,7 +14191,7 @@
               </a:rPr>
               <a:t>Alex Khater</a:t>
             </a:r>
-            <a:endParaRPr b="0" i="0" sz="1200" u="none" cap="none" strike="noStrike">
+            <a:endParaRPr sz="1200" b="0" i="0" u="none" strike="noStrike" cap="none">
               <a:solidFill>
                 <a:schemeClr val="lt1"/>
               </a:solidFill>
@@ -13908,7 +14202,7 @@
             </a:endParaRPr>
           </a:p>
           <a:p>
-            <a:pPr indent="-215900" lvl="0" marL="215900" marR="0" rtl="0" algn="l">
+            <a:pPr marL="215900" marR="0" lvl="0" indent="-215900" algn="l" rtl="0">
               <a:spcBef>
                 <a:spcPts val="0"/>
               </a:spcBef>
@@ -13923,7 +14217,7 @@
               <a:buChar char="•"/>
             </a:pPr>
             <a:r>
-              <a:rPr b="1" i="0" lang="en" sz="1200" u="none" cap="none" strike="noStrike">
+              <a:rPr lang="en" sz="1200" b="1" i="0" u="none" strike="noStrike" cap="none">
                 <a:solidFill>
                   <a:schemeClr val="lt1"/>
                 </a:solidFill>
@@ -13935,7 +14229,7 @@
               <a:t>Pooja Chandrashekara</a:t>
             </a:r>
             <a:r>
-              <a:rPr b="0" i="0" lang="en" sz="1200" u="none" cap="none" strike="noStrike">
+              <a:rPr lang="en" sz="1200" b="0" i="0" u="none" strike="noStrike" cap="none">
                 <a:solidFill>
                   <a:schemeClr val="lt1"/>
                 </a:solidFill>
@@ -13946,7 +14240,7 @@
               </a:rPr>
               <a:t> </a:t>
             </a:r>
-            <a:endParaRPr b="0" i="0" sz="1200" u="none" cap="none" strike="noStrike">
+            <a:endParaRPr sz="1200" b="0" i="0" u="none" strike="noStrike" cap="none">
               <a:solidFill>
                 <a:schemeClr val="lt1"/>
               </a:solidFill>
@@ -13957,7 +14251,7 @@
             </a:endParaRPr>
           </a:p>
           <a:p>
-            <a:pPr indent="-215900" lvl="0" marL="215900" marR="0" rtl="0" algn="l">
+            <a:pPr marL="215900" marR="0" lvl="0" indent="-215900" algn="l" rtl="0">
               <a:spcBef>
                 <a:spcPts val="0"/>
               </a:spcBef>
@@ -13972,7 +14266,7 @@
               <a:buChar char="•"/>
             </a:pPr>
             <a:r>
-              <a:rPr b="1" i="0" lang="en" sz="1200" u="none" cap="none" strike="noStrike">
+              <a:rPr lang="en" sz="1200" b="1" i="0" u="none" strike="noStrike" cap="none">
                 <a:solidFill>
                   <a:schemeClr val="lt1"/>
                 </a:solidFill>
@@ -13984,7 +14278,7 @@
               <a:t>Vaishnavi Nagarajaiah</a:t>
             </a:r>
             <a:r>
-              <a:rPr b="0" i="0" lang="en" sz="1200" u="none" cap="none" strike="noStrike">
+              <a:rPr lang="en" sz="1200" b="0" i="0" u="none" strike="noStrike" cap="none">
                 <a:solidFill>
                   <a:schemeClr val="lt1"/>
                 </a:solidFill>
@@ -13995,7 +14289,7 @@
               </a:rPr>
               <a:t> </a:t>
             </a:r>
-            <a:endParaRPr b="0" i="0" sz="1200" u="none" cap="none" strike="noStrike">
+            <a:endParaRPr sz="1200" b="0" i="0" u="none" strike="noStrike" cap="none">
               <a:solidFill>
                 <a:schemeClr val="lt1"/>
               </a:solidFill>
@@ -14006,7 +14300,7 @@
             </a:endParaRPr>
           </a:p>
           <a:p>
-            <a:pPr indent="-215900" lvl="0" marL="215900" marR="0" rtl="0" algn="l">
+            <a:pPr marL="215900" marR="0" lvl="0" indent="-215900" algn="l" rtl="0">
               <a:spcBef>
                 <a:spcPts val="0"/>
               </a:spcBef>
@@ -14021,7 +14315,7 @@
               <a:buChar char="•"/>
             </a:pPr>
             <a:r>
-              <a:rPr b="1" i="0" lang="en" sz="1200" u="none" cap="none" strike="noStrike">
+              <a:rPr lang="en" sz="1200" b="1" i="0" u="none" strike="noStrike" cap="none">
                 <a:solidFill>
                   <a:schemeClr val="lt1"/>
                 </a:solidFill>
@@ -14032,7 +14326,7 @@
               </a:rPr>
               <a:t>Aditya Nayak</a:t>
             </a:r>
-            <a:endParaRPr b="0" i="0" sz="1200" u="none" cap="none" strike="noStrike">
+            <a:endParaRPr sz="1200" b="0" i="0" u="none" strike="noStrike" cap="none">
               <a:solidFill>
                 <a:schemeClr val="lt1"/>
               </a:solidFill>
@@ -14043,7 +14337,7 @@
             </a:endParaRPr>
           </a:p>
           <a:p>
-            <a:pPr indent="0" lvl="0" marL="0" marR="0" rtl="0" algn="l">
+            <a:pPr marL="0" marR="0" lvl="0" indent="0" algn="l" rtl="0">
               <a:spcBef>
                 <a:spcPts val="0"/>
               </a:spcBef>
@@ -14052,9 +14346,6 @@
               </a:spcAft>
               <a:buNone/>
             </a:pPr>
-            <a:r>
-              <a:t/>
-            </a:r>
             <a:endParaRPr sz="1400">
               <a:solidFill>
                 <a:schemeClr val="lt1"/>
@@ -14076,11 +14367,11 @@
 </file>
 
 <file path=ppt/slides/slide2.xml><?xml version="1.0" encoding="utf-8"?>
-<p:sld xmlns:a="http://schemas.openxmlformats.org/drawingml/2006/main" xmlns:r="http://schemas.openxmlformats.org/officeDocument/2006/relationships" xmlns:mc="http://schemas.openxmlformats.org/markup-compatibility/2006" xmlns:mv="urn:schemas-microsoft-com:mac:vml" xmlns:p="http://schemas.openxmlformats.org/presentationml/2006/main" xmlns:c="http://schemas.openxmlformats.org/drawingml/2006/chart" xmlns:dgm="http://schemas.openxmlformats.org/drawingml/2006/diagram" xmlns:o="urn:schemas-microsoft-com:office:office" xmlns:v="urn:schemas-microsoft-com:vml" xmlns:pvml="urn:schemas-microsoft-com:office:powerpoint" xmlns:com="http://schemas.openxmlformats.org/drawingml/2006/compatibility" xmlns:p14="http://schemas.microsoft.com/office/powerpoint/2010/main" xmlns:p15="http://schemas.microsoft.com/office/powerpoint/2012/main" xmlns:ahyp="http://schemas.microsoft.com/office/drawing/2018/hyperlinkcolor">
+<p:sld xmlns:a="http://schemas.openxmlformats.org/drawingml/2006/main" xmlns:r="http://schemas.openxmlformats.org/officeDocument/2006/relationships" xmlns:p="http://schemas.openxmlformats.org/presentationml/2006/main">
   <p:cSld>
     <p:spTree>
       <p:nvGrpSpPr>
-        <p:cNvPr id="129" name="Shape 129"/>
+        <p:cNvPr id="1" name="Shape 129"/>
         <p:cNvGrpSpPr/>
         <p:nvPr/>
       </p:nvGrpSpPr>
@@ -14095,7 +14386,9 @@
       <p:sp>
         <p:nvSpPr>
           <p:cNvPr id="130" name="Google Shape;130;p27"/>
-          <p:cNvSpPr txBox="1"/>
+          <p:cNvSpPr txBox="1">
+            <a:spLocks noGrp="1"/>
+          </p:cNvSpPr>
           <p:nvPr>
             <p:ph type="title"/>
           </p:nvPr>
@@ -14114,12 +14407,12 @@
           </a:ln>
         </p:spPr>
         <p:txBody>
-          <a:bodyPr anchorCtr="0" anchor="ctr" bIns="34275" lIns="68575" spcFirstLastPara="1" rIns="68575" wrap="square" tIns="34275">
+          <a:bodyPr spcFirstLastPara="1" wrap="square" lIns="68575" tIns="34275" rIns="68575" bIns="34275" anchor="ctr" anchorCtr="0">
             <a:normAutofit/>
           </a:bodyPr>
           <a:lstStyle/>
           <a:p>
-            <a:pPr indent="0" lvl="0" marL="0" rtl="0" algn="l">
+            <a:pPr marL="0" lvl="0" indent="0" algn="l" rtl="0">
               <a:lnSpc>
                 <a:spcPct val="90000"/>
               </a:lnSpc>
@@ -14147,9 +14440,11 @@
       <p:sp>
         <p:nvSpPr>
           <p:cNvPr id="131" name="Google Shape;131;p27"/>
-          <p:cNvSpPr txBox="1"/>
+          <p:cNvSpPr txBox="1">
+            <a:spLocks noGrp="1"/>
+          </p:cNvSpPr>
           <p:nvPr>
-            <p:ph idx="1" type="body"/>
+            <p:ph type="body" idx="1"/>
           </p:nvPr>
         </p:nvSpPr>
         <p:spPr>
@@ -14166,12 +14461,12 @@
           </a:ln>
         </p:spPr>
         <p:txBody>
-          <a:bodyPr anchorCtr="0" anchor="t" bIns="34275" lIns="68575" spcFirstLastPara="1" rIns="68575" wrap="square" tIns="34275">
+          <a:bodyPr spcFirstLastPara="1" wrap="square" lIns="68575" tIns="34275" rIns="68575" bIns="34275" anchor="t" anchorCtr="0">
             <a:normAutofit/>
           </a:bodyPr>
           <a:lstStyle/>
           <a:p>
-            <a:pPr indent="0" lvl="0" marL="0" rtl="0" algn="l">
+            <a:pPr marL="0" lvl="0" indent="0" algn="l" rtl="0">
               <a:lnSpc>
                 <a:spcPct val="90000"/>
               </a:lnSpc>
@@ -14187,9 +14482,6 @@
               <a:buSzPts val="2100"/>
               <a:buNone/>
             </a:pPr>
-            <a:r>
-              <a:t/>
-            </a:r>
             <a:endParaRPr/>
           </a:p>
         </p:txBody>
@@ -14203,11 +14495,11 @@
 </file>
 
 <file path=ppt/slides/slide3.xml><?xml version="1.0" encoding="utf-8"?>
-<p:sld xmlns:a="http://schemas.openxmlformats.org/drawingml/2006/main" xmlns:r="http://schemas.openxmlformats.org/officeDocument/2006/relationships" xmlns:mc="http://schemas.openxmlformats.org/markup-compatibility/2006" xmlns:mv="urn:schemas-microsoft-com:mac:vml" xmlns:p="http://schemas.openxmlformats.org/presentationml/2006/main" xmlns:c="http://schemas.openxmlformats.org/drawingml/2006/chart" xmlns:dgm="http://schemas.openxmlformats.org/drawingml/2006/diagram" xmlns:o="urn:schemas-microsoft-com:office:office" xmlns:v="urn:schemas-microsoft-com:vml" xmlns:pvml="urn:schemas-microsoft-com:office:powerpoint" xmlns:com="http://schemas.openxmlformats.org/drawingml/2006/compatibility" xmlns:p14="http://schemas.microsoft.com/office/powerpoint/2010/main" xmlns:p15="http://schemas.microsoft.com/office/powerpoint/2012/main" xmlns:ahyp="http://schemas.microsoft.com/office/drawing/2018/hyperlinkcolor">
+<p:sld xmlns:a="http://schemas.openxmlformats.org/drawingml/2006/main" xmlns:r="http://schemas.openxmlformats.org/officeDocument/2006/relationships" xmlns:p="http://schemas.openxmlformats.org/presentationml/2006/main">
   <p:cSld>
     <p:spTree>
       <p:nvGrpSpPr>
-        <p:cNvPr id="135" name="Shape 135"/>
+        <p:cNvPr id="1" name="Shape 135"/>
         <p:cNvGrpSpPr/>
         <p:nvPr/>
       </p:nvGrpSpPr>
@@ -14222,7 +14514,9 @@
       <p:sp>
         <p:nvSpPr>
           <p:cNvPr id="136" name="Google Shape;136;p28"/>
-          <p:cNvSpPr txBox="1"/>
+          <p:cNvSpPr txBox="1">
+            <a:spLocks noGrp="1"/>
+          </p:cNvSpPr>
           <p:nvPr>
             <p:ph type="title"/>
           </p:nvPr>
@@ -14241,12 +14535,12 @@
           </a:ln>
         </p:spPr>
         <p:txBody>
-          <a:bodyPr anchorCtr="0" anchor="ctr" bIns="34275" lIns="68575" spcFirstLastPara="1" rIns="68575" wrap="square" tIns="34275">
+          <a:bodyPr spcFirstLastPara="1" wrap="square" lIns="68575" tIns="34275" rIns="68575" bIns="34275" anchor="ctr" anchorCtr="0">
             <a:normAutofit/>
           </a:bodyPr>
           <a:lstStyle/>
           <a:p>
-            <a:pPr indent="0" lvl="0" marL="0" rtl="0" algn="l">
+            <a:pPr marL="0" lvl="0" indent="0" algn="l" rtl="0">
               <a:lnSpc>
                 <a:spcPct val="90000"/>
               </a:lnSpc>
@@ -14274,9 +14568,11 @@
       <p:sp>
         <p:nvSpPr>
           <p:cNvPr id="137" name="Google Shape;137;p28"/>
-          <p:cNvSpPr txBox="1"/>
+          <p:cNvSpPr txBox="1">
+            <a:spLocks noGrp="1"/>
+          </p:cNvSpPr>
           <p:nvPr>
-            <p:ph idx="1" type="body"/>
+            <p:ph type="body" idx="1"/>
           </p:nvPr>
         </p:nvSpPr>
         <p:spPr>
@@ -14293,12 +14589,12 @@
           </a:ln>
         </p:spPr>
         <p:txBody>
-          <a:bodyPr anchorCtr="0" anchor="t" bIns="34275" lIns="68575" spcFirstLastPara="1" rIns="68575" wrap="square" tIns="34275">
+          <a:bodyPr spcFirstLastPara="1" wrap="square" lIns="68575" tIns="34275" rIns="68575" bIns="34275" anchor="t" anchorCtr="0">
             <a:spAutoFit/>
           </a:bodyPr>
           <a:lstStyle/>
           <a:p>
-            <a:pPr indent="0" lvl="0" marL="0" rtl="0" algn="l">
+            <a:pPr marL="0" lvl="0" indent="0" algn="l" rtl="0">
               <a:lnSpc>
                 <a:spcPct val="115000"/>
               </a:lnSpc>
@@ -14315,7 +14611,7 @@
               <a:buNone/>
             </a:pPr>
             <a:r>
-              <a:rPr b="1" lang="en" sz="1200" u="sng">
+              <a:rPr lang="en" sz="1200" b="1" u="sng">
                 <a:highlight>
                   <a:srgbClr val="FFFFFF"/>
                 </a:highlight>
@@ -14346,7 +14642,7 @@
             </a:endParaRPr>
           </a:p>
           <a:p>
-            <a:pPr indent="0" lvl="0" marL="0" rtl="0" algn="l">
+            <a:pPr marL="0" lvl="0" indent="0" algn="l" rtl="0">
               <a:lnSpc>
                 <a:spcPct val="115000"/>
               </a:lnSpc>
@@ -14363,7 +14659,7 @@
               <a:buNone/>
             </a:pPr>
             <a:r>
-              <a:rPr b="1" lang="en" sz="1200" u="sng">
+              <a:rPr lang="en" sz="1200" b="1" u="sng">
                 <a:highlight>
                   <a:srgbClr val="FFFFFF"/>
                 </a:highlight>
@@ -14394,7 +14690,7 @@
             </a:endParaRPr>
           </a:p>
           <a:p>
-            <a:pPr indent="0" lvl="0" marL="0" rtl="0" algn="l">
+            <a:pPr marL="0" lvl="0" indent="0" algn="l" rtl="0">
               <a:lnSpc>
                 <a:spcPct val="115000"/>
               </a:lnSpc>
@@ -14411,7 +14707,7 @@
               <a:buNone/>
             </a:pPr>
             <a:r>
-              <a:rPr b="1" lang="en" sz="1200" u="sng">
+              <a:rPr lang="en" sz="1200" b="1" u="sng">
                 <a:highlight>
                   <a:srgbClr val="FFFFFF"/>
                 </a:highlight>
@@ -14442,7 +14738,7 @@
             </a:endParaRPr>
           </a:p>
           <a:p>
-            <a:pPr indent="0" lvl="0" marL="0" rtl="0" algn="l">
+            <a:pPr marL="0" lvl="0" indent="0" algn="l" rtl="0">
               <a:lnSpc>
                 <a:spcPct val="115000"/>
               </a:lnSpc>
@@ -14459,7 +14755,7 @@
               <a:buNone/>
             </a:pPr>
             <a:r>
-              <a:rPr b="1" lang="en" sz="1200" u="sng">
+              <a:rPr lang="en" sz="1200" b="1" u="sng">
                 <a:highlight>
                   <a:srgbClr val="FFFFFF"/>
                 </a:highlight>
@@ -14490,7 +14786,7 @@
             </a:endParaRPr>
           </a:p>
           <a:p>
-            <a:pPr indent="0" lvl="0" marL="0" rtl="0" algn="l">
+            <a:pPr marL="0" lvl="0" indent="0" algn="l" rtl="0">
               <a:lnSpc>
                 <a:spcPct val="115000"/>
               </a:lnSpc>
@@ -14507,7 +14803,7 @@
               <a:buNone/>
             </a:pPr>
             <a:r>
-              <a:rPr b="1" lang="en" sz="1200" u="sng">
+              <a:rPr lang="en" sz="1200" b="1" u="sng">
                 <a:highlight>
                   <a:srgbClr val="FFFFFF"/>
                 </a:highlight>
@@ -14548,11 +14844,97 @@
 </file>
 
 <file path=ppt/slides/slide4.xml><?xml version="1.0" encoding="utf-8"?>
-<p:sld xmlns:a="http://schemas.openxmlformats.org/drawingml/2006/main" xmlns:r="http://schemas.openxmlformats.org/officeDocument/2006/relationships" xmlns:mc="http://schemas.openxmlformats.org/markup-compatibility/2006" xmlns:mv="urn:schemas-microsoft-com:mac:vml" xmlns:p="http://schemas.openxmlformats.org/presentationml/2006/main" xmlns:c="http://schemas.openxmlformats.org/drawingml/2006/chart" xmlns:dgm="http://schemas.openxmlformats.org/drawingml/2006/diagram" xmlns:o="urn:schemas-microsoft-com:office:office" xmlns:v="urn:schemas-microsoft-com:vml" xmlns:pvml="urn:schemas-microsoft-com:office:powerpoint" xmlns:com="http://schemas.openxmlformats.org/drawingml/2006/compatibility" xmlns:p14="http://schemas.microsoft.com/office/powerpoint/2010/main" xmlns:p15="http://schemas.microsoft.com/office/powerpoint/2012/main" xmlns:ahyp="http://schemas.microsoft.com/office/drawing/2018/hyperlinkcolor">
+<p:sld xmlns:a="http://schemas.openxmlformats.org/drawingml/2006/main" xmlns:r="http://schemas.openxmlformats.org/officeDocument/2006/relationships" xmlns:p="http://schemas.openxmlformats.org/presentationml/2006/main">
   <p:cSld>
     <p:spTree>
       <p:nvGrpSpPr>
-        <p:cNvPr id="141" name="Shape 141"/>
+        <p:cNvPr id="1" name=""/>
+        <p:cNvGrpSpPr/>
+        <p:nvPr/>
+      </p:nvGrpSpPr>
+      <p:grpSpPr>
+        <a:xfrm>
+          <a:off x="0" y="0"/>
+          <a:ext cx="0" cy="0"/>
+          <a:chOff x="0" y="0"/>
+          <a:chExt cx="0" cy="0"/>
+        </a:xfrm>
+      </p:grpSpPr>
+      <p:sp>
+        <p:nvSpPr>
+          <p:cNvPr id="2" name="Text Placeholder 1">
+            <a:extLst>
+              <a:ext uri="{FF2B5EF4-FFF2-40B4-BE49-F238E27FC236}">
+                <a16:creationId xmlns:a16="http://schemas.microsoft.com/office/drawing/2014/main" id="{988FCCF2-E44D-35FD-0F32-28703AAD65CD}"/>
+              </a:ext>
+            </a:extLst>
+          </p:cNvPr>
+          <p:cNvSpPr>
+            <a:spLocks noGrp="1"/>
+          </p:cNvSpPr>
+          <p:nvPr>
+            <p:ph type="body" idx="1"/>
+          </p:nvPr>
+        </p:nvSpPr>
+        <p:spPr/>
+        <p:txBody>
+          <a:bodyPr/>
+          <a:lstStyle/>
+          <a:p>
+            <a:r>
+              <a:rPr lang="en-US" dirty="0"/>
+              <a:t>POOJA START HERE</a:t>
+            </a:r>
+          </a:p>
+        </p:txBody>
+      </p:sp>
+      <p:sp>
+        <p:nvSpPr>
+          <p:cNvPr id="3" name="Title 2">
+            <a:extLst>
+              <a:ext uri="{FF2B5EF4-FFF2-40B4-BE49-F238E27FC236}">
+                <a16:creationId xmlns:a16="http://schemas.microsoft.com/office/drawing/2014/main" id="{6FEEE0E3-AAA4-491D-06D0-35680B3C7906}"/>
+              </a:ext>
+            </a:extLst>
+          </p:cNvPr>
+          <p:cNvSpPr>
+            <a:spLocks noGrp="1"/>
+          </p:cNvSpPr>
+          <p:nvPr>
+            <p:ph type="title"/>
+          </p:nvPr>
+        </p:nvSpPr>
+        <p:spPr/>
+        <p:txBody>
+          <a:bodyPr/>
+          <a:lstStyle/>
+          <a:p>
+            <a:r>
+              <a:rPr lang="en-US" dirty="0"/>
+              <a:t>DELETE LATER</a:t>
+            </a:r>
+          </a:p>
+        </p:txBody>
+      </p:sp>
+    </p:spTree>
+    <p:extLst>
+      <p:ext uri="{BB962C8B-B14F-4D97-AF65-F5344CB8AC3E}">
+        <p14:creationId xmlns:p14="http://schemas.microsoft.com/office/powerpoint/2010/main" val="2766247055"/>
+      </p:ext>
+    </p:extLst>
+  </p:cSld>
+  <p:clrMapOvr>
+    <a:masterClrMapping/>
+  </p:clrMapOvr>
+</p:sld>
+</file>
+
+<file path=ppt/slides/slide5.xml><?xml version="1.0" encoding="utf-8"?>
+<p:sld xmlns:a="http://schemas.openxmlformats.org/drawingml/2006/main" xmlns:r="http://schemas.openxmlformats.org/officeDocument/2006/relationships" xmlns:p="http://schemas.openxmlformats.org/presentationml/2006/main">
+  <p:cSld>
+    <p:spTree>
+      <p:nvGrpSpPr>
+        <p:cNvPr id="1" name="Shape 141"/>
         <p:cNvGrpSpPr/>
         <p:nvPr/>
       </p:nvGrpSpPr>
@@ -14567,7 +14949,9 @@
       <p:sp>
         <p:nvSpPr>
           <p:cNvPr id="142" name="Google Shape;142;p29"/>
-          <p:cNvSpPr txBox="1"/>
+          <p:cNvSpPr txBox="1">
+            <a:spLocks noGrp="1"/>
+          </p:cNvSpPr>
           <p:nvPr>
             <p:ph type="title"/>
           </p:nvPr>
@@ -14586,12 +14970,12 @@
           </a:ln>
         </p:spPr>
         <p:txBody>
-          <a:bodyPr anchorCtr="0" anchor="ctr" bIns="34275" lIns="68575" spcFirstLastPara="1" rIns="68575" wrap="square" tIns="34275">
+          <a:bodyPr spcFirstLastPara="1" wrap="square" lIns="68575" tIns="34275" rIns="68575" bIns="34275" anchor="ctr" anchorCtr="0">
             <a:normAutofit/>
           </a:bodyPr>
           <a:lstStyle/>
           <a:p>
-            <a:pPr indent="0" lvl="0" marL="0" rtl="0" algn="ctr">
+            <a:pPr marL="0" lvl="0" indent="0" algn="ctr" rtl="0">
               <a:lnSpc>
                 <a:spcPct val="90000"/>
               </a:lnSpc>
@@ -14624,12 +15008,12 @@
 </p:sld>
 </file>
 
-<file path=ppt/slides/slide5.xml><?xml version="1.0" encoding="utf-8"?>
-<p:sld xmlns:a="http://schemas.openxmlformats.org/drawingml/2006/main" xmlns:r="http://schemas.openxmlformats.org/officeDocument/2006/relationships" xmlns:mc="http://schemas.openxmlformats.org/markup-compatibility/2006" xmlns:mv="urn:schemas-microsoft-com:mac:vml" xmlns:p="http://schemas.openxmlformats.org/presentationml/2006/main" xmlns:c="http://schemas.openxmlformats.org/drawingml/2006/chart" xmlns:dgm="http://schemas.openxmlformats.org/drawingml/2006/diagram" xmlns:o="urn:schemas-microsoft-com:office:office" xmlns:v="urn:schemas-microsoft-com:vml" xmlns:pvml="urn:schemas-microsoft-com:office:powerpoint" xmlns:com="http://schemas.openxmlformats.org/drawingml/2006/compatibility" xmlns:p14="http://schemas.microsoft.com/office/powerpoint/2010/main" xmlns:p15="http://schemas.microsoft.com/office/powerpoint/2012/main" xmlns:ahyp="http://schemas.microsoft.com/office/drawing/2018/hyperlinkcolor">
+<file path=ppt/slides/slide6.xml><?xml version="1.0" encoding="utf-8"?>
+<p:sld xmlns:a="http://schemas.openxmlformats.org/drawingml/2006/main" xmlns:r="http://schemas.openxmlformats.org/officeDocument/2006/relationships" xmlns:p="http://schemas.openxmlformats.org/presentationml/2006/main">
   <p:cSld>
     <p:spTree>
       <p:nvGrpSpPr>
-        <p:cNvPr id="146" name="Shape 146"/>
+        <p:cNvPr id="1" name="Shape 146"/>
         <p:cNvGrpSpPr/>
         <p:nvPr/>
       </p:nvGrpSpPr>
@@ -14644,7 +15028,9 @@
       <p:sp>
         <p:nvSpPr>
           <p:cNvPr id="147" name="Google Shape;147;p30"/>
-          <p:cNvSpPr txBox="1"/>
+          <p:cNvSpPr txBox="1">
+            <a:spLocks noGrp="1"/>
+          </p:cNvSpPr>
           <p:nvPr>
             <p:ph type="title"/>
           </p:nvPr>
@@ -14663,12 +15049,12 @@
           </a:ln>
         </p:spPr>
         <p:txBody>
-          <a:bodyPr anchorCtr="0" anchor="ctr" bIns="34275" lIns="68575" spcFirstLastPara="1" rIns="68575" wrap="square" tIns="34275">
+          <a:bodyPr spcFirstLastPara="1" wrap="square" lIns="68575" tIns="34275" rIns="68575" bIns="34275" anchor="ctr" anchorCtr="0">
             <a:normAutofit/>
           </a:bodyPr>
           <a:lstStyle/>
           <a:p>
-            <a:pPr indent="0" lvl="0" marL="0" rtl="0" algn="l">
+            <a:pPr marL="0" lvl="0" indent="0" algn="l" rtl="0">
               <a:lnSpc>
                 <a:spcPct val="90000"/>
               </a:lnSpc>
@@ -14696,9 +15082,11 @@
       <p:sp>
         <p:nvSpPr>
           <p:cNvPr id="148" name="Google Shape;148;p30"/>
-          <p:cNvSpPr txBox="1"/>
+          <p:cNvSpPr txBox="1">
+            <a:spLocks noGrp="1"/>
+          </p:cNvSpPr>
           <p:nvPr>
-            <p:ph idx="1" type="body"/>
+            <p:ph type="body" idx="1"/>
           </p:nvPr>
         </p:nvSpPr>
         <p:spPr>
@@ -14715,12 +15103,12 @@
           </a:ln>
         </p:spPr>
         <p:txBody>
-          <a:bodyPr anchorCtr="0" anchor="t" bIns="34275" lIns="68575" spcFirstLastPara="1" rIns="68575" wrap="square" tIns="34275">
+          <a:bodyPr spcFirstLastPara="1" wrap="square" lIns="68575" tIns="34275" rIns="68575" bIns="34275" anchor="t" anchorCtr="0">
             <a:normAutofit/>
           </a:bodyPr>
           <a:lstStyle/>
           <a:p>
-            <a:pPr indent="0" lvl="0" marL="0" rtl="0" algn="l">
+            <a:pPr marL="0" lvl="0" indent="0" algn="l" rtl="0">
               <a:lnSpc>
                 <a:spcPct val="90000"/>
               </a:lnSpc>
@@ -14753,7 +15141,288 @@
 </file>
 
 <file path=ppt/theme/theme1.xml><?xml version="1.0" encoding="utf-8"?>
-<a:theme xmlns:a="http://schemas.openxmlformats.org/drawingml/2006/main" xmlns:r="http://schemas.openxmlformats.org/officeDocument/2006/relationships" name="Office Theme">
+<a:theme xmlns:a="http://schemas.openxmlformats.org/drawingml/2006/main" name="Simple Light">
+  <a:themeElements>
+    <a:clrScheme name="Simple Light">
+      <a:dk1>
+        <a:srgbClr val="000000"/>
+      </a:dk1>
+      <a:lt1>
+        <a:srgbClr val="FFFFFF"/>
+      </a:lt1>
+      <a:dk2>
+        <a:srgbClr val="595959"/>
+      </a:dk2>
+      <a:lt2>
+        <a:srgbClr val="EEEEEE"/>
+      </a:lt2>
+      <a:accent1>
+        <a:srgbClr val="4285F4"/>
+      </a:accent1>
+      <a:accent2>
+        <a:srgbClr val="212121"/>
+      </a:accent2>
+      <a:accent3>
+        <a:srgbClr val="78909C"/>
+      </a:accent3>
+      <a:accent4>
+        <a:srgbClr val="FFAB40"/>
+      </a:accent4>
+      <a:accent5>
+        <a:srgbClr val="0097A7"/>
+      </a:accent5>
+      <a:accent6>
+        <a:srgbClr val="EEFF41"/>
+      </a:accent6>
+      <a:hlink>
+        <a:srgbClr val="0097A7"/>
+      </a:hlink>
+      <a:folHlink>
+        <a:srgbClr val="0097A7"/>
+      </a:folHlink>
+    </a:clrScheme>
+    <a:fontScheme name="Office">
+      <a:majorFont>
+        <a:latin typeface="Arial"/>
+        <a:ea typeface=""/>
+        <a:cs typeface=""/>
+        <a:font script="Jpan" typeface="ＭＳ Ｐゴシック"/>
+        <a:font script="Hang" typeface="맑은 고딕"/>
+        <a:font script="Hans" typeface="宋体"/>
+        <a:font script="Hant" typeface="新細明體"/>
+        <a:font script="Arab" typeface="Times New Roman"/>
+        <a:font script="Hebr" typeface="Times New Roman"/>
+        <a:font script="Thai" typeface="Angsana New"/>
+        <a:font script="Ethi" typeface="Nyala"/>
+        <a:font script="Beng" typeface="Vrinda"/>
+        <a:font script="Gujr" typeface="Shruti"/>
+        <a:font script="Khmr" typeface="MoolBoran"/>
+        <a:font script="Knda" typeface="Tunga"/>
+        <a:font script="Guru" typeface="Raavi"/>
+        <a:font script="Cans" typeface="Euphemia"/>
+        <a:font script="Cher" typeface="Plantagenet Cherokee"/>
+        <a:font script="Yiii" typeface="Microsoft Yi Baiti"/>
+        <a:font script="Tibt" typeface="Microsoft Himalaya"/>
+        <a:font script="Thaa" typeface="MV Boli"/>
+        <a:font script="Deva" typeface="Mangal"/>
+        <a:font script="Telu" typeface="Gautami"/>
+        <a:font script="Taml" typeface="Latha"/>
+        <a:font script="Syrc" typeface="Estrangelo Edessa"/>
+        <a:font script="Orya" typeface="Kalinga"/>
+        <a:font script="Mlym" typeface="Kartika"/>
+        <a:font script="Laoo" typeface="DokChampa"/>
+        <a:font script="Sinh" typeface="Iskoola Pota"/>
+        <a:font script="Mong" typeface="Mongolian Baiti"/>
+        <a:font script="Viet" typeface="Times New Roman"/>
+        <a:font script="Uigh" typeface="Microsoft Uighur"/>
+        <a:font script="Geor" typeface="Sylfaen"/>
+      </a:majorFont>
+      <a:minorFont>
+        <a:latin typeface="Arial"/>
+        <a:ea typeface=""/>
+        <a:cs typeface=""/>
+        <a:font script="Jpan" typeface="ＭＳ Ｐゴシック"/>
+        <a:font script="Hang" typeface="맑은 고딕"/>
+        <a:font script="Hans" typeface="宋体"/>
+        <a:font script="Hant" typeface="新細明體"/>
+        <a:font script="Arab" typeface="Arial"/>
+        <a:font script="Hebr" typeface="Arial"/>
+        <a:font script="Thai" typeface="Cordia New"/>
+        <a:font script="Ethi" typeface="Nyala"/>
+        <a:font script="Beng" typeface="Vrinda"/>
+        <a:font script="Gujr" typeface="Shruti"/>
+        <a:font script="Khmr" typeface="DaunPenh"/>
+        <a:font script="Knda" typeface="Tunga"/>
+        <a:font script="Guru" typeface="Raavi"/>
+        <a:font script="Cans" typeface="Euphemia"/>
+        <a:font script="Cher" typeface="Plantagenet Cherokee"/>
+        <a:font script="Yiii" typeface="Microsoft Yi Baiti"/>
+        <a:font script="Tibt" typeface="Microsoft Himalaya"/>
+        <a:font script="Thaa" typeface="MV Boli"/>
+        <a:font script="Deva" typeface="Mangal"/>
+        <a:font script="Telu" typeface="Gautami"/>
+        <a:font script="Taml" typeface="Latha"/>
+        <a:font script="Syrc" typeface="Estrangelo Edessa"/>
+        <a:font script="Orya" typeface="Kalinga"/>
+        <a:font script="Mlym" typeface="Kartika"/>
+        <a:font script="Laoo" typeface="DokChampa"/>
+        <a:font script="Sinh" typeface="Iskoola Pota"/>
+        <a:font script="Mong" typeface="Mongolian Baiti"/>
+        <a:font script="Viet" typeface="Arial"/>
+        <a:font script="Uigh" typeface="Microsoft Uighur"/>
+        <a:font script="Geor" typeface="Sylfaen"/>
+      </a:minorFont>
+    </a:fontScheme>
+    <a:fmtScheme name="Office">
+      <a:fillStyleLst>
+        <a:solidFill>
+          <a:schemeClr val="phClr"/>
+        </a:solidFill>
+        <a:gradFill rotWithShape="1">
+          <a:gsLst>
+            <a:gs pos="0">
+              <a:schemeClr val="phClr">
+                <a:tint val="50000"/>
+                <a:satMod val="300000"/>
+              </a:schemeClr>
+            </a:gs>
+            <a:gs pos="35000">
+              <a:schemeClr val="phClr">
+                <a:tint val="37000"/>
+                <a:satMod val="300000"/>
+              </a:schemeClr>
+            </a:gs>
+            <a:gs pos="100000">
+              <a:schemeClr val="phClr">
+                <a:tint val="15000"/>
+                <a:satMod val="350000"/>
+              </a:schemeClr>
+            </a:gs>
+          </a:gsLst>
+          <a:lin ang="16200000" scaled="1"/>
+        </a:gradFill>
+        <a:gradFill rotWithShape="1">
+          <a:gsLst>
+            <a:gs pos="0">
+              <a:schemeClr val="phClr">
+                <a:tint val="100000"/>
+                <a:shade val="100000"/>
+                <a:satMod val="130000"/>
+              </a:schemeClr>
+            </a:gs>
+            <a:gs pos="100000">
+              <a:schemeClr val="phClr">
+                <a:tint val="50000"/>
+                <a:shade val="100000"/>
+                <a:satMod val="350000"/>
+              </a:schemeClr>
+            </a:gs>
+          </a:gsLst>
+          <a:lin ang="16200000" scaled="0"/>
+        </a:gradFill>
+      </a:fillStyleLst>
+      <a:lnStyleLst>
+        <a:ln w="9525" cap="flat" cmpd="sng" algn="ctr">
+          <a:solidFill>
+            <a:schemeClr val="phClr">
+              <a:shade val="95000"/>
+              <a:satMod val="105000"/>
+            </a:schemeClr>
+          </a:solidFill>
+          <a:prstDash val="solid"/>
+        </a:ln>
+        <a:ln w="25400" cap="flat" cmpd="sng" algn="ctr">
+          <a:solidFill>
+            <a:schemeClr val="phClr"/>
+          </a:solidFill>
+          <a:prstDash val="solid"/>
+        </a:ln>
+        <a:ln w="38100" cap="flat" cmpd="sng" algn="ctr">
+          <a:solidFill>
+            <a:schemeClr val="phClr"/>
+          </a:solidFill>
+          <a:prstDash val="solid"/>
+        </a:ln>
+      </a:lnStyleLst>
+      <a:effectStyleLst>
+        <a:effectStyle>
+          <a:effectLst>
+            <a:outerShdw blurRad="40000" dist="20000" dir="5400000" rotWithShape="0">
+              <a:srgbClr val="000000">
+                <a:alpha val="38000"/>
+              </a:srgbClr>
+            </a:outerShdw>
+          </a:effectLst>
+        </a:effectStyle>
+        <a:effectStyle>
+          <a:effectLst>
+            <a:outerShdw blurRad="40000" dist="23000" dir="5400000" rotWithShape="0">
+              <a:srgbClr val="000000">
+                <a:alpha val="35000"/>
+              </a:srgbClr>
+            </a:outerShdw>
+          </a:effectLst>
+        </a:effectStyle>
+        <a:effectStyle>
+          <a:effectLst>
+            <a:outerShdw blurRad="40000" dist="23000" dir="5400000" rotWithShape="0">
+              <a:srgbClr val="000000">
+                <a:alpha val="35000"/>
+              </a:srgbClr>
+            </a:outerShdw>
+          </a:effectLst>
+          <a:scene3d>
+            <a:camera prst="orthographicFront">
+              <a:rot lat="0" lon="0" rev="0"/>
+            </a:camera>
+            <a:lightRig rig="threePt" dir="t">
+              <a:rot lat="0" lon="0" rev="1200000"/>
+            </a:lightRig>
+          </a:scene3d>
+          <a:sp3d>
+            <a:bevelT w="63500" h="25400"/>
+          </a:sp3d>
+        </a:effectStyle>
+      </a:effectStyleLst>
+      <a:bgFillStyleLst>
+        <a:solidFill>
+          <a:schemeClr val="phClr"/>
+        </a:solidFill>
+        <a:gradFill rotWithShape="1">
+          <a:gsLst>
+            <a:gs pos="0">
+              <a:schemeClr val="phClr">
+                <a:tint val="40000"/>
+                <a:satMod val="350000"/>
+              </a:schemeClr>
+            </a:gs>
+            <a:gs pos="40000">
+              <a:schemeClr val="phClr">
+                <a:tint val="45000"/>
+                <a:shade val="99000"/>
+                <a:satMod val="350000"/>
+              </a:schemeClr>
+            </a:gs>
+            <a:gs pos="100000">
+              <a:schemeClr val="phClr">
+                <a:shade val="20000"/>
+                <a:satMod val="255000"/>
+              </a:schemeClr>
+            </a:gs>
+          </a:gsLst>
+          <a:path path="circle">
+            <a:fillToRect l="50000" t="-80000" r="50000" b="180000"/>
+          </a:path>
+        </a:gradFill>
+        <a:gradFill rotWithShape="1">
+          <a:gsLst>
+            <a:gs pos="0">
+              <a:schemeClr val="phClr">
+                <a:tint val="80000"/>
+                <a:satMod val="300000"/>
+              </a:schemeClr>
+            </a:gs>
+            <a:gs pos="100000">
+              <a:schemeClr val="phClr">
+                <a:shade val="30000"/>
+                <a:satMod val="200000"/>
+              </a:schemeClr>
+            </a:gs>
+          </a:gsLst>
+          <a:path path="circle">
+            <a:fillToRect l="50000" t="50000" r="50000" b="50000"/>
+          </a:path>
+        </a:gradFill>
+      </a:bgFillStyleLst>
+    </a:fmtScheme>
+  </a:themeElements>
+  <a:objectDefaults/>
+  <a:extraClrSchemeLst/>
+</a:theme>
+</file>
+
+<file path=ppt/theme/theme2.xml><?xml version="1.0" encoding="utf-8"?>
+<a:theme xmlns:a="http://schemas.openxmlformats.org/drawingml/2006/main" name="Office Theme">
   <a:themeElements>
     <a:clrScheme name="Office">
       <a:dk1>
@@ -15028,290 +15697,13 @@
       </a:bgFillStyleLst>
     </a:fmtScheme>
   </a:themeElements>
-</a:theme>
-</file>
-
-<file path=ppt/theme/theme2.xml><?xml version="1.0" encoding="utf-8"?>
-<a:theme xmlns:a="http://schemas.openxmlformats.org/drawingml/2006/main" xmlns:r="http://schemas.openxmlformats.org/officeDocument/2006/relationships" name="Simple Light">
-  <a:themeElements>
-    <a:clrScheme name="Simple Light">
-      <a:dk1>
-        <a:srgbClr val="000000"/>
-      </a:dk1>
-      <a:lt1>
-        <a:srgbClr val="FFFFFF"/>
-      </a:lt1>
-      <a:dk2>
-        <a:srgbClr val="595959"/>
-      </a:dk2>
-      <a:lt2>
-        <a:srgbClr val="EEEEEE"/>
-      </a:lt2>
-      <a:accent1>
-        <a:srgbClr val="4285F4"/>
-      </a:accent1>
-      <a:accent2>
-        <a:srgbClr val="212121"/>
-      </a:accent2>
-      <a:accent3>
-        <a:srgbClr val="78909C"/>
-      </a:accent3>
-      <a:accent4>
-        <a:srgbClr val="FFAB40"/>
-      </a:accent4>
-      <a:accent5>
-        <a:srgbClr val="0097A7"/>
-      </a:accent5>
-      <a:accent6>
-        <a:srgbClr val="EEFF41"/>
-      </a:accent6>
-      <a:hlink>
-        <a:srgbClr val="0097A7"/>
-      </a:hlink>
-      <a:folHlink>
-        <a:srgbClr val="0097A7"/>
-      </a:folHlink>
-    </a:clrScheme>
-    <a:fontScheme name="Office">
-      <a:majorFont>
-        <a:latin typeface="Arial"/>
-        <a:ea typeface=""/>
-        <a:cs typeface=""/>
-        <a:font script="Jpan" typeface="ＭＳ Ｐゴシック"/>
-        <a:font script="Hang" typeface="맑은 고딕"/>
-        <a:font script="Hans" typeface="宋体"/>
-        <a:font script="Hant" typeface="新細明體"/>
-        <a:font script="Arab" typeface="Times New Roman"/>
-        <a:font script="Hebr" typeface="Times New Roman"/>
-        <a:font script="Thai" typeface="Angsana New"/>
-        <a:font script="Ethi" typeface="Nyala"/>
-        <a:font script="Beng" typeface="Vrinda"/>
-        <a:font script="Gujr" typeface="Shruti"/>
-        <a:font script="Khmr" typeface="MoolBoran"/>
-        <a:font script="Knda" typeface="Tunga"/>
-        <a:font script="Guru" typeface="Raavi"/>
-        <a:font script="Cans" typeface="Euphemia"/>
-        <a:font script="Cher" typeface="Plantagenet Cherokee"/>
-        <a:font script="Yiii" typeface="Microsoft Yi Baiti"/>
-        <a:font script="Tibt" typeface="Microsoft Himalaya"/>
-        <a:font script="Thaa" typeface="MV Boli"/>
-        <a:font script="Deva" typeface="Mangal"/>
-        <a:font script="Telu" typeface="Gautami"/>
-        <a:font script="Taml" typeface="Latha"/>
-        <a:font script="Syrc" typeface="Estrangelo Edessa"/>
-        <a:font script="Orya" typeface="Kalinga"/>
-        <a:font script="Mlym" typeface="Kartika"/>
-        <a:font script="Laoo" typeface="DokChampa"/>
-        <a:font script="Sinh" typeface="Iskoola Pota"/>
-        <a:font script="Mong" typeface="Mongolian Baiti"/>
-        <a:font script="Viet" typeface="Times New Roman"/>
-        <a:font script="Uigh" typeface="Microsoft Uighur"/>
-        <a:font script="Geor" typeface="Sylfaen"/>
-      </a:majorFont>
-      <a:minorFont>
-        <a:latin typeface="Arial"/>
-        <a:ea typeface=""/>
-        <a:cs typeface=""/>
-        <a:font script="Jpan" typeface="ＭＳ Ｐゴシック"/>
-        <a:font script="Hang" typeface="맑은 고딕"/>
-        <a:font script="Hans" typeface="宋体"/>
-        <a:font script="Hant" typeface="新細明體"/>
-        <a:font script="Arab" typeface="Arial"/>
-        <a:font script="Hebr" typeface="Arial"/>
-        <a:font script="Thai" typeface="Cordia New"/>
-        <a:font script="Ethi" typeface="Nyala"/>
-        <a:font script="Beng" typeface="Vrinda"/>
-        <a:font script="Gujr" typeface="Shruti"/>
-        <a:font script="Khmr" typeface="DaunPenh"/>
-        <a:font script="Knda" typeface="Tunga"/>
-        <a:font script="Guru" typeface="Raavi"/>
-        <a:font script="Cans" typeface="Euphemia"/>
-        <a:font script="Cher" typeface="Plantagenet Cherokee"/>
-        <a:font script="Yiii" typeface="Microsoft Yi Baiti"/>
-        <a:font script="Tibt" typeface="Microsoft Himalaya"/>
-        <a:font script="Thaa" typeface="MV Boli"/>
-        <a:font script="Deva" typeface="Mangal"/>
-        <a:font script="Telu" typeface="Gautami"/>
-        <a:font script="Taml" typeface="Latha"/>
-        <a:font script="Syrc" typeface="Estrangelo Edessa"/>
-        <a:font script="Orya" typeface="Kalinga"/>
-        <a:font script="Mlym" typeface="Kartika"/>
-        <a:font script="Laoo" typeface="DokChampa"/>
-        <a:font script="Sinh" typeface="Iskoola Pota"/>
-        <a:font script="Mong" typeface="Mongolian Baiti"/>
-        <a:font script="Viet" typeface="Arial"/>
-        <a:font script="Uigh" typeface="Microsoft Uighur"/>
-        <a:font script="Geor" typeface="Sylfaen"/>
-      </a:minorFont>
-    </a:fontScheme>
-    <a:fmtScheme name="Office">
-      <a:fillStyleLst>
-        <a:solidFill>
-          <a:schemeClr val="phClr"/>
-        </a:solidFill>
-        <a:gradFill rotWithShape="1">
-          <a:gsLst>
-            <a:gs pos="0">
-              <a:schemeClr val="phClr">
-                <a:tint val="50000"/>
-                <a:satMod val="300000"/>
-              </a:schemeClr>
-            </a:gs>
-            <a:gs pos="35000">
-              <a:schemeClr val="phClr">
-                <a:tint val="37000"/>
-                <a:satMod val="300000"/>
-              </a:schemeClr>
-            </a:gs>
-            <a:gs pos="100000">
-              <a:schemeClr val="phClr">
-                <a:tint val="15000"/>
-                <a:satMod val="350000"/>
-              </a:schemeClr>
-            </a:gs>
-          </a:gsLst>
-          <a:lin ang="16200000" scaled="1"/>
-        </a:gradFill>
-        <a:gradFill rotWithShape="1">
-          <a:gsLst>
-            <a:gs pos="0">
-              <a:schemeClr val="phClr">
-                <a:tint val="100000"/>
-                <a:shade val="100000"/>
-                <a:satMod val="130000"/>
-              </a:schemeClr>
-            </a:gs>
-            <a:gs pos="100000">
-              <a:schemeClr val="phClr">
-                <a:tint val="50000"/>
-                <a:shade val="100000"/>
-                <a:satMod val="350000"/>
-              </a:schemeClr>
-            </a:gs>
-          </a:gsLst>
-          <a:lin ang="16200000" scaled="0"/>
-        </a:gradFill>
-      </a:fillStyleLst>
-      <a:lnStyleLst>
-        <a:ln w="9525" cap="flat" cmpd="sng" algn="ctr">
-          <a:solidFill>
-            <a:schemeClr val="phClr">
-              <a:shade val="95000"/>
-              <a:satMod val="105000"/>
-            </a:schemeClr>
-          </a:solidFill>
-          <a:prstDash val="solid"/>
-        </a:ln>
-        <a:ln w="25400" cap="flat" cmpd="sng" algn="ctr">
-          <a:solidFill>
-            <a:schemeClr val="phClr"/>
-          </a:solidFill>
-          <a:prstDash val="solid"/>
-        </a:ln>
-        <a:ln w="38100" cap="flat" cmpd="sng" algn="ctr">
-          <a:solidFill>
-            <a:schemeClr val="phClr"/>
-          </a:solidFill>
-          <a:prstDash val="solid"/>
-        </a:ln>
-      </a:lnStyleLst>
-      <a:effectStyleLst>
-        <a:effectStyle>
-          <a:effectLst>
-            <a:outerShdw blurRad="40000" dist="20000" dir="5400000" rotWithShape="0">
-              <a:srgbClr val="000000">
-                <a:alpha val="38000"/>
-              </a:srgbClr>
-            </a:outerShdw>
-          </a:effectLst>
-        </a:effectStyle>
-        <a:effectStyle>
-          <a:effectLst>
-            <a:outerShdw blurRad="40000" dist="23000" dir="5400000" rotWithShape="0">
-              <a:srgbClr val="000000">
-                <a:alpha val="35000"/>
-              </a:srgbClr>
-            </a:outerShdw>
-          </a:effectLst>
-        </a:effectStyle>
-        <a:effectStyle>
-          <a:effectLst>
-            <a:outerShdw blurRad="40000" dist="23000" dir="5400000" rotWithShape="0">
-              <a:srgbClr val="000000">
-                <a:alpha val="35000"/>
-              </a:srgbClr>
-            </a:outerShdw>
-          </a:effectLst>
-          <a:scene3d>
-            <a:camera prst="orthographicFront">
-              <a:rot lat="0" lon="0" rev="0"/>
-            </a:camera>
-            <a:lightRig rig="threePt" dir="t">
-              <a:rot lat="0" lon="0" rev="1200000"/>
-            </a:lightRig>
-          </a:scene3d>
-          <a:sp3d>
-            <a:bevelT w="63500" h="25400"/>
-          </a:sp3d>
-        </a:effectStyle>
-      </a:effectStyleLst>
-      <a:bgFillStyleLst>
-        <a:solidFill>
-          <a:schemeClr val="phClr"/>
-        </a:solidFill>
-        <a:gradFill rotWithShape="1">
-          <a:gsLst>
-            <a:gs pos="0">
-              <a:schemeClr val="phClr">
-                <a:tint val="40000"/>
-                <a:satMod val="350000"/>
-              </a:schemeClr>
-            </a:gs>
-            <a:gs pos="40000">
-              <a:schemeClr val="phClr">
-                <a:tint val="45000"/>
-                <a:shade val="99000"/>
-                <a:satMod val="350000"/>
-              </a:schemeClr>
-            </a:gs>
-            <a:gs pos="100000">
-              <a:schemeClr val="phClr">
-                <a:shade val="20000"/>
-                <a:satMod val="255000"/>
-              </a:schemeClr>
-            </a:gs>
-          </a:gsLst>
-          <a:path path="circle">
-            <a:fillToRect l="50000" t="-80000" r="50000" b="180000"/>
-          </a:path>
-        </a:gradFill>
-        <a:gradFill rotWithShape="1">
-          <a:gsLst>
-            <a:gs pos="0">
-              <a:schemeClr val="phClr">
-                <a:tint val="80000"/>
-                <a:satMod val="300000"/>
-              </a:schemeClr>
-            </a:gs>
-            <a:gs pos="100000">
-              <a:schemeClr val="phClr">
-                <a:shade val="30000"/>
-                <a:satMod val="200000"/>
-              </a:schemeClr>
-            </a:gs>
-          </a:gsLst>
-          <a:path path="circle">
-            <a:fillToRect l="50000" t="50000" r="50000" b="50000"/>
-          </a:path>
-        </a:gradFill>
-      </a:bgFillStyleLst>
-    </a:fmtScheme>
-  </a:themeElements>
+  <a:objectDefaults/>
+  <a:extraClrSchemeLst/>
 </a:theme>
 </file>
 
 <file path=ppt/theme/theme3.xml><?xml version="1.0" encoding="utf-8"?>
-<a:theme xmlns:a="http://schemas.openxmlformats.org/drawingml/2006/main" xmlns:r="http://schemas.openxmlformats.org/officeDocument/2006/relationships">
+<a:theme xmlns:a="http://schemas.openxmlformats.org/drawingml/2006/main">
   <a:themeElements>
     <a:clrScheme name="Default">
       <a:dk1>
@@ -15586,5 +15978,7 @@
       </a:bgFillStyleLst>
     </a:fmtScheme>
   </a:themeElements>
+  <a:objectDefaults/>
+  <a:extraClrSchemeLst/>
 </a:theme>
 </file>
--- a/Team 3 – Final Project Presentation.pptx
+++ b/Team 3 – Final Project Presentation.pptx
@@ -6,15 +6,17 @@
     <p:sldMasterId id="2147483672" r:id="rId2"/>
   </p:sldMasterIdLst>
   <p:notesMasterIdLst>
-    <p:notesMasterId r:id="rId9"/>
+    <p:notesMasterId r:id="rId11"/>
   </p:notesMasterIdLst>
   <p:sldIdLst>
     <p:sldId id="256" r:id="rId3"/>
-    <p:sldId id="257" r:id="rId4"/>
-    <p:sldId id="258" r:id="rId5"/>
-    <p:sldId id="261" r:id="rId6"/>
-    <p:sldId id="259" r:id="rId7"/>
-    <p:sldId id="260" r:id="rId8"/>
+    <p:sldId id="261" r:id="rId4"/>
+    <p:sldId id="262" r:id="rId5"/>
+    <p:sldId id="258" r:id="rId6"/>
+    <p:sldId id="260" r:id="rId7"/>
+    <p:sldId id="263" r:id="rId8"/>
+    <p:sldId id="264" r:id="rId9"/>
+    <p:sldId id="259" r:id="rId10"/>
   </p:sldIdLst>
   <p:sldSz cx="9144000" cy="5143500" type="screen16x9"/>
   <p:notesSz cx="6858000" cy="9144000"/>
@@ -816,7 +818,7 @@
   <p:cSld>
     <p:spTree>
       <p:nvGrpSpPr>
-        <p:cNvPr id="1" name="Shape 126"/>
+        <p:cNvPr id="1" name="Shape 132"/>
         <p:cNvGrpSpPr/>
         <p:nvPr/>
       </p:nvGrpSpPr>
@@ -830,7 +832,7 @@
       </p:grpSpPr>
       <p:sp>
         <p:nvSpPr>
-          <p:cNvPr id="127" name="Google Shape;127;g1adff10c7b5_2_76:notes"/>
+          <p:cNvPr id="133" name="Google Shape;133;g1adff10c7b5_2_81:notes"/>
           <p:cNvSpPr txBox="1">
             <a:spLocks noGrp="1"/>
           </p:cNvSpPr>
@@ -868,7 +870,7 @@
       </p:sp>
       <p:sp>
         <p:nvSpPr>
-          <p:cNvPr id="128" name="Google Shape;128;g1adff10c7b5_2_76:notes"/>
+          <p:cNvPr id="134" name="Google Shape;134;g1adff10c7b5_2_81:notes"/>
           <p:cNvSpPr>
             <a:spLocks noGrp="1" noRot="1" noChangeAspect="1"/>
           </p:cNvSpPr>
@@ -920,7 +922,7 @@
   <p:cSld>
     <p:spTree>
       <p:nvGrpSpPr>
-        <p:cNvPr id="1" name="Shape 132"/>
+        <p:cNvPr id="1" name="Shape 143"/>
         <p:cNvGrpSpPr/>
         <p:nvPr/>
       </p:nvGrpSpPr>
@@ -934,7 +936,7 @@
       </p:grpSpPr>
       <p:sp>
         <p:nvSpPr>
-          <p:cNvPr id="133" name="Google Shape;133;g1adff10c7b5_2_81:notes"/>
+          <p:cNvPr id="144" name="Google Shape;144;g1adff10c7b5_2_90:notes"/>
           <p:cNvSpPr txBox="1">
             <a:spLocks noGrp="1"/>
           </p:cNvSpPr>
@@ -972,7 +974,7 @@
       </p:sp>
       <p:sp>
         <p:nvSpPr>
-          <p:cNvPr id="134" name="Google Shape;134;g1adff10c7b5_2_81:notes"/>
+          <p:cNvPr id="145" name="Google Shape;145;g1adff10c7b5_2_90:notes"/>
           <p:cNvSpPr>
             <a:spLocks noGrp="1" noRot="1" noChangeAspect="1"/>
           </p:cNvSpPr>
@@ -982,8 +984,8 @@
         </p:nvSpPr>
         <p:spPr>
           <a:xfrm>
-            <a:off x="1143225" y="685800"/>
-            <a:ext cx="4572225" cy="3429000"/>
+            <a:off x="381000" y="685800"/>
+            <a:ext cx="6096000" cy="3429000"/>
           </a:xfrm>
           <a:custGeom>
             <a:avLst/>
@@ -1077,110 +1079,6 @@
       <p:sp>
         <p:nvSpPr>
           <p:cNvPr id="140" name="Google Shape;140;g1adff10c7b5_2_86:notes"/>
-          <p:cNvSpPr>
-            <a:spLocks noGrp="1" noRot="1" noChangeAspect="1"/>
-          </p:cNvSpPr>
-          <p:nvPr>
-            <p:ph type="sldImg" idx="2"/>
-          </p:nvPr>
-        </p:nvSpPr>
-        <p:spPr>
-          <a:xfrm>
-            <a:off x="1143225" y="685800"/>
-            <a:ext cx="4572225" cy="3429000"/>
-          </a:xfrm>
-          <a:custGeom>
-            <a:avLst/>
-            <a:gdLst/>
-            <a:ahLst/>
-            <a:cxnLst/>
-            <a:rect l="l" t="t" r="r" b="b"/>
-            <a:pathLst>
-              <a:path w="120000" h="120000" extrusionOk="0">
-                <a:moveTo>
-                  <a:pt x="0" y="0"/>
-                </a:moveTo>
-                <a:lnTo>
-                  <a:pt x="120000" y="0"/>
-                </a:lnTo>
-                <a:lnTo>
-                  <a:pt x="120000" y="120000"/>
-                </a:lnTo>
-                <a:lnTo>
-                  <a:pt x="0" y="120000"/>
-                </a:lnTo>
-                <a:close/>
-              </a:path>
-            </a:pathLst>
-          </a:custGeom>
-        </p:spPr>
-      </p:sp>
-    </p:spTree>
-  </p:cSld>
-  <p:clrMapOvr>
-    <a:masterClrMapping/>
-  </p:clrMapOvr>
-</p:notes>
-</file>
-
-<file path=ppt/notesSlides/notesSlide5.xml><?xml version="1.0" encoding="utf-8"?>
-<p:notes xmlns:a="http://schemas.openxmlformats.org/drawingml/2006/main" xmlns:r="http://schemas.openxmlformats.org/officeDocument/2006/relationships" xmlns:p="http://schemas.openxmlformats.org/presentationml/2006/main" showMasterSp="0" showMasterPhAnim="0">
-  <p:cSld>
-    <p:spTree>
-      <p:nvGrpSpPr>
-        <p:cNvPr id="1" name="Shape 143"/>
-        <p:cNvGrpSpPr/>
-        <p:nvPr/>
-      </p:nvGrpSpPr>
-      <p:grpSpPr>
-        <a:xfrm>
-          <a:off x="0" y="0"/>
-          <a:ext cx="0" cy="0"/>
-          <a:chOff x="0" y="0"/>
-          <a:chExt cx="0" cy="0"/>
-        </a:xfrm>
-      </p:grpSpPr>
-      <p:sp>
-        <p:nvSpPr>
-          <p:cNvPr id="144" name="Google Shape;144;g1adff10c7b5_2_90:notes"/>
-          <p:cNvSpPr txBox="1">
-            <a:spLocks noGrp="1"/>
-          </p:cNvSpPr>
-          <p:nvPr>
-            <p:ph type="body" idx="1"/>
-          </p:nvPr>
-        </p:nvSpPr>
-        <p:spPr>
-          <a:xfrm>
-            <a:off x="685800" y="4343400"/>
-            <a:ext cx="5486400" cy="4114800"/>
-          </a:xfrm>
-          <a:prstGeom prst="rect">
-            <a:avLst/>
-          </a:prstGeom>
-        </p:spPr>
-        <p:txBody>
-          <a:bodyPr spcFirstLastPara="1" wrap="square" lIns="91425" tIns="91425" rIns="91425" bIns="91425" anchor="t" anchorCtr="0">
-            <a:noAutofit/>
-          </a:bodyPr>
-          <a:lstStyle/>
-          <a:p>
-            <a:pPr marL="0" lvl="0" indent="0" algn="l" rtl="0">
-              <a:spcBef>
-                <a:spcPts val="0"/>
-              </a:spcBef>
-              <a:spcAft>
-                <a:spcPts val="0"/>
-              </a:spcAft>
-              <a:buNone/>
-            </a:pPr>
-            <a:endParaRPr/>
-          </a:p>
-        </p:txBody>
-      </p:sp>
-      <p:sp>
-        <p:nvSpPr>
-          <p:cNvPr id="145" name="Google Shape;145;g1adff10c7b5_2_90:notes"/>
           <p:cNvSpPr>
             <a:spLocks noGrp="1" noRot="1" noChangeAspect="1"/>
           </p:cNvSpPr>
@@ -14371,7 +14269,7 @@
   <p:cSld>
     <p:spTree>
       <p:nvGrpSpPr>
-        <p:cNvPr id="1" name="Shape 129"/>
+        <p:cNvPr id="1" name=""/>
         <p:cNvGrpSpPr/>
         <p:nvPr/>
       </p:nvGrpSpPr>
@@ -14385,8 +14283,14 @@
       </p:grpSpPr>
       <p:sp>
         <p:nvSpPr>
-          <p:cNvPr id="130" name="Google Shape;130;p27"/>
-          <p:cNvSpPr txBox="1">
+          <p:cNvPr id="3" name="Title 2">
+            <a:extLst>
+              <a:ext uri="{FF2B5EF4-FFF2-40B4-BE49-F238E27FC236}">
+                <a16:creationId xmlns:a16="http://schemas.microsoft.com/office/drawing/2014/main" id="{78446DFD-A794-B09A-E54F-38EF3B5FFF07}"/>
+              </a:ext>
+            </a:extLst>
+          </p:cNvPr>
+          <p:cNvSpPr>
             <a:spLocks noGrp="1"/>
           </p:cNvSpPr>
           <p:nvPr>
@@ -14395,98 +14299,80 @@
         </p:nvSpPr>
         <p:spPr>
           <a:xfrm>
-            <a:off x="640753" y="377713"/>
-            <a:ext cx="7874597" cy="790687"/>
+            <a:off x="276448" y="644762"/>
+            <a:ext cx="8295610" cy="790687"/>
+          </a:xfrm>
+        </p:spPr>
+        <p:txBody>
+          <a:bodyPr>
+            <a:normAutofit fontScale="90000"/>
+          </a:bodyPr>
+          <a:lstStyle/>
+          <a:p>
+            <a:r>
+              <a:rPr lang="en-US" sz="2700" b="1" dirty="0"/>
+              <a:t>We all listen to music a lot, right? Why do you believe a song becomes popular?</a:t>
+            </a:r>
+            <a:br>
+              <a:rPr lang="en-US" sz="3200" b="1" dirty="0"/>
+            </a:br>
+            <a:endParaRPr lang="en-IN" dirty="0"/>
+          </a:p>
+        </p:txBody>
+      </p:sp>
+      <p:pic>
+        <p:nvPicPr>
+          <p:cNvPr id="4" name="Picture 2" descr="You could be better at thinking in daily life, here's how | Think">
+            <a:extLst>
+              <a:ext uri="{FF2B5EF4-FFF2-40B4-BE49-F238E27FC236}">
+                <a16:creationId xmlns:a16="http://schemas.microsoft.com/office/drawing/2014/main" id="{B987D58F-12CE-5666-6BCB-3478FBD982CC}"/>
+              </a:ext>
+            </a:extLst>
+          </p:cNvPr>
+          <p:cNvPicPr>
+            <a:picLocks noChangeAspect="1" noChangeArrowheads="1"/>
+          </p:cNvPicPr>
+          <p:nvPr/>
+        </p:nvPicPr>
+        <p:blipFill>
+          <a:blip r:embed="rId2">
+            <a:extLst>
+              <a:ext uri="{28A0092B-C50C-407E-A947-70E740481C1C}">
+                <a14:useLocalDpi xmlns:a14="http://schemas.microsoft.com/office/drawing/2010/main" val="0"/>
+              </a:ext>
+            </a:extLst>
+          </a:blip>
+          <a:srcRect/>
+          <a:stretch>
+            <a:fillRect/>
+          </a:stretch>
+        </p:blipFill>
+        <p:spPr bwMode="auto">
+          <a:xfrm>
+            <a:off x="2558902" y="1297172"/>
+            <a:ext cx="3444949" cy="2806222"/>
           </a:xfrm>
           <a:prstGeom prst="rect">
             <a:avLst/>
           </a:prstGeom>
           <a:noFill/>
-          <a:ln>
-            <a:noFill/>
-          </a:ln>
+          <a:extLst>
+            <a:ext uri="{909E8E84-426E-40DD-AFC4-6F175D3DCCD1}">
+              <a14:hiddenFill xmlns:a14="http://schemas.microsoft.com/office/drawing/2010/main">
+                <a:solidFill>
+                  <a:srgbClr val="FFFFFF"/>
+                </a:solidFill>
+              </a14:hiddenFill>
+            </a:ext>
+          </a:extLst>
         </p:spPr>
-        <p:txBody>
-          <a:bodyPr spcFirstLastPara="1" wrap="square" lIns="68575" tIns="34275" rIns="68575" bIns="34275" anchor="ctr" anchorCtr="0">
-            <a:normAutofit/>
-          </a:bodyPr>
-          <a:lstStyle/>
-          <a:p>
-            <a:pPr marL="0" lvl="0" indent="0" algn="l" rtl="0">
-              <a:lnSpc>
-                <a:spcPct val="90000"/>
-              </a:lnSpc>
-              <a:spcBef>
-                <a:spcPts val="0"/>
-              </a:spcBef>
-              <a:spcAft>
-                <a:spcPts val="0"/>
-              </a:spcAft>
-              <a:buClr>
-                <a:srgbClr val="3F3F3F"/>
-              </a:buClr>
-              <a:buSzPts val="3000"/>
-              <a:buFont typeface="Arial"/>
-              <a:buNone/>
-            </a:pPr>
-            <a:r>
-              <a:rPr lang="en"/>
-              <a:t>Problem Statement/ Objective</a:t>
-            </a:r>
-            <a:endParaRPr/>
-          </a:p>
-        </p:txBody>
-      </p:sp>
-      <p:sp>
-        <p:nvSpPr>
-          <p:cNvPr id="131" name="Google Shape;131;p27"/>
-          <p:cNvSpPr txBox="1">
-            <a:spLocks noGrp="1"/>
-          </p:cNvSpPr>
-          <p:nvPr>
-            <p:ph type="body" idx="1"/>
-          </p:nvPr>
-        </p:nvSpPr>
-        <p:spPr>
-          <a:xfrm>
-            <a:off x="628650" y="1369219"/>
-            <a:ext cx="7886700" cy="2605881"/>
-          </a:xfrm>
-          <a:prstGeom prst="rect">
-            <a:avLst/>
-          </a:prstGeom>
-          <a:noFill/>
-          <a:ln>
-            <a:noFill/>
-          </a:ln>
-        </p:spPr>
-        <p:txBody>
-          <a:bodyPr spcFirstLastPara="1" wrap="square" lIns="68575" tIns="34275" rIns="68575" bIns="34275" anchor="t" anchorCtr="0">
-            <a:normAutofit/>
-          </a:bodyPr>
-          <a:lstStyle/>
-          <a:p>
-            <a:pPr marL="0" lvl="0" indent="0" algn="l" rtl="0">
-              <a:lnSpc>
-                <a:spcPct val="90000"/>
-              </a:lnSpc>
-              <a:spcBef>
-                <a:spcPts val="0"/>
-              </a:spcBef>
-              <a:spcAft>
-                <a:spcPts val="0"/>
-              </a:spcAft>
-              <a:buClr>
-                <a:srgbClr val="595959"/>
-              </a:buClr>
-              <a:buSzPts val="2100"/>
-              <a:buNone/>
-            </a:pPr>
-            <a:endParaRPr/>
-          </a:p>
-        </p:txBody>
-      </p:sp>
+      </p:pic>
     </p:spTree>
+    <p:extLst>
+      <p:ext uri="{BB962C8B-B14F-4D97-AF65-F5344CB8AC3E}">
+        <p14:creationId xmlns:p14="http://schemas.microsoft.com/office/powerpoint/2010/main" val="3736557627"/>
+      </p:ext>
+    </p:extLst>
   </p:cSld>
   <p:clrMapOvr>
     <a:masterClrMapping/>
@@ -14495,6 +14381,135 @@
 </file>
 
 <file path=ppt/slides/slide3.xml><?xml version="1.0" encoding="utf-8"?>
+<p:sld xmlns:a="http://schemas.openxmlformats.org/drawingml/2006/main" xmlns:r="http://schemas.openxmlformats.org/officeDocument/2006/relationships" xmlns:p="http://schemas.openxmlformats.org/presentationml/2006/main">
+  <p:cSld>
+    <p:spTree>
+      <p:nvGrpSpPr>
+        <p:cNvPr id="1" name=""/>
+        <p:cNvGrpSpPr/>
+        <p:nvPr/>
+      </p:nvGrpSpPr>
+      <p:grpSpPr>
+        <a:xfrm>
+          <a:off x="0" y="0"/>
+          <a:ext cx="0" cy="0"/>
+          <a:chOff x="0" y="0"/>
+          <a:chExt cx="0" cy="0"/>
+        </a:xfrm>
+      </p:grpSpPr>
+      <p:sp>
+        <p:nvSpPr>
+          <p:cNvPr id="2" name="Title 1">
+            <a:extLst>
+              <a:ext uri="{FF2B5EF4-FFF2-40B4-BE49-F238E27FC236}">
+                <a16:creationId xmlns:a16="http://schemas.microsoft.com/office/drawing/2014/main" id="{3ED4BC00-C9A8-A95A-6657-53D103078CCD}"/>
+              </a:ext>
+            </a:extLst>
+          </p:cNvPr>
+          <p:cNvSpPr>
+            <a:spLocks noGrp="1"/>
+          </p:cNvSpPr>
+          <p:nvPr>
+            <p:ph type="title"/>
+          </p:nvPr>
+        </p:nvSpPr>
+        <p:spPr/>
+        <p:txBody>
+          <a:bodyPr>
+            <a:noAutofit/>
+          </a:bodyPr>
+          <a:lstStyle/>
+          <a:p>
+            <a:r>
+              <a:rPr lang="en-IN" sz="3000" b="1" dirty="0"/>
+              <a:t>Objective</a:t>
+            </a:r>
+          </a:p>
+        </p:txBody>
+      </p:sp>
+      <p:sp>
+        <p:nvSpPr>
+          <p:cNvPr id="3" name="Text Placeholder 2">
+            <a:extLst>
+              <a:ext uri="{FF2B5EF4-FFF2-40B4-BE49-F238E27FC236}">
+                <a16:creationId xmlns:a16="http://schemas.microsoft.com/office/drawing/2014/main" id="{8D55B3CB-02FE-9ECE-4B23-F6AE4A41C8D6}"/>
+              </a:ext>
+            </a:extLst>
+          </p:cNvPr>
+          <p:cNvSpPr>
+            <a:spLocks noGrp="1"/>
+          </p:cNvSpPr>
+          <p:nvPr>
+            <p:ph type="body" idx="1"/>
+          </p:nvPr>
+        </p:nvSpPr>
+        <p:spPr/>
+        <p:txBody>
+          <a:bodyPr/>
+          <a:lstStyle/>
+          <a:p>
+            <a:pPr>
+              <a:lnSpc>
+                <a:spcPct val="150000"/>
+              </a:lnSpc>
+            </a:pPr>
+            <a:r>
+              <a:rPr lang="en-US" sz="1800" dirty="0"/>
+              <a:t>Identifying music trends and characteristics over the past one hundred years. </a:t>
+            </a:r>
+          </a:p>
+          <a:p>
+            <a:pPr>
+              <a:lnSpc>
+                <a:spcPct val="150000"/>
+              </a:lnSpc>
+            </a:pPr>
+            <a:r>
+              <a:rPr lang="en-US" sz="1800" dirty="0"/>
+              <a:t>Spotify Data extracted from Kaggle</a:t>
+            </a:r>
+          </a:p>
+          <a:p>
+            <a:pPr>
+              <a:lnSpc>
+                <a:spcPct val="150000"/>
+              </a:lnSpc>
+            </a:pPr>
+            <a:r>
+              <a:rPr lang="en-US" sz="1800" dirty="0"/>
+              <a:t>Raw Data contained 114k+ tracks and 11 audio features</a:t>
+            </a:r>
+          </a:p>
+          <a:p>
+            <a:pPr>
+              <a:lnSpc>
+                <a:spcPct val="150000"/>
+              </a:lnSpc>
+            </a:pPr>
+            <a:r>
+              <a:rPr lang="en-US" sz="1800" dirty="0"/>
+              <a:t>Data contains information on release by year and provides numerical ratings for different characteristics of music released.</a:t>
+            </a:r>
+          </a:p>
+          <a:p>
+            <a:endParaRPr lang="en-IN" dirty="0"/>
+          </a:p>
+        </p:txBody>
+      </p:sp>
+    </p:spTree>
+    <p:extLst>
+      <p:ext uri="{BB962C8B-B14F-4D97-AF65-F5344CB8AC3E}">
+        <p14:creationId xmlns:p14="http://schemas.microsoft.com/office/powerpoint/2010/main" val="3559205285"/>
+      </p:ext>
+    </p:extLst>
+  </p:cSld>
+  <p:clrMapOvr>
+    <a:masterClrMapping/>
+  </p:clrMapOvr>
+</p:sld>
+</file>
+
+<file path=ppt/slides/slide4.xml><?xml version="1.0" encoding="utf-8"?>
 <p:sld xmlns:a="http://schemas.openxmlformats.org/drawingml/2006/main" xmlns:r="http://schemas.openxmlformats.org/officeDocument/2006/relationships" xmlns:p="http://schemas.openxmlformats.org/presentationml/2006/main">
   <p:cSld>
     <p:spTree>
@@ -14558,10 +14573,10 @@
               <a:buNone/>
             </a:pPr>
             <a:r>
-              <a:rPr lang="en"/>
+              <a:rPr lang="en" dirty="0"/>
               <a:t>SMART Questions?</a:t>
             </a:r>
-            <a:endParaRPr/>
+            <a:endParaRPr dirty="0"/>
           </a:p>
         </p:txBody>
       </p:sp>
@@ -14611,7 +14626,7 @@
               <a:buNone/>
             </a:pPr>
             <a:r>
-              <a:rPr lang="en" sz="1200" b="1" u="sng">
+              <a:rPr lang="en" sz="1200" b="1" u="sng" dirty="0">
                 <a:highlight>
                   <a:srgbClr val="FFFFFF"/>
                 </a:highlight>
@@ -14623,7 +14638,7 @@
               <a:t>S:</a:t>
             </a:r>
             <a:r>
-              <a:rPr lang="en" sz="1200">
+              <a:rPr lang="en" sz="1200" dirty="0">
                 <a:highlight>
                   <a:srgbClr val="FFFFFF"/>
                 </a:highlight>
@@ -14634,7 +14649,7 @@
               </a:rPr>
               <a:t> This question is tied to 3 specific columns in the dataset and a clear response variable, it is quite a specific question.</a:t>
             </a:r>
-            <a:endParaRPr sz="1200">
+            <a:endParaRPr sz="1200" dirty="0">
               <a:latin typeface="Arial"/>
               <a:ea typeface="Arial"/>
               <a:cs typeface="Arial"/>
@@ -14659,7 +14674,7 @@
               <a:buNone/>
             </a:pPr>
             <a:r>
-              <a:rPr lang="en" sz="1200" b="1" u="sng">
+              <a:rPr lang="en" sz="1200" b="1" u="sng" dirty="0">
                 <a:highlight>
                   <a:srgbClr val="FFFFFF"/>
                 </a:highlight>
@@ -14671,7 +14686,7 @@
               <a:t>M:</a:t>
             </a:r>
             <a:r>
-              <a:rPr lang="en" sz="1200">
+              <a:rPr lang="en" sz="1200" dirty="0">
                 <a:highlight>
                   <a:srgbClr val="FFFFFF"/>
                 </a:highlight>
@@ -14682,7 +14697,7 @@
               </a:rPr>
               <a:t> Our response variable is clearly numeric and shows how many times a song is streamed. It is easily measurable.</a:t>
             </a:r>
-            <a:endParaRPr sz="1200">
+            <a:endParaRPr sz="1200" dirty="0">
               <a:latin typeface="Arial"/>
               <a:ea typeface="Arial"/>
               <a:cs typeface="Arial"/>
@@ -14707,7 +14722,7 @@
               <a:buNone/>
             </a:pPr>
             <a:r>
-              <a:rPr lang="en" sz="1200" b="1" u="sng">
+              <a:rPr lang="en" sz="1200" b="1" u="sng" dirty="0">
                 <a:highlight>
                   <a:srgbClr val="FFFFFF"/>
                 </a:highlight>
@@ -14719,7 +14734,7 @@
               <a:t>A:</a:t>
             </a:r>
             <a:r>
-              <a:rPr lang="en" sz="1200">
+              <a:rPr lang="en" sz="1200" dirty="0">
                 <a:highlight>
                   <a:srgbClr val="FFFFFF"/>
                 </a:highlight>
@@ -14730,7 +14745,7 @@
               </a:rPr>
               <a:t> This question is quite attainable with relatively basic modelling and regression methods as all variables are pretty standard integer or categorical data.</a:t>
             </a:r>
-            <a:endParaRPr sz="1200">
+            <a:endParaRPr sz="1200" dirty="0">
               <a:latin typeface="Arial"/>
               <a:ea typeface="Arial"/>
               <a:cs typeface="Arial"/>
@@ -14755,7 +14770,7 @@
               <a:buNone/>
             </a:pPr>
             <a:r>
-              <a:rPr lang="en" sz="1200" b="1" u="sng">
+              <a:rPr lang="en" sz="1200" b="1" u="sng" dirty="0">
                 <a:highlight>
                   <a:srgbClr val="FFFFFF"/>
                 </a:highlight>
@@ -14767,7 +14782,7 @@
               <a:t>R:</a:t>
             </a:r>
             <a:r>
-              <a:rPr lang="en" sz="1200">
+              <a:rPr lang="en" sz="1200" dirty="0">
                 <a:highlight>
                   <a:srgbClr val="FFFFFF"/>
                 </a:highlight>
@@ -14778,7 +14793,7 @@
               </a:rPr>
               <a:t> This question will attempt to refine a popular song down to its core components from a music theory standpoint and give insight into creating one.</a:t>
             </a:r>
-            <a:endParaRPr sz="1200">
+            <a:endParaRPr sz="1200" dirty="0">
               <a:latin typeface="Arial"/>
               <a:ea typeface="Arial"/>
               <a:cs typeface="Arial"/>
@@ -14803,7 +14818,7 @@
               <a:buNone/>
             </a:pPr>
             <a:r>
-              <a:rPr lang="en" sz="1200" b="1" u="sng">
+              <a:rPr lang="en" sz="1200" b="1" u="sng" dirty="0">
                 <a:highlight>
                   <a:srgbClr val="FFFFFF"/>
                 </a:highlight>
@@ -14815,7 +14830,7 @@
               <a:t>T:</a:t>
             </a:r>
             <a:r>
-              <a:rPr lang="en" sz="1200">
+              <a:rPr lang="en" sz="1200" dirty="0">
                 <a:highlight>
                   <a:srgbClr val="FFFFFF"/>
                 </a:highlight>
@@ -14826,7 +14841,7 @@
               </a:rPr>
               <a:t> This project will be easily doable with a team of 4 as the dataset is quite clean from the start and the team is big enough to finish the project quickly</a:t>
             </a:r>
-            <a:endParaRPr sz="1200">
+            <a:endParaRPr sz="1200" dirty="0">
               <a:latin typeface="Arial"/>
               <a:ea typeface="Arial"/>
               <a:cs typeface="Arial"/>
@@ -14843,7 +14858,366 @@
 </p:sld>
 </file>
 
-<file path=ppt/slides/slide4.xml><?xml version="1.0" encoding="utf-8"?>
+<file path=ppt/slides/slide5.xml><?xml version="1.0" encoding="utf-8"?>
+<p:sld xmlns:a="http://schemas.openxmlformats.org/drawingml/2006/main" xmlns:r="http://schemas.openxmlformats.org/officeDocument/2006/relationships" xmlns:p="http://schemas.openxmlformats.org/presentationml/2006/main">
+  <p:cSld>
+    <p:spTree>
+      <p:nvGrpSpPr>
+        <p:cNvPr id="1" name="Shape 146"/>
+        <p:cNvGrpSpPr/>
+        <p:nvPr/>
+      </p:nvGrpSpPr>
+      <p:grpSpPr>
+        <a:xfrm>
+          <a:off x="0" y="0"/>
+          <a:ext cx="0" cy="0"/>
+          <a:chOff x="0" y="0"/>
+          <a:chExt cx="0" cy="0"/>
+        </a:xfrm>
+      </p:grpSpPr>
+      <p:sp>
+        <p:nvSpPr>
+          <p:cNvPr id="147" name="Google Shape;147;p30"/>
+          <p:cNvSpPr txBox="1">
+            <a:spLocks noGrp="1"/>
+          </p:cNvSpPr>
+          <p:nvPr>
+            <p:ph type="title"/>
+          </p:nvPr>
+        </p:nvSpPr>
+        <p:spPr>
+          <a:xfrm>
+            <a:off x="320040" y="98994"/>
+            <a:ext cx="7874597" cy="790687"/>
+          </a:xfrm>
+          <a:prstGeom prst="rect">
+            <a:avLst/>
+          </a:prstGeom>
+          <a:noFill/>
+          <a:ln>
+            <a:noFill/>
+          </a:ln>
+        </p:spPr>
+        <p:txBody>
+          <a:bodyPr spcFirstLastPara="1" wrap="square" lIns="68575" tIns="34275" rIns="68575" bIns="34275" anchor="ctr" anchorCtr="0">
+            <a:normAutofit/>
+          </a:bodyPr>
+          <a:lstStyle/>
+          <a:p>
+            <a:pPr marL="0" lvl="0" indent="0" algn="l" rtl="0">
+              <a:lnSpc>
+                <a:spcPct val="90000"/>
+              </a:lnSpc>
+              <a:spcBef>
+                <a:spcPts val="0"/>
+              </a:spcBef>
+              <a:spcAft>
+                <a:spcPts val="0"/>
+              </a:spcAft>
+              <a:buClr>
+                <a:srgbClr val="3F3F3F"/>
+              </a:buClr>
+              <a:buSzPts val="3000"/>
+              <a:buFont typeface="Arial"/>
+              <a:buNone/>
+            </a:pPr>
+            <a:r>
+              <a:rPr lang="en" dirty="0"/>
+              <a:t>Dataset Description</a:t>
+            </a:r>
+            <a:endParaRPr dirty="0"/>
+          </a:p>
+        </p:txBody>
+      </p:sp>
+      <p:sp>
+        <p:nvSpPr>
+          <p:cNvPr id="148" name="Google Shape;148;p30"/>
+          <p:cNvSpPr txBox="1">
+            <a:spLocks noGrp="1"/>
+          </p:cNvSpPr>
+          <p:nvPr>
+            <p:ph type="body" idx="1"/>
+          </p:nvPr>
+        </p:nvSpPr>
+        <p:spPr>
+          <a:xfrm>
+            <a:off x="320040" y="886227"/>
+            <a:ext cx="7886700" cy="2962759"/>
+          </a:xfrm>
+          <a:prstGeom prst="rect">
+            <a:avLst/>
+          </a:prstGeom>
+          <a:noFill/>
+          <a:ln>
+            <a:noFill/>
+          </a:ln>
+        </p:spPr>
+        <p:txBody>
+          <a:bodyPr spcFirstLastPara="1" wrap="square" lIns="68575" tIns="34275" rIns="68575" bIns="34275" anchor="t" anchorCtr="0">
+            <a:normAutofit fontScale="25000" lnSpcReduction="20000"/>
+          </a:bodyPr>
+          <a:lstStyle/>
+          <a:p>
+            <a:pPr marL="285750" lvl="0" indent="-285750" algn="l" rtl="0">
+              <a:lnSpc>
+                <a:spcPct val="150000"/>
+              </a:lnSpc>
+              <a:spcBef>
+                <a:spcPts val="0"/>
+              </a:spcBef>
+              <a:spcAft>
+                <a:spcPts val="0"/>
+              </a:spcAft>
+              <a:buClr>
+                <a:srgbClr val="595959"/>
+              </a:buClr>
+              <a:buSzPts val="2100"/>
+              <a:buFont typeface="Arial" panose="020B0604020202020204" pitchFamily="34" charset="0"/>
+              <a:buChar char="•"/>
+            </a:pPr>
+            <a:r>
+              <a:rPr lang="en" sz="4800" dirty="0"/>
+              <a:t>This is a spotify dataset, which has songs from over 1000 artists and covers about 125 different genres. This dataset was created using Spotify API.</a:t>
+            </a:r>
+          </a:p>
+          <a:p>
+            <a:pPr marL="285750" lvl="0" indent="-285750" algn="l" rtl="0">
+              <a:lnSpc>
+                <a:spcPct val="150000"/>
+              </a:lnSpc>
+              <a:spcBef>
+                <a:spcPts val="0"/>
+              </a:spcBef>
+              <a:spcAft>
+                <a:spcPts val="0"/>
+              </a:spcAft>
+              <a:buClr>
+                <a:srgbClr val="595959"/>
+              </a:buClr>
+              <a:buSzPts val="2100"/>
+              <a:buFont typeface="Arial" panose="020B0604020202020204" pitchFamily="34" charset="0"/>
+              <a:buChar char="•"/>
+            </a:pPr>
+            <a:r>
+              <a:rPr lang="en" sz="4800" dirty="0"/>
+              <a:t>114K observations and 21 columns.</a:t>
+            </a:r>
+          </a:p>
+          <a:p>
+            <a:pPr marL="285750" lvl="0" indent="-285750" algn="l" rtl="0">
+              <a:lnSpc>
+                <a:spcPct val="150000"/>
+              </a:lnSpc>
+              <a:spcBef>
+                <a:spcPts val="0"/>
+              </a:spcBef>
+              <a:spcAft>
+                <a:spcPts val="0"/>
+              </a:spcAft>
+              <a:buClr>
+                <a:srgbClr val="595959"/>
+              </a:buClr>
+              <a:buSzPts val="2100"/>
+              <a:buFont typeface="Arial" panose="020B0604020202020204" pitchFamily="34" charset="0"/>
+              <a:buChar char="•"/>
+            </a:pPr>
+            <a:r>
+              <a:rPr lang="en" sz="4800" dirty="0"/>
+              <a:t>The popularity column is of type ‘int’ and has a range 0 to 100.</a:t>
+            </a:r>
+          </a:p>
+          <a:p>
+            <a:pPr marL="285750" lvl="0" indent="-285750" algn="l" rtl="0">
+              <a:lnSpc>
+                <a:spcPct val="150000"/>
+              </a:lnSpc>
+              <a:spcBef>
+                <a:spcPts val="0"/>
+              </a:spcBef>
+              <a:spcAft>
+                <a:spcPts val="0"/>
+              </a:spcAft>
+              <a:buClr>
+                <a:srgbClr val="595959"/>
+              </a:buClr>
+              <a:buSzPts val="2100"/>
+              <a:buFont typeface="Arial" panose="020B0604020202020204" pitchFamily="34" charset="0"/>
+              <a:buChar char="•"/>
+            </a:pPr>
+            <a:r>
+              <a:rPr lang="en" sz="4800" dirty="0"/>
+              <a:t>Our dataset is clean and all variables are standard integer or categorical data.</a:t>
+            </a:r>
+          </a:p>
+          <a:p>
+            <a:pPr marL="285750" indent="-285750">
+              <a:lnSpc>
+                <a:spcPct val="150000"/>
+              </a:lnSpc>
+              <a:spcBef>
+                <a:spcPts val="0"/>
+              </a:spcBef>
+              <a:buFont typeface="Arial" panose="020B0604020202020204" pitchFamily="34" charset="0"/>
+              <a:buChar char="•"/>
+            </a:pPr>
+            <a:r>
+              <a:rPr lang="en-IN" sz="4800" dirty="0"/>
+              <a:t>Since there were no NA values, no observations were dropped.</a:t>
+            </a:r>
+          </a:p>
+          <a:p>
+            <a:pPr marL="285750" indent="-285750">
+              <a:lnSpc>
+                <a:spcPct val="150000"/>
+              </a:lnSpc>
+              <a:spcBef>
+                <a:spcPts val="0"/>
+              </a:spcBef>
+              <a:buFont typeface="Arial" panose="020B0604020202020204" pitchFamily="34" charset="0"/>
+              <a:buChar char="•"/>
+            </a:pPr>
+            <a:r>
+              <a:rPr lang="en-US" sz="4800" dirty="0"/>
+              <a:t>Loudness is measured in Db (-60 to 0db)</a:t>
+            </a:r>
+            <a:endParaRPr lang="en" sz="4800" dirty="0"/>
+          </a:p>
+          <a:p>
+            <a:pPr marL="285750" lvl="0" indent="-285750" algn="l" rtl="0">
+              <a:lnSpc>
+                <a:spcPct val="150000"/>
+              </a:lnSpc>
+              <a:spcBef>
+                <a:spcPts val="0"/>
+              </a:spcBef>
+              <a:spcAft>
+                <a:spcPts val="0"/>
+              </a:spcAft>
+              <a:buClr>
+                <a:srgbClr val="595959"/>
+              </a:buClr>
+              <a:buSzPts val="2100"/>
+              <a:buFont typeface="Arial" panose="020B0604020202020204" pitchFamily="34" charset="0"/>
+              <a:buChar char="•"/>
+            </a:pPr>
+            <a:r>
+              <a:rPr lang="en" sz="4800" dirty="0"/>
+              <a:t>Models used:</a:t>
+            </a:r>
+          </a:p>
+          <a:p>
+            <a:pPr marL="0" lvl="0" indent="0" algn="l" rtl="0">
+              <a:lnSpc>
+                <a:spcPct val="150000"/>
+              </a:lnSpc>
+              <a:spcBef>
+                <a:spcPts val="0"/>
+              </a:spcBef>
+              <a:spcAft>
+                <a:spcPts val="0"/>
+              </a:spcAft>
+              <a:buClr>
+                <a:srgbClr val="595959"/>
+              </a:buClr>
+              <a:buSzPts val="2100"/>
+            </a:pPr>
+            <a:r>
+              <a:rPr lang="en" sz="4800" dirty="0"/>
+              <a:t>      i) KNN</a:t>
+            </a:r>
+          </a:p>
+          <a:p>
+            <a:pPr marL="0" lvl="0" indent="0" algn="l" rtl="0">
+              <a:lnSpc>
+                <a:spcPct val="150000"/>
+              </a:lnSpc>
+              <a:spcBef>
+                <a:spcPts val="0"/>
+              </a:spcBef>
+              <a:spcAft>
+                <a:spcPts val="0"/>
+              </a:spcAft>
+              <a:buClr>
+                <a:srgbClr val="595959"/>
+              </a:buClr>
+              <a:buSzPts val="2100"/>
+            </a:pPr>
+            <a:r>
+              <a:rPr lang="en" sz="4800" dirty="0"/>
+              <a:t>      ii) XGBoost</a:t>
+            </a:r>
+          </a:p>
+          <a:p>
+            <a:pPr marL="0" indent="0">
+              <a:lnSpc>
+                <a:spcPct val="150000"/>
+              </a:lnSpc>
+              <a:spcBef>
+                <a:spcPts val="0"/>
+              </a:spcBef>
+            </a:pPr>
+            <a:r>
+              <a:rPr lang="en" sz="4800" dirty="0"/>
+              <a:t>      iii) </a:t>
+            </a:r>
+            <a:r>
+              <a:rPr lang="en-IN" sz="4800" dirty="0"/>
+              <a:t>Polynomial Regression</a:t>
+            </a:r>
+          </a:p>
+          <a:p>
+            <a:pPr marL="0" indent="0">
+              <a:lnSpc>
+                <a:spcPct val="150000"/>
+              </a:lnSpc>
+              <a:spcBef>
+                <a:spcPts val="0"/>
+              </a:spcBef>
+            </a:pPr>
+            <a:r>
+              <a:rPr lang="en-IN" sz="4800" dirty="0"/>
+              <a:t>      iv) Multi-Linear Regression</a:t>
+            </a:r>
+          </a:p>
+          <a:p>
+            <a:br>
+              <a:rPr lang="en-IN" sz="4000" dirty="0"/>
+            </a:br>
+            <a:endParaRPr lang="en" sz="4800" dirty="0"/>
+          </a:p>
+          <a:p>
+            <a:pPr marL="0" lvl="0" indent="0" algn="l" rtl="0">
+              <a:lnSpc>
+                <a:spcPct val="90000"/>
+              </a:lnSpc>
+              <a:spcBef>
+                <a:spcPts val="0"/>
+              </a:spcBef>
+              <a:spcAft>
+                <a:spcPts val="0"/>
+              </a:spcAft>
+              <a:buClr>
+                <a:srgbClr val="595959"/>
+              </a:buClr>
+              <a:buSzPts val="2100"/>
+            </a:pPr>
+            <a:r>
+              <a:rPr lang="en" sz="1600" dirty="0"/>
+              <a:t>     </a:t>
+            </a:r>
+            <a:endParaRPr sz="1600" dirty="0"/>
+          </a:p>
+        </p:txBody>
+      </p:sp>
+    </p:spTree>
+  </p:cSld>
+  <p:clrMapOvr>
+    <a:masterClrMapping/>
+  </p:clrMapOvr>
+</p:sld>
+</file>
+
+<file path=ppt/slides/slide6.xml><?xml version="1.0" encoding="utf-8"?>
 <p:sld xmlns:a="http://schemas.openxmlformats.org/drawingml/2006/main" xmlns:r="http://schemas.openxmlformats.org/officeDocument/2006/relationships" xmlns:p="http://schemas.openxmlformats.org/presentationml/2006/main">
   <p:cSld>
     <p:spTree>
@@ -14862,10 +15236,173 @@
       </p:grpSpPr>
       <p:sp>
         <p:nvSpPr>
-          <p:cNvPr id="2" name="Text Placeholder 1">
+          <p:cNvPr id="2" name="Title 1">
             <a:extLst>
               <a:ext uri="{FF2B5EF4-FFF2-40B4-BE49-F238E27FC236}">
-                <a16:creationId xmlns:a16="http://schemas.microsoft.com/office/drawing/2014/main" id="{988FCCF2-E44D-35FD-0F32-28703AAD65CD}"/>
+                <a16:creationId xmlns:a16="http://schemas.microsoft.com/office/drawing/2014/main" id="{E5F9F698-5694-CEFE-33F6-F1C01E99B85A}"/>
+              </a:ext>
+            </a:extLst>
+          </p:cNvPr>
+          <p:cNvSpPr>
+            <a:spLocks noGrp="1"/>
+          </p:cNvSpPr>
+          <p:nvPr>
+            <p:ph type="title"/>
+          </p:nvPr>
+        </p:nvSpPr>
+        <p:spPr/>
+        <p:txBody>
+          <a:bodyPr>
+            <a:noAutofit/>
+          </a:bodyPr>
+          <a:lstStyle/>
+          <a:p>
+            <a:r>
+              <a:rPr lang="en-US" sz="3000" b="1" dirty="0"/>
+              <a:t>Data Cleanup &amp; Exploration</a:t>
+            </a:r>
+            <a:endParaRPr lang="en-IN" sz="3000" b="1" dirty="0"/>
+          </a:p>
+        </p:txBody>
+      </p:sp>
+      <p:sp>
+        <p:nvSpPr>
+          <p:cNvPr id="3" name="Text Placeholder 2">
+            <a:extLst>
+              <a:ext uri="{FF2B5EF4-FFF2-40B4-BE49-F238E27FC236}">
+                <a16:creationId xmlns:a16="http://schemas.microsoft.com/office/drawing/2014/main" id="{18995D69-8549-F544-D015-CCB79D76A1ED}"/>
+              </a:ext>
+            </a:extLst>
+          </p:cNvPr>
+          <p:cNvSpPr>
+            <a:spLocks noGrp="1"/>
+          </p:cNvSpPr>
+          <p:nvPr>
+            <p:ph type="body" idx="1"/>
+          </p:nvPr>
+        </p:nvSpPr>
+        <p:spPr>
+          <a:xfrm>
+            <a:off x="247904" y="1131210"/>
+            <a:ext cx="8520600" cy="3416400"/>
+          </a:xfrm>
+        </p:spPr>
+        <p:txBody>
+          <a:bodyPr/>
+          <a:lstStyle/>
+          <a:p>
+            <a:r>
+              <a:rPr lang="en-US" sz="1600" dirty="0"/>
+              <a:t>Our Data frame did not have any Null values.</a:t>
+            </a:r>
+          </a:p>
+          <a:p>
+            <a:r>
+              <a:rPr lang="en-US" sz="1600" dirty="0"/>
+              <a:t>No data type conversion was needed.</a:t>
+            </a:r>
+          </a:p>
+          <a:p>
+            <a:endParaRPr lang="en-IN" dirty="0"/>
+          </a:p>
+        </p:txBody>
+      </p:sp>
+      <p:pic>
+        <p:nvPicPr>
+          <p:cNvPr id="4" name="Picture 3" descr="Table&#10;&#10;Description automatically generated">
+            <a:extLst>
+              <a:ext uri="{FF2B5EF4-FFF2-40B4-BE49-F238E27FC236}">
+                <a16:creationId xmlns:a16="http://schemas.microsoft.com/office/drawing/2014/main" id="{6DD9592C-A3CC-7318-6CCE-3FD2B6296BE9}"/>
+              </a:ext>
+            </a:extLst>
+          </p:cNvPr>
+          <p:cNvPicPr>
+            <a:picLocks noChangeAspect="1"/>
+          </p:cNvPicPr>
+          <p:nvPr/>
+        </p:nvPicPr>
+        <p:blipFill>
+          <a:blip r:embed="rId2"/>
+          <a:stretch>
+            <a:fillRect/>
+          </a:stretch>
+        </p:blipFill>
+        <p:spPr>
+          <a:xfrm>
+            <a:off x="489098" y="2027274"/>
+            <a:ext cx="8028115" cy="2353340"/>
+          </a:xfrm>
+          <a:prstGeom prst="rect">
+            <a:avLst/>
+          </a:prstGeom>
+        </p:spPr>
+      </p:pic>
+    </p:spTree>
+    <p:extLst>
+      <p:ext uri="{BB962C8B-B14F-4D97-AF65-F5344CB8AC3E}">
+        <p14:creationId xmlns:p14="http://schemas.microsoft.com/office/powerpoint/2010/main" val="2181978714"/>
+      </p:ext>
+    </p:extLst>
+  </p:cSld>
+  <p:clrMapOvr>
+    <a:masterClrMapping/>
+  </p:clrMapOvr>
+</p:sld>
+</file>
+
+<file path=ppt/slides/slide7.xml><?xml version="1.0" encoding="utf-8"?>
+<p:sld xmlns:a="http://schemas.openxmlformats.org/drawingml/2006/main" xmlns:r="http://schemas.openxmlformats.org/officeDocument/2006/relationships" xmlns:p="http://schemas.openxmlformats.org/presentationml/2006/main">
+  <p:cSld>
+    <p:spTree>
+      <p:nvGrpSpPr>
+        <p:cNvPr id="1" name=""/>
+        <p:cNvGrpSpPr/>
+        <p:nvPr/>
+      </p:nvGrpSpPr>
+      <p:grpSpPr>
+        <a:xfrm>
+          <a:off x="0" y="0"/>
+          <a:ext cx="0" cy="0"/>
+          <a:chOff x="0" y="0"/>
+          <a:chExt cx="0" cy="0"/>
+        </a:xfrm>
+      </p:grpSpPr>
+      <p:sp>
+        <p:nvSpPr>
+          <p:cNvPr id="2" name="Title 1">
+            <a:extLst>
+              <a:ext uri="{FF2B5EF4-FFF2-40B4-BE49-F238E27FC236}">
+                <a16:creationId xmlns:a16="http://schemas.microsoft.com/office/drawing/2014/main" id="{580E585C-D509-4339-5FD4-435A47BFA4C0}"/>
+              </a:ext>
+            </a:extLst>
+          </p:cNvPr>
+          <p:cNvSpPr>
+            <a:spLocks noGrp="1"/>
+          </p:cNvSpPr>
+          <p:nvPr>
+            <p:ph type="title"/>
+          </p:nvPr>
+        </p:nvSpPr>
+        <p:spPr/>
+        <p:txBody>
+          <a:bodyPr>
+            <a:normAutofit fontScale="90000"/>
+          </a:bodyPr>
+          <a:lstStyle/>
+          <a:p>
+            <a:r>
+              <a:rPr lang="en-IN" b="1" dirty="0"/>
+              <a:t>Summary</a:t>
+            </a:r>
+          </a:p>
+        </p:txBody>
+      </p:sp>
+      <p:sp>
+        <p:nvSpPr>
+          <p:cNvPr id="3" name="Text Placeholder 2">
+            <a:extLst>
+              <a:ext uri="{FF2B5EF4-FFF2-40B4-BE49-F238E27FC236}">
+                <a16:creationId xmlns:a16="http://schemas.microsoft.com/office/drawing/2014/main" id="{D9BE4FE2-A70F-9C24-0FAB-A0014CF2D6ED}"/>
               </a:ext>
             </a:extLst>
           </p:cNvPr>
@@ -14881,45 +15418,14 @@
           <a:bodyPr/>
           <a:lstStyle/>
           <a:p>
-            <a:r>
-              <a:rPr lang="en-US" dirty="0"/>
-              <a:t>POOJA START HERE</a:t>
-            </a:r>
-          </a:p>
-        </p:txBody>
-      </p:sp>
-      <p:sp>
-        <p:nvSpPr>
-          <p:cNvPr id="3" name="Title 2">
-            <a:extLst>
-              <a:ext uri="{FF2B5EF4-FFF2-40B4-BE49-F238E27FC236}">
-                <a16:creationId xmlns:a16="http://schemas.microsoft.com/office/drawing/2014/main" id="{6FEEE0E3-AAA4-491D-06D0-35680B3C7906}"/>
-              </a:ext>
-            </a:extLst>
-          </p:cNvPr>
-          <p:cNvSpPr>
-            <a:spLocks noGrp="1"/>
-          </p:cNvSpPr>
-          <p:nvPr>
-            <p:ph type="title"/>
-          </p:nvPr>
-        </p:nvSpPr>
-        <p:spPr/>
-        <p:txBody>
-          <a:bodyPr/>
-          <a:lstStyle/>
-          <a:p>
-            <a:r>
-              <a:rPr lang="en-US" dirty="0"/>
-              <a:t>DELETE LATER</a:t>
-            </a:r>
+            <a:endParaRPr lang="en-IN" dirty="0"/>
           </a:p>
         </p:txBody>
       </p:sp>
     </p:spTree>
     <p:extLst>
       <p:ext uri="{BB962C8B-B14F-4D97-AF65-F5344CB8AC3E}">
-        <p14:creationId xmlns:p14="http://schemas.microsoft.com/office/powerpoint/2010/main" val="2766247055"/>
+        <p14:creationId xmlns:p14="http://schemas.microsoft.com/office/powerpoint/2010/main" val="2668814420"/>
       </p:ext>
     </p:extLst>
   </p:cSld>
@@ -14929,7 +15435,7 @@
 </p:sld>
 </file>
 
-<file path=ppt/slides/slide5.xml><?xml version="1.0" encoding="utf-8"?>
+<file path=ppt/slides/slide8.xml><?xml version="1.0" encoding="utf-8"?>
 <p:sld xmlns:a="http://schemas.openxmlformats.org/drawingml/2006/main" xmlns:r="http://schemas.openxmlformats.org/officeDocument/2006/relationships" xmlns:p="http://schemas.openxmlformats.org/presentationml/2006/main">
   <p:cSld>
     <p:spTree>
@@ -14995,138 +15501,6 @@
             <a:r>
               <a:rPr lang="en"/>
               <a:t>EXPLORATORY DATA ANALYSIS</a:t>
-            </a:r>
-            <a:endParaRPr/>
-          </a:p>
-        </p:txBody>
-      </p:sp>
-    </p:spTree>
-  </p:cSld>
-  <p:clrMapOvr>
-    <a:masterClrMapping/>
-  </p:clrMapOvr>
-</p:sld>
-</file>
-
-<file path=ppt/slides/slide6.xml><?xml version="1.0" encoding="utf-8"?>
-<p:sld xmlns:a="http://schemas.openxmlformats.org/drawingml/2006/main" xmlns:r="http://schemas.openxmlformats.org/officeDocument/2006/relationships" xmlns:p="http://schemas.openxmlformats.org/presentationml/2006/main">
-  <p:cSld>
-    <p:spTree>
-      <p:nvGrpSpPr>
-        <p:cNvPr id="1" name="Shape 146"/>
-        <p:cNvGrpSpPr/>
-        <p:nvPr/>
-      </p:nvGrpSpPr>
-      <p:grpSpPr>
-        <a:xfrm>
-          <a:off x="0" y="0"/>
-          <a:ext cx="0" cy="0"/>
-          <a:chOff x="0" y="0"/>
-          <a:chExt cx="0" cy="0"/>
-        </a:xfrm>
-      </p:grpSpPr>
-      <p:sp>
-        <p:nvSpPr>
-          <p:cNvPr id="147" name="Google Shape;147;p30"/>
-          <p:cNvSpPr txBox="1">
-            <a:spLocks noGrp="1"/>
-          </p:cNvSpPr>
-          <p:nvPr>
-            <p:ph type="title"/>
-          </p:nvPr>
-        </p:nvSpPr>
-        <p:spPr>
-          <a:xfrm>
-            <a:off x="320040" y="98994"/>
-            <a:ext cx="7874597" cy="790687"/>
-          </a:xfrm>
-          <a:prstGeom prst="rect">
-            <a:avLst/>
-          </a:prstGeom>
-          <a:noFill/>
-          <a:ln>
-            <a:noFill/>
-          </a:ln>
-        </p:spPr>
-        <p:txBody>
-          <a:bodyPr spcFirstLastPara="1" wrap="square" lIns="68575" tIns="34275" rIns="68575" bIns="34275" anchor="ctr" anchorCtr="0">
-            <a:normAutofit/>
-          </a:bodyPr>
-          <a:lstStyle/>
-          <a:p>
-            <a:pPr marL="0" lvl="0" indent="0" algn="l" rtl="0">
-              <a:lnSpc>
-                <a:spcPct val="90000"/>
-              </a:lnSpc>
-              <a:spcBef>
-                <a:spcPts val="0"/>
-              </a:spcBef>
-              <a:spcAft>
-                <a:spcPts val="0"/>
-              </a:spcAft>
-              <a:buClr>
-                <a:srgbClr val="3F3F3F"/>
-              </a:buClr>
-              <a:buSzPts val="3000"/>
-              <a:buFont typeface="Arial"/>
-              <a:buNone/>
-            </a:pPr>
-            <a:r>
-              <a:rPr lang="en"/>
-              <a:t>Data Description</a:t>
-            </a:r>
-            <a:endParaRPr/>
-          </a:p>
-        </p:txBody>
-      </p:sp>
-      <p:sp>
-        <p:nvSpPr>
-          <p:cNvPr id="148" name="Google Shape;148;p30"/>
-          <p:cNvSpPr txBox="1">
-            <a:spLocks noGrp="1"/>
-          </p:cNvSpPr>
-          <p:nvPr>
-            <p:ph type="body" idx="1"/>
-          </p:nvPr>
-        </p:nvSpPr>
-        <p:spPr>
-          <a:xfrm>
-            <a:off x="628650" y="1369219"/>
-            <a:ext cx="7886700" cy="2605881"/>
-          </a:xfrm>
-          <a:prstGeom prst="rect">
-            <a:avLst/>
-          </a:prstGeom>
-          <a:noFill/>
-          <a:ln>
-            <a:noFill/>
-          </a:ln>
-        </p:spPr>
-        <p:txBody>
-          <a:bodyPr spcFirstLastPara="1" wrap="square" lIns="68575" tIns="34275" rIns="68575" bIns="34275" anchor="t" anchorCtr="0">
-            <a:normAutofit/>
-          </a:bodyPr>
-          <a:lstStyle/>
-          <a:p>
-            <a:pPr marL="0" lvl="0" indent="0" algn="l" rtl="0">
-              <a:lnSpc>
-                <a:spcPct val="90000"/>
-              </a:lnSpc>
-              <a:spcBef>
-                <a:spcPts val="0"/>
-              </a:spcBef>
-              <a:spcAft>
-                <a:spcPts val="0"/>
-              </a:spcAft>
-              <a:buClr>
-                <a:srgbClr val="595959"/>
-              </a:buClr>
-              <a:buSzPts val="2100"/>
-              <a:buNone/>
-            </a:pPr>
-            <a:r>
-              <a:rPr lang="en"/>
-              <a:t>The</a:t>
             </a:r>
             <a:endParaRPr/>
           </a:p>
